--- a/Review/[3] Literature mining, ontologies and information visualization for drug repurposing/Literature mining, ontologies and information visualization for.pptx
+++ b/Review/[3] Literature mining, ontologies and information visualization for drug repurposing/Literature mining, ontologies and information visualization for.pptx
@@ -7,8 +7,12 @@
   <p:sldIdLst>
     <p:sldId id="256" r:id="rId2"/>
     <p:sldId id="257" r:id="rId3"/>
-    <p:sldId id="258" r:id="rId4"/>
-    <p:sldId id="259" r:id="rId5"/>
+    <p:sldId id="261" r:id="rId4"/>
+    <p:sldId id="263" r:id="rId5"/>
+    <p:sldId id="264" r:id="rId6"/>
+    <p:sldId id="262" r:id="rId7"/>
+    <p:sldId id="259" r:id="rId8"/>
+    <p:sldId id="260" r:id="rId9"/>
   </p:sldIdLst>
   <p:sldSz cx="12192000" cy="6858000"/>
   <p:notesSz cx="6858000" cy="9144000"/>
@@ -107,6 +111,11 @@
       </a:defRPr>
     </a:lvl9pPr>
   </p:defaultTextStyle>
+  <p:extLst>
+    <p:ext uri="{EFAFB233-063F-42B5-8137-9DF3F51BA10A}">
+      <p15:sldGuideLst xmlns:p15="http://schemas.microsoft.com/office/powerpoint/2012/main"/>
+    </p:ext>
+  </p:extLst>
 </p:presentation>
 </file>
 
@@ -3238,39 +3247,143 @@
           <a:lstStyle/>
           <a:p>
             <a:r>
+              <a:rPr lang="en-US" altLang="ko-KR" dirty="0"/>
+              <a:t>Literature </a:t>
+            </a:r>
+            <a:r>
               <a:rPr lang="en-US" altLang="ko-KR" dirty="0" smtClean="0"/>
-              <a:t>DRUG REPURPOSING APPLICATION</a:t>
+              <a:t>Mining</a:t>
+            </a:r>
+            <a:endParaRPr lang="en-US" altLang="ko-KR" dirty="0"/>
+          </a:p>
+        </p:txBody>
+      </p:sp>
+      <p:sp>
+        <p:nvSpPr>
+          <p:cNvPr id="3" name="내용 개체 틀 2"/>
+          <p:cNvSpPr>
+            <a:spLocks noGrp="1"/>
+          </p:cNvSpPr>
+          <p:nvPr>
+            <p:ph idx="1"/>
+          </p:nvPr>
+        </p:nvSpPr>
+        <p:spPr>
+          <a:xfrm>
+            <a:off x="994955" y="2756263"/>
+            <a:ext cx="4883331" cy="3355386"/>
+          </a:xfrm>
+        </p:spPr>
+        <p:txBody>
+          <a:bodyPr/>
+          <a:lstStyle/>
+          <a:p>
+            <a:r>
+              <a:rPr lang="en-US" altLang="ko-KR" dirty="0" smtClean="0"/>
+              <a:t>the most widely used repository of biomedical articles.</a:t>
+            </a:r>
+          </a:p>
+          <a:p>
+            <a:r>
+              <a:rPr lang="en-US" altLang="ko-KR" dirty="0" smtClean="0"/>
+              <a:t>containing over 20 million abstracts.</a:t>
+            </a:r>
+          </a:p>
+          <a:p>
+            <a:r>
+              <a:rPr lang="en-US" altLang="ko-KR" dirty="0"/>
+              <a:t>g</a:t>
+            </a:r>
+            <a:r>
+              <a:rPr lang="en-US" altLang="ko-KR" dirty="0" smtClean="0"/>
+              <a:t>rowing rapidly.</a:t>
             </a:r>
             <a:endParaRPr lang="ko-KR" altLang="en-US" dirty="0"/>
           </a:p>
-        </p:txBody>
-      </p:sp>
-      <p:sp>
-        <p:nvSpPr>
-          <p:cNvPr id="3" name="내용 개체 틀 2"/>
-          <p:cNvSpPr>
-            <a:spLocks noGrp="1"/>
-          </p:cNvSpPr>
-          <p:nvPr>
-            <p:ph idx="1"/>
-          </p:nvPr>
-        </p:nvSpPr>
-        <p:spPr/>
-        <p:txBody>
-          <a:bodyPr/>
-          <a:lstStyle/>
+          <a:p>
+            <a:endParaRPr lang="ko-KR" altLang="en-US" dirty="0"/>
+          </a:p>
+          <a:p>
+            <a:endParaRPr lang="ko-KR" altLang="en-US" dirty="0"/>
+          </a:p>
+          <a:p>
+            <a:endParaRPr lang="en-US" altLang="ko-KR" dirty="0" smtClean="0"/>
+          </a:p>
           <a:p>
             <a:pPr marL="0" indent="0">
               <a:buNone/>
             </a:pPr>
             <a:endParaRPr lang="ko-KR" altLang="en-US" dirty="0"/>
+          </a:p>
+        </p:txBody>
+      </p:sp>
+      <p:pic>
+        <p:nvPicPr>
+          <p:cNvPr id="5" name="그림 4"/>
+          <p:cNvPicPr>
+            <a:picLocks noChangeAspect="1"/>
+          </p:cNvPicPr>
+          <p:nvPr/>
+        </p:nvPicPr>
+        <p:blipFill>
+          <a:blip r:embed="rId2">
+            <a:extLst>
+              <a:ext uri="{28A0092B-C50C-407E-A947-70E740481C1C}">
+                <a14:useLocalDpi xmlns:a14="http://schemas.microsoft.com/office/drawing/2010/main" val="0"/>
+              </a:ext>
+            </a:extLst>
+          </a:blip>
+          <a:stretch>
+            <a:fillRect/>
+          </a:stretch>
+        </p:blipFill>
+        <p:spPr>
+          <a:xfrm>
+            <a:off x="6009529" y="2051299"/>
+            <a:ext cx="5344271" cy="3591426"/>
+          </a:xfrm>
+          <a:prstGeom prst="rect">
+            <a:avLst/>
+          </a:prstGeom>
+        </p:spPr>
+      </p:pic>
+      <p:sp>
+        <p:nvSpPr>
+          <p:cNvPr id="6" name="직사각형 5"/>
+          <p:cNvSpPr/>
+          <p:nvPr/>
+        </p:nvSpPr>
+        <p:spPr>
+          <a:xfrm>
+            <a:off x="585552" y="2071465"/>
+            <a:ext cx="2654037" cy="584775"/>
+          </a:xfrm>
+          <a:prstGeom prst="rect">
+            <a:avLst/>
+          </a:prstGeom>
+        </p:spPr>
+        <p:txBody>
+          <a:bodyPr wrap="square">
+            <a:spAutoFit/>
+          </a:bodyPr>
+          <a:lstStyle/>
+          <a:p>
+            <a:r>
+              <a:rPr lang="en-US" altLang="ko-KR" sz="3200" dirty="0"/>
+              <a:t>PubMed </a:t>
+            </a:r>
+            <a:r>
+              <a:rPr lang="en-US" altLang="ko-KR" sz="3200" dirty="0" smtClean="0"/>
+              <a:t>is… </a:t>
+            </a:r>
+            <a:endParaRPr lang="ko-KR" altLang="en-US" sz="3200" dirty="0"/>
           </a:p>
         </p:txBody>
       </p:sp>
     </p:spTree>
     <p:extLst>
       <p:ext uri="{BB962C8B-B14F-4D97-AF65-F5344CB8AC3E}">
-        <p14:creationId xmlns:p14="http://schemas.microsoft.com/office/powerpoint/2010/main" val="1084344996"/>
+        <p14:creationId xmlns:p14="http://schemas.microsoft.com/office/powerpoint/2010/main" val="3457943789"/>
       </p:ext>
     </p:extLst>
   </p:cSld>
@@ -3313,6 +3426,441 @@
           <a:lstStyle/>
           <a:p>
             <a:r>
+              <a:rPr lang="en-US" altLang="ko-KR" dirty="0"/>
+              <a:t>Literature </a:t>
+            </a:r>
+            <a:r>
+              <a:rPr lang="en-US" altLang="ko-KR" dirty="0" smtClean="0"/>
+              <a:t>Mining</a:t>
+            </a:r>
+            <a:endParaRPr lang="en-US" altLang="ko-KR" dirty="0"/>
+          </a:p>
+        </p:txBody>
+      </p:sp>
+      <p:sp>
+        <p:nvSpPr>
+          <p:cNvPr id="3" name="내용 개체 틀 2"/>
+          <p:cNvSpPr>
+            <a:spLocks noGrp="1"/>
+          </p:cNvSpPr>
+          <p:nvPr>
+            <p:ph idx="1"/>
+          </p:nvPr>
+        </p:nvSpPr>
+        <p:spPr>
+          <a:xfrm>
+            <a:off x="994955" y="2756263"/>
+            <a:ext cx="10239102" cy="3355386"/>
+          </a:xfrm>
+        </p:spPr>
+        <p:txBody>
+          <a:bodyPr>
+            <a:normAutofit/>
+          </a:bodyPr>
+          <a:lstStyle/>
+          <a:p>
+            <a:r>
+              <a:rPr lang="en-US" altLang="ko-KR" dirty="0" smtClean="0"/>
+              <a:t>The premise is that there are two concepts of knowledge that do not communicate explicitly with each other</a:t>
+            </a:r>
+          </a:p>
+          <a:p>
+            <a:endParaRPr lang="en-US" altLang="ko-KR" dirty="0" smtClean="0"/>
+          </a:p>
+          <a:p>
+            <a:r>
+              <a:rPr lang="en-US" altLang="ko-KR" dirty="0" smtClean="0"/>
+              <a:t>Finally established in the clinical practice.</a:t>
+            </a:r>
+            <a:endParaRPr lang="ko-KR" altLang="en-US" dirty="0"/>
+          </a:p>
+          <a:p>
+            <a:endParaRPr lang="ko-KR" altLang="en-US" dirty="0"/>
+          </a:p>
+          <a:p>
+            <a:endParaRPr lang="ko-KR" altLang="en-US" dirty="0"/>
+          </a:p>
+          <a:p>
+            <a:endParaRPr lang="en-US" altLang="ko-KR" dirty="0" smtClean="0"/>
+          </a:p>
+          <a:p>
+            <a:pPr marL="0" indent="0">
+              <a:buNone/>
+            </a:pPr>
+            <a:endParaRPr lang="ko-KR" altLang="en-US" dirty="0"/>
+          </a:p>
+        </p:txBody>
+      </p:sp>
+      <p:sp>
+        <p:nvSpPr>
+          <p:cNvPr id="6" name="직사각형 5"/>
+          <p:cNvSpPr/>
+          <p:nvPr/>
+        </p:nvSpPr>
+        <p:spPr>
+          <a:xfrm>
+            <a:off x="585552" y="2071465"/>
+            <a:ext cx="4966162" cy="584775"/>
+          </a:xfrm>
+          <a:prstGeom prst="rect">
+            <a:avLst/>
+          </a:prstGeom>
+        </p:spPr>
+        <p:txBody>
+          <a:bodyPr wrap="square">
+            <a:spAutoFit/>
+          </a:bodyPr>
+          <a:lstStyle/>
+          <a:p>
+            <a:r>
+              <a:rPr lang="en-US" altLang="ko-KR" sz="3200" dirty="0" smtClean="0"/>
+              <a:t>Swanson’s ABC model</a:t>
+            </a:r>
+            <a:endParaRPr lang="ko-KR" altLang="en-US" sz="3200" dirty="0"/>
+          </a:p>
+        </p:txBody>
+      </p:sp>
+    </p:spTree>
+    <p:extLst>
+      <p:ext uri="{BB962C8B-B14F-4D97-AF65-F5344CB8AC3E}">
+        <p14:creationId xmlns:p14="http://schemas.microsoft.com/office/powerpoint/2010/main" val="935776983"/>
+      </p:ext>
+    </p:extLst>
+  </p:cSld>
+  <p:clrMapOvr>
+    <a:masterClrMapping/>
+  </p:clrMapOvr>
+</p:sld>
+</file>
+
+<file path=ppt/slides/slide5.xml><?xml version="1.0" encoding="utf-8"?>
+<p:sld xmlns:a="http://schemas.openxmlformats.org/drawingml/2006/main" xmlns:r="http://schemas.openxmlformats.org/officeDocument/2006/relationships" xmlns:p="http://schemas.openxmlformats.org/presentationml/2006/main">
+  <p:cSld>
+    <p:spTree>
+      <p:nvGrpSpPr>
+        <p:cNvPr id="1" name=""/>
+        <p:cNvGrpSpPr/>
+        <p:nvPr/>
+      </p:nvGrpSpPr>
+      <p:grpSpPr>
+        <a:xfrm>
+          <a:off x="0" y="0"/>
+          <a:ext cx="0" cy="0"/>
+          <a:chOff x="0" y="0"/>
+          <a:chExt cx="0" cy="0"/>
+        </a:xfrm>
+      </p:grpSpPr>
+      <p:sp>
+        <p:nvSpPr>
+          <p:cNvPr id="2" name="제목 1"/>
+          <p:cNvSpPr>
+            <a:spLocks noGrp="1"/>
+          </p:cNvSpPr>
+          <p:nvPr>
+            <p:ph type="title"/>
+          </p:nvPr>
+        </p:nvSpPr>
+        <p:spPr/>
+        <p:txBody>
+          <a:bodyPr/>
+          <a:lstStyle/>
+          <a:p>
+            <a:r>
+              <a:rPr lang="en-US" altLang="ko-KR" dirty="0"/>
+              <a:t>Literature </a:t>
+            </a:r>
+            <a:r>
+              <a:rPr lang="en-US" altLang="ko-KR" dirty="0" smtClean="0"/>
+              <a:t>Mining</a:t>
+            </a:r>
+            <a:endParaRPr lang="en-US" altLang="ko-KR" dirty="0"/>
+          </a:p>
+        </p:txBody>
+      </p:sp>
+      <p:sp>
+        <p:nvSpPr>
+          <p:cNvPr id="3" name="내용 개체 틀 2"/>
+          <p:cNvSpPr>
+            <a:spLocks noGrp="1"/>
+          </p:cNvSpPr>
+          <p:nvPr>
+            <p:ph idx="1"/>
+          </p:nvPr>
+        </p:nvSpPr>
+        <p:spPr>
+          <a:xfrm>
+            <a:off x="994955" y="2756263"/>
+            <a:ext cx="4883331" cy="3355386"/>
+          </a:xfrm>
+        </p:spPr>
+        <p:txBody>
+          <a:bodyPr>
+            <a:normAutofit/>
+          </a:bodyPr>
+          <a:lstStyle/>
+          <a:p>
+            <a:pPr marL="0" indent="0">
+              <a:buNone/>
+            </a:pPr>
+            <a:endParaRPr lang="ko-KR" altLang="en-US" dirty="0"/>
+          </a:p>
+          <a:p>
+            <a:endParaRPr lang="ko-KR" altLang="en-US" dirty="0"/>
+          </a:p>
+          <a:p>
+            <a:endParaRPr lang="ko-KR" altLang="en-US" dirty="0"/>
+          </a:p>
+          <a:p>
+            <a:endParaRPr lang="en-US" altLang="ko-KR" dirty="0" smtClean="0"/>
+          </a:p>
+          <a:p>
+            <a:pPr marL="0" indent="0">
+              <a:buNone/>
+            </a:pPr>
+            <a:endParaRPr lang="ko-KR" altLang="en-US" dirty="0"/>
+          </a:p>
+        </p:txBody>
+      </p:sp>
+      <p:sp>
+        <p:nvSpPr>
+          <p:cNvPr id="6" name="직사각형 5"/>
+          <p:cNvSpPr/>
+          <p:nvPr/>
+        </p:nvSpPr>
+        <p:spPr>
+          <a:xfrm>
+            <a:off x="585552" y="2071465"/>
+            <a:ext cx="10269682" cy="584775"/>
+          </a:xfrm>
+          <a:prstGeom prst="rect">
+            <a:avLst/>
+          </a:prstGeom>
+        </p:spPr>
+        <p:txBody>
+          <a:bodyPr wrap="square">
+            <a:spAutoFit/>
+          </a:bodyPr>
+          <a:lstStyle/>
+          <a:p>
+            <a:r>
+              <a:rPr lang="en-US" altLang="ko-KR" sz="3200" dirty="0" smtClean="0"/>
+              <a:t>Swanson’s ABC model : 2 types</a:t>
+            </a:r>
+            <a:endParaRPr lang="ko-KR" altLang="en-US" sz="3200" dirty="0"/>
+          </a:p>
+        </p:txBody>
+      </p:sp>
+      <p:pic>
+        <p:nvPicPr>
+          <p:cNvPr id="4" name="그림 3"/>
+          <p:cNvPicPr>
+            <a:picLocks noChangeAspect="1"/>
+          </p:cNvPicPr>
+          <p:nvPr/>
+        </p:nvPicPr>
+        <p:blipFill>
+          <a:blip r:embed="rId2">
+            <a:extLst>
+              <a:ext uri="{28A0092B-C50C-407E-A947-70E740481C1C}">
+                <a14:useLocalDpi xmlns:a14="http://schemas.microsoft.com/office/drawing/2010/main" val="0"/>
+              </a:ext>
+            </a:extLst>
+          </a:blip>
+          <a:stretch>
+            <a:fillRect/>
+          </a:stretch>
+        </p:blipFill>
+        <p:spPr>
+          <a:xfrm>
+            <a:off x="3436620" y="2656240"/>
+            <a:ext cx="5734850" cy="3867690"/>
+          </a:xfrm>
+          <a:prstGeom prst="rect">
+            <a:avLst/>
+          </a:prstGeom>
+        </p:spPr>
+      </p:pic>
+      <p:sp>
+        <p:nvSpPr>
+          <p:cNvPr id="7" name="직사각형 6"/>
+          <p:cNvSpPr/>
+          <p:nvPr/>
+        </p:nvSpPr>
+        <p:spPr>
+          <a:xfrm>
+            <a:off x="2290152" y="2756263"/>
+            <a:ext cx="2953344" cy="369332"/>
+          </a:xfrm>
+          <a:prstGeom prst="rect">
+            <a:avLst/>
+          </a:prstGeom>
+        </p:spPr>
+        <p:txBody>
+          <a:bodyPr wrap="square">
+            <a:spAutoFit/>
+          </a:bodyPr>
+          <a:lstStyle/>
+          <a:p>
+            <a:r>
+              <a:rPr lang="en-US" altLang="ko-KR" dirty="0" smtClean="0"/>
+              <a:t>Closed Process</a:t>
+            </a:r>
+            <a:endParaRPr lang="ko-KR" altLang="en-US" dirty="0"/>
+          </a:p>
+        </p:txBody>
+      </p:sp>
+      <p:sp>
+        <p:nvSpPr>
+          <p:cNvPr id="8" name="직사각형 7"/>
+          <p:cNvSpPr/>
+          <p:nvPr/>
+        </p:nvSpPr>
+        <p:spPr>
+          <a:xfrm>
+            <a:off x="2290152" y="4064624"/>
+            <a:ext cx="2953344" cy="369332"/>
+          </a:xfrm>
+          <a:prstGeom prst="rect">
+            <a:avLst/>
+          </a:prstGeom>
+        </p:spPr>
+        <p:txBody>
+          <a:bodyPr wrap="square">
+            <a:spAutoFit/>
+          </a:bodyPr>
+          <a:lstStyle/>
+          <a:p>
+            <a:r>
+              <a:rPr lang="en-US" altLang="ko-KR" smtClean="0"/>
+              <a:t>Open</a:t>
+            </a:r>
+            <a:endParaRPr lang="ko-KR" altLang="en-US" dirty="0"/>
+          </a:p>
+        </p:txBody>
+      </p:sp>
+    </p:spTree>
+    <p:extLst>
+      <p:ext uri="{BB962C8B-B14F-4D97-AF65-F5344CB8AC3E}">
+        <p14:creationId xmlns:p14="http://schemas.microsoft.com/office/powerpoint/2010/main" val="2687101409"/>
+      </p:ext>
+    </p:extLst>
+  </p:cSld>
+  <p:clrMapOvr>
+    <a:masterClrMapping/>
+  </p:clrMapOvr>
+</p:sld>
+</file>
+
+<file path=ppt/slides/slide6.xml><?xml version="1.0" encoding="utf-8"?>
+<p:sld xmlns:a="http://schemas.openxmlformats.org/drawingml/2006/main" xmlns:r="http://schemas.openxmlformats.org/officeDocument/2006/relationships" xmlns:p="http://schemas.openxmlformats.org/presentationml/2006/main">
+  <p:cSld>
+    <p:spTree>
+      <p:nvGrpSpPr>
+        <p:cNvPr id="1" name=""/>
+        <p:cNvGrpSpPr/>
+        <p:nvPr/>
+      </p:nvGrpSpPr>
+      <p:grpSpPr>
+        <a:xfrm>
+          <a:off x="0" y="0"/>
+          <a:ext cx="0" cy="0"/>
+          <a:chOff x="0" y="0"/>
+          <a:chExt cx="0" cy="0"/>
+        </a:xfrm>
+      </p:grpSpPr>
+      <p:sp>
+        <p:nvSpPr>
+          <p:cNvPr id="2" name="제목 1"/>
+          <p:cNvSpPr>
+            <a:spLocks noGrp="1"/>
+          </p:cNvSpPr>
+          <p:nvPr>
+            <p:ph type="title"/>
+          </p:nvPr>
+        </p:nvSpPr>
+        <p:spPr/>
+        <p:txBody>
+          <a:bodyPr>
+            <a:normAutofit fontScale="90000"/>
+          </a:bodyPr>
+          <a:lstStyle/>
+          <a:p>
+            <a:r>
+              <a:rPr lang="en-US" altLang="ko-KR" dirty="0"/>
+              <a:t>Semantic web technologies and ontologies</a:t>
+            </a:r>
+            <a:br>
+              <a:rPr lang="en-US" altLang="ko-KR" dirty="0"/>
+            </a:br>
+            <a:endParaRPr lang="ko-KR" altLang="en-US" dirty="0"/>
+          </a:p>
+        </p:txBody>
+      </p:sp>
+      <p:sp>
+        <p:nvSpPr>
+          <p:cNvPr id="3" name="내용 개체 틀 2"/>
+          <p:cNvSpPr>
+            <a:spLocks noGrp="1"/>
+          </p:cNvSpPr>
+          <p:nvPr>
+            <p:ph idx="1"/>
+          </p:nvPr>
+        </p:nvSpPr>
+        <p:spPr/>
+        <p:txBody>
+          <a:bodyPr/>
+          <a:lstStyle/>
+          <a:p>
+            <a:endParaRPr lang="ko-KR" altLang="en-US" dirty="0"/>
+          </a:p>
+        </p:txBody>
+      </p:sp>
+    </p:spTree>
+    <p:extLst>
+      <p:ext uri="{BB962C8B-B14F-4D97-AF65-F5344CB8AC3E}">
+        <p14:creationId xmlns:p14="http://schemas.microsoft.com/office/powerpoint/2010/main" val="3008715836"/>
+      </p:ext>
+    </p:extLst>
+  </p:cSld>
+  <p:clrMapOvr>
+    <a:masterClrMapping/>
+  </p:clrMapOvr>
+</p:sld>
+</file>
+
+<file path=ppt/slides/slide7.xml><?xml version="1.0" encoding="utf-8"?>
+<p:sld xmlns:a="http://schemas.openxmlformats.org/drawingml/2006/main" xmlns:r="http://schemas.openxmlformats.org/officeDocument/2006/relationships" xmlns:p="http://schemas.openxmlformats.org/presentationml/2006/main">
+  <p:cSld>
+    <p:spTree>
+      <p:nvGrpSpPr>
+        <p:cNvPr id="1" name=""/>
+        <p:cNvGrpSpPr/>
+        <p:nvPr/>
+      </p:nvGrpSpPr>
+      <p:grpSpPr>
+        <a:xfrm>
+          <a:off x="0" y="0"/>
+          <a:ext cx="0" cy="0"/>
+          <a:chOff x="0" y="0"/>
+          <a:chExt cx="0" cy="0"/>
+        </a:xfrm>
+      </p:grpSpPr>
+      <p:sp>
+        <p:nvSpPr>
+          <p:cNvPr id="2" name="제목 1"/>
+          <p:cNvSpPr>
+            <a:spLocks noGrp="1"/>
+          </p:cNvSpPr>
+          <p:nvPr>
+            <p:ph type="title"/>
+          </p:nvPr>
+        </p:nvSpPr>
+        <p:spPr/>
+        <p:txBody>
+          <a:bodyPr/>
+          <a:lstStyle/>
+          <a:p>
+            <a:r>
               <a:rPr lang="en-US" altLang="ko-KR" dirty="0" smtClean="0"/>
               <a:t>CONCLUDING REMARKS</a:t>
             </a:r>
@@ -3346,6 +3894,152 @@
     <p:extLst>
       <p:ext uri="{BB962C8B-B14F-4D97-AF65-F5344CB8AC3E}">
         <p14:creationId xmlns:p14="http://schemas.microsoft.com/office/powerpoint/2010/main" val="2723385735"/>
+      </p:ext>
+    </p:extLst>
+  </p:cSld>
+  <p:clrMapOvr>
+    <a:masterClrMapping/>
+  </p:clrMapOvr>
+</p:sld>
+</file>
+
+<file path=ppt/slides/slide8.xml><?xml version="1.0" encoding="utf-8"?>
+<p:sld xmlns:a="http://schemas.openxmlformats.org/drawingml/2006/main" xmlns:r="http://schemas.openxmlformats.org/officeDocument/2006/relationships" xmlns:p="http://schemas.openxmlformats.org/presentationml/2006/main">
+  <p:cSld>
+    <p:spTree>
+      <p:nvGrpSpPr>
+        <p:cNvPr id="1" name=""/>
+        <p:cNvGrpSpPr/>
+        <p:nvPr/>
+      </p:nvGrpSpPr>
+      <p:grpSpPr>
+        <a:xfrm>
+          <a:off x="0" y="0"/>
+          <a:ext cx="0" cy="0"/>
+          <a:chOff x="0" y="0"/>
+          <a:chExt cx="0" cy="0"/>
+        </a:xfrm>
+      </p:grpSpPr>
+      <p:sp>
+        <p:nvSpPr>
+          <p:cNvPr id="2" name="제목 1"/>
+          <p:cNvSpPr>
+            <a:spLocks noGrp="1"/>
+          </p:cNvSpPr>
+          <p:nvPr>
+            <p:ph type="title"/>
+          </p:nvPr>
+        </p:nvSpPr>
+        <p:spPr/>
+        <p:txBody>
+          <a:bodyPr/>
+          <a:lstStyle/>
+          <a:p>
+            <a:r>
+              <a:rPr lang="en-US" altLang="ko-KR" dirty="0" err="1" smtClean="0"/>
+              <a:t>KeyPoint</a:t>
+            </a:r>
+            <a:endParaRPr lang="ko-KR" altLang="en-US" dirty="0"/>
+          </a:p>
+        </p:txBody>
+      </p:sp>
+      <p:sp>
+        <p:nvSpPr>
+          <p:cNvPr id="3" name="내용 개체 틀 2"/>
+          <p:cNvSpPr>
+            <a:spLocks noGrp="1"/>
+          </p:cNvSpPr>
+          <p:nvPr>
+            <p:ph idx="1"/>
+          </p:nvPr>
+        </p:nvSpPr>
+        <p:spPr/>
+        <p:txBody>
+          <a:bodyPr>
+            <a:normAutofit fontScale="62500" lnSpcReduction="20000"/>
+          </a:bodyPr>
+          <a:lstStyle/>
+          <a:p>
+            <a:pPr marL="0" indent="0">
+              <a:buNone/>
+            </a:pPr>
+            <a:r>
+              <a:rPr lang="en-US" altLang="ko-KR" dirty="0" smtClean="0"/>
+              <a:t>The productivity challenge of traditional drug discovery, has sparked a renewed interest to DR, as an alternative approach to traditional drug discovery.</a:t>
+            </a:r>
+          </a:p>
+          <a:p>
+            <a:pPr marL="0" indent="0">
+              <a:buNone/>
+            </a:pPr>
+            <a:r>
+              <a:rPr lang="en-US" altLang="ko-KR" dirty="0" smtClean="0"/>
+              <a:t>As research on a single topic may be spanning across many scientific disciplines and biomedical journals, it is increasingly difficult for scientists to follow all advances in their field of interest. </a:t>
+            </a:r>
+            <a:r>
+              <a:rPr lang="en-US" altLang="ko-KR" dirty="0" smtClean="0"/>
+              <a:t>Advances in literature </a:t>
+            </a:r>
+            <a:r>
+              <a:rPr lang="en-US" altLang="ko-KR" dirty="0" smtClean="0"/>
+              <a:t>mining have made it possible to infer relationships between biomedical concepts, even if they are not mentioned in the same abstract.</a:t>
+            </a:r>
+          </a:p>
+          <a:p>
+            <a:pPr marL="0" indent="0">
+              <a:buNone/>
+            </a:pPr>
+            <a:endParaRPr lang="en-US" altLang="ko-KR" dirty="0"/>
+          </a:p>
+          <a:p>
+            <a:pPr marL="0" indent="0">
+              <a:buNone/>
+            </a:pPr>
+            <a:r>
+              <a:rPr lang="en-US" altLang="ko-KR" dirty="0" smtClean="0"/>
+              <a:t>Biomedical literature mining, especially the combination of efficient IE with LBD seems to be well suited as a strategy to generate scientific hypotheses related to finding new uses for existing drugs.</a:t>
+            </a:r>
+          </a:p>
+          <a:p>
+            <a:pPr marL="0" indent="0">
+              <a:buNone/>
+            </a:pPr>
+            <a:r>
+              <a:rPr lang="en-US" altLang="ko-KR" dirty="0" smtClean="0"/>
+              <a:t>Ontologies capture domain knowledge, concepts and their relationships, and have been used to infer unknown relationships, </a:t>
+            </a:r>
+            <a:r>
+              <a:rPr lang="en-US" altLang="ko-KR" dirty="0" err="1" smtClean="0"/>
+              <a:t>throught</a:t>
+            </a:r>
+            <a:r>
+              <a:rPr lang="en-US" altLang="ko-KR" dirty="0" smtClean="0"/>
+              <a:t> automated reasoning , making them indispensable in drug repurposing.</a:t>
+            </a:r>
+          </a:p>
+          <a:p>
+            <a:pPr marL="0" indent="0">
+              <a:buNone/>
+            </a:pPr>
+            <a:r>
+              <a:rPr lang="en-US" altLang="ko-KR" dirty="0" smtClean="0"/>
+              <a:t>Visualization techniques in articles relevant to drug repurposing are either used to conceptualize an automatic algorithm for detection of an association of interest or simply act as an exploration tool to manually perform the </a:t>
+            </a:r>
+            <a:r>
+              <a:rPr lang="en-US" altLang="ko-KR" dirty="0" err="1" smtClean="0"/>
+              <a:t>dectection</a:t>
+            </a:r>
+            <a:r>
+              <a:rPr lang="en-US" altLang="ko-KR" dirty="0" smtClean="0"/>
+              <a:t>.</a:t>
+            </a:r>
+          </a:p>
+        </p:txBody>
+      </p:sp>
+    </p:spTree>
+    <p:extLst>
+      <p:ext uri="{BB962C8B-B14F-4D97-AF65-F5344CB8AC3E}">
+        <p14:creationId xmlns:p14="http://schemas.microsoft.com/office/powerpoint/2010/main" val="2989331739"/>
       </p:ext>
     </p:extLst>
   </p:cSld>

--- a/Review/[3] Literature mining, ontologies and information visualization for drug repurposing/Literature mining, ontologies and information visualization for.pptx
+++ b/Review/[3] Literature mining, ontologies and information visualization for drug repurposing/Literature mining, ontologies and information visualization for.pptx
@@ -4,15 +4,23 @@
   <p:sldMasterIdLst>
     <p:sldMasterId id="2147483648" r:id="rId1"/>
   </p:sldMasterIdLst>
+  <p:notesMasterIdLst>
+    <p:notesMasterId r:id="rId15"/>
+  </p:notesMasterIdLst>
   <p:sldIdLst>
     <p:sldId id="256" r:id="rId2"/>
     <p:sldId id="257" r:id="rId3"/>
     <p:sldId id="261" r:id="rId4"/>
     <p:sldId id="263" r:id="rId5"/>
     <p:sldId id="264" r:id="rId6"/>
-    <p:sldId id="262" r:id="rId7"/>
-    <p:sldId id="259" r:id="rId8"/>
-    <p:sldId id="260" r:id="rId9"/>
+    <p:sldId id="265" r:id="rId7"/>
+    <p:sldId id="266" r:id="rId8"/>
+    <p:sldId id="267" r:id="rId9"/>
+    <p:sldId id="268" r:id="rId10"/>
+    <p:sldId id="262" r:id="rId11"/>
+    <p:sldId id="269" r:id="rId12"/>
+    <p:sldId id="270" r:id="rId13"/>
+    <p:sldId id="259" r:id="rId14"/>
   </p:sldIdLst>
   <p:sldSz cx="12192000" cy="6858000"/>
   <p:notesSz cx="6858000" cy="9144000"/>
@@ -117,6 +125,2233 @@
     </p:ext>
   </p:extLst>
 </p:presentation>
+</file>
+
+<file path=ppt/notesMasters/notesMaster1.xml><?xml version="1.0" encoding="utf-8"?>
+<p:notesMaster xmlns:a="http://schemas.openxmlformats.org/drawingml/2006/main" xmlns:r="http://schemas.openxmlformats.org/officeDocument/2006/relationships" xmlns:p="http://schemas.openxmlformats.org/presentationml/2006/main">
+  <p:cSld>
+    <p:bg>
+      <p:bgRef idx="1001">
+        <a:schemeClr val="bg1"/>
+      </p:bgRef>
+    </p:bg>
+    <p:spTree>
+      <p:nvGrpSpPr>
+        <p:cNvPr id="1" name=""/>
+        <p:cNvGrpSpPr/>
+        <p:nvPr/>
+      </p:nvGrpSpPr>
+      <p:grpSpPr>
+        <a:xfrm>
+          <a:off x="0" y="0"/>
+          <a:ext cx="0" cy="0"/>
+          <a:chOff x="0" y="0"/>
+          <a:chExt cx="0" cy="0"/>
+        </a:xfrm>
+      </p:grpSpPr>
+      <p:sp>
+        <p:nvSpPr>
+          <p:cNvPr id="2" name="머리글 개체 틀 1"/>
+          <p:cNvSpPr>
+            <a:spLocks noGrp="1"/>
+          </p:cNvSpPr>
+          <p:nvPr>
+            <p:ph type="hdr" sz="quarter"/>
+          </p:nvPr>
+        </p:nvSpPr>
+        <p:spPr>
+          <a:xfrm>
+            <a:off x="0" y="0"/>
+            <a:ext cx="2971800" cy="458788"/>
+          </a:xfrm>
+          <a:prstGeom prst="rect">
+            <a:avLst/>
+          </a:prstGeom>
+        </p:spPr>
+        <p:txBody>
+          <a:bodyPr vert="horz" lIns="91440" tIns="45720" rIns="91440" bIns="45720" rtlCol="0"/>
+          <a:lstStyle>
+            <a:lvl1pPr algn="l">
+              <a:defRPr sz="1200"/>
+            </a:lvl1pPr>
+          </a:lstStyle>
+          <a:p>
+            <a:endParaRPr lang="ko-KR" altLang="en-US"/>
+          </a:p>
+        </p:txBody>
+      </p:sp>
+      <p:sp>
+        <p:nvSpPr>
+          <p:cNvPr id="3" name="날짜 개체 틀 2"/>
+          <p:cNvSpPr>
+            <a:spLocks noGrp="1"/>
+          </p:cNvSpPr>
+          <p:nvPr>
+            <p:ph type="dt" idx="1"/>
+          </p:nvPr>
+        </p:nvSpPr>
+        <p:spPr>
+          <a:xfrm>
+            <a:off x="3884613" y="0"/>
+            <a:ext cx="2971800" cy="458788"/>
+          </a:xfrm>
+          <a:prstGeom prst="rect">
+            <a:avLst/>
+          </a:prstGeom>
+        </p:spPr>
+        <p:txBody>
+          <a:bodyPr vert="horz" lIns="91440" tIns="45720" rIns="91440" bIns="45720" rtlCol="0"/>
+          <a:lstStyle>
+            <a:lvl1pPr algn="r">
+              <a:defRPr sz="1200"/>
+            </a:lvl1pPr>
+          </a:lstStyle>
+          <a:p>
+            <a:fld id="{37EC9CBE-A6DE-449D-9232-68186284CB87}" type="datetimeFigureOut">
+              <a:rPr lang="ko-KR" altLang="en-US" smtClean="0"/>
+              <a:t>2016-07-11</a:t>
+            </a:fld>
+            <a:endParaRPr lang="ko-KR" altLang="en-US"/>
+          </a:p>
+        </p:txBody>
+      </p:sp>
+      <p:sp>
+        <p:nvSpPr>
+          <p:cNvPr id="4" name="슬라이드 이미지 개체 틀 3"/>
+          <p:cNvSpPr>
+            <a:spLocks noGrp="1" noRot="1" noChangeAspect="1"/>
+          </p:cNvSpPr>
+          <p:nvPr>
+            <p:ph type="sldImg" idx="2"/>
+          </p:nvPr>
+        </p:nvSpPr>
+        <p:spPr>
+          <a:xfrm>
+            <a:off x="685800" y="1143000"/>
+            <a:ext cx="5486400" cy="3086100"/>
+          </a:xfrm>
+          <a:prstGeom prst="rect">
+            <a:avLst/>
+          </a:prstGeom>
+          <a:noFill/>
+          <a:ln w="12700">
+            <a:solidFill>
+              <a:prstClr val="black"/>
+            </a:solidFill>
+          </a:ln>
+        </p:spPr>
+        <p:txBody>
+          <a:bodyPr vert="horz" lIns="91440" tIns="45720" rIns="91440" bIns="45720" rtlCol="0" anchor="ctr"/>
+          <a:lstStyle/>
+          <a:p>
+            <a:endParaRPr lang="ko-KR" altLang="en-US"/>
+          </a:p>
+        </p:txBody>
+      </p:sp>
+      <p:sp>
+        <p:nvSpPr>
+          <p:cNvPr id="5" name="슬라이드 노트 개체 틀 4"/>
+          <p:cNvSpPr>
+            <a:spLocks noGrp="1"/>
+          </p:cNvSpPr>
+          <p:nvPr>
+            <p:ph type="body" sz="quarter" idx="3"/>
+          </p:nvPr>
+        </p:nvSpPr>
+        <p:spPr>
+          <a:xfrm>
+            <a:off x="685800" y="4400550"/>
+            <a:ext cx="5486400" cy="3600450"/>
+          </a:xfrm>
+          <a:prstGeom prst="rect">
+            <a:avLst/>
+          </a:prstGeom>
+        </p:spPr>
+        <p:txBody>
+          <a:bodyPr vert="horz" lIns="91440" tIns="45720" rIns="91440" bIns="45720" rtlCol="0"/>
+          <a:lstStyle/>
+          <a:p>
+            <a:pPr lvl="0"/>
+            <a:r>
+              <a:rPr lang="ko-KR" altLang="en-US" smtClean="0"/>
+              <a:t>마스터 텍스트 스타일을 편집합니다</a:t>
+            </a:r>
+          </a:p>
+          <a:p>
+            <a:pPr lvl="1"/>
+            <a:r>
+              <a:rPr lang="ko-KR" altLang="en-US" smtClean="0"/>
+              <a:t>둘째 수준</a:t>
+            </a:r>
+          </a:p>
+          <a:p>
+            <a:pPr lvl="2"/>
+            <a:r>
+              <a:rPr lang="ko-KR" altLang="en-US" smtClean="0"/>
+              <a:t>셋째 수준</a:t>
+            </a:r>
+          </a:p>
+          <a:p>
+            <a:pPr lvl="3"/>
+            <a:r>
+              <a:rPr lang="ko-KR" altLang="en-US" smtClean="0"/>
+              <a:t>넷째 수준</a:t>
+            </a:r>
+          </a:p>
+          <a:p>
+            <a:pPr lvl="4"/>
+            <a:r>
+              <a:rPr lang="ko-KR" altLang="en-US" smtClean="0"/>
+              <a:t>다섯째 수준</a:t>
+            </a:r>
+            <a:endParaRPr lang="ko-KR" altLang="en-US"/>
+          </a:p>
+        </p:txBody>
+      </p:sp>
+      <p:sp>
+        <p:nvSpPr>
+          <p:cNvPr id="6" name="바닥글 개체 틀 5"/>
+          <p:cNvSpPr>
+            <a:spLocks noGrp="1"/>
+          </p:cNvSpPr>
+          <p:nvPr>
+            <p:ph type="ftr" sz="quarter" idx="4"/>
+          </p:nvPr>
+        </p:nvSpPr>
+        <p:spPr>
+          <a:xfrm>
+            <a:off x="0" y="8685213"/>
+            <a:ext cx="2971800" cy="458787"/>
+          </a:xfrm>
+          <a:prstGeom prst="rect">
+            <a:avLst/>
+          </a:prstGeom>
+        </p:spPr>
+        <p:txBody>
+          <a:bodyPr vert="horz" lIns="91440" tIns="45720" rIns="91440" bIns="45720" rtlCol="0" anchor="b"/>
+          <a:lstStyle>
+            <a:lvl1pPr algn="l">
+              <a:defRPr sz="1200"/>
+            </a:lvl1pPr>
+          </a:lstStyle>
+          <a:p>
+            <a:endParaRPr lang="ko-KR" altLang="en-US"/>
+          </a:p>
+        </p:txBody>
+      </p:sp>
+      <p:sp>
+        <p:nvSpPr>
+          <p:cNvPr id="7" name="슬라이드 번호 개체 틀 6"/>
+          <p:cNvSpPr>
+            <a:spLocks noGrp="1"/>
+          </p:cNvSpPr>
+          <p:nvPr>
+            <p:ph type="sldNum" sz="quarter" idx="5"/>
+          </p:nvPr>
+        </p:nvSpPr>
+        <p:spPr>
+          <a:xfrm>
+            <a:off x="3884613" y="8685213"/>
+            <a:ext cx="2971800" cy="458787"/>
+          </a:xfrm>
+          <a:prstGeom prst="rect">
+            <a:avLst/>
+          </a:prstGeom>
+        </p:spPr>
+        <p:txBody>
+          <a:bodyPr vert="horz" lIns="91440" tIns="45720" rIns="91440" bIns="45720" rtlCol="0" anchor="b"/>
+          <a:lstStyle>
+            <a:lvl1pPr algn="r">
+              <a:defRPr sz="1200"/>
+            </a:lvl1pPr>
+          </a:lstStyle>
+          <a:p>
+            <a:fld id="{DF1C77DD-6346-4C60-9BCD-18E499DAD49C}" type="slidenum">
+              <a:rPr lang="ko-KR" altLang="en-US" smtClean="0"/>
+              <a:t>‹#›</a:t>
+            </a:fld>
+            <a:endParaRPr lang="ko-KR" altLang="en-US"/>
+          </a:p>
+        </p:txBody>
+      </p:sp>
+    </p:spTree>
+    <p:extLst>
+      <p:ext uri="{BB962C8B-B14F-4D97-AF65-F5344CB8AC3E}">
+        <p14:creationId xmlns:p14="http://schemas.microsoft.com/office/powerpoint/2010/main" val="1313929307"/>
+      </p:ext>
+    </p:extLst>
+  </p:cSld>
+  <p:clrMap bg1="lt1" tx1="dk1" bg2="lt2" tx2="dk2" accent1="accent1" accent2="accent2" accent3="accent3" accent4="accent4" accent5="accent5" accent6="accent6" hlink="hlink" folHlink="folHlink"/>
+  <p:notesStyle>
+    <a:lvl1pPr marL="0" algn="l" defTabSz="914400" rtl="0" eaLnBrk="1" latinLnBrk="1" hangingPunct="1">
+      <a:defRPr sz="1200" kern="1200">
+        <a:solidFill>
+          <a:schemeClr val="tx1"/>
+        </a:solidFill>
+        <a:latin typeface="+mn-lt"/>
+        <a:ea typeface="+mn-ea"/>
+        <a:cs typeface="+mn-cs"/>
+      </a:defRPr>
+    </a:lvl1pPr>
+    <a:lvl2pPr marL="457200" algn="l" defTabSz="914400" rtl="0" eaLnBrk="1" latinLnBrk="1" hangingPunct="1">
+      <a:defRPr sz="1200" kern="1200">
+        <a:solidFill>
+          <a:schemeClr val="tx1"/>
+        </a:solidFill>
+        <a:latin typeface="+mn-lt"/>
+        <a:ea typeface="+mn-ea"/>
+        <a:cs typeface="+mn-cs"/>
+      </a:defRPr>
+    </a:lvl2pPr>
+    <a:lvl3pPr marL="914400" algn="l" defTabSz="914400" rtl="0" eaLnBrk="1" latinLnBrk="1" hangingPunct="1">
+      <a:defRPr sz="1200" kern="1200">
+        <a:solidFill>
+          <a:schemeClr val="tx1"/>
+        </a:solidFill>
+        <a:latin typeface="+mn-lt"/>
+        <a:ea typeface="+mn-ea"/>
+        <a:cs typeface="+mn-cs"/>
+      </a:defRPr>
+    </a:lvl3pPr>
+    <a:lvl4pPr marL="1371600" algn="l" defTabSz="914400" rtl="0" eaLnBrk="1" latinLnBrk="1" hangingPunct="1">
+      <a:defRPr sz="1200" kern="1200">
+        <a:solidFill>
+          <a:schemeClr val="tx1"/>
+        </a:solidFill>
+        <a:latin typeface="+mn-lt"/>
+        <a:ea typeface="+mn-ea"/>
+        <a:cs typeface="+mn-cs"/>
+      </a:defRPr>
+    </a:lvl4pPr>
+    <a:lvl5pPr marL="1828800" algn="l" defTabSz="914400" rtl="0" eaLnBrk="1" latinLnBrk="1" hangingPunct="1">
+      <a:defRPr sz="1200" kern="1200">
+        <a:solidFill>
+          <a:schemeClr val="tx1"/>
+        </a:solidFill>
+        <a:latin typeface="+mn-lt"/>
+        <a:ea typeface="+mn-ea"/>
+        <a:cs typeface="+mn-cs"/>
+      </a:defRPr>
+    </a:lvl5pPr>
+    <a:lvl6pPr marL="2286000" algn="l" defTabSz="914400" rtl="0" eaLnBrk="1" latinLnBrk="1" hangingPunct="1">
+      <a:defRPr sz="1200" kern="1200">
+        <a:solidFill>
+          <a:schemeClr val="tx1"/>
+        </a:solidFill>
+        <a:latin typeface="+mn-lt"/>
+        <a:ea typeface="+mn-ea"/>
+        <a:cs typeface="+mn-cs"/>
+      </a:defRPr>
+    </a:lvl6pPr>
+    <a:lvl7pPr marL="2743200" algn="l" defTabSz="914400" rtl="0" eaLnBrk="1" latinLnBrk="1" hangingPunct="1">
+      <a:defRPr sz="1200" kern="1200">
+        <a:solidFill>
+          <a:schemeClr val="tx1"/>
+        </a:solidFill>
+        <a:latin typeface="+mn-lt"/>
+        <a:ea typeface="+mn-ea"/>
+        <a:cs typeface="+mn-cs"/>
+      </a:defRPr>
+    </a:lvl7pPr>
+    <a:lvl8pPr marL="3200400" algn="l" defTabSz="914400" rtl="0" eaLnBrk="1" latinLnBrk="1" hangingPunct="1">
+      <a:defRPr sz="1200" kern="1200">
+        <a:solidFill>
+          <a:schemeClr val="tx1"/>
+        </a:solidFill>
+        <a:latin typeface="+mn-lt"/>
+        <a:ea typeface="+mn-ea"/>
+        <a:cs typeface="+mn-cs"/>
+      </a:defRPr>
+    </a:lvl8pPr>
+    <a:lvl9pPr marL="3657600" algn="l" defTabSz="914400" rtl="0" eaLnBrk="1" latinLnBrk="1" hangingPunct="1">
+      <a:defRPr sz="1200" kern="1200">
+        <a:solidFill>
+          <a:schemeClr val="tx1"/>
+        </a:solidFill>
+        <a:latin typeface="+mn-lt"/>
+        <a:ea typeface="+mn-ea"/>
+        <a:cs typeface="+mn-cs"/>
+      </a:defRPr>
+    </a:lvl9pPr>
+  </p:notesStyle>
+</p:notesMaster>
+</file>
+
+<file path=ppt/notesSlides/notesSlide1.xml><?xml version="1.0" encoding="utf-8"?>
+<p:notes xmlns:a="http://schemas.openxmlformats.org/drawingml/2006/main" xmlns:r="http://schemas.openxmlformats.org/officeDocument/2006/relationships" xmlns:p="http://schemas.openxmlformats.org/presentationml/2006/main">
+  <p:cSld>
+    <p:spTree>
+      <p:nvGrpSpPr>
+        <p:cNvPr id="1" name=""/>
+        <p:cNvGrpSpPr/>
+        <p:nvPr/>
+      </p:nvGrpSpPr>
+      <p:grpSpPr>
+        <a:xfrm>
+          <a:off x="0" y="0"/>
+          <a:ext cx="0" cy="0"/>
+          <a:chOff x="0" y="0"/>
+          <a:chExt cx="0" cy="0"/>
+        </a:xfrm>
+      </p:grpSpPr>
+      <p:sp>
+        <p:nvSpPr>
+          <p:cNvPr id="2" name="슬라이드 이미지 개체 틀 1"/>
+          <p:cNvSpPr>
+            <a:spLocks noGrp="1" noRot="1" noChangeAspect="1"/>
+          </p:cNvSpPr>
+          <p:nvPr>
+            <p:ph type="sldImg"/>
+          </p:nvPr>
+        </p:nvSpPr>
+        <p:spPr/>
+      </p:sp>
+      <p:sp>
+        <p:nvSpPr>
+          <p:cNvPr id="3" name="슬라이드 노트 개체 틀 2"/>
+          <p:cNvSpPr>
+            <a:spLocks noGrp="1"/>
+          </p:cNvSpPr>
+          <p:nvPr>
+            <p:ph type="body" idx="1"/>
+          </p:nvPr>
+        </p:nvSpPr>
+        <p:spPr/>
+        <p:txBody>
+          <a:bodyPr/>
+          <a:lstStyle/>
+          <a:p>
+            <a:r>
+              <a:rPr lang="en-US" altLang="ko-KR" smtClean="0"/>
+              <a:t>Literature</a:t>
+            </a:r>
+            <a:r>
+              <a:rPr lang="en-US" altLang="ko-KR" baseline="0" smtClean="0"/>
+              <a:t> mining</a:t>
+            </a:r>
+            <a:r>
+              <a:rPr lang="ko-KR" altLang="en-US" baseline="0" smtClean="0"/>
+              <a:t>을 </a:t>
+            </a:r>
+            <a:r>
+              <a:rPr lang="ko-KR" altLang="en-US" baseline="0" dirty="0" smtClean="0"/>
+              <a:t>어떻게 진행하고</a:t>
+            </a:r>
+            <a:endParaRPr lang="en-US" altLang="ko-KR" baseline="0" dirty="0" smtClean="0"/>
+          </a:p>
+          <a:p>
+            <a:r>
+              <a:rPr lang="ko-KR" altLang="en-US" baseline="0" dirty="0" smtClean="0"/>
+              <a:t>어떻게 효율적으로 사용할 수 있는가에 대해 나와있다</a:t>
+            </a:r>
+            <a:r>
+              <a:rPr lang="en-US" altLang="ko-KR" baseline="0" dirty="0" smtClean="0"/>
+              <a:t>.</a:t>
+            </a:r>
+            <a:endParaRPr lang="ko-KR" altLang="en-US" dirty="0"/>
+          </a:p>
+        </p:txBody>
+      </p:sp>
+      <p:sp>
+        <p:nvSpPr>
+          <p:cNvPr id="4" name="슬라이드 번호 개체 틀 3"/>
+          <p:cNvSpPr>
+            <a:spLocks noGrp="1"/>
+          </p:cNvSpPr>
+          <p:nvPr>
+            <p:ph type="sldNum" sz="quarter" idx="10"/>
+          </p:nvPr>
+        </p:nvSpPr>
+        <p:spPr/>
+        <p:txBody>
+          <a:bodyPr/>
+          <a:lstStyle/>
+          <a:p>
+            <a:fld id="{DF1C77DD-6346-4C60-9BCD-18E499DAD49C}" type="slidenum">
+              <a:rPr lang="ko-KR" altLang="en-US" smtClean="0"/>
+              <a:t>2</a:t>
+            </a:fld>
+            <a:endParaRPr lang="ko-KR" altLang="en-US"/>
+          </a:p>
+        </p:txBody>
+      </p:sp>
+    </p:spTree>
+    <p:extLst>
+      <p:ext uri="{BB962C8B-B14F-4D97-AF65-F5344CB8AC3E}">
+        <p14:creationId xmlns:p14="http://schemas.microsoft.com/office/powerpoint/2010/main" val="2828114394"/>
+      </p:ext>
+    </p:extLst>
+  </p:cSld>
+  <p:clrMapOvr>
+    <a:masterClrMapping/>
+  </p:clrMapOvr>
+</p:notes>
+</file>
+
+<file path=ppt/notesSlides/notesSlide10.xml><?xml version="1.0" encoding="utf-8"?>
+<p:notes xmlns:a="http://schemas.openxmlformats.org/drawingml/2006/main" xmlns:r="http://schemas.openxmlformats.org/officeDocument/2006/relationships" xmlns:p="http://schemas.openxmlformats.org/presentationml/2006/main">
+  <p:cSld>
+    <p:spTree>
+      <p:nvGrpSpPr>
+        <p:cNvPr id="1" name=""/>
+        <p:cNvGrpSpPr/>
+        <p:nvPr/>
+      </p:nvGrpSpPr>
+      <p:grpSpPr>
+        <a:xfrm>
+          <a:off x="0" y="0"/>
+          <a:ext cx="0" cy="0"/>
+          <a:chOff x="0" y="0"/>
+          <a:chExt cx="0" cy="0"/>
+        </a:xfrm>
+      </p:grpSpPr>
+      <p:sp>
+        <p:nvSpPr>
+          <p:cNvPr id="2" name="슬라이드 이미지 개체 틀 1"/>
+          <p:cNvSpPr>
+            <a:spLocks noGrp="1" noRot="1" noChangeAspect="1"/>
+          </p:cNvSpPr>
+          <p:nvPr>
+            <p:ph type="sldImg"/>
+          </p:nvPr>
+        </p:nvSpPr>
+        <p:spPr/>
+      </p:sp>
+      <p:sp>
+        <p:nvSpPr>
+          <p:cNvPr id="3" name="슬라이드 노트 개체 틀 2"/>
+          <p:cNvSpPr>
+            <a:spLocks noGrp="1"/>
+          </p:cNvSpPr>
+          <p:nvPr>
+            <p:ph type="body" idx="1"/>
+          </p:nvPr>
+        </p:nvSpPr>
+        <p:spPr/>
+        <p:txBody>
+          <a:bodyPr/>
+          <a:lstStyle/>
+          <a:p>
+            <a:r>
+              <a:rPr lang="en-US" altLang="ko-KR" dirty="0" smtClean="0"/>
+              <a:t>co-</a:t>
+            </a:r>
+            <a:r>
+              <a:rPr lang="en-US" altLang="ko-KR" dirty="0" err="1" smtClean="0"/>
+              <a:t>occurence</a:t>
+            </a:r>
+            <a:r>
+              <a:rPr lang="en-US" altLang="ko-KR" dirty="0" smtClean="0"/>
+              <a:t> : </a:t>
+            </a:r>
+            <a:r>
+              <a:rPr lang="ko-KR" altLang="en-US" dirty="0" smtClean="0"/>
+              <a:t>같은 문장 내에서 발생하는 모든 단어를 연관이 있다고 생각하는 것</a:t>
+            </a:r>
+            <a:r>
+              <a:rPr lang="en-US" altLang="ko-KR" dirty="0" smtClean="0"/>
+              <a:t>.</a:t>
+            </a:r>
+          </a:p>
+          <a:p>
+            <a:r>
+              <a:rPr lang="ko-KR" altLang="en-US" dirty="0" smtClean="0"/>
+              <a:t>하지만 이 방법은</a:t>
+            </a:r>
+            <a:r>
+              <a:rPr lang="en-US" altLang="ko-KR" dirty="0" smtClean="0"/>
+              <a:t>, the high rate of false-positive</a:t>
+            </a:r>
+            <a:r>
+              <a:rPr lang="ko-KR" altLang="en-US" dirty="0" smtClean="0"/>
+              <a:t>를 만들어냄</a:t>
+            </a:r>
+            <a:endParaRPr lang="en-US" altLang="ko-KR" dirty="0" smtClean="0"/>
+          </a:p>
+          <a:p>
+            <a:r>
+              <a:rPr lang="ko-KR" altLang="en-US" dirty="0" smtClean="0"/>
+              <a:t>그래서 </a:t>
+            </a:r>
+            <a:r>
+              <a:rPr lang="en-US" altLang="ko-KR" dirty="0" smtClean="0"/>
+              <a:t>NLP</a:t>
+            </a:r>
+            <a:r>
+              <a:rPr lang="ko-KR" altLang="en-US" dirty="0" smtClean="0"/>
+              <a:t>의 개발이 </a:t>
+            </a:r>
+            <a:r>
+              <a:rPr lang="ko-KR" altLang="en-US" dirty="0" err="1" smtClean="0"/>
+              <a:t>활발해지고있음</a:t>
+            </a:r>
+            <a:r>
+              <a:rPr lang="en-US" altLang="ko-KR" dirty="0" smtClean="0"/>
+              <a:t>.</a:t>
+            </a:r>
+          </a:p>
+          <a:p>
+            <a:r>
+              <a:rPr lang="en-US" altLang="ko-KR" dirty="0" smtClean="0"/>
+              <a:t>NLP</a:t>
+            </a:r>
+          </a:p>
+          <a:p>
+            <a:pPr marL="228600" indent="-228600">
+              <a:buAutoNum type="arabicPeriod"/>
+            </a:pPr>
+            <a:r>
+              <a:rPr lang="en-US" altLang="ko-KR" dirty="0" smtClean="0"/>
+              <a:t>Tokenized word</a:t>
+            </a:r>
+          </a:p>
+          <a:p>
+            <a:pPr marL="0" indent="0">
+              <a:buNone/>
+            </a:pPr>
+            <a:r>
+              <a:rPr lang="en-US" altLang="ko-KR" dirty="0" smtClean="0"/>
+              <a:t>2. Expending to sentence</a:t>
+            </a:r>
+          </a:p>
+          <a:p>
+            <a:pPr marL="0" indent="0">
+              <a:buNone/>
+            </a:pPr>
+            <a:r>
+              <a:rPr lang="en-US" altLang="ko-KR" dirty="0" smtClean="0"/>
+              <a:t>3. </a:t>
+            </a:r>
+            <a:r>
+              <a:rPr lang="ko-KR" altLang="en-US" dirty="0" smtClean="0"/>
+              <a:t>나온 </a:t>
+            </a:r>
+            <a:r>
+              <a:rPr lang="en-US" altLang="ko-KR" dirty="0" smtClean="0"/>
+              <a:t>Entity</a:t>
+            </a:r>
+            <a:r>
+              <a:rPr lang="ko-KR" altLang="en-US" dirty="0" smtClean="0"/>
+              <a:t>를 </a:t>
+            </a:r>
+            <a:r>
+              <a:rPr lang="en-US" altLang="ko-KR" dirty="0" smtClean="0"/>
+              <a:t>a biomedical category</a:t>
+            </a:r>
+            <a:r>
+              <a:rPr lang="ko-KR" altLang="en-US" dirty="0" smtClean="0"/>
+              <a:t>로 </a:t>
+            </a:r>
+            <a:r>
+              <a:rPr lang="en-US" altLang="ko-KR" dirty="0" smtClean="0"/>
+              <a:t>Mapping  </a:t>
+            </a:r>
+            <a:r>
+              <a:rPr lang="ko-KR" altLang="en-US" dirty="0" err="1" smtClean="0"/>
+              <a:t>하거나모든</a:t>
+            </a:r>
+            <a:r>
+              <a:rPr lang="ko-KR" altLang="en-US" dirty="0" smtClean="0"/>
+              <a:t> 문장과 구절을 </a:t>
+            </a:r>
+            <a:r>
+              <a:rPr lang="ko-KR" altLang="en-US" dirty="0" err="1" smtClean="0"/>
+              <a:t>트리로</a:t>
+            </a:r>
+            <a:r>
+              <a:rPr lang="ko-KR" altLang="en-US" dirty="0" smtClean="0"/>
+              <a:t> 구성함</a:t>
+            </a:r>
+            <a:r>
+              <a:rPr lang="en-US" altLang="ko-KR" dirty="0" smtClean="0"/>
+              <a:t>.</a:t>
+            </a:r>
+          </a:p>
+          <a:p>
+            <a:pPr marL="0" indent="0">
+              <a:buNone/>
+            </a:pPr>
+            <a:r>
+              <a:rPr lang="ko-KR" altLang="en-US" dirty="0" smtClean="0"/>
+              <a:t>결론</a:t>
+            </a:r>
+            <a:r>
+              <a:rPr lang="en-US" altLang="ko-KR" dirty="0" smtClean="0"/>
+              <a:t>.Co-</a:t>
+            </a:r>
+            <a:r>
+              <a:rPr lang="en-US" altLang="ko-KR" dirty="0" err="1" smtClean="0"/>
+              <a:t>occurence</a:t>
+            </a:r>
+            <a:r>
+              <a:rPr lang="ko-KR" altLang="en-US" dirty="0" smtClean="0"/>
+              <a:t>보다 </a:t>
+            </a:r>
+            <a:r>
+              <a:rPr lang="en-US" altLang="ko-KR" dirty="0" smtClean="0"/>
+              <a:t>NLP</a:t>
+            </a:r>
+            <a:r>
+              <a:rPr lang="ko-KR" altLang="en-US" dirty="0" smtClean="0"/>
+              <a:t>가 </a:t>
+            </a:r>
+            <a:r>
+              <a:rPr lang="en-US" altLang="ko-KR" dirty="0" smtClean="0"/>
+              <a:t>new discovery</a:t>
+            </a:r>
+            <a:r>
+              <a:rPr lang="ko-KR" altLang="en-US" dirty="0" smtClean="0"/>
+              <a:t>에 대한 </a:t>
+            </a:r>
+            <a:r>
+              <a:rPr lang="ko-KR" altLang="en-US" dirty="0" err="1" smtClean="0"/>
+              <a:t>더나은</a:t>
+            </a:r>
+            <a:r>
+              <a:rPr lang="ko-KR" altLang="en-US" dirty="0" smtClean="0"/>
+              <a:t> </a:t>
+            </a:r>
+            <a:r>
+              <a:rPr lang="en-US" altLang="ko-KR" dirty="0" smtClean="0"/>
+              <a:t>guidance</a:t>
+            </a:r>
+            <a:r>
+              <a:rPr lang="ko-KR" altLang="en-US" dirty="0" smtClean="0"/>
+              <a:t>를 제공함</a:t>
+            </a:r>
+            <a:r>
+              <a:rPr lang="en-US" altLang="ko-KR" dirty="0" smtClean="0"/>
+              <a:t>.</a:t>
+            </a:r>
+          </a:p>
+          <a:p>
+            <a:pPr marL="0" indent="0">
+              <a:buNone/>
+            </a:pPr>
+            <a:endParaRPr lang="en-US" altLang="ko-KR" dirty="0" smtClean="0"/>
+          </a:p>
+          <a:p>
+            <a:pPr marL="0" indent="0">
+              <a:buNone/>
+            </a:pPr>
+            <a:r>
+              <a:rPr lang="ko-KR" altLang="en-US" dirty="0" smtClean="0"/>
+              <a:t>근데 이 </a:t>
+            </a:r>
+            <a:r>
+              <a:rPr lang="en-US" altLang="ko-KR" dirty="0" smtClean="0"/>
+              <a:t>Literature</a:t>
+            </a:r>
+            <a:r>
+              <a:rPr lang="en-US" altLang="ko-KR" baseline="0" dirty="0" smtClean="0"/>
+              <a:t> Mining</a:t>
+            </a:r>
+            <a:r>
+              <a:rPr lang="ko-KR" altLang="en-US" baseline="0" dirty="0" smtClean="0"/>
+              <a:t>을 어떤 데이터를 이용해 진행하느냐</a:t>
+            </a:r>
+            <a:endParaRPr lang="en-US" altLang="ko-KR" baseline="0" dirty="0" smtClean="0"/>
+          </a:p>
+          <a:p>
+            <a:pPr marL="0" indent="0">
+              <a:buNone/>
+            </a:pPr>
+            <a:r>
+              <a:rPr lang="en-US" altLang="ko-KR" baseline="0" dirty="0" err="1" smtClean="0"/>
+              <a:t>Pubmed</a:t>
+            </a:r>
+            <a:r>
+              <a:rPr lang="ko-KR" altLang="en-US" baseline="0" dirty="0" smtClean="0"/>
+              <a:t>라는 부분이 나옵니다</a:t>
+            </a:r>
+            <a:endParaRPr lang="en-US" altLang="ko-KR" dirty="0" smtClean="0"/>
+          </a:p>
+        </p:txBody>
+      </p:sp>
+      <p:sp>
+        <p:nvSpPr>
+          <p:cNvPr id="4" name="슬라이드 번호 개체 틀 3"/>
+          <p:cNvSpPr>
+            <a:spLocks noGrp="1"/>
+          </p:cNvSpPr>
+          <p:nvPr>
+            <p:ph type="sldNum" sz="quarter" idx="10"/>
+          </p:nvPr>
+        </p:nvSpPr>
+        <p:spPr/>
+        <p:txBody>
+          <a:bodyPr/>
+          <a:lstStyle/>
+          <a:p>
+            <a:fld id="{DF1C77DD-6346-4C60-9BCD-18E499DAD49C}" type="slidenum">
+              <a:rPr lang="ko-KR" altLang="en-US" smtClean="0"/>
+              <a:t>12</a:t>
+            </a:fld>
+            <a:endParaRPr lang="ko-KR" altLang="en-US"/>
+          </a:p>
+        </p:txBody>
+      </p:sp>
+    </p:spTree>
+    <p:extLst>
+      <p:ext uri="{BB962C8B-B14F-4D97-AF65-F5344CB8AC3E}">
+        <p14:creationId xmlns:p14="http://schemas.microsoft.com/office/powerpoint/2010/main" val="1650387566"/>
+      </p:ext>
+    </p:extLst>
+  </p:cSld>
+  <p:clrMapOvr>
+    <a:masterClrMapping/>
+  </p:clrMapOvr>
+</p:notes>
+</file>
+
+<file path=ppt/notesSlides/notesSlide11.xml><?xml version="1.0" encoding="utf-8"?>
+<p:notes xmlns:a="http://schemas.openxmlformats.org/drawingml/2006/main" xmlns:r="http://schemas.openxmlformats.org/officeDocument/2006/relationships" xmlns:p="http://schemas.openxmlformats.org/presentationml/2006/main">
+  <p:cSld>
+    <p:spTree>
+      <p:nvGrpSpPr>
+        <p:cNvPr id="1" name=""/>
+        <p:cNvGrpSpPr/>
+        <p:nvPr/>
+      </p:nvGrpSpPr>
+      <p:grpSpPr>
+        <a:xfrm>
+          <a:off x="0" y="0"/>
+          <a:ext cx="0" cy="0"/>
+          <a:chOff x="0" y="0"/>
+          <a:chExt cx="0" cy="0"/>
+        </a:xfrm>
+      </p:grpSpPr>
+      <p:sp>
+        <p:nvSpPr>
+          <p:cNvPr id="2" name="슬라이드 이미지 개체 틀 1"/>
+          <p:cNvSpPr>
+            <a:spLocks noGrp="1" noRot="1" noChangeAspect="1"/>
+          </p:cNvSpPr>
+          <p:nvPr>
+            <p:ph type="sldImg"/>
+          </p:nvPr>
+        </p:nvSpPr>
+        <p:spPr/>
+      </p:sp>
+      <p:sp>
+        <p:nvSpPr>
+          <p:cNvPr id="3" name="슬라이드 노트 개체 틀 2"/>
+          <p:cNvSpPr>
+            <a:spLocks noGrp="1"/>
+          </p:cNvSpPr>
+          <p:nvPr>
+            <p:ph type="body" idx="1"/>
+          </p:nvPr>
+        </p:nvSpPr>
+        <p:spPr/>
+        <p:txBody>
+          <a:bodyPr/>
+          <a:lstStyle/>
+          <a:p>
+            <a:endParaRPr lang="ko-KR" altLang="en-US" dirty="0"/>
+          </a:p>
+        </p:txBody>
+      </p:sp>
+      <p:sp>
+        <p:nvSpPr>
+          <p:cNvPr id="4" name="슬라이드 번호 개체 틀 3"/>
+          <p:cNvSpPr>
+            <a:spLocks noGrp="1"/>
+          </p:cNvSpPr>
+          <p:nvPr>
+            <p:ph type="sldNum" sz="quarter" idx="10"/>
+          </p:nvPr>
+        </p:nvSpPr>
+        <p:spPr/>
+        <p:txBody>
+          <a:bodyPr/>
+          <a:lstStyle/>
+          <a:p>
+            <a:fld id="{DF1C77DD-6346-4C60-9BCD-18E499DAD49C}" type="slidenum">
+              <a:rPr lang="ko-KR" altLang="en-US" smtClean="0"/>
+              <a:t>13</a:t>
+            </a:fld>
+            <a:endParaRPr lang="ko-KR" altLang="en-US"/>
+          </a:p>
+        </p:txBody>
+      </p:sp>
+    </p:spTree>
+    <p:extLst>
+      <p:ext uri="{BB962C8B-B14F-4D97-AF65-F5344CB8AC3E}">
+        <p14:creationId xmlns:p14="http://schemas.microsoft.com/office/powerpoint/2010/main" val="1069543800"/>
+      </p:ext>
+    </p:extLst>
+  </p:cSld>
+  <p:clrMapOvr>
+    <a:masterClrMapping/>
+  </p:clrMapOvr>
+</p:notes>
+</file>
+
+<file path=ppt/notesSlides/notesSlide2.xml><?xml version="1.0" encoding="utf-8"?>
+<p:notes xmlns:a="http://schemas.openxmlformats.org/drawingml/2006/main" xmlns:r="http://schemas.openxmlformats.org/officeDocument/2006/relationships" xmlns:p="http://schemas.openxmlformats.org/presentationml/2006/main">
+  <p:cSld>
+    <p:spTree>
+      <p:nvGrpSpPr>
+        <p:cNvPr id="1" name=""/>
+        <p:cNvGrpSpPr/>
+        <p:nvPr/>
+      </p:nvGrpSpPr>
+      <p:grpSpPr>
+        <a:xfrm>
+          <a:off x="0" y="0"/>
+          <a:ext cx="0" cy="0"/>
+          <a:chOff x="0" y="0"/>
+          <a:chExt cx="0" cy="0"/>
+        </a:xfrm>
+      </p:grpSpPr>
+      <p:sp>
+        <p:nvSpPr>
+          <p:cNvPr id="2" name="슬라이드 이미지 개체 틀 1"/>
+          <p:cNvSpPr>
+            <a:spLocks noGrp="1" noRot="1" noChangeAspect="1"/>
+          </p:cNvSpPr>
+          <p:nvPr>
+            <p:ph type="sldImg"/>
+          </p:nvPr>
+        </p:nvSpPr>
+        <p:spPr/>
+      </p:sp>
+      <p:sp>
+        <p:nvSpPr>
+          <p:cNvPr id="3" name="슬라이드 노트 개체 틀 2"/>
+          <p:cNvSpPr>
+            <a:spLocks noGrp="1"/>
+          </p:cNvSpPr>
+          <p:nvPr>
+            <p:ph type="body" idx="1"/>
+          </p:nvPr>
+        </p:nvSpPr>
+        <p:spPr/>
+        <p:txBody>
+          <a:bodyPr/>
+          <a:lstStyle/>
+          <a:p>
+            <a:endParaRPr lang="ko-KR" altLang="en-US" dirty="0"/>
+          </a:p>
+        </p:txBody>
+      </p:sp>
+      <p:sp>
+        <p:nvSpPr>
+          <p:cNvPr id="4" name="슬라이드 번호 개체 틀 3"/>
+          <p:cNvSpPr>
+            <a:spLocks noGrp="1"/>
+          </p:cNvSpPr>
+          <p:nvPr>
+            <p:ph type="sldNum" sz="quarter" idx="10"/>
+          </p:nvPr>
+        </p:nvSpPr>
+        <p:spPr/>
+        <p:txBody>
+          <a:bodyPr/>
+          <a:lstStyle/>
+          <a:p>
+            <a:fld id="{DF1C77DD-6346-4C60-9BCD-18E499DAD49C}" type="slidenum">
+              <a:rPr lang="ko-KR" altLang="en-US" smtClean="0"/>
+              <a:t>3</a:t>
+            </a:fld>
+            <a:endParaRPr lang="ko-KR" altLang="en-US"/>
+          </a:p>
+        </p:txBody>
+      </p:sp>
+    </p:spTree>
+    <p:extLst>
+      <p:ext uri="{BB962C8B-B14F-4D97-AF65-F5344CB8AC3E}">
+        <p14:creationId xmlns:p14="http://schemas.microsoft.com/office/powerpoint/2010/main" val="3598019533"/>
+      </p:ext>
+    </p:extLst>
+  </p:cSld>
+  <p:clrMapOvr>
+    <a:masterClrMapping/>
+  </p:clrMapOvr>
+</p:notes>
+</file>
+
+<file path=ppt/notesSlides/notesSlide3.xml><?xml version="1.0" encoding="utf-8"?>
+<p:notes xmlns:a="http://schemas.openxmlformats.org/drawingml/2006/main" xmlns:r="http://schemas.openxmlformats.org/officeDocument/2006/relationships" xmlns:p="http://schemas.openxmlformats.org/presentationml/2006/main">
+  <p:cSld>
+    <p:spTree>
+      <p:nvGrpSpPr>
+        <p:cNvPr id="1" name=""/>
+        <p:cNvGrpSpPr/>
+        <p:nvPr/>
+      </p:nvGrpSpPr>
+      <p:grpSpPr>
+        <a:xfrm>
+          <a:off x="0" y="0"/>
+          <a:ext cx="0" cy="0"/>
+          <a:chOff x="0" y="0"/>
+          <a:chExt cx="0" cy="0"/>
+        </a:xfrm>
+      </p:grpSpPr>
+      <p:sp>
+        <p:nvSpPr>
+          <p:cNvPr id="2" name="슬라이드 이미지 개체 틀 1"/>
+          <p:cNvSpPr>
+            <a:spLocks noGrp="1" noRot="1" noChangeAspect="1"/>
+          </p:cNvSpPr>
+          <p:nvPr>
+            <p:ph type="sldImg"/>
+          </p:nvPr>
+        </p:nvSpPr>
+        <p:spPr/>
+      </p:sp>
+      <p:sp>
+        <p:nvSpPr>
+          <p:cNvPr id="3" name="슬라이드 노트 개체 틀 2"/>
+          <p:cNvSpPr>
+            <a:spLocks noGrp="1"/>
+          </p:cNvSpPr>
+          <p:nvPr>
+            <p:ph type="body" idx="1"/>
+          </p:nvPr>
+        </p:nvSpPr>
+        <p:spPr/>
+        <p:txBody>
+          <a:bodyPr/>
+          <a:lstStyle/>
+          <a:p>
+            <a:r>
+              <a:rPr lang="en-US" altLang="ko-KR" dirty="0" smtClean="0"/>
+              <a:t>Closed</a:t>
+            </a:r>
+            <a:r>
+              <a:rPr lang="en-US" altLang="ko-KR" baseline="0" dirty="0" smtClean="0"/>
+              <a:t> :</a:t>
+            </a:r>
+          </a:p>
+          <a:p>
+            <a:r>
+              <a:rPr lang="ko-KR" altLang="en-US" baseline="0" dirty="0" smtClean="0"/>
+              <a:t>이미 </a:t>
+            </a:r>
+            <a:r>
+              <a:rPr lang="ko-KR" altLang="en-US" baseline="0" dirty="0" err="1" smtClean="0"/>
+              <a:t>알고있는</a:t>
+            </a:r>
+            <a:r>
+              <a:rPr lang="ko-KR" altLang="en-US" baseline="0" dirty="0" smtClean="0"/>
+              <a:t> </a:t>
+            </a:r>
+            <a:r>
+              <a:rPr lang="en-US" altLang="ko-KR" baseline="0" dirty="0" smtClean="0"/>
+              <a:t>A</a:t>
+            </a:r>
+            <a:r>
+              <a:rPr lang="ko-KR" altLang="en-US" baseline="0" dirty="0" smtClean="0"/>
+              <a:t>와 </a:t>
+            </a:r>
+            <a:r>
+              <a:rPr lang="en-US" altLang="ko-KR" baseline="0" dirty="0" smtClean="0"/>
+              <a:t>C</a:t>
+            </a:r>
+            <a:r>
+              <a:rPr lang="ko-KR" altLang="en-US" baseline="0" dirty="0" smtClean="0"/>
+              <a:t>사이에서</a:t>
+            </a:r>
+            <a:r>
+              <a:rPr lang="en-US" altLang="ko-KR" baseline="0" dirty="0" smtClean="0"/>
+              <a:t>, </a:t>
+            </a:r>
+          </a:p>
+          <a:p>
+            <a:r>
+              <a:rPr lang="en-US" altLang="ko-KR" dirty="0" smtClean="0"/>
+              <a:t>A</a:t>
+            </a:r>
+            <a:r>
+              <a:rPr lang="ko-KR" altLang="en-US" dirty="0" smtClean="0"/>
+              <a:t>와 </a:t>
+            </a:r>
+            <a:r>
+              <a:rPr lang="en-US" altLang="ko-KR" dirty="0" smtClean="0"/>
+              <a:t>C</a:t>
+            </a:r>
+            <a:r>
+              <a:rPr lang="ko-KR" altLang="en-US" baseline="0" dirty="0" smtClean="0"/>
+              <a:t> 사이의 간접적인 관계를 해석하려고 하는 것</a:t>
+            </a:r>
+            <a:endParaRPr lang="en-US" altLang="ko-KR" baseline="0" dirty="0" smtClean="0"/>
+          </a:p>
+          <a:p>
+            <a:r>
+              <a:rPr lang="en-US" altLang="ko-KR" baseline="0" dirty="0" smtClean="0"/>
+              <a:t>(A</a:t>
+            </a:r>
+            <a:r>
+              <a:rPr lang="ko-KR" altLang="en-US" baseline="0" dirty="0" smtClean="0"/>
+              <a:t>와 </a:t>
+            </a:r>
+            <a:r>
+              <a:rPr lang="en-US" altLang="ko-KR" baseline="0" dirty="0" smtClean="0"/>
+              <a:t>C</a:t>
+            </a:r>
+            <a:r>
+              <a:rPr lang="ko-KR" altLang="en-US" baseline="0" dirty="0" smtClean="0"/>
+              <a:t>를 이미 </a:t>
+            </a:r>
+            <a:r>
+              <a:rPr lang="ko-KR" altLang="en-US" baseline="0" dirty="0" err="1" smtClean="0"/>
+              <a:t>알고있음</a:t>
+            </a:r>
+            <a:r>
+              <a:rPr lang="en-US" altLang="ko-KR" baseline="0" dirty="0" smtClean="0"/>
+              <a:t>)</a:t>
+            </a:r>
+          </a:p>
+          <a:p>
+            <a:endParaRPr lang="en-US" altLang="ko-KR" baseline="0" dirty="0" smtClean="0"/>
+          </a:p>
+          <a:p>
+            <a:r>
+              <a:rPr lang="en-US" altLang="ko-KR" baseline="0" dirty="0" smtClean="0"/>
+              <a:t>Open :</a:t>
+            </a:r>
+          </a:p>
+          <a:p>
+            <a:r>
+              <a:rPr lang="en-US" altLang="ko-KR" baseline="0" dirty="0" smtClean="0"/>
+              <a:t>A</a:t>
+            </a:r>
+            <a:r>
+              <a:rPr lang="ko-KR" altLang="en-US" baseline="0" dirty="0" smtClean="0"/>
+              <a:t>와 </a:t>
+            </a:r>
+            <a:r>
+              <a:rPr lang="ko-KR" altLang="en-US" baseline="0" dirty="0" err="1" smtClean="0"/>
+              <a:t>관계있는</a:t>
+            </a:r>
+            <a:r>
+              <a:rPr lang="ko-KR" altLang="en-US" baseline="0" dirty="0" smtClean="0"/>
+              <a:t> </a:t>
+            </a:r>
+            <a:r>
+              <a:rPr lang="en-US" altLang="ko-KR" baseline="0" dirty="0" smtClean="0"/>
+              <a:t>B</a:t>
+            </a:r>
+            <a:r>
+              <a:rPr lang="ko-KR" altLang="en-US" baseline="0" dirty="0" smtClean="0"/>
+              <a:t>를 찾고</a:t>
+            </a:r>
+            <a:r>
+              <a:rPr lang="en-US" altLang="ko-KR" baseline="0" dirty="0" smtClean="0"/>
+              <a:t>,</a:t>
+            </a:r>
+          </a:p>
+          <a:p>
+            <a:r>
+              <a:rPr lang="en-US" altLang="ko-KR" baseline="0" dirty="0" smtClean="0"/>
+              <a:t>B</a:t>
+            </a:r>
+            <a:r>
+              <a:rPr lang="ko-KR" altLang="en-US" baseline="0" dirty="0" smtClean="0"/>
+              <a:t>를 공유하는 </a:t>
+            </a:r>
+            <a:r>
+              <a:rPr lang="en-US" altLang="ko-KR" baseline="0" dirty="0" smtClean="0"/>
+              <a:t>C</a:t>
+            </a:r>
+            <a:r>
+              <a:rPr lang="ko-KR" altLang="en-US" baseline="0" dirty="0" smtClean="0"/>
+              <a:t>를 찾아내는 것이다</a:t>
+            </a:r>
+            <a:r>
+              <a:rPr lang="en-US" altLang="ko-KR" baseline="0" dirty="0" smtClean="0"/>
+              <a:t>.</a:t>
+            </a:r>
+          </a:p>
+          <a:p>
+            <a:endParaRPr lang="en-US" altLang="ko-KR" baseline="0" dirty="0" smtClean="0"/>
+          </a:p>
+          <a:p>
+            <a:r>
+              <a:rPr lang="en-US" altLang="ko-KR" baseline="0" dirty="0" smtClean="0"/>
+              <a:t>(A</a:t>
+            </a:r>
+            <a:r>
+              <a:rPr lang="ko-KR" altLang="en-US" baseline="0" dirty="0" smtClean="0"/>
+              <a:t>만 암</a:t>
+            </a:r>
+            <a:r>
+              <a:rPr lang="en-US" altLang="ko-KR" baseline="0" dirty="0" smtClean="0"/>
+              <a:t>. A</a:t>
+            </a:r>
+            <a:r>
+              <a:rPr lang="ko-KR" altLang="en-US" baseline="0" dirty="0" smtClean="0"/>
+              <a:t>로부터 </a:t>
+            </a:r>
+            <a:r>
+              <a:rPr lang="ko-KR" altLang="en-US" baseline="0" dirty="0" err="1" smtClean="0"/>
+              <a:t>관계있는</a:t>
+            </a:r>
+            <a:r>
+              <a:rPr lang="ko-KR" altLang="en-US" baseline="0" dirty="0" smtClean="0"/>
+              <a:t> </a:t>
+            </a:r>
+            <a:r>
+              <a:rPr lang="en-US" altLang="ko-KR" baseline="0" dirty="0" smtClean="0"/>
+              <a:t>B</a:t>
+            </a:r>
+            <a:r>
+              <a:rPr lang="ko-KR" altLang="en-US" baseline="0" dirty="0" smtClean="0"/>
+              <a:t>를 찾고</a:t>
+            </a:r>
+            <a:r>
+              <a:rPr lang="en-US" altLang="ko-KR" baseline="0" dirty="0" smtClean="0"/>
+              <a:t>, B</a:t>
+            </a:r>
+            <a:r>
+              <a:rPr lang="ko-KR" altLang="en-US" baseline="0" dirty="0" smtClean="0"/>
+              <a:t>로부터 </a:t>
+            </a:r>
+            <a:r>
+              <a:rPr lang="ko-KR" altLang="en-US" baseline="0" dirty="0" err="1" smtClean="0"/>
+              <a:t>관계있는</a:t>
+            </a:r>
+            <a:r>
+              <a:rPr lang="ko-KR" altLang="en-US" baseline="0" dirty="0" smtClean="0"/>
+              <a:t> </a:t>
+            </a:r>
+            <a:r>
+              <a:rPr lang="en-US" altLang="ko-KR" baseline="0" dirty="0" smtClean="0"/>
+              <a:t>C </a:t>
+            </a:r>
+            <a:r>
+              <a:rPr lang="ko-KR" altLang="en-US" baseline="0" dirty="0" smtClean="0"/>
+              <a:t>를 </a:t>
+            </a:r>
+            <a:r>
+              <a:rPr lang="ko-KR" altLang="en-US" baseline="0" dirty="0" err="1" smtClean="0"/>
+              <a:t>찾는것</a:t>
+            </a:r>
+            <a:r>
+              <a:rPr lang="en-US" altLang="ko-KR" baseline="0" dirty="0" smtClean="0"/>
+              <a:t>)</a:t>
+            </a:r>
+          </a:p>
+          <a:p>
+            <a:endParaRPr lang="en-US" altLang="ko-KR" baseline="0" dirty="0" smtClean="0"/>
+          </a:p>
+          <a:p>
+            <a:endParaRPr lang="en-US" altLang="ko-KR" baseline="0" dirty="0" smtClean="0"/>
+          </a:p>
+        </p:txBody>
+      </p:sp>
+      <p:sp>
+        <p:nvSpPr>
+          <p:cNvPr id="4" name="슬라이드 번호 개체 틀 3"/>
+          <p:cNvSpPr>
+            <a:spLocks noGrp="1"/>
+          </p:cNvSpPr>
+          <p:nvPr>
+            <p:ph type="sldNum" sz="quarter" idx="10"/>
+          </p:nvPr>
+        </p:nvSpPr>
+        <p:spPr/>
+        <p:txBody>
+          <a:bodyPr/>
+          <a:lstStyle/>
+          <a:p>
+            <a:fld id="{DF1C77DD-6346-4C60-9BCD-18E499DAD49C}" type="slidenum">
+              <a:rPr lang="ko-KR" altLang="en-US" smtClean="0"/>
+              <a:t>5</a:t>
+            </a:fld>
+            <a:endParaRPr lang="ko-KR" altLang="en-US"/>
+          </a:p>
+        </p:txBody>
+      </p:sp>
+    </p:spTree>
+    <p:extLst>
+      <p:ext uri="{BB962C8B-B14F-4D97-AF65-F5344CB8AC3E}">
+        <p14:creationId xmlns:p14="http://schemas.microsoft.com/office/powerpoint/2010/main" val="2179894317"/>
+      </p:ext>
+    </p:extLst>
+  </p:cSld>
+  <p:clrMapOvr>
+    <a:masterClrMapping/>
+  </p:clrMapOvr>
+</p:notes>
+</file>
+
+<file path=ppt/notesSlides/notesSlide4.xml><?xml version="1.0" encoding="utf-8"?>
+<p:notes xmlns:a="http://schemas.openxmlformats.org/drawingml/2006/main" xmlns:r="http://schemas.openxmlformats.org/officeDocument/2006/relationships" xmlns:p="http://schemas.openxmlformats.org/presentationml/2006/main">
+  <p:cSld>
+    <p:spTree>
+      <p:nvGrpSpPr>
+        <p:cNvPr id="1" name=""/>
+        <p:cNvGrpSpPr/>
+        <p:nvPr/>
+      </p:nvGrpSpPr>
+      <p:grpSpPr>
+        <a:xfrm>
+          <a:off x="0" y="0"/>
+          <a:ext cx="0" cy="0"/>
+          <a:chOff x="0" y="0"/>
+          <a:chExt cx="0" cy="0"/>
+        </a:xfrm>
+      </p:grpSpPr>
+      <p:sp>
+        <p:nvSpPr>
+          <p:cNvPr id="2" name="슬라이드 이미지 개체 틀 1"/>
+          <p:cNvSpPr>
+            <a:spLocks noGrp="1" noRot="1" noChangeAspect="1"/>
+          </p:cNvSpPr>
+          <p:nvPr>
+            <p:ph type="sldImg"/>
+          </p:nvPr>
+        </p:nvSpPr>
+        <p:spPr/>
+      </p:sp>
+      <p:sp>
+        <p:nvSpPr>
+          <p:cNvPr id="3" name="슬라이드 노트 개체 틀 2"/>
+          <p:cNvSpPr>
+            <a:spLocks noGrp="1"/>
+          </p:cNvSpPr>
+          <p:nvPr>
+            <p:ph type="body" idx="1"/>
+          </p:nvPr>
+        </p:nvSpPr>
+        <p:spPr/>
+        <p:txBody>
+          <a:bodyPr/>
+          <a:lstStyle/>
+          <a:p>
+            <a:r>
+              <a:rPr lang="en-US" altLang="ko-KR" dirty="0" smtClean="0"/>
+              <a:t>Swanson</a:t>
+            </a:r>
+            <a:r>
+              <a:rPr lang="ko-KR" altLang="en-US" dirty="0" smtClean="0"/>
+              <a:t>의 </a:t>
+            </a:r>
+            <a:r>
+              <a:rPr lang="en-US" altLang="ko-KR" dirty="0" smtClean="0"/>
+              <a:t>ABC</a:t>
+            </a:r>
+            <a:r>
+              <a:rPr lang="ko-KR" altLang="en-US" dirty="0" smtClean="0"/>
+              <a:t>모델을 기반으로 하여 발생된 </a:t>
+            </a:r>
+            <a:r>
+              <a:rPr lang="en-US" altLang="ko-KR" dirty="0" smtClean="0"/>
+              <a:t>Literature Mining.</a:t>
+            </a:r>
+          </a:p>
+          <a:p>
+            <a:endParaRPr lang="en-US" altLang="ko-KR" dirty="0" smtClean="0"/>
+          </a:p>
+          <a:p>
+            <a:r>
+              <a:rPr lang="ko-KR" altLang="en-US" dirty="0" smtClean="0"/>
+              <a:t>처음에</a:t>
+            </a:r>
+            <a:r>
+              <a:rPr lang="en-US" altLang="ko-KR" dirty="0" smtClean="0"/>
+              <a:t>!!</a:t>
+            </a:r>
+          </a:p>
+          <a:p>
+            <a:r>
+              <a:rPr lang="ko-KR" altLang="en-US" dirty="0" smtClean="0"/>
+              <a:t>하나의 </a:t>
+            </a:r>
+            <a:r>
+              <a:rPr lang="en-US" altLang="ko-KR" dirty="0" smtClean="0"/>
+              <a:t>article</a:t>
+            </a:r>
+            <a:r>
+              <a:rPr lang="ko-KR" altLang="en-US" dirty="0" smtClean="0"/>
+              <a:t>과 </a:t>
+            </a:r>
+            <a:r>
+              <a:rPr lang="en-US" altLang="ko-KR" dirty="0" smtClean="0"/>
+              <a:t>abstract</a:t>
+            </a:r>
+            <a:r>
+              <a:rPr lang="ko-KR" altLang="en-US" dirty="0" smtClean="0"/>
+              <a:t>에서 관계와 </a:t>
+            </a:r>
+            <a:r>
+              <a:rPr lang="ko-KR" altLang="en-US" dirty="0" err="1" smtClean="0"/>
+              <a:t>컨셉을</a:t>
+            </a:r>
+            <a:r>
+              <a:rPr lang="ko-KR" altLang="en-US" dirty="0" smtClean="0"/>
+              <a:t> 추출하고 점차 늘려감</a:t>
+            </a:r>
+            <a:endParaRPr lang="en-US" altLang="ko-KR" dirty="0" smtClean="0"/>
+          </a:p>
+          <a:p>
+            <a:endParaRPr lang="en-US" altLang="ko-KR" dirty="0" smtClean="0"/>
+          </a:p>
+          <a:p>
+            <a:r>
+              <a:rPr lang="ko-KR" altLang="en-US" dirty="0" smtClean="0"/>
+              <a:t>이 추출 방식에는 </a:t>
+            </a:r>
+            <a:r>
+              <a:rPr lang="ko-KR" altLang="en-US" dirty="0" err="1" smtClean="0"/>
+              <a:t>여러가지가</a:t>
+            </a:r>
+            <a:r>
+              <a:rPr lang="ko-KR" altLang="en-US" dirty="0" smtClean="0"/>
+              <a:t> 존재하는데</a:t>
+            </a:r>
+            <a:r>
+              <a:rPr lang="en-US" altLang="ko-KR" dirty="0" smtClean="0"/>
+              <a:t>,</a:t>
+            </a:r>
+          </a:p>
+          <a:p>
+            <a:endParaRPr lang="en-US" altLang="ko-KR" dirty="0" smtClean="0"/>
+          </a:p>
+        </p:txBody>
+      </p:sp>
+      <p:sp>
+        <p:nvSpPr>
+          <p:cNvPr id="4" name="슬라이드 번호 개체 틀 3"/>
+          <p:cNvSpPr>
+            <a:spLocks noGrp="1"/>
+          </p:cNvSpPr>
+          <p:nvPr>
+            <p:ph type="sldNum" sz="quarter" idx="10"/>
+          </p:nvPr>
+        </p:nvSpPr>
+        <p:spPr/>
+        <p:txBody>
+          <a:bodyPr/>
+          <a:lstStyle/>
+          <a:p>
+            <a:fld id="{DF1C77DD-6346-4C60-9BCD-18E499DAD49C}" type="slidenum">
+              <a:rPr lang="ko-KR" altLang="en-US" smtClean="0"/>
+              <a:t>6</a:t>
+            </a:fld>
+            <a:endParaRPr lang="ko-KR" altLang="en-US"/>
+          </a:p>
+        </p:txBody>
+      </p:sp>
+    </p:spTree>
+    <p:extLst>
+      <p:ext uri="{BB962C8B-B14F-4D97-AF65-F5344CB8AC3E}">
+        <p14:creationId xmlns:p14="http://schemas.microsoft.com/office/powerpoint/2010/main" val="509814201"/>
+      </p:ext>
+    </p:extLst>
+  </p:cSld>
+  <p:clrMapOvr>
+    <a:masterClrMapping/>
+  </p:clrMapOvr>
+</p:notes>
+</file>
+
+<file path=ppt/notesSlides/notesSlide5.xml><?xml version="1.0" encoding="utf-8"?>
+<p:notes xmlns:a="http://schemas.openxmlformats.org/drawingml/2006/main" xmlns:r="http://schemas.openxmlformats.org/officeDocument/2006/relationships" xmlns:p="http://schemas.openxmlformats.org/presentationml/2006/main">
+  <p:cSld>
+    <p:spTree>
+      <p:nvGrpSpPr>
+        <p:cNvPr id="1" name=""/>
+        <p:cNvGrpSpPr/>
+        <p:nvPr/>
+      </p:nvGrpSpPr>
+      <p:grpSpPr>
+        <a:xfrm>
+          <a:off x="0" y="0"/>
+          <a:ext cx="0" cy="0"/>
+          <a:chOff x="0" y="0"/>
+          <a:chExt cx="0" cy="0"/>
+        </a:xfrm>
+      </p:grpSpPr>
+      <p:sp>
+        <p:nvSpPr>
+          <p:cNvPr id="2" name="슬라이드 이미지 개체 틀 1"/>
+          <p:cNvSpPr>
+            <a:spLocks noGrp="1" noRot="1" noChangeAspect="1"/>
+          </p:cNvSpPr>
+          <p:nvPr>
+            <p:ph type="sldImg"/>
+          </p:nvPr>
+        </p:nvSpPr>
+        <p:spPr/>
+      </p:sp>
+      <p:sp>
+        <p:nvSpPr>
+          <p:cNvPr id="3" name="슬라이드 노트 개체 틀 2"/>
+          <p:cNvSpPr>
+            <a:spLocks noGrp="1"/>
+          </p:cNvSpPr>
+          <p:nvPr>
+            <p:ph type="body" idx="1"/>
+          </p:nvPr>
+        </p:nvSpPr>
+        <p:spPr/>
+        <p:txBody>
+          <a:bodyPr/>
+          <a:lstStyle/>
+          <a:p>
+            <a:r>
+              <a:rPr lang="en-US" altLang="ko-KR" dirty="0" smtClean="0"/>
+              <a:t>IE</a:t>
+            </a:r>
+            <a:r>
+              <a:rPr lang="ko-KR" altLang="en-US" dirty="0" smtClean="0"/>
+              <a:t>의 </a:t>
+            </a:r>
+            <a:r>
+              <a:rPr lang="ko-KR" altLang="en-US" dirty="0" err="1" smtClean="0"/>
+              <a:t>단계중</a:t>
+            </a:r>
+            <a:r>
+              <a:rPr lang="ko-KR" altLang="en-US" dirty="0" smtClean="0"/>
+              <a:t> 하나로써 </a:t>
+            </a:r>
+            <a:r>
+              <a:rPr lang="en-US" altLang="ko-KR" dirty="0" smtClean="0"/>
+              <a:t>NER</a:t>
+            </a:r>
+            <a:r>
+              <a:rPr lang="ko-KR" altLang="en-US" dirty="0" smtClean="0"/>
+              <a:t>를 사용</a:t>
+            </a:r>
+            <a:r>
+              <a:rPr lang="en-US" altLang="ko-KR" dirty="0" smtClean="0"/>
+              <a:t>. Free</a:t>
+            </a:r>
+            <a:r>
+              <a:rPr lang="en-US" altLang="ko-KR" baseline="0" dirty="0" smtClean="0"/>
+              <a:t> text</a:t>
+            </a:r>
+            <a:r>
+              <a:rPr lang="ko-KR" altLang="en-US" baseline="0" dirty="0" smtClean="0"/>
+              <a:t> 로부터 의학적용어의 식별을 다룸</a:t>
+            </a:r>
+            <a:r>
+              <a:rPr lang="en-US" altLang="ko-KR" baseline="0" dirty="0" smtClean="0"/>
+              <a:t>.</a:t>
+            </a:r>
+          </a:p>
+          <a:p>
+            <a:r>
+              <a:rPr lang="en-US" altLang="ko-KR" dirty="0" smtClean="0"/>
+              <a:t>UMLS</a:t>
+            </a:r>
+            <a:r>
+              <a:rPr lang="ko-KR" altLang="en-US" dirty="0" smtClean="0"/>
+              <a:t>나 </a:t>
+            </a:r>
+            <a:r>
+              <a:rPr lang="en-US" altLang="ko-KR" dirty="0" err="1" smtClean="0"/>
+              <a:t>MeSH</a:t>
+            </a:r>
+            <a:r>
+              <a:rPr lang="ko-KR" altLang="en-US" dirty="0" smtClean="0"/>
+              <a:t>같은 사전</a:t>
+            </a:r>
+            <a:endParaRPr lang="en-US" altLang="ko-KR" dirty="0" smtClean="0"/>
+          </a:p>
+        </p:txBody>
+      </p:sp>
+      <p:sp>
+        <p:nvSpPr>
+          <p:cNvPr id="4" name="슬라이드 번호 개체 틀 3"/>
+          <p:cNvSpPr>
+            <a:spLocks noGrp="1"/>
+          </p:cNvSpPr>
+          <p:nvPr>
+            <p:ph type="sldNum" sz="quarter" idx="10"/>
+          </p:nvPr>
+        </p:nvSpPr>
+        <p:spPr/>
+        <p:txBody>
+          <a:bodyPr/>
+          <a:lstStyle/>
+          <a:p>
+            <a:fld id="{DF1C77DD-6346-4C60-9BCD-18E499DAD49C}" type="slidenum">
+              <a:rPr lang="ko-KR" altLang="en-US" smtClean="0"/>
+              <a:t>7</a:t>
+            </a:fld>
+            <a:endParaRPr lang="ko-KR" altLang="en-US"/>
+          </a:p>
+        </p:txBody>
+      </p:sp>
+    </p:spTree>
+    <p:extLst>
+      <p:ext uri="{BB962C8B-B14F-4D97-AF65-F5344CB8AC3E}">
+        <p14:creationId xmlns:p14="http://schemas.microsoft.com/office/powerpoint/2010/main" val="392559598"/>
+      </p:ext>
+    </p:extLst>
+  </p:cSld>
+  <p:clrMapOvr>
+    <a:masterClrMapping/>
+  </p:clrMapOvr>
+</p:notes>
+</file>
+
+<file path=ppt/notesSlides/notesSlide6.xml><?xml version="1.0" encoding="utf-8"?>
+<p:notes xmlns:a="http://schemas.openxmlformats.org/drawingml/2006/main" xmlns:r="http://schemas.openxmlformats.org/officeDocument/2006/relationships" xmlns:p="http://schemas.openxmlformats.org/presentationml/2006/main">
+  <p:cSld>
+    <p:spTree>
+      <p:nvGrpSpPr>
+        <p:cNvPr id="1" name=""/>
+        <p:cNvGrpSpPr/>
+        <p:nvPr/>
+      </p:nvGrpSpPr>
+      <p:grpSpPr>
+        <a:xfrm>
+          <a:off x="0" y="0"/>
+          <a:ext cx="0" cy="0"/>
+          <a:chOff x="0" y="0"/>
+          <a:chExt cx="0" cy="0"/>
+        </a:xfrm>
+      </p:grpSpPr>
+      <p:sp>
+        <p:nvSpPr>
+          <p:cNvPr id="2" name="슬라이드 이미지 개체 틀 1"/>
+          <p:cNvSpPr>
+            <a:spLocks noGrp="1" noRot="1" noChangeAspect="1"/>
+          </p:cNvSpPr>
+          <p:nvPr>
+            <p:ph type="sldImg"/>
+          </p:nvPr>
+        </p:nvSpPr>
+        <p:spPr/>
+      </p:sp>
+      <p:sp>
+        <p:nvSpPr>
+          <p:cNvPr id="3" name="슬라이드 노트 개체 틀 2"/>
+          <p:cNvSpPr>
+            <a:spLocks noGrp="1"/>
+          </p:cNvSpPr>
+          <p:nvPr>
+            <p:ph type="body" idx="1"/>
+          </p:nvPr>
+        </p:nvSpPr>
+        <p:spPr/>
+        <p:txBody>
+          <a:bodyPr/>
+          <a:lstStyle/>
+          <a:p>
+            <a:r>
+              <a:rPr lang="en-US" altLang="ko-KR" dirty="0" smtClean="0"/>
+              <a:t>co-</a:t>
+            </a:r>
+            <a:r>
+              <a:rPr lang="en-US" altLang="ko-KR" dirty="0" err="1" smtClean="0"/>
+              <a:t>occurence</a:t>
+            </a:r>
+            <a:r>
+              <a:rPr lang="en-US" altLang="ko-KR" dirty="0" smtClean="0"/>
+              <a:t> : </a:t>
+            </a:r>
+            <a:r>
+              <a:rPr lang="ko-KR" altLang="en-US" dirty="0" smtClean="0"/>
+              <a:t>같은 문장 내에서 발생하는 모든 단어를 연관이 있다고 생각하는 것</a:t>
+            </a:r>
+            <a:r>
+              <a:rPr lang="en-US" altLang="ko-KR" dirty="0" smtClean="0"/>
+              <a:t>.</a:t>
+            </a:r>
+          </a:p>
+          <a:p>
+            <a:r>
+              <a:rPr lang="ko-KR" altLang="en-US" dirty="0" smtClean="0"/>
+              <a:t>하지만 이 방법은</a:t>
+            </a:r>
+            <a:r>
+              <a:rPr lang="en-US" altLang="ko-KR" dirty="0" smtClean="0"/>
+              <a:t>, the high rate of false-positive</a:t>
+            </a:r>
+            <a:r>
+              <a:rPr lang="ko-KR" altLang="en-US" dirty="0" smtClean="0"/>
+              <a:t>를 만들어냄</a:t>
+            </a:r>
+            <a:endParaRPr lang="en-US" altLang="ko-KR" dirty="0" smtClean="0"/>
+          </a:p>
+          <a:p>
+            <a:r>
+              <a:rPr lang="ko-KR" altLang="en-US" dirty="0" smtClean="0"/>
+              <a:t>그래서 </a:t>
+            </a:r>
+            <a:r>
+              <a:rPr lang="en-US" altLang="ko-KR" dirty="0" smtClean="0"/>
+              <a:t>NLP</a:t>
+            </a:r>
+            <a:r>
+              <a:rPr lang="ko-KR" altLang="en-US" dirty="0" smtClean="0"/>
+              <a:t>의 개발이 </a:t>
+            </a:r>
+            <a:r>
+              <a:rPr lang="ko-KR" altLang="en-US" dirty="0" err="1" smtClean="0"/>
+              <a:t>활발해지고있음</a:t>
+            </a:r>
+            <a:r>
+              <a:rPr lang="en-US" altLang="ko-KR" dirty="0" smtClean="0"/>
+              <a:t>.</a:t>
+            </a:r>
+          </a:p>
+          <a:p>
+            <a:r>
+              <a:rPr lang="en-US" altLang="ko-KR" dirty="0" smtClean="0"/>
+              <a:t>NLP</a:t>
+            </a:r>
+          </a:p>
+          <a:p>
+            <a:pPr marL="228600" indent="-228600">
+              <a:buAutoNum type="arabicPeriod"/>
+            </a:pPr>
+            <a:r>
+              <a:rPr lang="en-US" altLang="ko-KR" dirty="0" smtClean="0"/>
+              <a:t>Tokenized word</a:t>
+            </a:r>
+          </a:p>
+          <a:p>
+            <a:pPr marL="0" indent="0">
+              <a:buNone/>
+            </a:pPr>
+            <a:r>
+              <a:rPr lang="en-US" altLang="ko-KR" dirty="0" smtClean="0"/>
+              <a:t>2. Expending to sentence</a:t>
+            </a:r>
+          </a:p>
+          <a:p>
+            <a:pPr marL="0" indent="0">
+              <a:buNone/>
+            </a:pPr>
+            <a:r>
+              <a:rPr lang="en-US" altLang="ko-KR" dirty="0" smtClean="0"/>
+              <a:t>3. </a:t>
+            </a:r>
+            <a:r>
+              <a:rPr lang="ko-KR" altLang="en-US" dirty="0" smtClean="0"/>
+              <a:t>나온 </a:t>
+            </a:r>
+            <a:r>
+              <a:rPr lang="en-US" altLang="ko-KR" dirty="0" smtClean="0"/>
+              <a:t>Entity</a:t>
+            </a:r>
+            <a:r>
+              <a:rPr lang="ko-KR" altLang="en-US" dirty="0" smtClean="0"/>
+              <a:t>를 </a:t>
+            </a:r>
+            <a:r>
+              <a:rPr lang="en-US" altLang="ko-KR" dirty="0" smtClean="0"/>
+              <a:t>a biomedical category</a:t>
+            </a:r>
+            <a:r>
+              <a:rPr lang="ko-KR" altLang="en-US" dirty="0" smtClean="0"/>
+              <a:t>로 </a:t>
+            </a:r>
+            <a:r>
+              <a:rPr lang="en-US" altLang="ko-KR" dirty="0" smtClean="0"/>
+              <a:t>Mapping  </a:t>
+            </a:r>
+            <a:r>
+              <a:rPr lang="ko-KR" altLang="en-US" dirty="0" err="1" smtClean="0"/>
+              <a:t>하거나모든</a:t>
+            </a:r>
+            <a:r>
+              <a:rPr lang="ko-KR" altLang="en-US" dirty="0" smtClean="0"/>
+              <a:t> 문장과 구절을 </a:t>
+            </a:r>
+            <a:r>
+              <a:rPr lang="ko-KR" altLang="en-US" dirty="0" err="1" smtClean="0"/>
+              <a:t>트리로</a:t>
+            </a:r>
+            <a:r>
+              <a:rPr lang="ko-KR" altLang="en-US" dirty="0" smtClean="0"/>
+              <a:t> 구성함</a:t>
+            </a:r>
+            <a:r>
+              <a:rPr lang="en-US" altLang="ko-KR" dirty="0" smtClean="0"/>
+              <a:t>.</a:t>
+            </a:r>
+          </a:p>
+          <a:p>
+            <a:pPr marL="0" indent="0">
+              <a:buNone/>
+            </a:pPr>
+            <a:r>
+              <a:rPr lang="ko-KR" altLang="en-US" dirty="0" smtClean="0"/>
+              <a:t>결론</a:t>
+            </a:r>
+            <a:r>
+              <a:rPr lang="en-US" altLang="ko-KR" dirty="0" smtClean="0"/>
+              <a:t>.Co-</a:t>
+            </a:r>
+            <a:r>
+              <a:rPr lang="en-US" altLang="ko-KR" dirty="0" err="1" smtClean="0"/>
+              <a:t>occurence</a:t>
+            </a:r>
+            <a:r>
+              <a:rPr lang="ko-KR" altLang="en-US" dirty="0" smtClean="0"/>
+              <a:t>보다 </a:t>
+            </a:r>
+            <a:r>
+              <a:rPr lang="en-US" altLang="ko-KR" dirty="0" smtClean="0"/>
+              <a:t>NLP</a:t>
+            </a:r>
+            <a:r>
+              <a:rPr lang="ko-KR" altLang="en-US" dirty="0" smtClean="0"/>
+              <a:t>가 </a:t>
+            </a:r>
+            <a:r>
+              <a:rPr lang="en-US" altLang="ko-KR" dirty="0" smtClean="0"/>
+              <a:t>new discovery</a:t>
+            </a:r>
+            <a:r>
+              <a:rPr lang="ko-KR" altLang="en-US" dirty="0" smtClean="0"/>
+              <a:t>에 대한 </a:t>
+            </a:r>
+            <a:r>
+              <a:rPr lang="ko-KR" altLang="en-US" dirty="0" err="1" smtClean="0"/>
+              <a:t>더나은</a:t>
+            </a:r>
+            <a:r>
+              <a:rPr lang="ko-KR" altLang="en-US" dirty="0" smtClean="0"/>
+              <a:t> </a:t>
+            </a:r>
+            <a:r>
+              <a:rPr lang="en-US" altLang="ko-KR" dirty="0" smtClean="0"/>
+              <a:t>guidance</a:t>
+            </a:r>
+            <a:r>
+              <a:rPr lang="ko-KR" altLang="en-US" dirty="0" smtClean="0"/>
+              <a:t>를 제공함</a:t>
+            </a:r>
+            <a:r>
+              <a:rPr lang="en-US" altLang="ko-KR" dirty="0" smtClean="0"/>
+              <a:t>.</a:t>
+            </a:r>
+          </a:p>
+          <a:p>
+            <a:pPr marL="0" indent="0">
+              <a:buNone/>
+            </a:pPr>
+            <a:endParaRPr lang="en-US" altLang="ko-KR" dirty="0" smtClean="0"/>
+          </a:p>
+          <a:p>
+            <a:pPr marL="0" indent="0">
+              <a:buNone/>
+            </a:pPr>
+            <a:r>
+              <a:rPr lang="ko-KR" altLang="en-US" dirty="0" smtClean="0"/>
+              <a:t>근데 이 </a:t>
+            </a:r>
+            <a:r>
+              <a:rPr lang="en-US" altLang="ko-KR" dirty="0" smtClean="0"/>
+              <a:t>Literature</a:t>
+            </a:r>
+            <a:r>
+              <a:rPr lang="en-US" altLang="ko-KR" baseline="0" dirty="0" smtClean="0"/>
+              <a:t> Mining</a:t>
+            </a:r>
+            <a:r>
+              <a:rPr lang="ko-KR" altLang="en-US" baseline="0" dirty="0" smtClean="0"/>
+              <a:t>을 어떤 데이터를 이용해 진행하느냐</a:t>
+            </a:r>
+            <a:endParaRPr lang="en-US" altLang="ko-KR" baseline="0" dirty="0" smtClean="0"/>
+          </a:p>
+          <a:p>
+            <a:pPr marL="0" indent="0">
+              <a:buNone/>
+            </a:pPr>
+            <a:r>
+              <a:rPr lang="en-US" altLang="ko-KR" baseline="0" dirty="0" err="1" smtClean="0"/>
+              <a:t>Pubmed</a:t>
+            </a:r>
+            <a:r>
+              <a:rPr lang="ko-KR" altLang="en-US" baseline="0" dirty="0" smtClean="0"/>
+              <a:t>라는 부분이 나옵니다</a:t>
+            </a:r>
+            <a:endParaRPr lang="en-US" altLang="ko-KR" dirty="0" smtClean="0"/>
+          </a:p>
+        </p:txBody>
+      </p:sp>
+      <p:sp>
+        <p:nvSpPr>
+          <p:cNvPr id="4" name="슬라이드 번호 개체 틀 3"/>
+          <p:cNvSpPr>
+            <a:spLocks noGrp="1"/>
+          </p:cNvSpPr>
+          <p:nvPr>
+            <p:ph type="sldNum" sz="quarter" idx="10"/>
+          </p:nvPr>
+        </p:nvSpPr>
+        <p:spPr/>
+        <p:txBody>
+          <a:bodyPr/>
+          <a:lstStyle/>
+          <a:p>
+            <a:fld id="{DF1C77DD-6346-4C60-9BCD-18E499DAD49C}" type="slidenum">
+              <a:rPr lang="ko-KR" altLang="en-US" smtClean="0"/>
+              <a:t>8</a:t>
+            </a:fld>
+            <a:endParaRPr lang="ko-KR" altLang="en-US"/>
+          </a:p>
+        </p:txBody>
+      </p:sp>
+    </p:spTree>
+    <p:extLst>
+      <p:ext uri="{BB962C8B-B14F-4D97-AF65-F5344CB8AC3E}">
+        <p14:creationId xmlns:p14="http://schemas.microsoft.com/office/powerpoint/2010/main" val="2468206147"/>
+      </p:ext>
+    </p:extLst>
+  </p:cSld>
+  <p:clrMapOvr>
+    <a:masterClrMapping/>
+  </p:clrMapOvr>
+</p:notes>
+</file>
+
+<file path=ppt/notesSlides/notesSlide7.xml><?xml version="1.0" encoding="utf-8"?>
+<p:notes xmlns:a="http://schemas.openxmlformats.org/drawingml/2006/main" xmlns:r="http://schemas.openxmlformats.org/officeDocument/2006/relationships" xmlns:p="http://schemas.openxmlformats.org/presentationml/2006/main">
+  <p:cSld>
+    <p:spTree>
+      <p:nvGrpSpPr>
+        <p:cNvPr id="1" name=""/>
+        <p:cNvGrpSpPr/>
+        <p:nvPr/>
+      </p:nvGrpSpPr>
+      <p:grpSpPr>
+        <a:xfrm>
+          <a:off x="0" y="0"/>
+          <a:ext cx="0" cy="0"/>
+          <a:chOff x="0" y="0"/>
+          <a:chExt cx="0" cy="0"/>
+        </a:xfrm>
+      </p:grpSpPr>
+      <p:sp>
+        <p:nvSpPr>
+          <p:cNvPr id="2" name="슬라이드 이미지 개체 틀 1"/>
+          <p:cNvSpPr>
+            <a:spLocks noGrp="1" noRot="1" noChangeAspect="1"/>
+          </p:cNvSpPr>
+          <p:nvPr>
+            <p:ph type="sldImg"/>
+          </p:nvPr>
+        </p:nvSpPr>
+        <p:spPr/>
+      </p:sp>
+      <p:sp>
+        <p:nvSpPr>
+          <p:cNvPr id="3" name="슬라이드 노트 개체 틀 2"/>
+          <p:cNvSpPr>
+            <a:spLocks noGrp="1"/>
+          </p:cNvSpPr>
+          <p:nvPr>
+            <p:ph type="body" idx="1"/>
+          </p:nvPr>
+        </p:nvSpPr>
+        <p:spPr/>
+        <p:txBody>
+          <a:bodyPr/>
+          <a:lstStyle/>
+          <a:p>
+            <a:r>
+              <a:rPr lang="ko-KR" altLang="en-US" dirty="0" smtClean="0"/>
+              <a:t>정보와 자원 사이의 관계</a:t>
+            </a:r>
+            <a:r>
+              <a:rPr lang="en-US" altLang="ko-KR" dirty="0" smtClean="0"/>
+              <a:t>-</a:t>
+            </a:r>
+            <a:r>
+              <a:rPr lang="ko-KR" altLang="en-US" dirty="0" smtClean="0"/>
+              <a:t>의미 정보를 기계가 처리할 수 있는 </a:t>
+            </a:r>
+            <a:r>
+              <a:rPr lang="ko-KR" altLang="en-US" dirty="0" err="1" smtClean="0"/>
+              <a:t>온톨로지</a:t>
+            </a:r>
+            <a:r>
+              <a:rPr lang="ko-KR" altLang="en-US" dirty="0" smtClean="0"/>
+              <a:t> 형태로 처리하는 것</a:t>
+            </a:r>
+            <a:r>
+              <a:rPr lang="en-US" altLang="ko-KR" dirty="0" smtClean="0"/>
+              <a:t>.</a:t>
+            </a:r>
+          </a:p>
+        </p:txBody>
+      </p:sp>
+      <p:sp>
+        <p:nvSpPr>
+          <p:cNvPr id="4" name="슬라이드 번호 개체 틀 3"/>
+          <p:cNvSpPr>
+            <a:spLocks noGrp="1"/>
+          </p:cNvSpPr>
+          <p:nvPr>
+            <p:ph type="sldNum" sz="quarter" idx="10"/>
+          </p:nvPr>
+        </p:nvSpPr>
+        <p:spPr/>
+        <p:txBody>
+          <a:bodyPr/>
+          <a:lstStyle/>
+          <a:p>
+            <a:fld id="{DF1C77DD-6346-4C60-9BCD-18E499DAD49C}" type="slidenum">
+              <a:rPr lang="ko-KR" altLang="en-US" smtClean="0"/>
+              <a:t>9</a:t>
+            </a:fld>
+            <a:endParaRPr lang="ko-KR" altLang="en-US"/>
+          </a:p>
+        </p:txBody>
+      </p:sp>
+    </p:spTree>
+    <p:extLst>
+      <p:ext uri="{BB962C8B-B14F-4D97-AF65-F5344CB8AC3E}">
+        <p14:creationId xmlns:p14="http://schemas.microsoft.com/office/powerpoint/2010/main" val="1877729706"/>
+      </p:ext>
+    </p:extLst>
+  </p:cSld>
+  <p:clrMapOvr>
+    <a:masterClrMapping/>
+  </p:clrMapOvr>
+</p:notes>
+</file>
+
+<file path=ppt/notesSlides/notesSlide8.xml><?xml version="1.0" encoding="utf-8"?>
+<p:notes xmlns:a="http://schemas.openxmlformats.org/drawingml/2006/main" xmlns:r="http://schemas.openxmlformats.org/officeDocument/2006/relationships" xmlns:p="http://schemas.openxmlformats.org/presentationml/2006/main">
+  <p:cSld>
+    <p:spTree>
+      <p:nvGrpSpPr>
+        <p:cNvPr id="1" name=""/>
+        <p:cNvGrpSpPr/>
+        <p:nvPr/>
+      </p:nvGrpSpPr>
+      <p:grpSpPr>
+        <a:xfrm>
+          <a:off x="0" y="0"/>
+          <a:ext cx="0" cy="0"/>
+          <a:chOff x="0" y="0"/>
+          <a:chExt cx="0" cy="0"/>
+        </a:xfrm>
+      </p:grpSpPr>
+      <p:sp>
+        <p:nvSpPr>
+          <p:cNvPr id="2" name="슬라이드 이미지 개체 틀 1"/>
+          <p:cNvSpPr>
+            <a:spLocks noGrp="1" noRot="1" noChangeAspect="1"/>
+          </p:cNvSpPr>
+          <p:nvPr>
+            <p:ph type="sldImg"/>
+          </p:nvPr>
+        </p:nvSpPr>
+        <p:spPr/>
+      </p:sp>
+      <p:sp>
+        <p:nvSpPr>
+          <p:cNvPr id="3" name="슬라이드 노트 개체 틀 2"/>
+          <p:cNvSpPr>
+            <a:spLocks noGrp="1"/>
+          </p:cNvSpPr>
+          <p:nvPr>
+            <p:ph type="body" idx="1"/>
+          </p:nvPr>
+        </p:nvSpPr>
+        <p:spPr/>
+        <p:txBody>
+          <a:bodyPr/>
+          <a:lstStyle/>
+          <a:p>
+            <a:r>
+              <a:rPr lang="ko-KR" altLang="en-US" dirty="0" smtClean="0"/>
+              <a:t>가장 많이 사용되는 </a:t>
+            </a:r>
+            <a:r>
+              <a:rPr lang="en-US" altLang="ko-KR" dirty="0" err="1" smtClean="0"/>
+              <a:t>ontolgy</a:t>
+            </a:r>
+            <a:r>
+              <a:rPr lang="ko-KR" altLang="en-US" dirty="0" smtClean="0"/>
+              <a:t>는</a:t>
+            </a:r>
+            <a:r>
+              <a:rPr lang="ko-KR" altLang="en-US" baseline="0" dirty="0" smtClean="0"/>
+              <a:t> </a:t>
+            </a:r>
+            <a:r>
+              <a:rPr lang="en-US" altLang="ko-KR" baseline="0" dirty="0" smtClean="0"/>
+              <a:t>GO</a:t>
+            </a:r>
+            <a:r>
+              <a:rPr lang="ko-KR" altLang="en-US" baseline="0" dirty="0" smtClean="0"/>
+              <a:t>와 </a:t>
+            </a:r>
+            <a:r>
+              <a:rPr lang="en-US" altLang="ko-KR" baseline="0" dirty="0" smtClean="0"/>
+              <a:t>UMLS</a:t>
+            </a:r>
+            <a:r>
+              <a:rPr lang="ko-KR" altLang="en-US" baseline="0" dirty="0" smtClean="0"/>
+              <a:t>이다</a:t>
+            </a:r>
+            <a:r>
+              <a:rPr lang="en-US" altLang="ko-KR" baseline="0" dirty="0" smtClean="0"/>
+              <a:t>.</a:t>
+            </a:r>
+            <a:endParaRPr lang="ko-KR" altLang="en-US" dirty="0"/>
+          </a:p>
+        </p:txBody>
+      </p:sp>
+      <p:sp>
+        <p:nvSpPr>
+          <p:cNvPr id="4" name="슬라이드 번호 개체 틀 3"/>
+          <p:cNvSpPr>
+            <a:spLocks noGrp="1"/>
+          </p:cNvSpPr>
+          <p:nvPr>
+            <p:ph type="sldNum" sz="quarter" idx="10"/>
+          </p:nvPr>
+        </p:nvSpPr>
+        <p:spPr/>
+        <p:txBody>
+          <a:bodyPr/>
+          <a:lstStyle/>
+          <a:p>
+            <a:fld id="{DF1C77DD-6346-4C60-9BCD-18E499DAD49C}" type="slidenum">
+              <a:rPr lang="ko-KR" altLang="en-US" smtClean="0"/>
+              <a:t>10</a:t>
+            </a:fld>
+            <a:endParaRPr lang="ko-KR" altLang="en-US"/>
+          </a:p>
+        </p:txBody>
+      </p:sp>
+    </p:spTree>
+    <p:extLst>
+      <p:ext uri="{BB962C8B-B14F-4D97-AF65-F5344CB8AC3E}">
+        <p14:creationId xmlns:p14="http://schemas.microsoft.com/office/powerpoint/2010/main" val="2804332657"/>
+      </p:ext>
+    </p:extLst>
+  </p:cSld>
+  <p:clrMapOvr>
+    <a:masterClrMapping/>
+  </p:clrMapOvr>
+</p:notes>
+</file>
+
+<file path=ppt/notesSlides/notesSlide9.xml><?xml version="1.0" encoding="utf-8"?>
+<p:notes xmlns:a="http://schemas.openxmlformats.org/drawingml/2006/main" xmlns:r="http://schemas.openxmlformats.org/officeDocument/2006/relationships" xmlns:p="http://schemas.openxmlformats.org/presentationml/2006/main">
+  <p:cSld>
+    <p:spTree>
+      <p:nvGrpSpPr>
+        <p:cNvPr id="1" name=""/>
+        <p:cNvGrpSpPr/>
+        <p:nvPr/>
+      </p:nvGrpSpPr>
+      <p:grpSpPr>
+        <a:xfrm>
+          <a:off x="0" y="0"/>
+          <a:ext cx="0" cy="0"/>
+          <a:chOff x="0" y="0"/>
+          <a:chExt cx="0" cy="0"/>
+        </a:xfrm>
+      </p:grpSpPr>
+      <p:sp>
+        <p:nvSpPr>
+          <p:cNvPr id="2" name="슬라이드 이미지 개체 틀 1"/>
+          <p:cNvSpPr>
+            <a:spLocks noGrp="1" noRot="1" noChangeAspect="1"/>
+          </p:cNvSpPr>
+          <p:nvPr>
+            <p:ph type="sldImg"/>
+          </p:nvPr>
+        </p:nvSpPr>
+        <p:spPr/>
+      </p:sp>
+      <p:sp>
+        <p:nvSpPr>
+          <p:cNvPr id="3" name="슬라이드 노트 개체 틀 2"/>
+          <p:cNvSpPr>
+            <a:spLocks noGrp="1"/>
+          </p:cNvSpPr>
+          <p:nvPr>
+            <p:ph type="body" idx="1"/>
+          </p:nvPr>
+        </p:nvSpPr>
+        <p:spPr/>
+        <p:txBody>
+          <a:bodyPr/>
+          <a:lstStyle/>
+          <a:p>
+            <a:r>
+              <a:rPr lang="ko-KR" altLang="en-US" dirty="0" smtClean="0"/>
+              <a:t>가장 많이 사용되는 </a:t>
+            </a:r>
+            <a:r>
+              <a:rPr lang="en-US" altLang="ko-KR" dirty="0" err="1" smtClean="0"/>
+              <a:t>ontolgy</a:t>
+            </a:r>
+            <a:r>
+              <a:rPr lang="ko-KR" altLang="en-US" dirty="0" smtClean="0"/>
+              <a:t>는</a:t>
+            </a:r>
+            <a:r>
+              <a:rPr lang="ko-KR" altLang="en-US" baseline="0" dirty="0" smtClean="0"/>
+              <a:t> </a:t>
+            </a:r>
+            <a:r>
+              <a:rPr lang="en-US" altLang="ko-KR" baseline="0" dirty="0" smtClean="0"/>
+              <a:t>GO</a:t>
+            </a:r>
+            <a:r>
+              <a:rPr lang="ko-KR" altLang="en-US" baseline="0" dirty="0" smtClean="0"/>
+              <a:t>와 </a:t>
+            </a:r>
+            <a:r>
+              <a:rPr lang="en-US" altLang="ko-KR" baseline="0" dirty="0" smtClean="0"/>
+              <a:t>UMLS</a:t>
+            </a:r>
+            <a:r>
+              <a:rPr lang="ko-KR" altLang="en-US" baseline="0" dirty="0" smtClean="0"/>
+              <a:t>이다</a:t>
+            </a:r>
+            <a:r>
+              <a:rPr lang="en-US" altLang="ko-KR" baseline="0" dirty="0" smtClean="0"/>
+              <a:t>.</a:t>
+            </a:r>
+            <a:endParaRPr lang="ko-KR" altLang="en-US" dirty="0"/>
+          </a:p>
+        </p:txBody>
+      </p:sp>
+      <p:sp>
+        <p:nvSpPr>
+          <p:cNvPr id="4" name="슬라이드 번호 개체 틀 3"/>
+          <p:cNvSpPr>
+            <a:spLocks noGrp="1"/>
+          </p:cNvSpPr>
+          <p:nvPr>
+            <p:ph type="sldNum" sz="quarter" idx="10"/>
+          </p:nvPr>
+        </p:nvSpPr>
+        <p:spPr/>
+        <p:txBody>
+          <a:bodyPr/>
+          <a:lstStyle/>
+          <a:p>
+            <a:fld id="{DF1C77DD-6346-4C60-9BCD-18E499DAD49C}" type="slidenum">
+              <a:rPr lang="ko-KR" altLang="en-US" smtClean="0"/>
+              <a:t>11</a:t>
+            </a:fld>
+            <a:endParaRPr lang="ko-KR" altLang="en-US"/>
+          </a:p>
+        </p:txBody>
+      </p:sp>
+    </p:spTree>
+    <p:extLst>
+      <p:ext uri="{BB962C8B-B14F-4D97-AF65-F5344CB8AC3E}">
+        <p14:creationId xmlns:p14="http://schemas.microsoft.com/office/powerpoint/2010/main" val="1009059044"/>
+      </p:ext>
+    </p:extLst>
+  </p:cSld>
+  <p:clrMapOvr>
+    <a:masterClrMapping/>
+  </p:clrMapOvr>
+</p:notes>
 </file>
 
 <file path=ppt/slideLayouts/slideLayout1.xml><?xml version="1.0" encoding="utf-8"?>
@@ -3096,7 +5331,30 @@
             </a:r>
             <a:r>
               <a:rPr lang="en-US" altLang="ko-KR" sz="1800" dirty="0" smtClean="0"/>
-              <a:t> November 2010</a:t>
+              <a:t> November </a:t>
+            </a:r>
+            <a:r>
+              <a:rPr lang="en-US" altLang="ko-KR" sz="1800" dirty="0" smtClean="0"/>
+              <a:t>2010 | </a:t>
+            </a:r>
+            <a:r>
+              <a:rPr lang="en-US" altLang="ko-KR" sz="1800" dirty="0"/>
+              <a:t>BRIEFINGS IN </a:t>
+            </a:r>
+            <a:r>
+              <a:rPr lang="en-US" altLang="ko-KR" sz="1800" dirty="0" smtClean="0"/>
+              <a:t>BIOINFORMATICS</a:t>
+            </a:r>
+          </a:p>
+          <a:p>
+            <a:pPr algn="r"/>
+            <a:endParaRPr lang="en-US" altLang="ko-KR" sz="1800" dirty="0"/>
+          </a:p>
+          <a:p>
+            <a:pPr algn="r"/>
+            <a:r>
+              <a:rPr lang="en-US" altLang="ko-KR" sz="1800" dirty="0" smtClean="0"/>
+              <a:t>160711</a:t>
             </a:r>
             <a:endParaRPr lang="ko-KR" altLang="en-US" sz="1800" dirty="0"/>
           </a:p>
@@ -3112,6 +5370,1369 @@
   <p:clrMapOvr>
     <a:masterClrMapping/>
   </p:clrMapOvr>
+  <p:timing>
+    <p:tnLst>
+      <p:par>
+        <p:cTn id="1" dur="indefinite" restart="never" nodeType="tmRoot"/>
+      </p:par>
+    </p:tnLst>
+  </p:timing>
+</p:sld>
+</file>
+
+<file path=ppt/slides/slide10.xml><?xml version="1.0" encoding="utf-8"?>
+<p:sld xmlns:a="http://schemas.openxmlformats.org/drawingml/2006/main" xmlns:r="http://schemas.openxmlformats.org/officeDocument/2006/relationships" xmlns:p="http://schemas.openxmlformats.org/presentationml/2006/main">
+  <p:cSld>
+    <p:spTree>
+      <p:nvGrpSpPr>
+        <p:cNvPr id="1" name=""/>
+        <p:cNvGrpSpPr/>
+        <p:nvPr/>
+      </p:nvGrpSpPr>
+      <p:grpSpPr>
+        <a:xfrm>
+          <a:off x="0" y="0"/>
+          <a:ext cx="0" cy="0"/>
+          <a:chOff x="0" y="0"/>
+          <a:chExt cx="0" cy="0"/>
+        </a:xfrm>
+      </p:grpSpPr>
+      <p:sp>
+        <p:nvSpPr>
+          <p:cNvPr id="2" name="제목 1"/>
+          <p:cNvSpPr>
+            <a:spLocks noGrp="1"/>
+          </p:cNvSpPr>
+          <p:nvPr>
+            <p:ph type="title"/>
+          </p:nvPr>
+        </p:nvSpPr>
+        <p:spPr/>
+        <p:txBody>
+          <a:bodyPr>
+            <a:normAutofit/>
+          </a:bodyPr>
+          <a:lstStyle/>
+          <a:p>
+            <a:r>
+              <a:rPr lang="en-US" altLang="ko-KR" dirty="0"/>
+              <a:t>Semantic web technologies and </a:t>
+            </a:r>
+            <a:r>
+              <a:rPr lang="en-US" altLang="ko-KR" dirty="0" smtClean="0"/>
+              <a:t>ontologies</a:t>
+            </a:r>
+            <a:endParaRPr lang="ko-KR" altLang="en-US" dirty="0"/>
+          </a:p>
+        </p:txBody>
+      </p:sp>
+      <p:sp>
+        <p:nvSpPr>
+          <p:cNvPr id="3" name="내용 개체 틀 2"/>
+          <p:cNvSpPr>
+            <a:spLocks noGrp="1"/>
+          </p:cNvSpPr>
+          <p:nvPr>
+            <p:ph idx="1"/>
+          </p:nvPr>
+        </p:nvSpPr>
+        <p:spPr>
+          <a:xfrm>
+            <a:off x="838200" y="2136170"/>
+            <a:ext cx="10515600" cy="4040792"/>
+          </a:xfrm>
+        </p:spPr>
+        <p:txBody>
+          <a:bodyPr/>
+          <a:lstStyle/>
+          <a:p>
+            <a:pPr marL="0" indent="0">
+              <a:buNone/>
+            </a:pPr>
+            <a:r>
+              <a:rPr lang="en-US" altLang="ko-KR" dirty="0" smtClean="0"/>
+              <a:t>GO ( Gene Ontology )</a:t>
+            </a:r>
+          </a:p>
+          <a:p>
+            <a:pPr marL="0" indent="0">
+              <a:buNone/>
+            </a:pPr>
+            <a:r>
+              <a:rPr lang="en-US" altLang="ko-KR" dirty="0" smtClean="0"/>
+              <a:t>		</a:t>
+            </a:r>
+          </a:p>
+          <a:p>
+            <a:pPr marL="0" indent="0">
+              <a:buNone/>
+            </a:pPr>
+            <a:endParaRPr lang="en-US" altLang="ko-KR" dirty="0"/>
+          </a:p>
+          <a:p>
+            <a:pPr marL="0" indent="0">
+              <a:buNone/>
+            </a:pPr>
+            <a:r>
+              <a:rPr lang="en-US" altLang="ko-KR" dirty="0" smtClean="0"/>
+              <a:t>UMLS ( Unified Medical Language System )</a:t>
+            </a:r>
+          </a:p>
+          <a:p>
+            <a:pPr marL="0" indent="0">
+              <a:buNone/>
+            </a:pPr>
+            <a:r>
+              <a:rPr lang="en-US" altLang="ko-KR" dirty="0"/>
+              <a:t>	</a:t>
+            </a:r>
+            <a:r>
+              <a:rPr lang="en-US" altLang="ko-KR" dirty="0" smtClean="0"/>
+              <a:t>Using the meta-thesaurus with over 1 million concepts 	and over 4 million concept names and relationships.</a:t>
+            </a:r>
+          </a:p>
+          <a:p>
+            <a:pPr marL="0" indent="0">
+              <a:buNone/>
+            </a:pPr>
+            <a:r>
+              <a:rPr lang="en-US" altLang="ko-KR" dirty="0"/>
+              <a:t>	S</a:t>
+            </a:r>
+            <a:r>
+              <a:rPr lang="en-US" altLang="ko-KR" dirty="0" smtClean="0"/>
+              <a:t>ingle standardized format for accessing information.</a:t>
+            </a:r>
+          </a:p>
+        </p:txBody>
+      </p:sp>
+      <p:sp>
+        <p:nvSpPr>
+          <p:cNvPr id="4" name="직사각형 3"/>
+          <p:cNvSpPr/>
+          <p:nvPr/>
+        </p:nvSpPr>
+        <p:spPr>
+          <a:xfrm>
+            <a:off x="838200" y="1551395"/>
+            <a:ext cx="10269682" cy="584775"/>
+          </a:xfrm>
+          <a:prstGeom prst="rect">
+            <a:avLst/>
+          </a:prstGeom>
+        </p:spPr>
+        <p:txBody>
+          <a:bodyPr wrap="square">
+            <a:spAutoFit/>
+          </a:bodyPr>
+          <a:lstStyle/>
+          <a:p>
+            <a:r>
+              <a:rPr lang="en-US" altLang="ko-KR" sz="3200" dirty="0" smtClean="0"/>
+              <a:t>Most referenced ontology : GO, UMLS</a:t>
+            </a:r>
+            <a:endParaRPr lang="ko-KR" altLang="en-US" sz="3200" dirty="0"/>
+          </a:p>
+        </p:txBody>
+      </p:sp>
+    </p:spTree>
+    <p:extLst>
+      <p:ext uri="{BB962C8B-B14F-4D97-AF65-F5344CB8AC3E}">
+        <p14:creationId xmlns:p14="http://schemas.microsoft.com/office/powerpoint/2010/main" val="3008715836"/>
+      </p:ext>
+    </p:extLst>
+  </p:cSld>
+  <p:clrMapOvr>
+    <a:masterClrMapping/>
+  </p:clrMapOvr>
+  <p:timing>
+    <p:tnLst>
+      <p:par>
+        <p:cTn id="1" dur="indefinite" restart="never" nodeType="tmRoot"/>
+      </p:par>
+    </p:tnLst>
+  </p:timing>
+</p:sld>
+</file>
+
+<file path=ppt/slides/slide11.xml><?xml version="1.0" encoding="utf-8"?>
+<p:sld xmlns:a="http://schemas.openxmlformats.org/drawingml/2006/main" xmlns:r="http://schemas.openxmlformats.org/officeDocument/2006/relationships" xmlns:p="http://schemas.openxmlformats.org/presentationml/2006/main">
+  <p:cSld>
+    <p:spTree>
+      <p:nvGrpSpPr>
+        <p:cNvPr id="1" name=""/>
+        <p:cNvGrpSpPr/>
+        <p:nvPr/>
+      </p:nvGrpSpPr>
+      <p:grpSpPr>
+        <a:xfrm>
+          <a:off x="0" y="0"/>
+          <a:ext cx="0" cy="0"/>
+          <a:chOff x="0" y="0"/>
+          <a:chExt cx="0" cy="0"/>
+        </a:xfrm>
+      </p:grpSpPr>
+      <p:sp>
+        <p:nvSpPr>
+          <p:cNvPr id="2" name="제목 1"/>
+          <p:cNvSpPr>
+            <a:spLocks noGrp="1"/>
+          </p:cNvSpPr>
+          <p:nvPr>
+            <p:ph type="title"/>
+          </p:nvPr>
+        </p:nvSpPr>
+        <p:spPr/>
+        <p:txBody>
+          <a:bodyPr>
+            <a:normAutofit/>
+          </a:bodyPr>
+          <a:lstStyle/>
+          <a:p>
+            <a:r>
+              <a:rPr lang="en-US" altLang="ko-KR" dirty="0"/>
+              <a:t>Finding inferences through visualization techniques</a:t>
+            </a:r>
+          </a:p>
+        </p:txBody>
+      </p:sp>
+      <p:sp>
+        <p:nvSpPr>
+          <p:cNvPr id="3" name="내용 개체 틀 2"/>
+          <p:cNvSpPr>
+            <a:spLocks noGrp="1"/>
+          </p:cNvSpPr>
+          <p:nvPr>
+            <p:ph idx="1"/>
+          </p:nvPr>
+        </p:nvSpPr>
+        <p:spPr>
+          <a:xfrm>
+            <a:off x="838200" y="1856509"/>
+            <a:ext cx="10515600" cy="1690255"/>
+          </a:xfrm>
+        </p:spPr>
+        <p:txBody>
+          <a:bodyPr/>
+          <a:lstStyle/>
+          <a:p>
+            <a:pPr marL="0" indent="0">
+              <a:buNone/>
+            </a:pPr>
+            <a:r>
+              <a:rPr lang="en-US" altLang="ko-KR" dirty="0" smtClean="0"/>
+              <a:t>Visualization</a:t>
+            </a:r>
+          </a:p>
+          <a:p>
+            <a:pPr marL="0" indent="0">
+              <a:buNone/>
+            </a:pPr>
+            <a:r>
+              <a:rPr lang="en-US" altLang="ko-KR" dirty="0" smtClean="0"/>
+              <a:t>Enable brain to take advantage of spatial relationships that might not be evident in other.</a:t>
+            </a:r>
+          </a:p>
+          <a:p>
+            <a:pPr marL="0" indent="0">
+              <a:buNone/>
+            </a:pPr>
+            <a:endParaRPr lang="en-US" altLang="ko-KR" dirty="0" smtClean="0"/>
+          </a:p>
+        </p:txBody>
+      </p:sp>
+      <p:pic>
+        <p:nvPicPr>
+          <p:cNvPr id="5" name="그림 4"/>
+          <p:cNvPicPr>
+            <a:picLocks noChangeAspect="1"/>
+          </p:cNvPicPr>
+          <p:nvPr/>
+        </p:nvPicPr>
+        <p:blipFill>
+          <a:blip r:embed="rId3" cstate="print">
+            <a:extLst>
+              <a:ext uri="{28A0092B-C50C-407E-A947-70E740481C1C}">
+                <a14:useLocalDpi xmlns:a14="http://schemas.microsoft.com/office/drawing/2010/main" val="0"/>
+              </a:ext>
+            </a:extLst>
+          </a:blip>
+          <a:stretch>
+            <a:fillRect/>
+          </a:stretch>
+        </p:blipFill>
+        <p:spPr>
+          <a:xfrm>
+            <a:off x="1359573" y="3570711"/>
+            <a:ext cx="1738995" cy="2452255"/>
+          </a:xfrm>
+          <a:prstGeom prst="rect">
+            <a:avLst/>
+          </a:prstGeom>
+        </p:spPr>
+      </p:pic>
+      <p:pic>
+        <p:nvPicPr>
+          <p:cNvPr id="6" name="그림 5"/>
+          <p:cNvPicPr>
+            <a:picLocks noChangeAspect="1"/>
+          </p:cNvPicPr>
+          <p:nvPr/>
+        </p:nvPicPr>
+        <p:blipFill>
+          <a:blip r:embed="rId4">
+            <a:extLst>
+              <a:ext uri="{28A0092B-C50C-407E-A947-70E740481C1C}">
+                <a14:useLocalDpi xmlns:a14="http://schemas.microsoft.com/office/drawing/2010/main" val="0"/>
+              </a:ext>
+            </a:extLst>
+          </a:blip>
+          <a:stretch>
+            <a:fillRect/>
+          </a:stretch>
+        </p:blipFill>
+        <p:spPr>
+          <a:xfrm>
+            <a:off x="3407504" y="3522815"/>
+            <a:ext cx="3349769" cy="2500151"/>
+          </a:xfrm>
+          <a:prstGeom prst="rect">
+            <a:avLst/>
+          </a:prstGeom>
+        </p:spPr>
+      </p:pic>
+      <p:pic>
+        <p:nvPicPr>
+          <p:cNvPr id="7" name="그림 6"/>
+          <p:cNvPicPr>
+            <a:picLocks noChangeAspect="1"/>
+          </p:cNvPicPr>
+          <p:nvPr/>
+        </p:nvPicPr>
+        <p:blipFill>
+          <a:blip r:embed="rId5">
+            <a:extLst>
+              <a:ext uri="{28A0092B-C50C-407E-A947-70E740481C1C}">
+                <a14:useLocalDpi xmlns:a14="http://schemas.microsoft.com/office/drawing/2010/main" val="0"/>
+              </a:ext>
+            </a:extLst>
+          </a:blip>
+          <a:stretch>
+            <a:fillRect/>
+          </a:stretch>
+        </p:blipFill>
+        <p:spPr>
+          <a:xfrm>
+            <a:off x="7066209" y="3679518"/>
+            <a:ext cx="4488089" cy="2210694"/>
+          </a:xfrm>
+          <a:prstGeom prst="rect">
+            <a:avLst/>
+          </a:prstGeom>
+        </p:spPr>
+      </p:pic>
+      <p:sp>
+        <p:nvSpPr>
+          <p:cNvPr id="8" name="TextBox 7"/>
+          <p:cNvSpPr txBox="1"/>
+          <p:nvPr/>
+        </p:nvSpPr>
+        <p:spPr>
+          <a:xfrm>
+            <a:off x="1619768" y="6179128"/>
+            <a:ext cx="1266693" cy="369332"/>
+          </a:xfrm>
+          <a:prstGeom prst="rect">
+            <a:avLst/>
+          </a:prstGeom>
+          <a:noFill/>
+        </p:spPr>
+        <p:txBody>
+          <a:bodyPr wrap="none" rtlCol="0">
+            <a:spAutoFit/>
+          </a:bodyPr>
+          <a:lstStyle/>
+          <a:p>
+            <a:r>
+              <a:rPr lang="en-US" altLang="ko-KR" b="1" dirty="0" smtClean="0"/>
+              <a:t>Heat map</a:t>
+            </a:r>
+            <a:endParaRPr lang="ko-KR" altLang="en-US" b="1" dirty="0"/>
+          </a:p>
+        </p:txBody>
+      </p:sp>
+      <p:sp>
+        <p:nvSpPr>
+          <p:cNvPr id="9" name="TextBox 8"/>
+          <p:cNvSpPr txBox="1"/>
+          <p:nvPr/>
+        </p:nvSpPr>
+        <p:spPr>
+          <a:xfrm>
+            <a:off x="4449041" y="6179128"/>
+            <a:ext cx="1129284" cy="369332"/>
+          </a:xfrm>
+          <a:prstGeom prst="rect">
+            <a:avLst/>
+          </a:prstGeom>
+          <a:noFill/>
+        </p:spPr>
+        <p:txBody>
+          <a:bodyPr wrap="none" rtlCol="0">
+            <a:spAutoFit/>
+          </a:bodyPr>
+          <a:lstStyle/>
+          <a:p>
+            <a:r>
+              <a:rPr lang="en-US" altLang="ko-KR" b="1" dirty="0" smtClean="0"/>
+              <a:t>Network</a:t>
+            </a:r>
+            <a:endParaRPr lang="ko-KR" altLang="en-US" b="1" dirty="0"/>
+          </a:p>
+        </p:txBody>
+      </p:sp>
+      <p:sp>
+        <p:nvSpPr>
+          <p:cNvPr id="10" name="TextBox 9"/>
+          <p:cNvSpPr txBox="1"/>
+          <p:nvPr/>
+        </p:nvSpPr>
+        <p:spPr>
+          <a:xfrm>
+            <a:off x="7477219" y="6179128"/>
+            <a:ext cx="3666068" cy="369332"/>
+          </a:xfrm>
+          <a:prstGeom prst="rect">
+            <a:avLst/>
+          </a:prstGeom>
+          <a:noFill/>
+        </p:spPr>
+        <p:txBody>
+          <a:bodyPr wrap="none" rtlCol="0">
+            <a:spAutoFit/>
+          </a:bodyPr>
+          <a:lstStyle/>
+          <a:p>
+            <a:r>
+              <a:rPr lang="en-US" altLang="ko-KR" b="1" dirty="0" smtClean="0"/>
+              <a:t>Tools enabling the visualization</a:t>
+            </a:r>
+            <a:endParaRPr lang="ko-KR" altLang="en-US" b="1" dirty="0"/>
+          </a:p>
+        </p:txBody>
+      </p:sp>
+    </p:spTree>
+    <p:extLst>
+      <p:ext uri="{BB962C8B-B14F-4D97-AF65-F5344CB8AC3E}">
+        <p14:creationId xmlns:p14="http://schemas.microsoft.com/office/powerpoint/2010/main" val="2998259984"/>
+      </p:ext>
+    </p:extLst>
+  </p:cSld>
+  <p:clrMapOvr>
+    <a:masterClrMapping/>
+  </p:clrMapOvr>
+  <p:timing>
+    <p:tnLst>
+      <p:par>
+        <p:cTn id="1" dur="indefinite" restart="never" nodeType="tmRoot"/>
+      </p:par>
+    </p:tnLst>
+  </p:timing>
+</p:sld>
+</file>
+
+<file path=ppt/slides/slide12.xml><?xml version="1.0" encoding="utf-8"?>
+<p:sld xmlns:a="http://schemas.openxmlformats.org/drawingml/2006/main" xmlns:r="http://schemas.openxmlformats.org/officeDocument/2006/relationships" xmlns:p="http://schemas.openxmlformats.org/presentationml/2006/main">
+  <p:cSld>
+    <p:spTree>
+      <p:nvGrpSpPr>
+        <p:cNvPr id="1" name=""/>
+        <p:cNvGrpSpPr/>
+        <p:nvPr/>
+      </p:nvGrpSpPr>
+      <p:grpSpPr>
+        <a:xfrm>
+          <a:off x="0" y="0"/>
+          <a:ext cx="0" cy="0"/>
+          <a:chOff x="0" y="0"/>
+          <a:chExt cx="0" cy="0"/>
+        </a:xfrm>
+      </p:grpSpPr>
+      <p:sp>
+        <p:nvSpPr>
+          <p:cNvPr id="2" name="제목 1"/>
+          <p:cNvSpPr>
+            <a:spLocks noGrp="1"/>
+          </p:cNvSpPr>
+          <p:nvPr>
+            <p:ph type="title"/>
+          </p:nvPr>
+        </p:nvSpPr>
+        <p:spPr/>
+        <p:txBody>
+          <a:bodyPr/>
+          <a:lstStyle/>
+          <a:p>
+            <a:r>
+              <a:rPr lang="en-US" altLang="ko-KR" dirty="0"/>
+              <a:t>Literature </a:t>
+            </a:r>
+            <a:r>
+              <a:rPr lang="en-US" altLang="ko-KR" dirty="0" smtClean="0"/>
+              <a:t>Mining</a:t>
+            </a:r>
+            <a:endParaRPr lang="en-US" altLang="ko-KR" dirty="0"/>
+          </a:p>
+        </p:txBody>
+      </p:sp>
+      <p:sp>
+        <p:nvSpPr>
+          <p:cNvPr id="6" name="직사각형 5"/>
+          <p:cNvSpPr/>
+          <p:nvPr/>
+        </p:nvSpPr>
+        <p:spPr>
+          <a:xfrm>
+            <a:off x="838200" y="1412103"/>
+            <a:ext cx="10269682" cy="584775"/>
+          </a:xfrm>
+          <a:prstGeom prst="rect">
+            <a:avLst/>
+          </a:prstGeom>
+        </p:spPr>
+        <p:txBody>
+          <a:bodyPr wrap="square">
+            <a:spAutoFit/>
+          </a:bodyPr>
+          <a:lstStyle/>
+          <a:p>
+            <a:r>
+              <a:rPr lang="en-US" altLang="ko-KR" sz="3200" dirty="0" smtClean="0"/>
+              <a:t>Information Extraction</a:t>
+            </a:r>
+            <a:endParaRPr lang="ko-KR" altLang="en-US" sz="3200" dirty="0"/>
+          </a:p>
+        </p:txBody>
+      </p:sp>
+      <p:sp>
+        <p:nvSpPr>
+          <p:cNvPr id="3" name="직사각형 2"/>
+          <p:cNvSpPr/>
+          <p:nvPr/>
+        </p:nvSpPr>
+        <p:spPr>
+          <a:xfrm>
+            <a:off x="5003223" y="4641270"/>
+            <a:ext cx="1939636" cy="914400"/>
+          </a:xfrm>
+          <a:prstGeom prst="rect">
+            <a:avLst/>
+          </a:prstGeom>
+        </p:spPr>
+        <p:style>
+          <a:lnRef idx="2">
+            <a:schemeClr val="accent1">
+              <a:shade val="50000"/>
+            </a:schemeClr>
+          </a:lnRef>
+          <a:fillRef idx="1">
+            <a:schemeClr val="accent1"/>
+          </a:fillRef>
+          <a:effectRef idx="0">
+            <a:schemeClr val="accent1"/>
+          </a:effectRef>
+          <a:fontRef idx="minor">
+            <a:schemeClr val="lt1"/>
+          </a:fontRef>
+        </p:style>
+        <p:txBody>
+          <a:bodyPr rtlCol="0" anchor="ctr"/>
+          <a:lstStyle/>
+          <a:p>
+            <a:pPr algn="ctr"/>
+            <a:r>
+              <a:rPr lang="en-US" altLang="ko-KR" dirty="0" smtClean="0"/>
+              <a:t>NLP</a:t>
+            </a:r>
+            <a:endParaRPr lang="ko-KR" altLang="en-US" dirty="0"/>
+          </a:p>
+        </p:txBody>
+      </p:sp>
+      <p:sp>
+        <p:nvSpPr>
+          <p:cNvPr id="7" name="직사각형 6"/>
+          <p:cNvSpPr/>
+          <p:nvPr/>
+        </p:nvSpPr>
+        <p:spPr>
+          <a:xfrm>
+            <a:off x="2505507" y="3726871"/>
+            <a:ext cx="1939636" cy="914400"/>
+          </a:xfrm>
+          <a:prstGeom prst="rect">
+            <a:avLst/>
+          </a:prstGeom>
+        </p:spPr>
+        <p:style>
+          <a:lnRef idx="2">
+            <a:schemeClr val="accent1">
+              <a:shade val="50000"/>
+            </a:schemeClr>
+          </a:lnRef>
+          <a:fillRef idx="1">
+            <a:schemeClr val="accent1"/>
+          </a:fillRef>
+          <a:effectRef idx="0">
+            <a:schemeClr val="accent1"/>
+          </a:effectRef>
+          <a:fontRef idx="minor">
+            <a:schemeClr val="lt1"/>
+          </a:fontRef>
+        </p:style>
+        <p:txBody>
+          <a:bodyPr rtlCol="0" anchor="ctr"/>
+          <a:lstStyle/>
+          <a:p>
+            <a:pPr algn="ctr"/>
+            <a:r>
+              <a:rPr lang="en-US" altLang="ko-KR" dirty="0" smtClean="0"/>
+              <a:t>NER</a:t>
+            </a:r>
+            <a:endParaRPr lang="ko-KR" altLang="en-US" dirty="0"/>
+          </a:p>
+        </p:txBody>
+      </p:sp>
+      <p:sp>
+        <p:nvSpPr>
+          <p:cNvPr id="8" name="직사각형 7"/>
+          <p:cNvSpPr/>
+          <p:nvPr/>
+        </p:nvSpPr>
+        <p:spPr>
+          <a:xfrm>
+            <a:off x="5003223" y="2812470"/>
+            <a:ext cx="1939636" cy="914400"/>
+          </a:xfrm>
+          <a:prstGeom prst="rect">
+            <a:avLst/>
+          </a:prstGeom>
+        </p:spPr>
+        <p:style>
+          <a:lnRef idx="2">
+            <a:schemeClr val="accent1">
+              <a:shade val="50000"/>
+            </a:schemeClr>
+          </a:lnRef>
+          <a:fillRef idx="1">
+            <a:schemeClr val="accent1"/>
+          </a:fillRef>
+          <a:effectRef idx="0">
+            <a:schemeClr val="accent1"/>
+          </a:effectRef>
+          <a:fontRef idx="minor">
+            <a:schemeClr val="lt1"/>
+          </a:fontRef>
+        </p:style>
+        <p:txBody>
+          <a:bodyPr rtlCol="0" anchor="ctr"/>
+          <a:lstStyle/>
+          <a:p>
+            <a:pPr algn="ctr"/>
+            <a:r>
+              <a:rPr lang="en-US" altLang="ko-KR" dirty="0" smtClean="0"/>
+              <a:t>Co-occurrence</a:t>
+            </a:r>
+            <a:endParaRPr lang="ko-KR" altLang="en-US" dirty="0"/>
+          </a:p>
+        </p:txBody>
+      </p:sp>
+      <p:sp>
+        <p:nvSpPr>
+          <p:cNvPr id="11" name="직사각형 10"/>
+          <p:cNvSpPr/>
+          <p:nvPr/>
+        </p:nvSpPr>
+        <p:spPr>
+          <a:xfrm>
+            <a:off x="7455907" y="3726871"/>
+            <a:ext cx="1939636" cy="914400"/>
+          </a:xfrm>
+          <a:prstGeom prst="rect">
+            <a:avLst/>
+          </a:prstGeom>
+        </p:spPr>
+        <p:style>
+          <a:lnRef idx="2">
+            <a:schemeClr val="accent1">
+              <a:shade val="50000"/>
+            </a:schemeClr>
+          </a:lnRef>
+          <a:fillRef idx="1">
+            <a:schemeClr val="accent1"/>
+          </a:fillRef>
+          <a:effectRef idx="0">
+            <a:schemeClr val="accent1"/>
+          </a:effectRef>
+          <a:fontRef idx="minor">
+            <a:schemeClr val="lt1"/>
+          </a:fontRef>
+        </p:style>
+        <p:txBody>
+          <a:bodyPr rtlCol="0" anchor="ctr"/>
+          <a:lstStyle/>
+          <a:p>
+            <a:pPr algn="ctr"/>
+            <a:r>
+              <a:rPr lang="en-US" altLang="ko-KR" dirty="0" smtClean="0"/>
+              <a:t>Build a structure</a:t>
+            </a:r>
+            <a:endParaRPr lang="ko-KR" altLang="en-US" dirty="0"/>
+          </a:p>
+        </p:txBody>
+      </p:sp>
+      <p:pic>
+        <p:nvPicPr>
+          <p:cNvPr id="4" name="그림 3"/>
+          <p:cNvPicPr>
+            <a:picLocks noChangeAspect="1"/>
+          </p:cNvPicPr>
+          <p:nvPr/>
+        </p:nvPicPr>
+        <p:blipFill>
+          <a:blip r:embed="rId3" cstate="print">
+            <a:extLst>
+              <a:ext uri="{28A0092B-C50C-407E-A947-70E740481C1C}">
+                <a14:useLocalDpi xmlns:a14="http://schemas.microsoft.com/office/drawing/2010/main" val="0"/>
+              </a:ext>
+            </a:extLst>
+          </a:blip>
+          <a:stretch>
+            <a:fillRect/>
+          </a:stretch>
+        </p:blipFill>
+        <p:spPr>
+          <a:xfrm>
+            <a:off x="727364" y="3618199"/>
+            <a:ext cx="1131743" cy="1131743"/>
+          </a:xfrm>
+          <a:prstGeom prst="rect">
+            <a:avLst/>
+          </a:prstGeom>
+        </p:spPr>
+      </p:pic>
+      <p:sp>
+        <p:nvSpPr>
+          <p:cNvPr id="12" name="직사각형 11"/>
+          <p:cNvSpPr/>
+          <p:nvPr/>
+        </p:nvSpPr>
+        <p:spPr>
+          <a:xfrm>
+            <a:off x="9931107" y="3726870"/>
+            <a:ext cx="1939636" cy="914400"/>
+          </a:xfrm>
+          <a:prstGeom prst="rect">
+            <a:avLst/>
+          </a:prstGeom>
+        </p:spPr>
+        <p:style>
+          <a:lnRef idx="2">
+            <a:schemeClr val="accent1">
+              <a:shade val="50000"/>
+            </a:schemeClr>
+          </a:lnRef>
+          <a:fillRef idx="1">
+            <a:schemeClr val="accent1"/>
+          </a:fillRef>
+          <a:effectRef idx="0">
+            <a:schemeClr val="accent1"/>
+          </a:effectRef>
+          <a:fontRef idx="minor">
+            <a:schemeClr val="lt1"/>
+          </a:fontRef>
+        </p:style>
+        <p:txBody>
+          <a:bodyPr rtlCol="0" anchor="ctr"/>
+          <a:lstStyle/>
+          <a:p>
+            <a:pPr algn="ctr"/>
+            <a:r>
+              <a:rPr lang="en-US" altLang="ko-KR" dirty="0" smtClean="0"/>
+              <a:t>Visualization</a:t>
+            </a:r>
+            <a:endParaRPr lang="ko-KR" altLang="en-US" dirty="0"/>
+          </a:p>
+        </p:txBody>
+      </p:sp>
+      <p:cxnSp>
+        <p:nvCxnSpPr>
+          <p:cNvPr id="13" name="직선 화살표 연결선 12"/>
+          <p:cNvCxnSpPr>
+            <a:stCxn id="4" idx="3"/>
+          </p:cNvCxnSpPr>
+          <p:nvPr/>
+        </p:nvCxnSpPr>
+        <p:spPr>
+          <a:xfrm flipV="1">
+            <a:off x="1859107" y="4184070"/>
+            <a:ext cx="646400" cy="1"/>
+          </a:xfrm>
+          <a:prstGeom prst="straightConnector1">
+            <a:avLst/>
+          </a:prstGeom>
+          <a:ln>
+            <a:tailEnd type="triangle"/>
+          </a:ln>
+        </p:spPr>
+        <p:style>
+          <a:lnRef idx="1">
+            <a:schemeClr val="accent1"/>
+          </a:lnRef>
+          <a:fillRef idx="0">
+            <a:schemeClr val="accent1"/>
+          </a:fillRef>
+          <a:effectRef idx="0">
+            <a:schemeClr val="accent1"/>
+          </a:effectRef>
+          <a:fontRef idx="minor">
+            <a:schemeClr val="tx1"/>
+          </a:fontRef>
+        </p:style>
+      </p:cxnSp>
+      <p:cxnSp>
+        <p:nvCxnSpPr>
+          <p:cNvPr id="14" name="직선 화살표 연결선 13"/>
+          <p:cNvCxnSpPr>
+            <a:stCxn id="7" idx="3"/>
+            <a:endCxn id="8" idx="1"/>
+          </p:cNvCxnSpPr>
+          <p:nvPr/>
+        </p:nvCxnSpPr>
+        <p:spPr>
+          <a:xfrm flipV="1">
+            <a:off x="4445143" y="3269670"/>
+            <a:ext cx="558080" cy="914401"/>
+          </a:xfrm>
+          <a:prstGeom prst="straightConnector1">
+            <a:avLst/>
+          </a:prstGeom>
+          <a:ln>
+            <a:tailEnd type="triangle"/>
+          </a:ln>
+        </p:spPr>
+        <p:style>
+          <a:lnRef idx="1">
+            <a:schemeClr val="accent1"/>
+          </a:lnRef>
+          <a:fillRef idx="0">
+            <a:schemeClr val="accent1"/>
+          </a:fillRef>
+          <a:effectRef idx="0">
+            <a:schemeClr val="accent1"/>
+          </a:effectRef>
+          <a:fontRef idx="minor">
+            <a:schemeClr val="tx1"/>
+          </a:fontRef>
+        </p:style>
+      </p:cxnSp>
+      <p:cxnSp>
+        <p:nvCxnSpPr>
+          <p:cNvPr id="18" name="직선 화살표 연결선 17"/>
+          <p:cNvCxnSpPr>
+            <a:stCxn id="7" idx="3"/>
+            <a:endCxn id="3" idx="1"/>
+          </p:cNvCxnSpPr>
+          <p:nvPr/>
+        </p:nvCxnSpPr>
+        <p:spPr>
+          <a:xfrm>
+            <a:off x="4445143" y="4184071"/>
+            <a:ext cx="558080" cy="914399"/>
+          </a:xfrm>
+          <a:prstGeom prst="straightConnector1">
+            <a:avLst/>
+          </a:prstGeom>
+          <a:ln>
+            <a:tailEnd type="triangle"/>
+          </a:ln>
+        </p:spPr>
+        <p:style>
+          <a:lnRef idx="1">
+            <a:schemeClr val="accent1"/>
+          </a:lnRef>
+          <a:fillRef idx="0">
+            <a:schemeClr val="accent1"/>
+          </a:fillRef>
+          <a:effectRef idx="0">
+            <a:schemeClr val="accent1"/>
+          </a:effectRef>
+          <a:fontRef idx="minor">
+            <a:schemeClr val="tx1"/>
+          </a:fontRef>
+        </p:style>
+      </p:cxnSp>
+      <p:cxnSp>
+        <p:nvCxnSpPr>
+          <p:cNvPr id="22" name="직선 화살표 연결선 21"/>
+          <p:cNvCxnSpPr>
+            <a:stCxn id="8" idx="3"/>
+            <a:endCxn id="11" idx="1"/>
+          </p:cNvCxnSpPr>
+          <p:nvPr/>
+        </p:nvCxnSpPr>
+        <p:spPr>
+          <a:xfrm>
+            <a:off x="6942859" y="3269670"/>
+            <a:ext cx="513048" cy="914401"/>
+          </a:xfrm>
+          <a:prstGeom prst="straightConnector1">
+            <a:avLst/>
+          </a:prstGeom>
+          <a:ln>
+            <a:tailEnd type="triangle"/>
+          </a:ln>
+        </p:spPr>
+        <p:style>
+          <a:lnRef idx="1">
+            <a:schemeClr val="accent1"/>
+          </a:lnRef>
+          <a:fillRef idx="0">
+            <a:schemeClr val="accent1"/>
+          </a:fillRef>
+          <a:effectRef idx="0">
+            <a:schemeClr val="accent1"/>
+          </a:effectRef>
+          <a:fontRef idx="minor">
+            <a:schemeClr val="tx1"/>
+          </a:fontRef>
+        </p:style>
+      </p:cxnSp>
+      <p:cxnSp>
+        <p:nvCxnSpPr>
+          <p:cNvPr id="25" name="직선 화살표 연결선 24"/>
+          <p:cNvCxnSpPr>
+            <a:stCxn id="3" idx="3"/>
+            <a:endCxn id="11" idx="1"/>
+          </p:cNvCxnSpPr>
+          <p:nvPr/>
+        </p:nvCxnSpPr>
+        <p:spPr>
+          <a:xfrm flipV="1">
+            <a:off x="6942859" y="4184071"/>
+            <a:ext cx="513048" cy="914399"/>
+          </a:xfrm>
+          <a:prstGeom prst="straightConnector1">
+            <a:avLst/>
+          </a:prstGeom>
+          <a:ln>
+            <a:tailEnd type="triangle"/>
+          </a:ln>
+        </p:spPr>
+        <p:style>
+          <a:lnRef idx="1">
+            <a:schemeClr val="accent1"/>
+          </a:lnRef>
+          <a:fillRef idx="0">
+            <a:schemeClr val="accent1"/>
+          </a:fillRef>
+          <a:effectRef idx="0">
+            <a:schemeClr val="accent1"/>
+          </a:effectRef>
+          <a:fontRef idx="minor">
+            <a:schemeClr val="tx1"/>
+          </a:fontRef>
+        </p:style>
+      </p:cxnSp>
+      <p:cxnSp>
+        <p:nvCxnSpPr>
+          <p:cNvPr id="39" name="직선 화살표 연결선 38"/>
+          <p:cNvCxnSpPr>
+            <a:stCxn id="11" idx="3"/>
+            <a:endCxn id="12" idx="1"/>
+          </p:cNvCxnSpPr>
+          <p:nvPr/>
+        </p:nvCxnSpPr>
+        <p:spPr>
+          <a:xfrm flipV="1">
+            <a:off x="9395543" y="4184070"/>
+            <a:ext cx="535564" cy="1"/>
+          </a:xfrm>
+          <a:prstGeom prst="straightConnector1">
+            <a:avLst/>
+          </a:prstGeom>
+          <a:ln>
+            <a:tailEnd type="triangle"/>
+          </a:ln>
+        </p:spPr>
+        <p:style>
+          <a:lnRef idx="1">
+            <a:schemeClr val="accent1"/>
+          </a:lnRef>
+          <a:fillRef idx="0">
+            <a:schemeClr val="accent1"/>
+          </a:fillRef>
+          <a:effectRef idx="0">
+            <a:schemeClr val="accent1"/>
+          </a:effectRef>
+          <a:fontRef idx="minor">
+            <a:schemeClr val="tx1"/>
+          </a:fontRef>
+        </p:style>
+      </p:cxnSp>
+      <p:sp>
+        <p:nvSpPr>
+          <p:cNvPr id="42" name="TextBox 41"/>
+          <p:cNvSpPr txBox="1"/>
+          <p:nvPr/>
+        </p:nvSpPr>
+        <p:spPr>
+          <a:xfrm>
+            <a:off x="324091" y="2551694"/>
+            <a:ext cx="1938288" cy="923330"/>
+          </a:xfrm>
+          <a:prstGeom prst="rect">
+            <a:avLst/>
+          </a:prstGeom>
+          <a:noFill/>
+        </p:spPr>
+        <p:txBody>
+          <a:bodyPr wrap="none" rtlCol="0">
+            <a:spAutoFit/>
+          </a:bodyPr>
+          <a:lstStyle/>
+          <a:p>
+            <a:r>
+              <a:rPr lang="en-US" altLang="ko-KR" dirty="0" smtClean="0"/>
+              <a:t>Literature</a:t>
+            </a:r>
+          </a:p>
+          <a:p>
+            <a:r>
+              <a:rPr lang="en-US" altLang="ko-KR" dirty="0"/>
+              <a:t>f</a:t>
+            </a:r>
+            <a:r>
+              <a:rPr lang="en-US" altLang="ko-KR" dirty="0" smtClean="0"/>
+              <a:t>rom PubMed or</a:t>
+            </a:r>
+          </a:p>
+          <a:p>
+            <a:r>
+              <a:rPr lang="en-US" altLang="ko-KR" dirty="0" smtClean="0"/>
+              <a:t>other Ontology</a:t>
+            </a:r>
+          </a:p>
+        </p:txBody>
+      </p:sp>
+      <p:sp>
+        <p:nvSpPr>
+          <p:cNvPr id="43" name="TextBox 42"/>
+          <p:cNvSpPr txBox="1"/>
+          <p:nvPr/>
+        </p:nvSpPr>
+        <p:spPr>
+          <a:xfrm>
+            <a:off x="2505507" y="4749942"/>
+            <a:ext cx="1506566" cy="923330"/>
+          </a:xfrm>
+          <a:prstGeom prst="rect">
+            <a:avLst/>
+          </a:prstGeom>
+          <a:noFill/>
+        </p:spPr>
+        <p:txBody>
+          <a:bodyPr wrap="none" rtlCol="0">
+            <a:spAutoFit/>
+          </a:bodyPr>
+          <a:lstStyle/>
+          <a:p>
+            <a:r>
+              <a:rPr lang="en-US" altLang="ko-KR" dirty="0" smtClean="0"/>
+              <a:t>Named</a:t>
+            </a:r>
+          </a:p>
+          <a:p>
+            <a:r>
+              <a:rPr lang="en-US" altLang="ko-KR" dirty="0" smtClean="0"/>
+              <a:t>Entity</a:t>
+            </a:r>
+          </a:p>
+          <a:p>
+            <a:r>
+              <a:rPr lang="en-US" altLang="ko-KR" dirty="0" smtClean="0"/>
+              <a:t>Recognition </a:t>
+            </a:r>
+          </a:p>
+        </p:txBody>
+      </p:sp>
+      <p:sp>
+        <p:nvSpPr>
+          <p:cNvPr id="44" name="TextBox 43"/>
+          <p:cNvSpPr txBox="1"/>
+          <p:nvPr/>
+        </p:nvSpPr>
+        <p:spPr>
+          <a:xfrm>
+            <a:off x="5003223" y="5673272"/>
+            <a:ext cx="1292277" cy="923330"/>
+          </a:xfrm>
+          <a:prstGeom prst="rect">
+            <a:avLst/>
+          </a:prstGeom>
+          <a:noFill/>
+        </p:spPr>
+        <p:txBody>
+          <a:bodyPr wrap="none" rtlCol="0">
+            <a:spAutoFit/>
+          </a:bodyPr>
+          <a:lstStyle/>
+          <a:p>
+            <a:r>
+              <a:rPr lang="en-US" altLang="ko-KR" dirty="0" smtClean="0"/>
+              <a:t>Natural</a:t>
+            </a:r>
+          </a:p>
+          <a:p>
+            <a:r>
+              <a:rPr lang="en-US" altLang="ko-KR" dirty="0" smtClean="0"/>
+              <a:t>Language</a:t>
+            </a:r>
+          </a:p>
+          <a:p>
+            <a:r>
+              <a:rPr lang="en-US" altLang="ko-KR" dirty="0" smtClean="0"/>
+              <a:t>Processing</a:t>
+            </a:r>
+          </a:p>
+        </p:txBody>
+      </p:sp>
+      <p:sp>
+        <p:nvSpPr>
+          <p:cNvPr id="46" name="TextBox 45"/>
+          <p:cNvSpPr txBox="1"/>
+          <p:nvPr/>
+        </p:nvSpPr>
+        <p:spPr>
+          <a:xfrm>
+            <a:off x="7478423" y="4641270"/>
+            <a:ext cx="2447786" cy="646331"/>
+          </a:xfrm>
+          <a:prstGeom prst="rect">
+            <a:avLst/>
+          </a:prstGeom>
+          <a:noFill/>
+        </p:spPr>
+        <p:txBody>
+          <a:bodyPr wrap="none" rtlCol="0">
+            <a:spAutoFit/>
+          </a:bodyPr>
+          <a:lstStyle/>
+          <a:p>
+            <a:r>
+              <a:rPr lang="en-US" altLang="ko-KR" dirty="0" smtClean="0"/>
+              <a:t>Tree</a:t>
+            </a:r>
+            <a:r>
+              <a:rPr lang="en-US" altLang="ko-KR" dirty="0"/>
+              <a:t> </a:t>
+            </a:r>
+            <a:r>
+              <a:rPr lang="en-US" altLang="ko-KR" dirty="0" smtClean="0"/>
+              <a:t>or</a:t>
+            </a:r>
+          </a:p>
+          <a:p>
+            <a:r>
+              <a:rPr lang="en-US" altLang="ko-KR" dirty="0" smtClean="0"/>
+              <a:t>Categorized mapping</a:t>
+            </a:r>
+          </a:p>
+        </p:txBody>
+      </p:sp>
+      <p:sp>
+        <p:nvSpPr>
+          <p:cNvPr id="47" name="TextBox 46"/>
+          <p:cNvSpPr txBox="1"/>
+          <p:nvPr/>
+        </p:nvSpPr>
+        <p:spPr>
+          <a:xfrm>
+            <a:off x="9948725" y="4749942"/>
+            <a:ext cx="1527982" cy="923330"/>
+          </a:xfrm>
+          <a:prstGeom prst="rect">
+            <a:avLst/>
+          </a:prstGeom>
+          <a:noFill/>
+        </p:spPr>
+        <p:txBody>
+          <a:bodyPr wrap="none" rtlCol="0">
+            <a:spAutoFit/>
+          </a:bodyPr>
+          <a:lstStyle/>
+          <a:p>
+            <a:r>
+              <a:rPr lang="en-US" altLang="ko-KR" dirty="0" smtClean="0"/>
+              <a:t>Heat Map or</a:t>
+            </a:r>
+          </a:p>
+          <a:p>
+            <a:r>
+              <a:rPr lang="en-US" altLang="ko-KR" dirty="0" smtClean="0"/>
+              <a:t>Network or</a:t>
+            </a:r>
+          </a:p>
+          <a:p>
+            <a:r>
+              <a:rPr lang="en-US" altLang="ko-KR" dirty="0" smtClean="0"/>
+              <a:t>Tools </a:t>
+            </a:r>
+          </a:p>
+        </p:txBody>
+      </p:sp>
+    </p:spTree>
+    <p:extLst>
+      <p:ext uri="{BB962C8B-B14F-4D97-AF65-F5344CB8AC3E}">
+        <p14:creationId xmlns:p14="http://schemas.microsoft.com/office/powerpoint/2010/main" val="1390564854"/>
+      </p:ext>
+    </p:extLst>
+  </p:cSld>
+  <p:clrMapOvr>
+    <a:masterClrMapping/>
+  </p:clrMapOvr>
+  <p:timing>
+    <p:tnLst>
+      <p:par>
+        <p:cTn id="1" dur="indefinite" restart="never" nodeType="tmRoot"/>
+      </p:par>
+    </p:tnLst>
+  </p:timing>
+</p:sld>
+</file>
+
+<file path=ppt/slides/slide13.xml><?xml version="1.0" encoding="utf-8"?>
+<p:sld xmlns:a="http://schemas.openxmlformats.org/drawingml/2006/main" xmlns:r="http://schemas.openxmlformats.org/officeDocument/2006/relationships" xmlns:p="http://schemas.openxmlformats.org/presentationml/2006/main">
+  <p:cSld>
+    <p:spTree>
+      <p:nvGrpSpPr>
+        <p:cNvPr id="1" name=""/>
+        <p:cNvGrpSpPr/>
+        <p:nvPr/>
+      </p:nvGrpSpPr>
+      <p:grpSpPr>
+        <a:xfrm>
+          <a:off x="0" y="0"/>
+          <a:ext cx="0" cy="0"/>
+          <a:chOff x="0" y="0"/>
+          <a:chExt cx="0" cy="0"/>
+        </a:xfrm>
+      </p:grpSpPr>
+      <p:sp>
+        <p:nvSpPr>
+          <p:cNvPr id="2" name="제목 1"/>
+          <p:cNvSpPr>
+            <a:spLocks noGrp="1"/>
+          </p:cNvSpPr>
+          <p:nvPr>
+            <p:ph type="title"/>
+          </p:nvPr>
+        </p:nvSpPr>
+        <p:spPr/>
+        <p:txBody>
+          <a:bodyPr/>
+          <a:lstStyle/>
+          <a:p>
+            <a:r>
+              <a:rPr lang="en-US" altLang="ko-KR" dirty="0" smtClean="0"/>
+              <a:t>CONCLUDING REMARKS</a:t>
+            </a:r>
+            <a:endParaRPr lang="ko-KR" altLang="en-US" dirty="0"/>
+          </a:p>
+        </p:txBody>
+      </p:sp>
+      <p:sp>
+        <p:nvSpPr>
+          <p:cNvPr id="3" name="내용 개체 틀 2"/>
+          <p:cNvSpPr>
+            <a:spLocks noGrp="1"/>
+          </p:cNvSpPr>
+          <p:nvPr>
+            <p:ph idx="1"/>
+          </p:nvPr>
+        </p:nvSpPr>
+        <p:spPr/>
+        <p:txBody>
+          <a:bodyPr/>
+          <a:lstStyle/>
+          <a:p>
+            <a:pPr marL="514350" indent="-514350">
+              <a:buAutoNum type="arabicPeriod"/>
+            </a:pPr>
+            <a:r>
+              <a:rPr lang="en-US" altLang="ko-KR" dirty="0" smtClean="0"/>
+              <a:t>The more one knows about disease and drug,</a:t>
+            </a:r>
+          </a:p>
+          <a:p>
+            <a:pPr marL="0" indent="0">
+              <a:buNone/>
+            </a:pPr>
+            <a:r>
+              <a:rPr lang="en-US" altLang="ko-KR" dirty="0"/>
+              <a:t>	</a:t>
+            </a:r>
+            <a:r>
+              <a:rPr lang="en-US" altLang="ko-KR" dirty="0" smtClean="0"/>
+              <a:t>the more ‘educated’ a guess will be concerning selection 	of the right indication.</a:t>
+            </a:r>
+          </a:p>
+          <a:p>
+            <a:pPr marL="514350" indent="-514350">
+              <a:buAutoNum type="arabicPeriod" startAt="2"/>
+            </a:pPr>
+            <a:r>
+              <a:rPr lang="en-US" altLang="ko-KR" dirty="0" smtClean="0"/>
+              <a:t>Visualization techniques may provide additional guidance to 	DR exercises.</a:t>
+            </a:r>
+          </a:p>
+          <a:p>
+            <a:pPr marL="514350" indent="-514350">
+              <a:buAutoNum type="arabicPeriod" startAt="2"/>
+            </a:pPr>
+            <a:r>
+              <a:rPr lang="en-US" altLang="ko-KR" dirty="0" smtClean="0"/>
+              <a:t>All hypotheses should always be followed by manual creation by experts.</a:t>
+            </a:r>
+            <a:endParaRPr lang="en-US" altLang="ko-KR" dirty="0" smtClean="0"/>
+          </a:p>
+          <a:p>
+            <a:pPr marL="514350" indent="-514350">
+              <a:buAutoNum type="arabicPeriod" startAt="2"/>
+            </a:pPr>
+            <a:r>
+              <a:rPr lang="en-US" altLang="ko-KR" dirty="0" smtClean="0"/>
+              <a:t>The potential of a drug to generate an adverse reaction should not be assumed non-existent.</a:t>
+            </a:r>
+          </a:p>
+        </p:txBody>
+      </p:sp>
+    </p:spTree>
+    <p:extLst>
+      <p:ext uri="{BB962C8B-B14F-4D97-AF65-F5344CB8AC3E}">
+        <p14:creationId xmlns:p14="http://schemas.microsoft.com/office/powerpoint/2010/main" val="2723385735"/>
+      </p:ext>
+    </p:extLst>
+  </p:cSld>
+  <p:clrMapOvr>
+    <a:masterClrMapping/>
+  </p:clrMapOvr>
+  <p:timing>
+    <p:tnLst>
+      <p:par>
+        <p:cTn id="1" dur="indefinite" restart="never" nodeType="tmRoot"/>
+      </p:par>
+    </p:tnLst>
+  </p:timing>
 </p:sld>
 </file>
 
@@ -3211,6 +6832,13 @@
   <p:clrMapOvr>
     <a:masterClrMapping/>
   </p:clrMapOvr>
+  <p:timing>
+    <p:tnLst>
+      <p:par>
+        <p:cTn id="1" dur="indefinite" restart="never" nodeType="tmRoot"/>
+      </p:par>
+    </p:tnLst>
+  </p:timing>
 </p:sld>
 </file>
 
@@ -3270,7 +6898,7 @@
         </p:nvSpPr>
         <p:spPr>
           <a:xfrm>
-            <a:off x="994955" y="2756263"/>
+            <a:off x="838200" y="2287339"/>
             <a:ext cx="4883331" cy="3355386"/>
           </a:xfrm>
         </p:spPr>
@@ -3326,7 +6954,7 @@
           <p:nvPr/>
         </p:nvPicPr>
         <p:blipFill>
-          <a:blip r:embed="rId2">
+          <a:blip r:embed="rId3">
             <a:extLst>
               <a:ext uri="{28A0092B-C50C-407E-A947-70E740481C1C}">
                 <a14:useLocalDpi xmlns:a14="http://schemas.microsoft.com/office/drawing/2010/main" val="0"/>
@@ -3339,7 +6967,7 @@
         </p:blipFill>
         <p:spPr>
           <a:xfrm>
-            <a:off x="6009529" y="2051299"/>
+            <a:off x="6009529" y="1816168"/>
             <a:ext cx="5344271" cy="3591426"/>
           </a:xfrm>
           <a:prstGeom prst="rect">
@@ -3355,7 +6983,7 @@
         </p:nvSpPr>
         <p:spPr>
           <a:xfrm>
-            <a:off x="585552" y="2071465"/>
+            <a:off x="838200" y="1523780"/>
             <a:ext cx="2654037" cy="584775"/>
           </a:xfrm>
           <a:prstGeom prst="rect">
@@ -3390,6 +7018,13 @@
   <p:clrMapOvr>
     <a:masterClrMapping/>
   </p:clrMapOvr>
+  <p:timing>
+    <p:tnLst>
+      <p:par>
+        <p:cTn id="1" dur="indefinite" restart="never" nodeType="tmRoot"/>
+      </p:par>
+    </p:tnLst>
+  </p:timing>
 </p:sld>
 </file>
 
@@ -3449,8 +7084,8 @@
         </p:nvSpPr>
         <p:spPr>
           <a:xfrm>
-            <a:off x="994955" y="2756263"/>
-            <a:ext cx="10239102" cy="3355386"/>
+            <a:off x="994955" y="2233749"/>
+            <a:ext cx="10239102" cy="3877900"/>
           </a:xfrm>
         </p:spPr>
         <p:txBody>
@@ -3493,14 +7128,14 @@
       </p:sp>
       <p:sp>
         <p:nvSpPr>
-          <p:cNvPr id="6" name="직사각형 5"/>
+          <p:cNvPr id="7" name="직사각형 6"/>
           <p:cNvSpPr/>
           <p:nvPr/>
         </p:nvSpPr>
         <p:spPr>
           <a:xfrm>
-            <a:off x="585552" y="2071465"/>
-            <a:ext cx="4966162" cy="584775"/>
+            <a:off x="838200" y="1412103"/>
+            <a:ext cx="10269682" cy="584775"/>
           </a:xfrm>
           <a:prstGeom prst="rect">
             <a:avLst/>
@@ -3530,6 +7165,13 @@
   <p:clrMapOvr>
     <a:masterClrMapping/>
   </p:clrMapOvr>
+  <p:timing>
+    <p:tnLst>
+      <p:par>
+        <p:cTn id="1" dur="indefinite" restart="never" nodeType="tmRoot"/>
+      </p:par>
+    </p:tnLst>
+  </p:timing>
 </p:sld>
 </file>
 
@@ -3629,7 +7271,7 @@
         </p:nvSpPr>
         <p:spPr>
           <a:xfrm>
-            <a:off x="585552" y="2071465"/>
+            <a:off x="838200" y="1412103"/>
             <a:ext cx="10269682" cy="584775"/>
           </a:xfrm>
           <a:prstGeom prst="rect">
@@ -3659,7 +7301,7 @@
           <p:nvPr/>
         </p:nvPicPr>
         <p:blipFill>
-          <a:blip r:embed="rId2">
+          <a:blip r:embed="rId3">
             <a:extLst>
               <a:ext uri="{28A0092B-C50C-407E-A947-70E740481C1C}">
                 <a14:useLocalDpi xmlns:a14="http://schemas.microsoft.com/office/drawing/2010/main" val="0"/>
@@ -3672,7 +7314,7 @@
         </p:blipFill>
         <p:spPr>
           <a:xfrm>
-            <a:off x="3436620" y="2656240"/>
+            <a:off x="3724002" y="2865246"/>
             <a:ext cx="5734850" cy="3867690"/>
           </a:xfrm>
           <a:prstGeom prst="rect">
@@ -3688,7 +7330,37 @@
         </p:nvSpPr>
         <p:spPr>
           <a:xfrm>
-            <a:off x="2290152" y="2756263"/>
+            <a:off x="1562050" y="2952206"/>
+            <a:ext cx="2840132" cy="369332"/>
+          </a:xfrm>
+          <a:prstGeom prst="rect">
+            <a:avLst/>
+          </a:prstGeom>
+        </p:spPr>
+        <p:txBody>
+          <a:bodyPr wrap="square">
+            <a:spAutoFit/>
+          </a:bodyPr>
+          <a:lstStyle/>
+          <a:p>
+            <a:pPr algn="r"/>
+            <a:r>
+              <a:rPr lang="en-US" altLang="ko-KR" b="1" dirty="0" smtClean="0"/>
+              <a:t>Closed Process</a:t>
+            </a:r>
+            <a:endParaRPr lang="ko-KR" altLang="en-US" b="1" dirty="0"/>
+          </a:p>
+        </p:txBody>
+      </p:sp>
+      <p:sp>
+        <p:nvSpPr>
+          <p:cNvPr id="8" name="직사각형 7"/>
+          <p:cNvSpPr/>
+          <p:nvPr/>
+        </p:nvSpPr>
+        <p:spPr>
+          <a:xfrm>
+            <a:off x="1448838" y="4276866"/>
             <a:ext cx="2953344" cy="369332"/>
           </a:xfrm>
           <a:prstGeom prst="rect">
@@ -3701,40 +7373,12 @@
           </a:bodyPr>
           <a:lstStyle/>
           <a:p>
-            <a:r>
-              <a:rPr lang="en-US" altLang="ko-KR" dirty="0" smtClean="0"/>
-              <a:t>Closed Process</a:t>
-            </a:r>
-            <a:endParaRPr lang="ko-KR" altLang="en-US" dirty="0"/>
-          </a:p>
-        </p:txBody>
-      </p:sp>
-      <p:sp>
-        <p:nvSpPr>
-          <p:cNvPr id="8" name="직사각형 7"/>
-          <p:cNvSpPr/>
-          <p:nvPr/>
-        </p:nvSpPr>
-        <p:spPr>
-          <a:xfrm>
-            <a:off x="2290152" y="4064624"/>
-            <a:ext cx="2953344" cy="369332"/>
-          </a:xfrm>
-          <a:prstGeom prst="rect">
-            <a:avLst/>
-          </a:prstGeom>
-        </p:spPr>
-        <p:txBody>
-          <a:bodyPr wrap="square">
-            <a:spAutoFit/>
-          </a:bodyPr>
-          <a:lstStyle/>
-          <a:p>
-            <a:r>
-              <a:rPr lang="en-US" altLang="ko-KR" smtClean="0"/>
-              <a:t>Open</a:t>
-            </a:r>
-            <a:endParaRPr lang="ko-KR" altLang="en-US" dirty="0"/>
+            <a:pPr algn="r"/>
+            <a:r>
+              <a:rPr lang="en-US" altLang="ko-KR" b="1" dirty="0" smtClean="0"/>
+              <a:t>Open Process</a:t>
+            </a:r>
+            <a:endParaRPr lang="ko-KR" altLang="en-US" b="1" dirty="0"/>
           </a:p>
         </p:txBody>
       </p:sp>
@@ -3748,6 +7392,13 @@
   <p:clrMapOvr>
     <a:masterClrMapping/>
   </p:clrMapOvr>
+  <p:timing>
+    <p:tnLst>
+      <p:par>
+        <p:cTn id="1" dur="indefinite" restart="never" nodeType="tmRoot"/>
+      </p:par>
+    </p:tnLst>
+  </p:timing>
 </p:sld>
 </file>
 
@@ -3780,37 +7431,293 @@
         </p:nvSpPr>
         <p:spPr/>
         <p:txBody>
+          <a:bodyPr/>
+          <a:lstStyle/>
+          <a:p>
+            <a:r>
+              <a:rPr lang="en-US" altLang="ko-KR" dirty="0"/>
+              <a:t>Literature </a:t>
+            </a:r>
+            <a:r>
+              <a:rPr lang="en-US" altLang="ko-KR" dirty="0" smtClean="0"/>
+              <a:t>Mining</a:t>
+            </a:r>
+            <a:endParaRPr lang="en-US" altLang="ko-KR" dirty="0"/>
+          </a:p>
+        </p:txBody>
+      </p:sp>
+      <p:sp>
+        <p:nvSpPr>
+          <p:cNvPr id="3" name="내용 개체 틀 2"/>
+          <p:cNvSpPr>
+            <a:spLocks noGrp="1"/>
+          </p:cNvSpPr>
+          <p:nvPr>
+            <p:ph idx="1"/>
+          </p:nvPr>
+        </p:nvSpPr>
+        <p:spPr>
+          <a:xfrm>
+            <a:off x="994955" y="2756263"/>
+            <a:ext cx="4883331" cy="3355386"/>
+          </a:xfrm>
+        </p:spPr>
+        <p:txBody>
           <a:bodyPr>
-            <a:normAutofit fontScale="90000"/>
+            <a:normAutofit/>
           </a:bodyPr>
           <a:lstStyle/>
           <a:p>
-            <a:r>
-              <a:rPr lang="en-US" altLang="ko-KR" dirty="0"/>
-              <a:t>Semantic web technologies and ontologies</a:t>
-            </a:r>
-            <a:br>
-              <a:rPr lang="en-US" altLang="ko-KR" dirty="0"/>
-            </a:br>
+            <a:pPr marL="0" indent="0">
+              <a:buNone/>
+            </a:pPr>
             <a:endParaRPr lang="ko-KR" altLang="en-US" dirty="0"/>
           </a:p>
-        </p:txBody>
-      </p:sp>
-      <p:sp>
-        <p:nvSpPr>
-          <p:cNvPr id="3" name="내용 개체 틀 2"/>
-          <p:cNvSpPr>
-            <a:spLocks noGrp="1"/>
-          </p:cNvSpPr>
-          <p:nvPr>
-            <p:ph idx="1"/>
-          </p:nvPr>
-        </p:nvSpPr>
-        <p:spPr/>
-        <p:txBody>
-          <a:bodyPr/>
-          <a:lstStyle/>
-          <a:p>
+          <a:p>
+            <a:endParaRPr lang="ko-KR" altLang="en-US" dirty="0"/>
+          </a:p>
+          <a:p>
+            <a:endParaRPr lang="ko-KR" altLang="en-US" dirty="0"/>
+          </a:p>
+          <a:p>
+            <a:endParaRPr lang="en-US" altLang="ko-KR" dirty="0" smtClean="0"/>
+          </a:p>
+          <a:p>
+            <a:pPr marL="0" indent="0">
+              <a:buNone/>
+            </a:pPr>
+            <a:endParaRPr lang="ko-KR" altLang="en-US" dirty="0"/>
+          </a:p>
+        </p:txBody>
+      </p:sp>
+      <p:sp>
+        <p:nvSpPr>
+          <p:cNvPr id="6" name="직사각형 5"/>
+          <p:cNvSpPr/>
+          <p:nvPr/>
+        </p:nvSpPr>
+        <p:spPr>
+          <a:xfrm>
+            <a:off x="838200" y="1412103"/>
+            <a:ext cx="10269682" cy="584775"/>
+          </a:xfrm>
+          <a:prstGeom prst="rect">
+            <a:avLst/>
+          </a:prstGeom>
+        </p:spPr>
+        <p:txBody>
+          <a:bodyPr wrap="square">
+            <a:spAutoFit/>
+          </a:bodyPr>
+          <a:lstStyle/>
+          <a:p>
+            <a:r>
+              <a:rPr lang="en-US" altLang="ko-KR" sz="3200" dirty="0" smtClean="0"/>
+              <a:t>Information Extraction</a:t>
+            </a:r>
+            <a:endParaRPr lang="ko-KR" altLang="en-US" sz="3200" dirty="0"/>
+          </a:p>
+        </p:txBody>
+      </p:sp>
+      <p:sp>
+        <p:nvSpPr>
+          <p:cNvPr id="9" name="내용 개체 틀 2"/>
+          <p:cNvSpPr txBox="1">
+            <a:spLocks/>
+          </p:cNvSpPr>
+          <p:nvPr/>
+        </p:nvSpPr>
+        <p:spPr>
+          <a:xfrm>
+            <a:off x="994955" y="2233749"/>
+            <a:ext cx="10239102" cy="3877900"/>
+          </a:xfrm>
+          <a:prstGeom prst="rect">
+            <a:avLst/>
+          </a:prstGeom>
+        </p:spPr>
+        <p:txBody>
+          <a:bodyPr vert="horz" lIns="91440" tIns="45720" rIns="91440" bIns="45720" rtlCol="0">
+            <a:normAutofit/>
+          </a:bodyPr>
+          <a:lstStyle>
+            <a:lvl1pPr marL="228600" indent="-228600" algn="l" defTabSz="914400" rtl="0" eaLnBrk="1" latinLnBrk="1" hangingPunct="1">
+              <a:lnSpc>
+                <a:spcPct val="90000"/>
+              </a:lnSpc>
+              <a:spcBef>
+                <a:spcPts val="1000"/>
+              </a:spcBef>
+              <a:buFont typeface="Arial" panose="020B0604020202020204" pitchFamily="34" charset="0"/>
+              <a:buChar char="•"/>
+              <a:defRPr sz="2800" kern="1200">
+                <a:solidFill>
+                  <a:schemeClr val="tx1"/>
+                </a:solidFill>
+                <a:latin typeface="+mn-lt"/>
+                <a:ea typeface="+mn-ea"/>
+                <a:cs typeface="+mn-cs"/>
+              </a:defRPr>
+            </a:lvl1pPr>
+            <a:lvl2pPr marL="685800" indent="-228600" algn="l" defTabSz="914400" rtl="0" eaLnBrk="1" latinLnBrk="1" hangingPunct="1">
+              <a:lnSpc>
+                <a:spcPct val="90000"/>
+              </a:lnSpc>
+              <a:spcBef>
+                <a:spcPts val="500"/>
+              </a:spcBef>
+              <a:buFont typeface="Arial" panose="020B0604020202020204" pitchFamily="34" charset="0"/>
+              <a:buChar char="•"/>
+              <a:defRPr sz="2400" kern="1200">
+                <a:solidFill>
+                  <a:schemeClr val="tx1"/>
+                </a:solidFill>
+                <a:latin typeface="+mn-lt"/>
+                <a:ea typeface="+mn-ea"/>
+                <a:cs typeface="+mn-cs"/>
+              </a:defRPr>
+            </a:lvl2pPr>
+            <a:lvl3pPr marL="1143000" indent="-228600" algn="l" defTabSz="914400" rtl="0" eaLnBrk="1" latinLnBrk="1" hangingPunct="1">
+              <a:lnSpc>
+                <a:spcPct val="90000"/>
+              </a:lnSpc>
+              <a:spcBef>
+                <a:spcPts val="500"/>
+              </a:spcBef>
+              <a:buFont typeface="Arial" panose="020B0604020202020204" pitchFamily="34" charset="0"/>
+              <a:buChar char="•"/>
+              <a:defRPr sz="2000" kern="1200">
+                <a:solidFill>
+                  <a:schemeClr val="tx1"/>
+                </a:solidFill>
+                <a:latin typeface="+mn-lt"/>
+                <a:ea typeface="+mn-ea"/>
+                <a:cs typeface="+mn-cs"/>
+              </a:defRPr>
+            </a:lvl3pPr>
+            <a:lvl4pPr marL="1600200" indent="-228600" algn="l" defTabSz="914400" rtl="0" eaLnBrk="1" latinLnBrk="1" hangingPunct="1">
+              <a:lnSpc>
+                <a:spcPct val="90000"/>
+              </a:lnSpc>
+              <a:spcBef>
+                <a:spcPts val="500"/>
+              </a:spcBef>
+              <a:buFont typeface="Arial" panose="020B0604020202020204" pitchFamily="34" charset="0"/>
+              <a:buChar char="•"/>
+              <a:defRPr sz="1800" kern="1200">
+                <a:solidFill>
+                  <a:schemeClr val="tx1"/>
+                </a:solidFill>
+                <a:latin typeface="+mn-lt"/>
+                <a:ea typeface="+mn-ea"/>
+                <a:cs typeface="+mn-cs"/>
+              </a:defRPr>
+            </a:lvl4pPr>
+            <a:lvl5pPr marL="2057400" indent="-228600" algn="l" defTabSz="914400" rtl="0" eaLnBrk="1" latinLnBrk="1" hangingPunct="1">
+              <a:lnSpc>
+                <a:spcPct val="90000"/>
+              </a:lnSpc>
+              <a:spcBef>
+                <a:spcPts val="500"/>
+              </a:spcBef>
+              <a:buFont typeface="Arial" panose="020B0604020202020204" pitchFamily="34" charset="0"/>
+              <a:buChar char="•"/>
+              <a:defRPr sz="1800" kern="1200">
+                <a:solidFill>
+                  <a:schemeClr val="tx1"/>
+                </a:solidFill>
+                <a:latin typeface="+mn-lt"/>
+                <a:ea typeface="+mn-ea"/>
+                <a:cs typeface="+mn-cs"/>
+              </a:defRPr>
+            </a:lvl5pPr>
+            <a:lvl6pPr marL="2514600" indent="-228600" algn="l" defTabSz="914400" rtl="0" eaLnBrk="1" latinLnBrk="1" hangingPunct="1">
+              <a:lnSpc>
+                <a:spcPct val="90000"/>
+              </a:lnSpc>
+              <a:spcBef>
+                <a:spcPts val="500"/>
+              </a:spcBef>
+              <a:buFont typeface="Arial" panose="020B0604020202020204" pitchFamily="34" charset="0"/>
+              <a:buChar char="•"/>
+              <a:defRPr sz="1800" kern="1200">
+                <a:solidFill>
+                  <a:schemeClr val="tx1"/>
+                </a:solidFill>
+                <a:latin typeface="+mn-lt"/>
+                <a:ea typeface="+mn-ea"/>
+                <a:cs typeface="+mn-cs"/>
+              </a:defRPr>
+            </a:lvl6pPr>
+            <a:lvl7pPr marL="2971800" indent="-228600" algn="l" defTabSz="914400" rtl="0" eaLnBrk="1" latinLnBrk="1" hangingPunct="1">
+              <a:lnSpc>
+                <a:spcPct val="90000"/>
+              </a:lnSpc>
+              <a:spcBef>
+                <a:spcPts val="500"/>
+              </a:spcBef>
+              <a:buFont typeface="Arial" panose="020B0604020202020204" pitchFamily="34" charset="0"/>
+              <a:buChar char="•"/>
+              <a:defRPr sz="1800" kern="1200">
+                <a:solidFill>
+                  <a:schemeClr val="tx1"/>
+                </a:solidFill>
+                <a:latin typeface="+mn-lt"/>
+                <a:ea typeface="+mn-ea"/>
+                <a:cs typeface="+mn-cs"/>
+              </a:defRPr>
+            </a:lvl7pPr>
+            <a:lvl8pPr marL="3429000" indent="-228600" algn="l" defTabSz="914400" rtl="0" eaLnBrk="1" latinLnBrk="1" hangingPunct="1">
+              <a:lnSpc>
+                <a:spcPct val="90000"/>
+              </a:lnSpc>
+              <a:spcBef>
+                <a:spcPts val="500"/>
+              </a:spcBef>
+              <a:buFont typeface="Arial" panose="020B0604020202020204" pitchFamily="34" charset="0"/>
+              <a:buChar char="•"/>
+              <a:defRPr sz="1800" kern="1200">
+                <a:solidFill>
+                  <a:schemeClr val="tx1"/>
+                </a:solidFill>
+                <a:latin typeface="+mn-lt"/>
+                <a:ea typeface="+mn-ea"/>
+                <a:cs typeface="+mn-cs"/>
+              </a:defRPr>
+            </a:lvl8pPr>
+            <a:lvl9pPr marL="3886200" indent="-228600" algn="l" defTabSz="914400" rtl="0" eaLnBrk="1" latinLnBrk="1" hangingPunct="1">
+              <a:lnSpc>
+                <a:spcPct val="90000"/>
+              </a:lnSpc>
+              <a:spcBef>
+                <a:spcPts val="500"/>
+              </a:spcBef>
+              <a:buFont typeface="Arial" panose="020B0604020202020204" pitchFamily="34" charset="0"/>
+              <a:buChar char="•"/>
+              <a:defRPr sz="1800" kern="1200">
+                <a:solidFill>
+                  <a:schemeClr val="tx1"/>
+                </a:solidFill>
+                <a:latin typeface="+mn-lt"/>
+                <a:ea typeface="+mn-ea"/>
+                <a:cs typeface="+mn-cs"/>
+              </a:defRPr>
+            </a:lvl9pPr>
+          </a:lstStyle>
+          <a:p>
+            <a:r>
+              <a:rPr lang="en-US" altLang="ko-KR" dirty="0" smtClean="0"/>
+              <a:t>The First step toward the discovery of novel links between unrelated concepts.</a:t>
+            </a:r>
+          </a:p>
+          <a:p>
+            <a:endParaRPr lang="en-US" altLang="ko-KR" dirty="0"/>
+          </a:p>
+          <a:p>
+            <a:r>
+              <a:rPr lang="en-US" altLang="ko-KR" dirty="0" smtClean="0"/>
+              <a:t>The Extraction of concepts and relationships from a single article or abstract</a:t>
+            </a:r>
             <a:endParaRPr lang="ko-KR" altLang="en-US" dirty="0"/>
           </a:p>
         </p:txBody>
@@ -3818,13 +7725,20 @@
     </p:spTree>
     <p:extLst>
       <p:ext uri="{BB962C8B-B14F-4D97-AF65-F5344CB8AC3E}">
-        <p14:creationId xmlns:p14="http://schemas.microsoft.com/office/powerpoint/2010/main" val="3008715836"/>
+        <p14:creationId xmlns:p14="http://schemas.microsoft.com/office/powerpoint/2010/main" val="3560199759"/>
       </p:ext>
     </p:extLst>
   </p:cSld>
   <p:clrMapOvr>
     <a:masterClrMapping/>
   </p:clrMapOvr>
+  <p:timing>
+    <p:tnLst>
+      <p:par>
+        <p:cTn id="1" dur="indefinite" restart="never" nodeType="tmRoot"/>
+      </p:par>
+    </p:tnLst>
+  </p:timing>
 </p:sld>
 </file>
 
@@ -3861,45 +7775,312 @@
           <a:lstStyle/>
           <a:p>
             <a:r>
-              <a:rPr lang="en-US" altLang="ko-KR" dirty="0" smtClean="0"/>
-              <a:t>CONCLUDING REMARKS</a:t>
-            </a:r>
-            <a:endParaRPr lang="ko-KR" altLang="en-US" dirty="0"/>
-          </a:p>
-        </p:txBody>
-      </p:sp>
-      <p:sp>
-        <p:nvSpPr>
-          <p:cNvPr id="3" name="내용 개체 틀 2"/>
-          <p:cNvSpPr>
-            <a:spLocks noGrp="1"/>
-          </p:cNvSpPr>
-          <p:nvPr>
-            <p:ph idx="1"/>
-          </p:nvPr>
-        </p:nvSpPr>
-        <p:spPr/>
-        <p:txBody>
-          <a:bodyPr/>
-          <a:lstStyle/>
+              <a:rPr lang="en-US" altLang="ko-KR" dirty="0"/>
+              <a:t>Literature </a:t>
+            </a:r>
+            <a:r>
+              <a:rPr lang="en-US" altLang="ko-KR" dirty="0" smtClean="0"/>
+              <a:t>Mining</a:t>
+            </a:r>
+            <a:endParaRPr lang="en-US" altLang="ko-KR" dirty="0"/>
+          </a:p>
+        </p:txBody>
+      </p:sp>
+      <p:sp>
+        <p:nvSpPr>
+          <p:cNvPr id="6" name="직사각형 5"/>
+          <p:cNvSpPr/>
+          <p:nvPr/>
+        </p:nvSpPr>
+        <p:spPr>
+          <a:xfrm>
+            <a:off x="838200" y="1412103"/>
+            <a:ext cx="10269682" cy="584775"/>
+          </a:xfrm>
+          <a:prstGeom prst="rect">
+            <a:avLst/>
+          </a:prstGeom>
+        </p:spPr>
+        <p:txBody>
+          <a:bodyPr wrap="square">
+            <a:spAutoFit/>
+          </a:bodyPr>
+          <a:lstStyle/>
+          <a:p>
+            <a:r>
+              <a:rPr lang="en-US" altLang="ko-KR" sz="3200" dirty="0" smtClean="0"/>
+              <a:t>Information Extraction : NER</a:t>
+            </a:r>
+            <a:endParaRPr lang="ko-KR" altLang="en-US" sz="3200" dirty="0"/>
+          </a:p>
+        </p:txBody>
+      </p:sp>
+      <p:sp>
+        <p:nvSpPr>
+          <p:cNvPr id="9" name="내용 개체 틀 2"/>
+          <p:cNvSpPr txBox="1">
+            <a:spLocks/>
+          </p:cNvSpPr>
+          <p:nvPr/>
+        </p:nvSpPr>
+        <p:spPr>
+          <a:xfrm>
+            <a:off x="994955" y="2233749"/>
+            <a:ext cx="10239102" cy="3877900"/>
+          </a:xfrm>
+          <a:prstGeom prst="rect">
+            <a:avLst/>
+          </a:prstGeom>
+        </p:spPr>
+        <p:txBody>
+          <a:bodyPr vert="horz" lIns="91440" tIns="45720" rIns="91440" bIns="45720" rtlCol="0">
+            <a:normAutofit/>
+          </a:bodyPr>
+          <a:lstStyle>
+            <a:lvl1pPr marL="228600" indent="-228600" algn="l" defTabSz="914400" rtl="0" eaLnBrk="1" latinLnBrk="1" hangingPunct="1">
+              <a:lnSpc>
+                <a:spcPct val="90000"/>
+              </a:lnSpc>
+              <a:spcBef>
+                <a:spcPts val="1000"/>
+              </a:spcBef>
+              <a:buFont typeface="Arial" panose="020B0604020202020204" pitchFamily="34" charset="0"/>
+              <a:buChar char="•"/>
+              <a:defRPr sz="2800" kern="1200">
+                <a:solidFill>
+                  <a:schemeClr val="tx1"/>
+                </a:solidFill>
+                <a:latin typeface="+mn-lt"/>
+                <a:ea typeface="+mn-ea"/>
+                <a:cs typeface="+mn-cs"/>
+              </a:defRPr>
+            </a:lvl1pPr>
+            <a:lvl2pPr marL="685800" indent="-228600" algn="l" defTabSz="914400" rtl="0" eaLnBrk="1" latinLnBrk="1" hangingPunct="1">
+              <a:lnSpc>
+                <a:spcPct val="90000"/>
+              </a:lnSpc>
+              <a:spcBef>
+                <a:spcPts val="500"/>
+              </a:spcBef>
+              <a:buFont typeface="Arial" panose="020B0604020202020204" pitchFamily="34" charset="0"/>
+              <a:buChar char="•"/>
+              <a:defRPr sz="2400" kern="1200">
+                <a:solidFill>
+                  <a:schemeClr val="tx1"/>
+                </a:solidFill>
+                <a:latin typeface="+mn-lt"/>
+                <a:ea typeface="+mn-ea"/>
+                <a:cs typeface="+mn-cs"/>
+              </a:defRPr>
+            </a:lvl2pPr>
+            <a:lvl3pPr marL="1143000" indent="-228600" algn="l" defTabSz="914400" rtl="0" eaLnBrk="1" latinLnBrk="1" hangingPunct="1">
+              <a:lnSpc>
+                <a:spcPct val="90000"/>
+              </a:lnSpc>
+              <a:spcBef>
+                <a:spcPts val="500"/>
+              </a:spcBef>
+              <a:buFont typeface="Arial" panose="020B0604020202020204" pitchFamily="34" charset="0"/>
+              <a:buChar char="•"/>
+              <a:defRPr sz="2000" kern="1200">
+                <a:solidFill>
+                  <a:schemeClr val="tx1"/>
+                </a:solidFill>
+                <a:latin typeface="+mn-lt"/>
+                <a:ea typeface="+mn-ea"/>
+                <a:cs typeface="+mn-cs"/>
+              </a:defRPr>
+            </a:lvl3pPr>
+            <a:lvl4pPr marL="1600200" indent="-228600" algn="l" defTabSz="914400" rtl="0" eaLnBrk="1" latinLnBrk="1" hangingPunct="1">
+              <a:lnSpc>
+                <a:spcPct val="90000"/>
+              </a:lnSpc>
+              <a:spcBef>
+                <a:spcPts val="500"/>
+              </a:spcBef>
+              <a:buFont typeface="Arial" panose="020B0604020202020204" pitchFamily="34" charset="0"/>
+              <a:buChar char="•"/>
+              <a:defRPr sz="1800" kern="1200">
+                <a:solidFill>
+                  <a:schemeClr val="tx1"/>
+                </a:solidFill>
+                <a:latin typeface="+mn-lt"/>
+                <a:ea typeface="+mn-ea"/>
+                <a:cs typeface="+mn-cs"/>
+              </a:defRPr>
+            </a:lvl4pPr>
+            <a:lvl5pPr marL="2057400" indent="-228600" algn="l" defTabSz="914400" rtl="0" eaLnBrk="1" latinLnBrk="1" hangingPunct="1">
+              <a:lnSpc>
+                <a:spcPct val="90000"/>
+              </a:lnSpc>
+              <a:spcBef>
+                <a:spcPts val="500"/>
+              </a:spcBef>
+              <a:buFont typeface="Arial" panose="020B0604020202020204" pitchFamily="34" charset="0"/>
+              <a:buChar char="•"/>
+              <a:defRPr sz="1800" kern="1200">
+                <a:solidFill>
+                  <a:schemeClr val="tx1"/>
+                </a:solidFill>
+                <a:latin typeface="+mn-lt"/>
+                <a:ea typeface="+mn-ea"/>
+                <a:cs typeface="+mn-cs"/>
+              </a:defRPr>
+            </a:lvl5pPr>
+            <a:lvl6pPr marL="2514600" indent="-228600" algn="l" defTabSz="914400" rtl="0" eaLnBrk="1" latinLnBrk="1" hangingPunct="1">
+              <a:lnSpc>
+                <a:spcPct val="90000"/>
+              </a:lnSpc>
+              <a:spcBef>
+                <a:spcPts val="500"/>
+              </a:spcBef>
+              <a:buFont typeface="Arial" panose="020B0604020202020204" pitchFamily="34" charset="0"/>
+              <a:buChar char="•"/>
+              <a:defRPr sz="1800" kern="1200">
+                <a:solidFill>
+                  <a:schemeClr val="tx1"/>
+                </a:solidFill>
+                <a:latin typeface="+mn-lt"/>
+                <a:ea typeface="+mn-ea"/>
+                <a:cs typeface="+mn-cs"/>
+              </a:defRPr>
+            </a:lvl6pPr>
+            <a:lvl7pPr marL="2971800" indent="-228600" algn="l" defTabSz="914400" rtl="0" eaLnBrk="1" latinLnBrk="1" hangingPunct="1">
+              <a:lnSpc>
+                <a:spcPct val="90000"/>
+              </a:lnSpc>
+              <a:spcBef>
+                <a:spcPts val="500"/>
+              </a:spcBef>
+              <a:buFont typeface="Arial" panose="020B0604020202020204" pitchFamily="34" charset="0"/>
+              <a:buChar char="•"/>
+              <a:defRPr sz="1800" kern="1200">
+                <a:solidFill>
+                  <a:schemeClr val="tx1"/>
+                </a:solidFill>
+                <a:latin typeface="+mn-lt"/>
+                <a:ea typeface="+mn-ea"/>
+                <a:cs typeface="+mn-cs"/>
+              </a:defRPr>
+            </a:lvl7pPr>
+            <a:lvl8pPr marL="3429000" indent="-228600" algn="l" defTabSz="914400" rtl="0" eaLnBrk="1" latinLnBrk="1" hangingPunct="1">
+              <a:lnSpc>
+                <a:spcPct val="90000"/>
+              </a:lnSpc>
+              <a:spcBef>
+                <a:spcPts val="500"/>
+              </a:spcBef>
+              <a:buFont typeface="Arial" panose="020B0604020202020204" pitchFamily="34" charset="0"/>
+              <a:buChar char="•"/>
+              <a:defRPr sz="1800" kern="1200">
+                <a:solidFill>
+                  <a:schemeClr val="tx1"/>
+                </a:solidFill>
+                <a:latin typeface="+mn-lt"/>
+                <a:ea typeface="+mn-ea"/>
+                <a:cs typeface="+mn-cs"/>
+              </a:defRPr>
+            </a:lvl8pPr>
+            <a:lvl9pPr marL="3886200" indent="-228600" algn="l" defTabSz="914400" rtl="0" eaLnBrk="1" latinLnBrk="1" hangingPunct="1">
+              <a:lnSpc>
+                <a:spcPct val="90000"/>
+              </a:lnSpc>
+              <a:spcBef>
+                <a:spcPts val="500"/>
+              </a:spcBef>
+              <a:buFont typeface="Arial" panose="020B0604020202020204" pitchFamily="34" charset="0"/>
+              <a:buChar char="•"/>
+              <a:defRPr sz="1800" kern="1200">
+                <a:solidFill>
+                  <a:schemeClr val="tx1"/>
+                </a:solidFill>
+                <a:latin typeface="+mn-lt"/>
+                <a:ea typeface="+mn-ea"/>
+                <a:cs typeface="+mn-cs"/>
+              </a:defRPr>
+            </a:lvl9pPr>
+          </a:lstStyle>
+          <a:p>
+            <a:r>
+              <a:rPr lang="en-US" altLang="ko-KR" dirty="0" smtClean="0"/>
+              <a:t>Named </a:t>
+            </a:r>
+            <a:r>
+              <a:rPr lang="en-US" altLang="ko-KR" dirty="0"/>
+              <a:t>Entity </a:t>
+            </a:r>
+            <a:r>
+              <a:rPr lang="en-US" altLang="ko-KR" dirty="0" smtClean="0"/>
+              <a:t>Recognition is a prerequisite for IE.</a:t>
+            </a:r>
+            <a:endParaRPr lang="en-US" altLang="ko-KR" dirty="0"/>
+          </a:p>
           <a:p>
             <a:pPr marL="0" indent="0">
               <a:buNone/>
             </a:pPr>
-            <a:endParaRPr lang="ko-KR" altLang="en-US" dirty="0"/>
+            <a:endParaRPr lang="en-US" altLang="ko-KR" dirty="0" smtClean="0"/>
+          </a:p>
+          <a:p>
+            <a:r>
+              <a:rPr lang="en-US" altLang="ko-KR" dirty="0" smtClean="0"/>
+              <a:t>Identifying terms using controlled vocabularies, such as UMLS, </a:t>
+            </a:r>
+            <a:r>
+              <a:rPr lang="en-US" altLang="ko-KR" dirty="0" err="1" smtClean="0"/>
+              <a:t>MeSH</a:t>
+            </a:r>
+            <a:r>
+              <a:rPr lang="en-US" altLang="ko-KR" dirty="0" smtClean="0"/>
+              <a:t> for diseases.</a:t>
+            </a:r>
+          </a:p>
+          <a:p>
+            <a:pPr marL="0" indent="0">
+              <a:buNone/>
+            </a:pPr>
+            <a:endParaRPr lang="en-US" altLang="ko-KR" dirty="0" smtClean="0"/>
+          </a:p>
+          <a:p>
+            <a:r>
+              <a:rPr lang="en-US" altLang="ko-KR" dirty="0" smtClean="0"/>
+              <a:t>It is a quite difficult task due to the lack of standardization of names and the issue of synonymy and polysemy</a:t>
+            </a:r>
+          </a:p>
+          <a:p>
+            <a:pPr marL="0" indent="0">
+              <a:buNone/>
+            </a:pPr>
+            <a:r>
+              <a:rPr lang="en-US" altLang="ko-KR" sz="2000" dirty="0" smtClean="0"/>
+              <a:t>	Ex) MAPK14, p38 MAP kinase, mitogen-activated protein kinase 14</a:t>
+            </a:r>
+          </a:p>
+          <a:p>
+            <a:pPr marL="0" indent="0">
+              <a:buNone/>
+            </a:pPr>
+            <a:endParaRPr lang="en-US" altLang="ko-KR" dirty="0" smtClean="0"/>
           </a:p>
         </p:txBody>
       </p:sp>
     </p:spTree>
     <p:extLst>
       <p:ext uri="{BB962C8B-B14F-4D97-AF65-F5344CB8AC3E}">
-        <p14:creationId xmlns:p14="http://schemas.microsoft.com/office/powerpoint/2010/main" val="2723385735"/>
+        <p14:creationId xmlns:p14="http://schemas.microsoft.com/office/powerpoint/2010/main" val="1682840660"/>
       </p:ext>
     </p:extLst>
   </p:cSld>
   <p:clrMapOvr>
     <a:masterClrMapping/>
   </p:clrMapOvr>
+  <p:timing>
+    <p:tnLst>
+      <p:par>
+        <p:cTn id="1" dur="indefinite" restart="never" nodeType="tmRoot"/>
+      </p:par>
+    </p:tnLst>
+  </p:timing>
 </p:sld>
 </file>
 
@@ -3936,116 +8117,636 @@
           <a:lstStyle/>
           <a:p>
             <a:r>
-              <a:rPr lang="en-US" altLang="ko-KR" dirty="0" err="1" smtClean="0"/>
-              <a:t>KeyPoint</a:t>
-            </a:r>
-            <a:endParaRPr lang="ko-KR" altLang="en-US" dirty="0"/>
-          </a:p>
-        </p:txBody>
-      </p:sp>
-      <p:sp>
-        <p:nvSpPr>
-          <p:cNvPr id="3" name="내용 개체 틀 2"/>
-          <p:cNvSpPr>
-            <a:spLocks noGrp="1"/>
-          </p:cNvSpPr>
-          <p:nvPr>
-            <p:ph idx="1"/>
-          </p:nvPr>
-        </p:nvSpPr>
-        <p:spPr/>
-        <p:txBody>
-          <a:bodyPr>
-            <a:normAutofit fontScale="62500" lnSpcReduction="20000"/>
+              <a:rPr lang="en-US" altLang="ko-KR" dirty="0"/>
+              <a:t>Literature </a:t>
+            </a:r>
+            <a:r>
+              <a:rPr lang="en-US" altLang="ko-KR" dirty="0" smtClean="0"/>
+              <a:t>Mining</a:t>
+            </a:r>
+            <a:endParaRPr lang="en-US" altLang="ko-KR" dirty="0"/>
+          </a:p>
+        </p:txBody>
+      </p:sp>
+      <p:sp>
+        <p:nvSpPr>
+          <p:cNvPr id="6" name="직사각형 5"/>
+          <p:cNvSpPr/>
+          <p:nvPr/>
+        </p:nvSpPr>
+        <p:spPr>
+          <a:xfrm>
+            <a:off x="838200" y="1412103"/>
+            <a:ext cx="10269682" cy="584775"/>
+          </a:xfrm>
+          <a:prstGeom prst="rect">
+            <a:avLst/>
+          </a:prstGeom>
+        </p:spPr>
+        <p:txBody>
+          <a:bodyPr wrap="square">
+            <a:spAutoFit/>
           </a:bodyPr>
           <a:lstStyle/>
           <a:p>
-            <a:pPr marL="0" indent="0">
+            <a:r>
+              <a:rPr lang="en-US" altLang="ko-KR" sz="3200" dirty="0" smtClean="0"/>
+              <a:t>Information Extraction : Co-occurrence, NLP</a:t>
+            </a:r>
+            <a:endParaRPr lang="ko-KR" altLang="en-US" sz="3200" dirty="0"/>
+          </a:p>
+        </p:txBody>
+      </p:sp>
+      <p:sp>
+        <p:nvSpPr>
+          <p:cNvPr id="9" name="내용 개체 틀 2"/>
+          <p:cNvSpPr txBox="1">
+            <a:spLocks/>
+          </p:cNvSpPr>
+          <p:nvPr/>
+        </p:nvSpPr>
+        <p:spPr>
+          <a:xfrm>
+            <a:off x="994955" y="2233749"/>
+            <a:ext cx="10239102" cy="3877900"/>
+          </a:xfrm>
+          <a:prstGeom prst="rect">
+            <a:avLst/>
+          </a:prstGeom>
+        </p:spPr>
+        <p:txBody>
+          <a:bodyPr vert="horz" lIns="91440" tIns="45720" rIns="91440" bIns="45720" rtlCol="0">
+            <a:normAutofit/>
+          </a:bodyPr>
+          <a:lstStyle>
+            <a:lvl1pPr marL="228600" indent="-228600" algn="l" defTabSz="914400" rtl="0" eaLnBrk="1" latinLnBrk="1" hangingPunct="1">
+              <a:lnSpc>
+                <a:spcPct val="90000"/>
+              </a:lnSpc>
+              <a:spcBef>
+                <a:spcPts val="1000"/>
+              </a:spcBef>
+              <a:buFont typeface="Arial" panose="020B0604020202020204" pitchFamily="34" charset="0"/>
+              <a:buChar char="•"/>
+              <a:defRPr sz="2800" kern="1200">
+                <a:solidFill>
+                  <a:schemeClr val="tx1"/>
+                </a:solidFill>
+                <a:latin typeface="+mn-lt"/>
+                <a:ea typeface="+mn-ea"/>
+                <a:cs typeface="+mn-cs"/>
+              </a:defRPr>
+            </a:lvl1pPr>
+            <a:lvl2pPr marL="685800" indent="-228600" algn="l" defTabSz="914400" rtl="0" eaLnBrk="1" latinLnBrk="1" hangingPunct="1">
+              <a:lnSpc>
+                <a:spcPct val="90000"/>
+              </a:lnSpc>
+              <a:spcBef>
+                <a:spcPts val="500"/>
+              </a:spcBef>
+              <a:buFont typeface="Arial" panose="020B0604020202020204" pitchFamily="34" charset="0"/>
+              <a:buChar char="•"/>
+              <a:defRPr sz="2400" kern="1200">
+                <a:solidFill>
+                  <a:schemeClr val="tx1"/>
+                </a:solidFill>
+                <a:latin typeface="+mn-lt"/>
+                <a:ea typeface="+mn-ea"/>
+                <a:cs typeface="+mn-cs"/>
+              </a:defRPr>
+            </a:lvl2pPr>
+            <a:lvl3pPr marL="1143000" indent="-228600" algn="l" defTabSz="914400" rtl="0" eaLnBrk="1" latinLnBrk="1" hangingPunct="1">
+              <a:lnSpc>
+                <a:spcPct val="90000"/>
+              </a:lnSpc>
+              <a:spcBef>
+                <a:spcPts val="500"/>
+              </a:spcBef>
+              <a:buFont typeface="Arial" panose="020B0604020202020204" pitchFamily="34" charset="0"/>
+              <a:buChar char="•"/>
+              <a:defRPr sz="2000" kern="1200">
+                <a:solidFill>
+                  <a:schemeClr val="tx1"/>
+                </a:solidFill>
+                <a:latin typeface="+mn-lt"/>
+                <a:ea typeface="+mn-ea"/>
+                <a:cs typeface="+mn-cs"/>
+              </a:defRPr>
+            </a:lvl3pPr>
+            <a:lvl4pPr marL="1600200" indent="-228600" algn="l" defTabSz="914400" rtl="0" eaLnBrk="1" latinLnBrk="1" hangingPunct="1">
+              <a:lnSpc>
+                <a:spcPct val="90000"/>
+              </a:lnSpc>
+              <a:spcBef>
+                <a:spcPts val="500"/>
+              </a:spcBef>
+              <a:buFont typeface="Arial" panose="020B0604020202020204" pitchFamily="34" charset="0"/>
+              <a:buChar char="•"/>
+              <a:defRPr sz="1800" kern="1200">
+                <a:solidFill>
+                  <a:schemeClr val="tx1"/>
+                </a:solidFill>
+                <a:latin typeface="+mn-lt"/>
+                <a:ea typeface="+mn-ea"/>
+                <a:cs typeface="+mn-cs"/>
+              </a:defRPr>
+            </a:lvl4pPr>
+            <a:lvl5pPr marL="2057400" indent="-228600" algn="l" defTabSz="914400" rtl="0" eaLnBrk="1" latinLnBrk="1" hangingPunct="1">
+              <a:lnSpc>
+                <a:spcPct val="90000"/>
+              </a:lnSpc>
+              <a:spcBef>
+                <a:spcPts val="500"/>
+              </a:spcBef>
+              <a:buFont typeface="Arial" panose="020B0604020202020204" pitchFamily="34" charset="0"/>
+              <a:buChar char="•"/>
+              <a:defRPr sz="1800" kern="1200">
+                <a:solidFill>
+                  <a:schemeClr val="tx1"/>
+                </a:solidFill>
+                <a:latin typeface="+mn-lt"/>
+                <a:ea typeface="+mn-ea"/>
+                <a:cs typeface="+mn-cs"/>
+              </a:defRPr>
+            </a:lvl5pPr>
+            <a:lvl6pPr marL="2514600" indent="-228600" algn="l" defTabSz="914400" rtl="0" eaLnBrk="1" latinLnBrk="1" hangingPunct="1">
+              <a:lnSpc>
+                <a:spcPct val="90000"/>
+              </a:lnSpc>
+              <a:spcBef>
+                <a:spcPts val="500"/>
+              </a:spcBef>
+              <a:buFont typeface="Arial" panose="020B0604020202020204" pitchFamily="34" charset="0"/>
+              <a:buChar char="•"/>
+              <a:defRPr sz="1800" kern="1200">
+                <a:solidFill>
+                  <a:schemeClr val="tx1"/>
+                </a:solidFill>
+                <a:latin typeface="+mn-lt"/>
+                <a:ea typeface="+mn-ea"/>
+                <a:cs typeface="+mn-cs"/>
+              </a:defRPr>
+            </a:lvl6pPr>
+            <a:lvl7pPr marL="2971800" indent="-228600" algn="l" defTabSz="914400" rtl="0" eaLnBrk="1" latinLnBrk="1" hangingPunct="1">
+              <a:lnSpc>
+                <a:spcPct val="90000"/>
+              </a:lnSpc>
+              <a:spcBef>
+                <a:spcPts val="500"/>
+              </a:spcBef>
+              <a:buFont typeface="Arial" panose="020B0604020202020204" pitchFamily="34" charset="0"/>
+              <a:buChar char="•"/>
+              <a:defRPr sz="1800" kern="1200">
+                <a:solidFill>
+                  <a:schemeClr val="tx1"/>
+                </a:solidFill>
+                <a:latin typeface="+mn-lt"/>
+                <a:ea typeface="+mn-ea"/>
+                <a:cs typeface="+mn-cs"/>
+              </a:defRPr>
+            </a:lvl7pPr>
+            <a:lvl8pPr marL="3429000" indent="-228600" algn="l" defTabSz="914400" rtl="0" eaLnBrk="1" latinLnBrk="1" hangingPunct="1">
+              <a:lnSpc>
+                <a:spcPct val="90000"/>
+              </a:lnSpc>
+              <a:spcBef>
+                <a:spcPts val="500"/>
+              </a:spcBef>
+              <a:buFont typeface="Arial" panose="020B0604020202020204" pitchFamily="34" charset="0"/>
+              <a:buChar char="•"/>
+              <a:defRPr sz="1800" kern="1200">
+                <a:solidFill>
+                  <a:schemeClr val="tx1"/>
+                </a:solidFill>
+                <a:latin typeface="+mn-lt"/>
+                <a:ea typeface="+mn-ea"/>
+                <a:cs typeface="+mn-cs"/>
+              </a:defRPr>
+            </a:lvl8pPr>
+            <a:lvl9pPr marL="3886200" indent="-228600" algn="l" defTabSz="914400" rtl="0" eaLnBrk="1" latinLnBrk="1" hangingPunct="1">
+              <a:lnSpc>
+                <a:spcPct val="90000"/>
+              </a:lnSpc>
+              <a:spcBef>
+                <a:spcPts val="500"/>
+              </a:spcBef>
+              <a:buFont typeface="Arial" panose="020B0604020202020204" pitchFamily="34" charset="0"/>
+              <a:buChar char="•"/>
+              <a:defRPr sz="1800" kern="1200">
+                <a:solidFill>
+                  <a:schemeClr val="tx1"/>
+                </a:solidFill>
+                <a:latin typeface="+mn-lt"/>
+                <a:ea typeface="+mn-ea"/>
+                <a:cs typeface="+mn-cs"/>
+              </a:defRPr>
+            </a:lvl9pPr>
+          </a:lstStyle>
+          <a:p>
+            <a:r>
+              <a:rPr lang="en-US" altLang="ko-KR" dirty="0" smtClean="0"/>
+              <a:t>Co-occurrence </a:t>
+            </a:r>
+          </a:p>
+          <a:p>
+            <a:pPr marL="457200" lvl="1" indent="0">
               <a:buNone/>
             </a:pPr>
             <a:r>
               <a:rPr lang="en-US" altLang="ko-KR" dirty="0" smtClean="0"/>
-              <a:t>The productivity challenge of traditional drug discovery, has sparked a renewed interest to DR, as an alternative approach to traditional drug discovery.</a:t>
-            </a:r>
-          </a:p>
-          <a:p>
-            <a:pPr marL="0" indent="0">
+              <a:t>Based on the notion that if two concepts are mentioned in the same body of text, they are possibly related to each other.</a:t>
+            </a:r>
+          </a:p>
+          <a:p>
+            <a:pPr marL="457200" lvl="1" indent="0">
               <a:buNone/>
             </a:pPr>
             <a:r>
               <a:rPr lang="en-US" altLang="ko-KR" dirty="0" smtClean="0"/>
-              <a:t>As research on a single topic may be spanning across many scientific disciplines and biomedical journals, it is increasingly difficult for scientists to follow all advances in their field of interest. </a:t>
-            </a:r>
-            <a:r>
-              <a:rPr lang="en-US" altLang="ko-KR" dirty="0" smtClean="0"/>
-              <a:t>Advances in literature </a:t>
-            </a:r>
-            <a:r>
-              <a:rPr lang="en-US" altLang="ko-KR" dirty="0" smtClean="0"/>
-              <a:t>mining have made it possible to infer relationships between biomedical concepts, even if they are not mentioned in the same abstract.</a:t>
-            </a:r>
-          </a:p>
-          <a:p>
-            <a:pPr marL="0" indent="0">
+              <a:t>But, There is the high rate of false-positive</a:t>
+            </a:r>
+          </a:p>
+          <a:p>
+            <a:pPr marL="457200" lvl="1" indent="0">
               <a:buNone/>
             </a:pPr>
+            <a:endParaRPr lang="en-US" altLang="ko-KR" dirty="0" smtClean="0"/>
+          </a:p>
+          <a:p>
+            <a:pPr marL="457200" lvl="1" indent="0">
+              <a:buNone/>
+            </a:pPr>
+            <a:endParaRPr lang="en-US" altLang="ko-KR" dirty="0" smtClean="0"/>
+          </a:p>
+          <a:p>
+            <a:pPr marL="228600" lvl="1">
+              <a:spcBef>
+                <a:spcPts val="1000"/>
+              </a:spcBef>
+            </a:pPr>
+            <a:r>
+              <a:rPr lang="en-US" altLang="ko-KR" dirty="0"/>
+              <a:t>NLP ( Natural Language Processing </a:t>
+            </a:r>
+            <a:r>
+              <a:rPr lang="en-US" altLang="ko-KR" dirty="0" smtClean="0"/>
+              <a:t>)</a:t>
+            </a:r>
             <a:endParaRPr lang="en-US" altLang="ko-KR" dirty="0"/>
           </a:p>
           <a:p>
-            <a:pPr marL="0" indent="0">
+            <a:pPr marL="457200" lvl="1" indent="0">
               <a:buNone/>
             </a:pPr>
             <a:r>
               <a:rPr lang="en-US" altLang="ko-KR" dirty="0" smtClean="0"/>
-              <a:t>Biomedical literature mining, especially the combination of efficient IE with LBD seems to be well suited as a strategy to generate scientific hypotheses related to finding new uses for existing drugs.</a:t>
-            </a:r>
-          </a:p>
-          <a:p>
-            <a:pPr marL="0" indent="0">
+              <a:t>Word </a:t>
+            </a:r>
+            <a:r>
+              <a:rPr lang="en-US" altLang="ko-KR" dirty="0"/>
+              <a:t>-&gt; sentence -&gt; building structure ( tree, </a:t>
+            </a:r>
+            <a:r>
+              <a:rPr lang="en-US" altLang="ko-KR" dirty="0" smtClean="0"/>
+              <a:t>category )</a:t>
+            </a:r>
+          </a:p>
+          <a:p>
+            <a:pPr marL="457200" lvl="1" indent="0">
               <a:buNone/>
             </a:pPr>
             <a:r>
               <a:rPr lang="en-US" altLang="ko-KR" dirty="0" smtClean="0"/>
-              <a:t>Ontologies capture domain knowledge, concepts and their relationships, and have been used to infer unknown relationships, </a:t>
-            </a:r>
-            <a:r>
-              <a:rPr lang="en-US" altLang="ko-KR" dirty="0" err="1" smtClean="0"/>
-              <a:t>throught</a:t>
-            </a:r>
-            <a:r>
-              <a:rPr lang="en-US" altLang="ko-KR" dirty="0" smtClean="0"/>
-              <a:t> automated reasoning , making them indispensable in drug repurposing.</a:t>
-            </a:r>
-          </a:p>
-          <a:p>
-            <a:pPr marL="0" indent="0">
+              <a:t>Better than co-occurrence as guidance.</a:t>
+            </a:r>
+            <a:endParaRPr lang="en-US" altLang="ko-KR" dirty="0"/>
+          </a:p>
+          <a:p>
+            <a:pPr marL="457200" lvl="1" indent="0">
               <a:buNone/>
             </a:pPr>
-            <a:r>
-              <a:rPr lang="en-US" altLang="ko-KR" dirty="0" smtClean="0"/>
-              <a:t>Visualization techniques in articles relevant to drug repurposing are either used to conceptualize an automatic algorithm for detection of an association of interest or simply act as an exploration tool to manually perform the </a:t>
-            </a:r>
-            <a:r>
-              <a:rPr lang="en-US" altLang="ko-KR" dirty="0" err="1" smtClean="0"/>
-              <a:t>dectection</a:t>
-            </a:r>
-            <a:r>
-              <a:rPr lang="en-US" altLang="ko-KR" dirty="0" smtClean="0"/>
-              <a:t>.</a:t>
-            </a:r>
+            <a:endParaRPr lang="en-US" altLang="ko-KR" dirty="0" smtClean="0"/>
           </a:p>
         </p:txBody>
       </p:sp>
     </p:spTree>
     <p:extLst>
       <p:ext uri="{BB962C8B-B14F-4D97-AF65-F5344CB8AC3E}">
-        <p14:creationId xmlns:p14="http://schemas.microsoft.com/office/powerpoint/2010/main" val="2989331739"/>
+        <p14:creationId xmlns:p14="http://schemas.microsoft.com/office/powerpoint/2010/main" val="2064772569"/>
       </p:ext>
     </p:extLst>
   </p:cSld>
   <p:clrMapOvr>
     <a:masterClrMapping/>
   </p:clrMapOvr>
+  <p:timing>
+    <p:tnLst>
+      <p:par>
+        <p:cTn id="1" dur="indefinite" restart="never" nodeType="tmRoot"/>
+      </p:par>
+    </p:tnLst>
+  </p:timing>
+</p:sld>
+</file>
+
+<file path=ppt/slides/slide9.xml><?xml version="1.0" encoding="utf-8"?>
+<p:sld xmlns:a="http://schemas.openxmlformats.org/drawingml/2006/main" xmlns:r="http://schemas.openxmlformats.org/officeDocument/2006/relationships" xmlns:p="http://schemas.openxmlformats.org/presentationml/2006/main">
+  <p:cSld>
+    <p:spTree>
+      <p:nvGrpSpPr>
+        <p:cNvPr id="1" name=""/>
+        <p:cNvGrpSpPr/>
+        <p:nvPr/>
+      </p:nvGrpSpPr>
+      <p:grpSpPr>
+        <a:xfrm>
+          <a:off x="0" y="0"/>
+          <a:ext cx="0" cy="0"/>
+          <a:chOff x="0" y="0"/>
+          <a:chExt cx="0" cy="0"/>
+        </a:xfrm>
+      </p:grpSpPr>
+      <p:sp>
+        <p:nvSpPr>
+          <p:cNvPr id="2" name="제목 1"/>
+          <p:cNvSpPr>
+            <a:spLocks noGrp="1"/>
+          </p:cNvSpPr>
+          <p:nvPr>
+            <p:ph type="title"/>
+          </p:nvPr>
+        </p:nvSpPr>
+        <p:spPr/>
+        <p:txBody>
+          <a:bodyPr/>
+          <a:lstStyle/>
+          <a:p>
+            <a:r>
+              <a:rPr lang="en-US" altLang="ko-KR" dirty="0"/>
+              <a:t>Semantic web technologies and ontologies</a:t>
+            </a:r>
+          </a:p>
+        </p:txBody>
+      </p:sp>
+      <p:sp>
+        <p:nvSpPr>
+          <p:cNvPr id="9" name="내용 개체 틀 2"/>
+          <p:cNvSpPr txBox="1">
+            <a:spLocks/>
+          </p:cNvSpPr>
+          <p:nvPr/>
+        </p:nvSpPr>
+        <p:spPr>
+          <a:xfrm>
+            <a:off x="994955" y="1972492"/>
+            <a:ext cx="10239102" cy="4139158"/>
+          </a:xfrm>
+          <a:prstGeom prst="rect">
+            <a:avLst/>
+          </a:prstGeom>
+        </p:spPr>
+        <p:txBody>
+          <a:bodyPr vert="horz" lIns="91440" tIns="45720" rIns="91440" bIns="45720" rtlCol="0">
+            <a:normAutofit/>
+          </a:bodyPr>
+          <a:lstStyle>
+            <a:lvl1pPr marL="228600" indent="-228600" algn="l" defTabSz="914400" rtl="0" eaLnBrk="1" latinLnBrk="1" hangingPunct="1">
+              <a:lnSpc>
+                <a:spcPct val="90000"/>
+              </a:lnSpc>
+              <a:spcBef>
+                <a:spcPts val="1000"/>
+              </a:spcBef>
+              <a:buFont typeface="Arial" panose="020B0604020202020204" pitchFamily="34" charset="0"/>
+              <a:buChar char="•"/>
+              <a:defRPr sz="2800" kern="1200">
+                <a:solidFill>
+                  <a:schemeClr val="tx1"/>
+                </a:solidFill>
+                <a:latin typeface="+mn-lt"/>
+                <a:ea typeface="+mn-ea"/>
+                <a:cs typeface="+mn-cs"/>
+              </a:defRPr>
+            </a:lvl1pPr>
+            <a:lvl2pPr marL="685800" indent="-228600" algn="l" defTabSz="914400" rtl="0" eaLnBrk="1" latinLnBrk="1" hangingPunct="1">
+              <a:lnSpc>
+                <a:spcPct val="90000"/>
+              </a:lnSpc>
+              <a:spcBef>
+                <a:spcPts val="500"/>
+              </a:spcBef>
+              <a:buFont typeface="Arial" panose="020B0604020202020204" pitchFamily="34" charset="0"/>
+              <a:buChar char="•"/>
+              <a:defRPr sz="2400" kern="1200">
+                <a:solidFill>
+                  <a:schemeClr val="tx1"/>
+                </a:solidFill>
+                <a:latin typeface="+mn-lt"/>
+                <a:ea typeface="+mn-ea"/>
+                <a:cs typeface="+mn-cs"/>
+              </a:defRPr>
+            </a:lvl2pPr>
+            <a:lvl3pPr marL="1143000" indent="-228600" algn="l" defTabSz="914400" rtl="0" eaLnBrk="1" latinLnBrk="1" hangingPunct="1">
+              <a:lnSpc>
+                <a:spcPct val="90000"/>
+              </a:lnSpc>
+              <a:spcBef>
+                <a:spcPts val="500"/>
+              </a:spcBef>
+              <a:buFont typeface="Arial" panose="020B0604020202020204" pitchFamily="34" charset="0"/>
+              <a:buChar char="•"/>
+              <a:defRPr sz="2000" kern="1200">
+                <a:solidFill>
+                  <a:schemeClr val="tx1"/>
+                </a:solidFill>
+                <a:latin typeface="+mn-lt"/>
+                <a:ea typeface="+mn-ea"/>
+                <a:cs typeface="+mn-cs"/>
+              </a:defRPr>
+            </a:lvl3pPr>
+            <a:lvl4pPr marL="1600200" indent="-228600" algn="l" defTabSz="914400" rtl="0" eaLnBrk="1" latinLnBrk="1" hangingPunct="1">
+              <a:lnSpc>
+                <a:spcPct val="90000"/>
+              </a:lnSpc>
+              <a:spcBef>
+                <a:spcPts val="500"/>
+              </a:spcBef>
+              <a:buFont typeface="Arial" panose="020B0604020202020204" pitchFamily="34" charset="0"/>
+              <a:buChar char="•"/>
+              <a:defRPr sz="1800" kern="1200">
+                <a:solidFill>
+                  <a:schemeClr val="tx1"/>
+                </a:solidFill>
+                <a:latin typeface="+mn-lt"/>
+                <a:ea typeface="+mn-ea"/>
+                <a:cs typeface="+mn-cs"/>
+              </a:defRPr>
+            </a:lvl4pPr>
+            <a:lvl5pPr marL="2057400" indent="-228600" algn="l" defTabSz="914400" rtl="0" eaLnBrk="1" latinLnBrk="1" hangingPunct="1">
+              <a:lnSpc>
+                <a:spcPct val="90000"/>
+              </a:lnSpc>
+              <a:spcBef>
+                <a:spcPts val="500"/>
+              </a:spcBef>
+              <a:buFont typeface="Arial" panose="020B0604020202020204" pitchFamily="34" charset="0"/>
+              <a:buChar char="•"/>
+              <a:defRPr sz="1800" kern="1200">
+                <a:solidFill>
+                  <a:schemeClr val="tx1"/>
+                </a:solidFill>
+                <a:latin typeface="+mn-lt"/>
+                <a:ea typeface="+mn-ea"/>
+                <a:cs typeface="+mn-cs"/>
+              </a:defRPr>
+            </a:lvl5pPr>
+            <a:lvl6pPr marL="2514600" indent="-228600" algn="l" defTabSz="914400" rtl="0" eaLnBrk="1" latinLnBrk="1" hangingPunct="1">
+              <a:lnSpc>
+                <a:spcPct val="90000"/>
+              </a:lnSpc>
+              <a:spcBef>
+                <a:spcPts val="500"/>
+              </a:spcBef>
+              <a:buFont typeface="Arial" panose="020B0604020202020204" pitchFamily="34" charset="0"/>
+              <a:buChar char="•"/>
+              <a:defRPr sz="1800" kern="1200">
+                <a:solidFill>
+                  <a:schemeClr val="tx1"/>
+                </a:solidFill>
+                <a:latin typeface="+mn-lt"/>
+                <a:ea typeface="+mn-ea"/>
+                <a:cs typeface="+mn-cs"/>
+              </a:defRPr>
+            </a:lvl6pPr>
+            <a:lvl7pPr marL="2971800" indent="-228600" algn="l" defTabSz="914400" rtl="0" eaLnBrk="1" latinLnBrk="1" hangingPunct="1">
+              <a:lnSpc>
+                <a:spcPct val="90000"/>
+              </a:lnSpc>
+              <a:spcBef>
+                <a:spcPts val="500"/>
+              </a:spcBef>
+              <a:buFont typeface="Arial" panose="020B0604020202020204" pitchFamily="34" charset="0"/>
+              <a:buChar char="•"/>
+              <a:defRPr sz="1800" kern="1200">
+                <a:solidFill>
+                  <a:schemeClr val="tx1"/>
+                </a:solidFill>
+                <a:latin typeface="+mn-lt"/>
+                <a:ea typeface="+mn-ea"/>
+                <a:cs typeface="+mn-cs"/>
+              </a:defRPr>
+            </a:lvl7pPr>
+            <a:lvl8pPr marL="3429000" indent="-228600" algn="l" defTabSz="914400" rtl="0" eaLnBrk="1" latinLnBrk="1" hangingPunct="1">
+              <a:lnSpc>
+                <a:spcPct val="90000"/>
+              </a:lnSpc>
+              <a:spcBef>
+                <a:spcPts val="500"/>
+              </a:spcBef>
+              <a:buFont typeface="Arial" panose="020B0604020202020204" pitchFamily="34" charset="0"/>
+              <a:buChar char="•"/>
+              <a:defRPr sz="1800" kern="1200">
+                <a:solidFill>
+                  <a:schemeClr val="tx1"/>
+                </a:solidFill>
+                <a:latin typeface="+mn-lt"/>
+                <a:ea typeface="+mn-ea"/>
+                <a:cs typeface="+mn-cs"/>
+              </a:defRPr>
+            </a:lvl8pPr>
+            <a:lvl9pPr marL="3886200" indent="-228600" algn="l" defTabSz="914400" rtl="0" eaLnBrk="1" latinLnBrk="1" hangingPunct="1">
+              <a:lnSpc>
+                <a:spcPct val="90000"/>
+              </a:lnSpc>
+              <a:spcBef>
+                <a:spcPts val="500"/>
+              </a:spcBef>
+              <a:buFont typeface="Arial" panose="020B0604020202020204" pitchFamily="34" charset="0"/>
+              <a:buChar char="•"/>
+              <a:defRPr sz="1800" kern="1200">
+                <a:solidFill>
+                  <a:schemeClr val="tx1"/>
+                </a:solidFill>
+                <a:latin typeface="+mn-lt"/>
+                <a:ea typeface="+mn-ea"/>
+                <a:cs typeface="+mn-cs"/>
+              </a:defRPr>
+            </a:lvl9pPr>
+          </a:lstStyle>
+          <a:p>
+            <a:endParaRPr lang="en-US" altLang="ko-KR" dirty="0"/>
+          </a:p>
+          <a:p>
+            <a:pPr marL="0" indent="0">
+              <a:buNone/>
+            </a:pPr>
+            <a:r>
+              <a:rPr lang="en-US" altLang="ko-KR" dirty="0" smtClean="0"/>
+              <a:t>Semantic web technologies, like OWL, RDF, are used as a means for formal description of concepts and relationships.</a:t>
+            </a:r>
+          </a:p>
+          <a:p>
+            <a:pPr marL="0" indent="0">
+              <a:buNone/>
+            </a:pPr>
+            <a:endParaRPr lang="en-US" altLang="ko-KR" dirty="0"/>
+          </a:p>
+          <a:p>
+            <a:pPr marL="0" indent="0">
+              <a:buNone/>
+            </a:pPr>
+            <a:r>
+              <a:rPr lang="en-US" altLang="ko-KR" dirty="0" smtClean="0"/>
+              <a:t>OWL : Ontology Web Language</a:t>
+            </a:r>
+          </a:p>
+          <a:p>
+            <a:pPr marL="0" indent="0">
+              <a:buNone/>
+            </a:pPr>
+            <a:endParaRPr lang="en-US" altLang="ko-KR" dirty="0" smtClean="0"/>
+          </a:p>
+          <a:p>
+            <a:pPr marL="0" indent="0">
+              <a:buNone/>
+            </a:pPr>
+            <a:r>
+              <a:rPr lang="en-US" altLang="ko-KR" dirty="0" smtClean="0"/>
+              <a:t>RDF : Resource Description Framework</a:t>
+            </a:r>
+          </a:p>
+          <a:p>
+            <a:pPr marL="0" indent="0">
+              <a:buNone/>
+            </a:pPr>
+            <a:r>
+              <a:rPr lang="en-US" altLang="ko-KR" dirty="0"/>
+              <a:t>	</a:t>
+            </a:r>
+            <a:r>
+              <a:rPr lang="en-US" altLang="ko-KR" sz="1800" dirty="0" smtClean="0"/>
+              <a:t>&lt;Subject, Predicate, Object&gt;</a:t>
+            </a:r>
+          </a:p>
+        </p:txBody>
+      </p:sp>
+    </p:spTree>
+    <p:extLst>
+      <p:ext uri="{BB962C8B-B14F-4D97-AF65-F5344CB8AC3E}">
+        <p14:creationId xmlns:p14="http://schemas.microsoft.com/office/powerpoint/2010/main" val="677162255"/>
+      </p:ext>
+    </p:extLst>
+  </p:cSld>
+  <p:clrMapOvr>
+    <a:masterClrMapping/>
+  </p:clrMapOvr>
+  <p:timing>
+    <p:tnLst>
+      <p:par>
+        <p:cTn id="1" dur="indefinite" restart="never" nodeType="tmRoot"/>
+      </p:par>
+    </p:tnLst>
+  </p:timing>
 </p:sld>
 </file>
 
@@ -4308,4 +9009,265 @@
     </a:ext>
   </a:extLst>
 </a:theme>
+</file>
+
+<file path=ppt/theme/theme2.xml><?xml version="1.0" encoding="utf-8"?>
+<a:theme xmlns:a="http://schemas.openxmlformats.org/drawingml/2006/main" name="Office 테마">
+  <a:themeElements>
+    <a:clrScheme name="Office">
+      <a:dk1>
+        <a:sysClr val="windowText" lastClr="000000"/>
+      </a:dk1>
+      <a:lt1>
+        <a:sysClr val="window" lastClr="FFFFFF"/>
+      </a:lt1>
+      <a:dk2>
+        <a:srgbClr val="44546A"/>
+      </a:dk2>
+      <a:lt2>
+        <a:srgbClr val="E7E6E6"/>
+      </a:lt2>
+      <a:accent1>
+        <a:srgbClr val="5B9BD5"/>
+      </a:accent1>
+      <a:accent2>
+        <a:srgbClr val="ED7D31"/>
+      </a:accent2>
+      <a:accent3>
+        <a:srgbClr val="A5A5A5"/>
+      </a:accent3>
+      <a:accent4>
+        <a:srgbClr val="FFC000"/>
+      </a:accent4>
+      <a:accent5>
+        <a:srgbClr val="4472C4"/>
+      </a:accent5>
+      <a:accent6>
+        <a:srgbClr val="70AD47"/>
+      </a:accent6>
+      <a:hlink>
+        <a:srgbClr val="0563C1"/>
+      </a:hlink>
+      <a:folHlink>
+        <a:srgbClr val="954F72"/>
+      </a:folHlink>
+    </a:clrScheme>
+    <a:fontScheme name="Office">
+      <a:majorFont>
+        <a:latin typeface="맑은 고딕" panose="020F0302020204030204"/>
+        <a:ea typeface=""/>
+        <a:cs typeface=""/>
+        <a:font script="Jpan" typeface="ＭＳ Ｐゴシック"/>
+        <a:font script="Hang" typeface="맑은 고딕"/>
+        <a:font script="Hans" typeface="宋体"/>
+        <a:font script="Hant" typeface="新細明體"/>
+        <a:font script="Arab" typeface="Times New Roman"/>
+        <a:font script="Hebr" typeface="Times New Roman"/>
+        <a:font script="Thai" typeface="Angsana New"/>
+        <a:font script="Ethi" typeface="Nyala"/>
+        <a:font script="Beng" typeface="Vrinda"/>
+        <a:font script="Gujr" typeface="Shruti"/>
+        <a:font script="Khmr" typeface="MoolBoran"/>
+        <a:font script="Knda" typeface="Tunga"/>
+        <a:font script="Guru" typeface="Raavi"/>
+        <a:font script="Cans" typeface="Euphemia"/>
+        <a:font script="Cher" typeface="Plantagenet Cherokee"/>
+        <a:font script="Yiii" typeface="Microsoft Yi Baiti"/>
+        <a:font script="Tibt" typeface="Microsoft Himalaya"/>
+        <a:font script="Thaa" typeface="MV Boli"/>
+        <a:font script="Deva" typeface="Mangal"/>
+        <a:font script="Telu" typeface="Gautami"/>
+        <a:font script="Taml" typeface="Latha"/>
+        <a:font script="Syrc" typeface="Estrangelo Edessa"/>
+        <a:font script="Orya" typeface="Kalinga"/>
+        <a:font script="Mlym" typeface="Kartika"/>
+        <a:font script="Laoo" typeface="DokChampa"/>
+        <a:font script="Sinh" typeface="Iskoola Pota"/>
+        <a:font script="Mong" typeface="Mongolian Baiti"/>
+        <a:font script="Viet" typeface="Times New Roman"/>
+        <a:font script="Uigh" typeface="Microsoft Uighur"/>
+        <a:font script="Geor" typeface="Sylfaen"/>
+      </a:majorFont>
+      <a:minorFont>
+        <a:latin typeface="맑은 고딕" panose="020F0502020204030204"/>
+        <a:ea typeface=""/>
+        <a:cs typeface=""/>
+        <a:font script="Jpan" typeface="ＭＳ Ｐゴシック"/>
+        <a:font script="Hang" typeface="맑은 고딕"/>
+        <a:font script="Hans" typeface="宋体"/>
+        <a:font script="Hant" typeface="新細明體"/>
+        <a:font script="Arab" typeface="Arial"/>
+        <a:font script="Hebr" typeface="Arial"/>
+        <a:font script="Thai" typeface="Cordia New"/>
+        <a:font script="Ethi" typeface="Nyala"/>
+        <a:font script="Beng" typeface="Vrinda"/>
+        <a:font script="Gujr" typeface="Shruti"/>
+        <a:font script="Khmr" typeface="DaunPenh"/>
+        <a:font script="Knda" typeface="Tunga"/>
+        <a:font script="Guru" typeface="Raavi"/>
+        <a:font script="Cans" typeface="Euphemia"/>
+        <a:font script="Cher" typeface="Plantagenet Cherokee"/>
+        <a:font script="Yiii" typeface="Microsoft Yi Baiti"/>
+        <a:font script="Tibt" typeface="Microsoft Himalaya"/>
+        <a:font script="Thaa" typeface="MV Boli"/>
+        <a:font script="Deva" typeface="Mangal"/>
+        <a:font script="Telu" typeface="Gautami"/>
+        <a:font script="Taml" typeface="Latha"/>
+        <a:font script="Syrc" typeface="Estrangelo Edessa"/>
+        <a:font script="Orya" typeface="Kalinga"/>
+        <a:font script="Mlym" typeface="Kartika"/>
+        <a:font script="Laoo" typeface="DokChampa"/>
+        <a:font script="Sinh" typeface="Iskoola Pota"/>
+        <a:font script="Mong" typeface="Mongolian Baiti"/>
+        <a:font script="Viet" typeface="Arial"/>
+        <a:font script="Uigh" typeface="Microsoft Uighur"/>
+        <a:font script="Geor" typeface="Sylfaen"/>
+      </a:minorFont>
+    </a:fontScheme>
+    <a:fmtScheme name="Office">
+      <a:fillStyleLst>
+        <a:solidFill>
+          <a:schemeClr val="phClr"/>
+        </a:solidFill>
+        <a:gradFill rotWithShape="1">
+          <a:gsLst>
+            <a:gs pos="0">
+              <a:schemeClr val="phClr">
+                <a:lumMod val="110000"/>
+                <a:satMod val="105000"/>
+                <a:tint val="67000"/>
+              </a:schemeClr>
+            </a:gs>
+            <a:gs pos="50000">
+              <a:schemeClr val="phClr">
+                <a:lumMod val="105000"/>
+                <a:satMod val="103000"/>
+                <a:tint val="73000"/>
+              </a:schemeClr>
+            </a:gs>
+            <a:gs pos="100000">
+              <a:schemeClr val="phClr">
+                <a:lumMod val="105000"/>
+                <a:satMod val="109000"/>
+                <a:tint val="81000"/>
+              </a:schemeClr>
+            </a:gs>
+          </a:gsLst>
+          <a:lin ang="5400000" scaled="0"/>
+        </a:gradFill>
+        <a:gradFill rotWithShape="1">
+          <a:gsLst>
+            <a:gs pos="0">
+              <a:schemeClr val="phClr">
+                <a:satMod val="103000"/>
+                <a:lumMod val="102000"/>
+                <a:tint val="94000"/>
+              </a:schemeClr>
+            </a:gs>
+            <a:gs pos="50000">
+              <a:schemeClr val="phClr">
+                <a:satMod val="110000"/>
+                <a:lumMod val="100000"/>
+                <a:shade val="100000"/>
+              </a:schemeClr>
+            </a:gs>
+            <a:gs pos="100000">
+              <a:schemeClr val="phClr">
+                <a:lumMod val="99000"/>
+                <a:satMod val="120000"/>
+                <a:shade val="78000"/>
+              </a:schemeClr>
+            </a:gs>
+          </a:gsLst>
+          <a:lin ang="5400000" scaled="0"/>
+        </a:gradFill>
+      </a:fillStyleLst>
+      <a:lnStyleLst>
+        <a:ln w="6350" cap="flat" cmpd="sng" algn="ctr">
+          <a:solidFill>
+            <a:schemeClr val="phClr"/>
+          </a:solidFill>
+          <a:prstDash val="solid"/>
+          <a:miter lim="800000"/>
+        </a:ln>
+        <a:ln w="12700" cap="flat" cmpd="sng" algn="ctr">
+          <a:solidFill>
+            <a:schemeClr val="phClr"/>
+          </a:solidFill>
+          <a:prstDash val="solid"/>
+          <a:miter lim="800000"/>
+        </a:ln>
+        <a:ln w="19050" cap="flat" cmpd="sng" algn="ctr">
+          <a:solidFill>
+            <a:schemeClr val="phClr"/>
+          </a:solidFill>
+          <a:prstDash val="solid"/>
+          <a:miter lim="800000"/>
+        </a:ln>
+      </a:lnStyleLst>
+      <a:effectStyleLst>
+        <a:effectStyle>
+          <a:effectLst/>
+        </a:effectStyle>
+        <a:effectStyle>
+          <a:effectLst/>
+        </a:effectStyle>
+        <a:effectStyle>
+          <a:effectLst>
+            <a:outerShdw blurRad="57150" dist="19050" dir="5400000" algn="ctr" rotWithShape="0">
+              <a:srgbClr val="000000">
+                <a:alpha val="63000"/>
+              </a:srgbClr>
+            </a:outerShdw>
+          </a:effectLst>
+        </a:effectStyle>
+      </a:effectStyleLst>
+      <a:bgFillStyleLst>
+        <a:solidFill>
+          <a:schemeClr val="phClr"/>
+        </a:solidFill>
+        <a:solidFill>
+          <a:schemeClr val="phClr">
+            <a:tint val="95000"/>
+            <a:satMod val="170000"/>
+          </a:schemeClr>
+        </a:solidFill>
+        <a:gradFill rotWithShape="1">
+          <a:gsLst>
+            <a:gs pos="0">
+              <a:schemeClr val="phClr">
+                <a:tint val="93000"/>
+                <a:satMod val="150000"/>
+                <a:shade val="98000"/>
+                <a:lumMod val="102000"/>
+              </a:schemeClr>
+            </a:gs>
+            <a:gs pos="50000">
+              <a:schemeClr val="phClr">
+                <a:tint val="98000"/>
+                <a:satMod val="130000"/>
+                <a:shade val="90000"/>
+                <a:lumMod val="103000"/>
+              </a:schemeClr>
+            </a:gs>
+            <a:gs pos="100000">
+              <a:schemeClr val="phClr">
+                <a:shade val="63000"/>
+                <a:satMod val="120000"/>
+              </a:schemeClr>
+            </a:gs>
+          </a:gsLst>
+          <a:lin ang="5400000" scaled="0"/>
+        </a:gradFill>
+      </a:bgFillStyleLst>
+    </a:fmtScheme>
+  </a:themeElements>
+  <a:objectDefaults/>
+  <a:extraClrSchemeLst/>
+  <a:extLst>
+    <a:ext uri="{05A4C25C-085E-4340-85A3-A5531E510DB2}">
+      <thm15:themeFamily xmlns:thm15="http://schemas.microsoft.com/office/thememl/2012/main" name="Office Theme" id="{62F939B6-93AF-4DB8-9C6B-D6C7DFDC589F}" vid="{4A3C46E8-61CC-4603-A589-7422A47A8E4A}"/>
+    </a:ext>
+  </a:extLst>
+</a:theme>
 </file>
--- a/Review/[3] Literature mining, ontologies and information visualization for drug repurposing/Literature mining, ontologies and information visualization for.pptx
+++ b/Review/[3] Literature mining, ontologies and information visualization for drug repurposing/Literature mining, ontologies and information visualization for.pptx
@@ -522,20 +522,16 @@
           <a:lstStyle/>
           <a:p>
             <a:r>
-              <a:rPr lang="en-US" altLang="ko-KR" smtClean="0"/>
+              <a:rPr lang="en-US" altLang="ko-KR" dirty="0" smtClean="0"/>
               <a:t>Literature</a:t>
             </a:r>
             <a:r>
-              <a:rPr lang="en-US" altLang="ko-KR" baseline="0" smtClean="0"/>
+              <a:rPr lang="en-US" altLang="ko-KR" baseline="0" dirty="0" smtClean="0"/>
               <a:t> mining</a:t>
             </a:r>
             <a:r>
-              <a:rPr lang="ko-KR" altLang="en-US" baseline="0" smtClean="0"/>
-              <a:t>을 </a:t>
-            </a:r>
-            <a:r>
               <a:rPr lang="ko-KR" altLang="en-US" baseline="0" dirty="0" smtClean="0"/>
-              <a:t>어떻게 진행하고</a:t>
+              <a:t>을 어떻게 진행하고</a:t>
             </a:r>
             <a:endParaRPr lang="en-US" altLang="ko-KR" baseline="0" dirty="0" smtClean="0"/>
           </a:p>
@@ -634,6 +630,57 @@
           <a:p>
             <a:r>
               <a:rPr lang="en-US" altLang="ko-KR" dirty="0" smtClean="0"/>
+              <a:t>*** PubMed</a:t>
+            </a:r>
+            <a:r>
+              <a:rPr lang="ko-KR" altLang="en-US" dirty="0" smtClean="0"/>
+              <a:t>엔 </a:t>
+            </a:r>
+            <a:r>
+              <a:rPr lang="en-US" altLang="ko-KR" dirty="0" smtClean="0"/>
+              <a:t>Literature</a:t>
+            </a:r>
+            <a:r>
+              <a:rPr lang="ko-KR" altLang="en-US" dirty="0" smtClean="0"/>
+              <a:t>가 주이기 때문에</a:t>
+            </a:r>
+            <a:endParaRPr lang="en-US" altLang="ko-KR" dirty="0" smtClean="0"/>
+          </a:p>
+          <a:p>
+            <a:r>
+              <a:rPr lang="en-US" altLang="ko-KR" dirty="0" smtClean="0"/>
+              <a:t>Literature</a:t>
+            </a:r>
+            <a:r>
+              <a:rPr lang="ko-KR" altLang="en-US" dirty="0" smtClean="0"/>
+              <a:t>와 </a:t>
+            </a:r>
+            <a:r>
+              <a:rPr lang="en-US" altLang="ko-KR" dirty="0" smtClean="0"/>
+              <a:t>Ontology</a:t>
+            </a:r>
+            <a:r>
+              <a:rPr lang="ko-KR" altLang="en-US" dirty="0" smtClean="0"/>
+              <a:t>를 나누어 </a:t>
+            </a:r>
+            <a:r>
+              <a:rPr lang="ko-KR" altLang="en-US" dirty="0" err="1" smtClean="0"/>
+              <a:t>봐야해</a:t>
+            </a:r>
+            <a:endParaRPr lang="en-US" altLang="ko-KR" dirty="0" smtClean="0"/>
+          </a:p>
+          <a:p>
+            <a:endParaRPr lang="en-US" altLang="ko-KR" dirty="0" smtClean="0"/>
+          </a:p>
+          <a:p>
+            <a:endParaRPr lang="en-US" altLang="ko-KR" dirty="0" smtClean="0"/>
+          </a:p>
+          <a:p>
+            <a:endParaRPr lang="en-US" altLang="ko-KR" dirty="0" smtClean="0"/>
+          </a:p>
+          <a:p>
+            <a:r>
+              <a:rPr lang="en-US" altLang="ko-KR" dirty="0" smtClean="0"/>
               <a:t>co-</a:t>
             </a:r>
             <a:r>
@@ -948,6 +995,148 @@
           <a:bodyPr/>
           <a:lstStyle/>
           <a:p>
+            <a:r>
+              <a:rPr lang="ko-KR" altLang="en-US" dirty="0" smtClean="0"/>
+              <a:t>더 정확한 증상을 </a:t>
+            </a:r>
+            <a:r>
+              <a:rPr lang="ko-KR" altLang="en-US" dirty="0" err="1" smtClean="0"/>
+              <a:t>근거있게</a:t>
+            </a:r>
+            <a:r>
+              <a:rPr lang="ko-KR" altLang="en-US" dirty="0" smtClean="0"/>
+              <a:t> 예측할 수 있거나 부작용으로 이끄는 </a:t>
+            </a:r>
+            <a:r>
+              <a:rPr lang="en-US" altLang="ko-KR" dirty="0" smtClean="0"/>
+              <a:t>signaling pathway</a:t>
+            </a:r>
+            <a:r>
+              <a:rPr lang="ko-KR" altLang="en-US" dirty="0" smtClean="0"/>
+              <a:t>를 피할 수 있을 것이다</a:t>
+            </a:r>
+            <a:r>
+              <a:rPr lang="en-US" altLang="ko-KR" dirty="0" smtClean="0"/>
+              <a:t>.</a:t>
+            </a:r>
+          </a:p>
+          <a:p>
+            <a:endParaRPr lang="en-US" altLang="ko-KR" dirty="0" smtClean="0"/>
+          </a:p>
+          <a:p>
+            <a:r>
+              <a:rPr lang="ko-KR" altLang="en-US" dirty="0" smtClean="0"/>
+              <a:t>그리고 </a:t>
+            </a:r>
+            <a:r>
+              <a:rPr lang="en-US" altLang="ko-KR" dirty="0" smtClean="0"/>
+              <a:t>DR </a:t>
+            </a:r>
+            <a:r>
+              <a:rPr lang="ko-KR" altLang="en-US" dirty="0" smtClean="0"/>
+              <a:t>과정에서 중요한 점은</a:t>
+            </a:r>
+            <a:endParaRPr lang="en-US" altLang="ko-KR" dirty="0" smtClean="0"/>
+          </a:p>
+          <a:p>
+            <a:r>
+              <a:rPr lang="en-US" altLang="ko-KR" dirty="0" smtClean="0"/>
+              <a:t>1. </a:t>
+            </a:r>
+            <a:r>
+              <a:rPr lang="ko-KR" altLang="en-US" dirty="0" smtClean="0"/>
+              <a:t>모든 가설은 전문가에 의해 직접 만들어져야 한다</a:t>
+            </a:r>
+            <a:r>
+              <a:rPr lang="en-US" altLang="ko-KR" dirty="0" smtClean="0"/>
+              <a:t>.</a:t>
+            </a:r>
+          </a:p>
+          <a:p>
+            <a:r>
+              <a:rPr lang="ko-KR" altLang="en-US" dirty="0" smtClean="0"/>
+              <a:t>전문가가 직접 수행함으로써</a:t>
+            </a:r>
+            <a:r>
+              <a:rPr lang="en-US" altLang="ko-KR" dirty="0" smtClean="0"/>
+              <a:t>, </a:t>
+            </a:r>
+            <a:r>
+              <a:rPr lang="ko-KR" altLang="en-US" dirty="0" smtClean="0"/>
+              <a:t>불확실성이 줄어들고</a:t>
+            </a:r>
+            <a:r>
+              <a:rPr lang="en-US" altLang="ko-KR" dirty="0" smtClean="0"/>
+              <a:t>, novel association</a:t>
+            </a:r>
+            <a:r>
+              <a:rPr lang="ko-KR" altLang="en-US" dirty="0" smtClean="0"/>
+              <a:t>과 연관된 다른 </a:t>
+            </a:r>
+            <a:r>
+              <a:rPr lang="en-US" altLang="ko-KR" dirty="0" smtClean="0"/>
+              <a:t>parameters</a:t>
+            </a:r>
+            <a:r>
+              <a:rPr lang="ko-KR" altLang="en-US" dirty="0" smtClean="0"/>
+              <a:t>들을 고려 할 수 있다</a:t>
+            </a:r>
+            <a:r>
+              <a:rPr lang="en-US" altLang="ko-KR" dirty="0" smtClean="0"/>
+              <a:t>.</a:t>
+            </a:r>
+          </a:p>
+          <a:p>
+            <a:r>
+              <a:rPr lang="en-US" altLang="ko-KR" dirty="0" smtClean="0"/>
+              <a:t>2. </a:t>
+            </a:r>
+            <a:r>
+              <a:rPr lang="ko-KR" altLang="en-US" dirty="0" smtClean="0"/>
+              <a:t>유해반응이 발생한다는 가능성이 없다고 가정해선 </a:t>
+            </a:r>
+            <a:r>
+              <a:rPr lang="ko-KR" altLang="en-US" dirty="0" err="1" smtClean="0"/>
+              <a:t>안된다</a:t>
+            </a:r>
+            <a:r>
+              <a:rPr lang="en-US" altLang="ko-KR" dirty="0" smtClean="0"/>
+              <a:t>.</a:t>
+            </a:r>
+          </a:p>
+          <a:p>
+            <a:r>
+              <a:rPr lang="ko-KR" altLang="en-US" dirty="0" smtClean="0"/>
+              <a:t>이미 기존의 있는 </a:t>
+            </a:r>
+            <a:r>
+              <a:rPr lang="en-US" altLang="ko-KR" dirty="0" smtClean="0"/>
+              <a:t>drugs</a:t>
+            </a:r>
+            <a:r>
+              <a:rPr lang="ko-KR" altLang="en-US" dirty="0" smtClean="0"/>
+              <a:t>를 이용해 수행하는 것이기 때문에</a:t>
+            </a:r>
+            <a:r>
+              <a:rPr lang="en-US" altLang="ko-KR" dirty="0" smtClean="0"/>
+              <a:t>, </a:t>
+            </a:r>
+            <a:r>
+              <a:rPr lang="ko-KR" altLang="en-US" dirty="0" smtClean="0"/>
+              <a:t>모든 안전성 검사가 되어있더라도</a:t>
+            </a:r>
+            <a:r>
+              <a:rPr lang="en-US" altLang="ko-KR" dirty="0" smtClean="0"/>
+              <a:t>, </a:t>
+            </a:r>
+            <a:r>
+              <a:rPr lang="ko-KR" altLang="en-US" dirty="0" smtClean="0"/>
+              <a:t>부작용이 발생하지 않는다는 것은 아니다</a:t>
+            </a:r>
+            <a:r>
+              <a:rPr lang="en-US" altLang="ko-KR" dirty="0" smtClean="0"/>
+              <a:t>.</a:t>
+            </a:r>
             <a:endParaRPr lang="ko-KR" altLang="en-US" dirty="0"/>
           </a:p>
         </p:txBody>
@@ -1599,15 +1788,15 @@
             </a:r>
             <a:r>
               <a:rPr lang="ko-KR" altLang="en-US" dirty="0" smtClean="0"/>
-              <a:t>의 </a:t>
-            </a:r>
-            <a:r>
-              <a:rPr lang="ko-KR" altLang="en-US" dirty="0" err="1" smtClean="0"/>
-              <a:t>단계중</a:t>
+              <a:t>의 필수</a:t>
+            </a:r>
+            <a:r>
+              <a:rPr lang="ko-KR" altLang="en-US" baseline="0" dirty="0" smtClean="0"/>
+              <a:t> 조건으로</a:t>
             </a:r>
             <a:r>
               <a:rPr lang="ko-KR" altLang="en-US" dirty="0" smtClean="0"/>
-              <a:t> 하나로써 </a:t>
+              <a:t>써 </a:t>
             </a:r>
             <a:r>
               <a:rPr lang="en-US" altLang="ko-KR" dirty="0" smtClean="0"/>
@@ -1635,6 +1824,9 @@
             </a:r>
           </a:p>
           <a:p>
+            <a:endParaRPr lang="en-US" altLang="ko-KR" dirty="0" smtClean="0"/>
+          </a:p>
+          <a:p>
             <a:r>
               <a:rPr lang="en-US" altLang="ko-KR" dirty="0" smtClean="0"/>
               <a:t>UMLS</a:t>
@@ -1649,7 +1841,36 @@
             </a:r>
             <a:r>
               <a:rPr lang="ko-KR" altLang="en-US" dirty="0" smtClean="0"/>
-              <a:t>같은 사전</a:t>
+              <a:t>같은 사전에서 용어를 식별함</a:t>
+            </a:r>
+            <a:r>
+              <a:rPr lang="en-US" altLang="ko-KR" dirty="0" smtClean="0"/>
+              <a:t>.</a:t>
+            </a:r>
+          </a:p>
+          <a:p>
+            <a:endParaRPr lang="en-US" altLang="ko-KR" dirty="0" smtClean="0"/>
+          </a:p>
+          <a:p>
+            <a:r>
+              <a:rPr lang="ko-KR" altLang="en-US" dirty="0" smtClean="0"/>
+              <a:t>동의어나 다의성</a:t>
+            </a:r>
+            <a:r>
+              <a:rPr lang="en-US" altLang="ko-KR" dirty="0" smtClean="0"/>
+              <a:t>,</a:t>
+            </a:r>
+            <a:r>
+              <a:rPr lang="en-US" altLang="ko-KR" baseline="0" dirty="0" smtClean="0"/>
+              <a:t> </a:t>
+            </a:r>
+            <a:r>
+              <a:rPr lang="ko-KR" altLang="en-US" baseline="0" dirty="0" smtClean="0"/>
+              <a:t>그리고 부족한 용어 표준화 때문에 상당히 어려운 과정이라고 함</a:t>
+            </a:r>
+            <a:r>
+              <a:rPr lang="en-US" altLang="ko-KR" baseline="0" dirty="0" smtClean="0"/>
+              <a:t>.,</a:t>
             </a:r>
             <a:endParaRPr lang="en-US" altLang="ko-KR" dirty="0" smtClean="0"/>
           </a:p>
@@ -1800,9 +2021,17 @@
             </a:r>
           </a:p>
           <a:p>
-            <a:pPr marL="228600" indent="-228600">
-              <a:buAutoNum type="arabicPeriod"/>
+            <a:pPr marL="0" indent="0">
+              <a:buNone/>
             </a:pPr>
+            <a:r>
+              <a:rPr lang="en-US" altLang="ko-KR" dirty="0" smtClean="0"/>
+              <a:t>1.</a:t>
+            </a:r>
+            <a:r>
+              <a:rPr lang="en-US" altLang="ko-KR" baseline="0" dirty="0" smtClean="0"/>
+              <a:t> </a:t>
+            </a:r>
             <a:r>
               <a:rPr lang="en-US" altLang="ko-KR" dirty="0" smtClean="0"/>
               <a:t>Tokenized word</a:t>
@@ -1926,48 +2155,6 @@
               <a:rPr lang="en-US" altLang="ko-KR" dirty="0" smtClean="0"/>
               <a:t>.</a:t>
             </a:r>
-          </a:p>
-          <a:p>
-            <a:pPr marL="0" indent="0">
-              <a:buNone/>
-            </a:pPr>
-            <a:endParaRPr lang="en-US" altLang="ko-KR" dirty="0" smtClean="0"/>
-          </a:p>
-          <a:p>
-            <a:pPr marL="0" indent="0">
-              <a:buNone/>
-            </a:pPr>
-            <a:r>
-              <a:rPr lang="ko-KR" altLang="en-US" dirty="0" smtClean="0"/>
-              <a:t>근데 이 </a:t>
-            </a:r>
-            <a:r>
-              <a:rPr lang="en-US" altLang="ko-KR" dirty="0" smtClean="0"/>
-              <a:t>Literature</a:t>
-            </a:r>
-            <a:r>
-              <a:rPr lang="en-US" altLang="ko-KR" baseline="0" dirty="0" smtClean="0"/>
-              <a:t> Mining</a:t>
-            </a:r>
-            <a:r>
-              <a:rPr lang="ko-KR" altLang="en-US" baseline="0" dirty="0" smtClean="0"/>
-              <a:t>을 어떤 데이터를 이용해 진행하느냐</a:t>
-            </a:r>
-            <a:endParaRPr lang="en-US" altLang="ko-KR" baseline="0" dirty="0" smtClean="0"/>
-          </a:p>
-          <a:p>
-            <a:pPr marL="0" indent="0">
-              <a:buNone/>
-            </a:pPr>
-            <a:r>
-              <a:rPr lang="en-US" altLang="ko-KR" baseline="0" dirty="0" err="1" smtClean="0"/>
-              <a:t>Pubmed</a:t>
-            </a:r>
-            <a:r>
-              <a:rPr lang="ko-KR" altLang="en-US" baseline="0" dirty="0" smtClean="0"/>
-              <a:t>라는 부분이 나옵니다</a:t>
-            </a:r>
-            <a:endParaRPr lang="en-US" altLang="ko-KR" dirty="0" smtClean="0"/>
           </a:p>
         </p:txBody>
       </p:sp>
@@ -2076,6 +2263,15 @@
               <a:t>.</a:t>
             </a:r>
           </a:p>
+          <a:p>
+            <a:endParaRPr lang="en-US" altLang="ko-KR" dirty="0" smtClean="0"/>
+          </a:p>
+          <a:p>
+            <a:r>
+              <a:rPr lang="en-US" altLang="ko-KR" dirty="0" smtClean="0"/>
+              <a:t>RDF</a:t>
+            </a:r>
+          </a:p>
         </p:txBody>
       </p:sp>
       <p:sp>
@@ -2194,7 +2390,112 @@
               <a:rPr lang="en-US" altLang="ko-KR" baseline="0" dirty="0" smtClean="0"/>
               <a:t>.</a:t>
             </a:r>
-            <a:endParaRPr lang="ko-KR" altLang="en-US" dirty="0"/>
+          </a:p>
+          <a:p>
+            <a:endParaRPr lang="en-US" altLang="ko-KR" baseline="0" dirty="0" smtClean="0"/>
+          </a:p>
+          <a:p>
+            <a:r>
+              <a:rPr lang="en-US" altLang="ko-KR" dirty="0" smtClean="0"/>
+              <a:t>Gene</a:t>
+            </a:r>
+            <a:r>
+              <a:rPr lang="en-US" altLang="ko-KR" baseline="0" dirty="0" smtClean="0"/>
+              <a:t> Ontology</a:t>
+            </a:r>
+            <a:r>
+              <a:rPr lang="ko-KR" altLang="en-US" baseline="0" dirty="0" smtClean="0"/>
+              <a:t>는 </a:t>
+            </a:r>
+            <a:r>
+              <a:rPr lang="en-US" altLang="ko-KR" baseline="0" dirty="0" smtClean="0"/>
+              <a:t>Biology model</a:t>
+            </a:r>
+            <a:r>
+              <a:rPr lang="ko-KR" altLang="en-US" baseline="0" dirty="0" smtClean="0"/>
+              <a:t>을 위한 </a:t>
+            </a:r>
+            <a:r>
+              <a:rPr lang="en-US" altLang="ko-KR" baseline="0" dirty="0" smtClean="0"/>
+              <a:t>framework.</a:t>
+            </a:r>
+          </a:p>
+          <a:p>
+            <a:r>
+              <a:rPr lang="en-US" altLang="ko-KR" sz="1200" b="1" i="0" kern="1200" dirty="0" smtClean="0">
+                <a:solidFill>
+                  <a:schemeClr val="tx1"/>
+                </a:solidFill>
+                <a:effectLst/>
+                <a:latin typeface="+mn-lt"/>
+                <a:ea typeface="+mn-ea"/>
+                <a:cs typeface="+mn-cs"/>
+              </a:rPr>
+              <a:t>molecular function</a:t>
+            </a:r>
+          </a:p>
+          <a:p>
+            <a:r>
+              <a:rPr lang="en-US" altLang="ko-KR" sz="1200" b="1" i="0" kern="1200" dirty="0" smtClean="0">
+                <a:solidFill>
+                  <a:schemeClr val="tx1"/>
+                </a:solidFill>
+                <a:effectLst/>
+                <a:latin typeface="+mn-lt"/>
+                <a:ea typeface="+mn-ea"/>
+                <a:cs typeface="+mn-cs"/>
+              </a:rPr>
+              <a:t>cellular component</a:t>
+            </a:r>
+          </a:p>
+          <a:p>
+            <a:r>
+              <a:rPr lang="en-US" altLang="ko-KR" sz="1200" b="1" i="0" kern="1200" dirty="0" smtClean="0">
+                <a:solidFill>
+                  <a:schemeClr val="tx1"/>
+                </a:solidFill>
+                <a:effectLst/>
+                <a:latin typeface="+mn-lt"/>
+                <a:ea typeface="+mn-ea"/>
+                <a:cs typeface="+mn-cs"/>
+              </a:rPr>
+              <a:t>biological process</a:t>
+            </a:r>
+            <a:r>
+              <a:rPr lang="ko-KR" altLang="en-US" sz="1200" b="0" i="0" kern="1200" baseline="0" dirty="0" smtClean="0">
+                <a:solidFill>
+                  <a:schemeClr val="tx1"/>
+                </a:solidFill>
+                <a:effectLst/>
+                <a:latin typeface="+mn-lt"/>
+                <a:ea typeface="+mn-ea"/>
+                <a:cs typeface="+mn-cs"/>
+              </a:rPr>
+              <a:t> 에  대한 정보를 가지고 있다</a:t>
+            </a:r>
+            <a:r>
+              <a:rPr lang="en-US" altLang="ko-KR" sz="1200" b="0" i="0" kern="1200" baseline="0" dirty="0" smtClean="0">
+                <a:solidFill>
+                  <a:schemeClr val="tx1"/>
+                </a:solidFill>
+                <a:effectLst/>
+                <a:latin typeface="+mn-lt"/>
+                <a:ea typeface="+mn-ea"/>
+                <a:cs typeface="+mn-cs"/>
+              </a:rPr>
+              <a:t>.</a:t>
+            </a:r>
+          </a:p>
+          <a:p>
+            <a:endParaRPr lang="en-US" altLang="ko-KR" sz="1200" b="1" i="0" kern="1200" dirty="0" smtClean="0">
+              <a:solidFill>
+                <a:schemeClr val="tx1"/>
+              </a:solidFill>
+              <a:effectLst/>
+              <a:latin typeface="+mn-lt"/>
+              <a:ea typeface="+mn-ea"/>
+              <a:cs typeface="+mn-cs"/>
+            </a:endParaRPr>
           </a:p>
         </p:txBody>
       </p:sp>
@@ -2280,38 +2581,61 @@
           <a:p>
             <a:r>
               <a:rPr lang="ko-KR" altLang="en-US" dirty="0" smtClean="0"/>
-              <a:t>가장 많이 사용되는 </a:t>
-            </a:r>
-            <a:r>
-              <a:rPr lang="en-US" altLang="ko-KR" dirty="0" err="1" smtClean="0"/>
-              <a:t>ontolgy</a:t>
-            </a:r>
+              <a:t>하지만 한계점도 존재한다</a:t>
+            </a:r>
+            <a:r>
+              <a:rPr lang="en-US" altLang="ko-KR" dirty="0" smtClean="0"/>
+              <a:t>.</a:t>
+            </a:r>
+          </a:p>
+          <a:p>
             <a:r>
               <a:rPr lang="ko-KR" altLang="en-US" dirty="0" smtClean="0"/>
-              <a:t>는</a:t>
-            </a:r>
-            <a:r>
-              <a:rPr lang="ko-KR" altLang="en-US" baseline="0" dirty="0" smtClean="0"/>
-              <a:t> </a:t>
-            </a:r>
-            <a:r>
-              <a:rPr lang="en-US" altLang="ko-KR" baseline="0" dirty="0" smtClean="0"/>
-              <a:t>GO</a:t>
-            </a:r>
-            <a:r>
-              <a:rPr lang="ko-KR" altLang="en-US" baseline="0" dirty="0" smtClean="0"/>
-              <a:t>와 </a:t>
-            </a:r>
-            <a:r>
-              <a:rPr lang="en-US" altLang="ko-KR" baseline="0" dirty="0" smtClean="0"/>
-              <a:t>UMLS</a:t>
-            </a:r>
-            <a:r>
-              <a:rPr lang="ko-KR" altLang="en-US" baseline="0" dirty="0" smtClean="0"/>
-              <a:t>이다</a:t>
-            </a:r>
-            <a:r>
-              <a:rPr lang="en-US" altLang="ko-KR" baseline="0" dirty="0" smtClean="0"/>
+              <a:t>많은 양의 데이터를 시각화 하려고 </a:t>
+            </a:r>
+            <a:r>
+              <a:rPr lang="ko-KR" altLang="en-US" dirty="0" err="1" smtClean="0"/>
+              <a:t>할때</a:t>
+            </a:r>
+            <a:endParaRPr lang="en-US" altLang="ko-KR" dirty="0" smtClean="0"/>
+          </a:p>
+          <a:p>
+            <a:r>
+              <a:rPr lang="en-US" altLang="ko-KR" dirty="0" smtClean="0"/>
+              <a:t>2D</a:t>
+            </a:r>
+            <a:r>
+              <a:rPr lang="ko-KR" altLang="en-US" dirty="0" smtClean="0"/>
+              <a:t>의 </a:t>
+            </a:r>
+            <a:r>
+              <a:rPr lang="ko-KR" altLang="en-US" dirty="0" err="1" smtClean="0"/>
+              <a:t>시각화시</a:t>
+            </a:r>
+            <a:r>
+              <a:rPr lang="ko-KR" altLang="en-US" dirty="0" smtClean="0"/>
+              <a:t> 더 복잡해 질 수 있다</a:t>
+            </a:r>
+            <a:r>
+              <a:rPr lang="en-US" altLang="ko-KR" dirty="0" smtClean="0"/>
+              <a:t>.</a:t>
+            </a:r>
+          </a:p>
+          <a:p>
+            <a:r>
+              <a:rPr lang="ko-KR" altLang="en-US" dirty="0" smtClean="0"/>
+              <a:t>그때는 </a:t>
+            </a:r>
+            <a:r>
+              <a:rPr lang="en-US" altLang="ko-KR" dirty="0" smtClean="0"/>
+              <a:t>3D </a:t>
+            </a:r>
+            <a:r>
+              <a:rPr lang="ko-KR" altLang="en-US" dirty="0" smtClean="0"/>
+              <a:t>시각화가 적절한 방법이다</a:t>
+            </a:r>
+            <a:r>
+              <a:rPr lang="en-US" altLang="ko-KR" dirty="0" smtClean="0"/>
               <a:t>.</a:t>
             </a:r>
             <a:endParaRPr lang="ko-KR" altLang="en-US" dirty="0"/>
@@ -5443,7 +5767,9 @@
           </a:xfrm>
         </p:spPr>
         <p:txBody>
-          <a:bodyPr/>
+          <a:bodyPr>
+            <a:normAutofit lnSpcReduction="10000"/>
+          </a:bodyPr>
           <a:lstStyle/>
           <a:p>
             <a:pPr marL="0" indent="0">
@@ -5460,7 +5786,57 @@
             </a:pPr>
             <a:r>
               <a:rPr lang="en-US" altLang="ko-KR" dirty="0" smtClean="0"/>
-              <a:t>		</a:t>
+              <a:t>	the </a:t>
+            </a:r>
+            <a:r>
+              <a:rPr lang="en-US" altLang="ko-KR" dirty="0"/>
+              <a:t>framework for the model of biology. </a:t>
+            </a:r>
+            <a:endParaRPr lang="en-US" altLang="ko-KR" dirty="0" smtClean="0"/>
+          </a:p>
+          <a:p>
+            <a:pPr marL="0" indent="0">
+              <a:buNone/>
+            </a:pPr>
+            <a:r>
+              <a:rPr lang="en-US" altLang="ko-KR" dirty="0"/>
+              <a:t>	</a:t>
+            </a:r>
+            <a:r>
+              <a:rPr lang="en-US" altLang="ko-KR" dirty="0" smtClean="0"/>
+              <a:t>The </a:t>
+            </a:r>
+            <a:r>
+              <a:rPr lang="en-US" altLang="ko-KR" dirty="0"/>
+              <a:t>GO defines </a:t>
+            </a:r>
+            <a:r>
+              <a:rPr lang="en-US" altLang="ko-KR" dirty="0" smtClean="0"/>
+              <a:t>	concepts/classes </a:t>
+            </a:r>
+            <a:r>
+              <a:rPr lang="en-US" altLang="ko-KR" dirty="0"/>
+              <a:t>used to describe gene </a:t>
+            </a:r>
+            <a:r>
+              <a:rPr lang="en-US" altLang="ko-KR" dirty="0" smtClean="0"/>
+              <a:t>	function</a:t>
+            </a:r>
+            <a:r>
+              <a:rPr lang="en-US" altLang="ko-KR" dirty="0"/>
+              <a:t>, </a:t>
+            </a:r>
+            <a:r>
+              <a:rPr lang="en-US" altLang="ko-KR" dirty="0" smtClean="0"/>
+              <a:t>and relationships </a:t>
+            </a:r>
+            <a:r>
+              <a:rPr lang="en-US" altLang="ko-KR" dirty="0"/>
+              <a:t>between these concepts.</a:t>
+            </a:r>
+            <a:r>
+              <a:rPr lang="en-US" altLang="ko-KR" dirty="0" smtClean="0"/>
+              <a:t>	</a:t>
             </a:r>
           </a:p>
           <a:p>
@@ -5882,35 +6258,6 @@
               <a:t>Mining</a:t>
             </a:r>
             <a:endParaRPr lang="en-US" altLang="ko-KR" dirty="0"/>
-          </a:p>
-        </p:txBody>
-      </p:sp>
-      <p:sp>
-        <p:nvSpPr>
-          <p:cNvPr id="6" name="직사각형 5"/>
-          <p:cNvSpPr/>
-          <p:nvPr/>
-        </p:nvSpPr>
-        <p:spPr>
-          <a:xfrm>
-            <a:off x="838200" y="1412103"/>
-            <a:ext cx="10269682" cy="584775"/>
-          </a:xfrm>
-          <a:prstGeom prst="rect">
-            <a:avLst/>
-          </a:prstGeom>
-        </p:spPr>
-        <p:txBody>
-          <a:bodyPr wrap="square">
-            <a:spAutoFit/>
-          </a:bodyPr>
-          <a:lstStyle/>
-          <a:p>
-            <a:r>
-              <a:rPr lang="en-US" altLang="ko-KR" sz="3200" dirty="0" smtClean="0"/>
-              <a:t>Information Extraction</a:t>
-            </a:r>
-            <a:endParaRPr lang="ko-KR" altLang="en-US" sz="3200" dirty="0"/>
           </a:p>
         </p:txBody>
       </p:sp>
@@ -6387,8 +6734,8 @@
         </p:nvSpPr>
         <p:spPr>
           <a:xfrm>
-            <a:off x="324091" y="2551694"/>
-            <a:ext cx="1938288" cy="923330"/>
+            <a:off x="333020" y="2743268"/>
+            <a:ext cx="1636923" cy="646331"/>
           </a:xfrm>
           <a:prstGeom prst="rect">
             <a:avLst/>
@@ -6413,13 +6760,7 @@
             </a:r>
             <a:r>
               <a:rPr lang="en-US" altLang="ko-KR" dirty="0" smtClean="0"/>
-              <a:t>rom PubMed or</a:t>
-            </a:r>
-          </a:p>
-          <a:p>
-            <a:r>
-              <a:rPr lang="en-US" altLang="ko-KR" dirty="0" smtClean="0"/>
-              <a:t>other Ontology</a:t>
+              <a:t>rom PubMed</a:t>
             </a:r>
           </a:p>
         </p:txBody>
@@ -6670,20 +7011,11 @@
             </a:pPr>
             <a:r>
               <a:rPr lang="en-US" altLang="ko-KR" dirty="0" smtClean="0"/>
-              <a:t>The more one knows about disease and drug,</a:t>
-            </a:r>
-          </a:p>
-          <a:p>
-            <a:pPr marL="0" indent="0">
-              <a:buNone/>
-            </a:pPr>
-            <a:r>
-              <a:rPr lang="en-US" altLang="ko-KR" dirty="0"/>
-              <a:t>	</a:t>
-            </a:r>
-            <a:r>
-              <a:rPr lang="en-US" altLang="ko-KR" dirty="0" smtClean="0"/>
-              <a:t>the more ‘educated’ a guess will be concerning selection 	of the right indication.</a:t>
+              <a:t>The more one knows about disease and drug, </a:t>
+            </a:r>
+            <a:r>
+              <a:rPr lang="en-US" altLang="ko-KR" dirty="0" smtClean="0"/>
+              <a:t>the more ‘educated’ a guess will be concerning selection of the right indication.</a:t>
             </a:r>
           </a:p>
           <a:p>
@@ -6692,7 +7024,7 @@
             </a:pPr>
             <a:r>
               <a:rPr lang="en-US" altLang="ko-KR" dirty="0" smtClean="0"/>
-              <a:t>Visualization techniques may provide additional guidance to 	DR exercises.</a:t>
+              <a:t>Visualization techniques may provide additional guidance to DR exercises.</a:t>
             </a:r>
           </a:p>
           <a:p>
@@ -8507,7 +8839,7 @@
         </p:spPr>
         <p:txBody>
           <a:bodyPr vert="horz" lIns="91440" tIns="45720" rIns="91440" bIns="45720" rtlCol="0">
-            <a:normAutofit/>
+            <a:normAutofit lnSpcReduction="10000"/>
           </a:bodyPr>
           <a:lstStyle>
             <a:lvl1pPr marL="228600" indent="-228600" algn="l" defTabSz="914400" rtl="0" eaLnBrk="1" latinLnBrk="1" hangingPunct="1">
@@ -8704,6 +9036,15 @@
             <a:pPr marL="0" indent="0">
               <a:buNone/>
             </a:pPr>
+            <a:r>
+              <a:rPr lang="en-US" altLang="ko-KR" dirty="0" smtClean="0"/>
+              <a:t>	</a:t>
+            </a:r>
+          </a:p>
+          <a:p>
+            <a:pPr marL="0" indent="0">
+              <a:buNone/>
+            </a:pPr>
             <a:endParaRPr lang="en-US" altLang="ko-KR" dirty="0" smtClean="0"/>
           </a:p>
           <a:p>
@@ -8727,6 +9068,537 @@
               <a:rPr lang="en-US" altLang="ko-KR" sz="1800" dirty="0" smtClean="0"/>
               <a:t>&lt;Subject, Predicate, Object&gt;</a:t>
             </a:r>
+          </a:p>
+        </p:txBody>
+      </p:sp>
+      <p:sp>
+        <p:nvSpPr>
+          <p:cNvPr id="3" name="Rectangle 1"/>
+          <p:cNvSpPr>
+            <a:spLocks noChangeArrowheads="1"/>
+          </p:cNvSpPr>
+          <p:nvPr/>
+        </p:nvSpPr>
+        <p:spPr bwMode="auto">
+          <a:xfrm>
+            <a:off x="1166107" y="4251160"/>
+            <a:ext cx="9859785" cy="738664"/>
+          </a:xfrm>
+          <a:prstGeom prst="rect">
+            <a:avLst/>
+          </a:prstGeom>
+          <a:solidFill>
+            <a:srgbClr val="F9F9F9"/>
+          </a:solidFill>
+          <a:ln>
+            <a:noFill/>
+          </a:ln>
+          <a:effectLst/>
+          <a:extLst>
+            <a:ext uri="{91240B29-F687-4F45-9708-019B960494DF}">
+              <a14:hiddenLine xmlns:a14="http://schemas.microsoft.com/office/drawing/2010/main" w="9525">
+                <a:solidFill>
+                  <a:schemeClr val="tx1"/>
+                </a:solidFill>
+                <a:miter lim="800000"/>
+                <a:headEnd/>
+                <a:tailEnd/>
+              </a14:hiddenLine>
+            </a:ext>
+            <a:ext uri="{AF507438-7753-43E0-B8FC-AC1667EBCBE1}">
+              <a14:hiddenEffects xmlns:a14="http://schemas.microsoft.com/office/drawing/2010/main">
+                <a:effectLst>
+                  <a:outerShdw dist="35921" dir="2700000" algn="ctr" rotWithShape="0">
+                    <a:schemeClr val="bg2"/>
+                  </a:outerShdw>
+                </a:effectLst>
+              </a14:hiddenEffects>
+            </a:ext>
+          </a:extLst>
+        </p:spPr>
+        <p:txBody>
+          <a:bodyPr vert="horz" wrap="square" lIns="91440" tIns="45720" rIns="91440" bIns="45720" numCol="1" anchor="ctr" anchorCtr="0" compatLnSpc="1">
+            <a:prstTxWarp prst="textNoShape">
+              <a:avLst/>
+            </a:prstTxWarp>
+            <a:spAutoFit/>
+          </a:bodyPr>
+          <a:lstStyle/>
+          <a:p>
+            <a:pPr marL="0" marR="0" lvl="0" indent="0" algn="l" defTabSz="914400" rtl="0" eaLnBrk="0" fontAlgn="base" latinLnBrk="0" hangingPunct="0">
+              <a:lnSpc>
+                <a:spcPct val="100000"/>
+              </a:lnSpc>
+              <a:spcBef>
+                <a:spcPct val="0"/>
+              </a:spcBef>
+              <a:spcAft>
+                <a:spcPct val="0"/>
+              </a:spcAft>
+              <a:buClrTx/>
+              <a:buSzTx/>
+              <a:buFontTx/>
+              <a:buNone/>
+              <a:tabLst/>
+            </a:pPr>
+            <a:r>
+              <a:rPr kumimoji="0" lang="ko-KR" altLang="ko-KR" sz="1400" b="1" i="0" u="none" strike="noStrike" cap="none" normalizeH="0" baseline="0" dirty="0" smtClean="0">
+                <a:ln>
+                  <a:noFill/>
+                </a:ln>
+                <a:solidFill>
+                  <a:srgbClr val="008000"/>
+                </a:solidFill>
+                <a:effectLst/>
+                <a:latin typeface="Arial Unicode MS" panose="020B0604020202020204" pitchFamily="50" charset="-127"/>
+                <a:ea typeface="Courier New" panose="02070309020205020404" pitchFamily="49" charset="0"/>
+              </a:rPr>
+              <a:t>&lt;Ontology</a:t>
+            </a:r>
+            <a:r>
+              <a:rPr kumimoji="0" lang="ko-KR" altLang="ko-KR" sz="1400" b="0" i="0" u="none" strike="noStrike" cap="none" normalizeH="0" baseline="0" dirty="0" smtClean="0">
+                <a:ln>
+                  <a:noFill/>
+                </a:ln>
+                <a:solidFill>
+                  <a:srgbClr val="000000"/>
+                </a:solidFill>
+                <a:effectLst/>
+                <a:latin typeface="Arial Unicode MS" panose="020B0604020202020204" pitchFamily="50" charset="-127"/>
+                <a:ea typeface="Courier New" panose="02070309020205020404" pitchFamily="49" charset="0"/>
+              </a:rPr>
+              <a:t> </a:t>
+            </a:r>
+            <a:r>
+              <a:rPr kumimoji="0" lang="ko-KR" altLang="ko-KR" sz="1400" b="0" i="0" u="none" strike="noStrike" cap="none" normalizeH="0" baseline="0" dirty="0" smtClean="0">
+                <a:ln>
+                  <a:noFill/>
+                </a:ln>
+                <a:solidFill>
+                  <a:srgbClr val="7D9029"/>
+                </a:solidFill>
+                <a:effectLst/>
+                <a:latin typeface="Arial Unicode MS" panose="020B0604020202020204" pitchFamily="50" charset="-127"/>
+                <a:ea typeface="Courier New" panose="02070309020205020404" pitchFamily="49" charset="0"/>
+              </a:rPr>
+              <a:t>ontologyIRI=</a:t>
+            </a:r>
+            <a:r>
+              <a:rPr kumimoji="0" lang="ko-KR" altLang="ko-KR" sz="1400" b="0" i="0" u="none" strike="noStrike" cap="none" normalizeH="0" baseline="0" dirty="0" smtClean="0">
+                <a:ln>
+                  <a:noFill/>
+                </a:ln>
+                <a:solidFill>
+                  <a:srgbClr val="BA2121"/>
+                </a:solidFill>
+                <a:effectLst/>
+                <a:latin typeface="Arial Unicode MS" panose="020B0604020202020204" pitchFamily="50" charset="-127"/>
+                <a:ea typeface="Courier New" panose="02070309020205020404" pitchFamily="49" charset="0"/>
+              </a:rPr>
+              <a:t>"http://example.com/tea.owl"</a:t>
+            </a:r>
+            <a:r>
+              <a:rPr kumimoji="0" lang="ko-KR" altLang="ko-KR" sz="1400" b="0" i="0" u="none" strike="noStrike" cap="none" normalizeH="0" baseline="0" dirty="0" smtClean="0">
+                <a:ln>
+                  <a:noFill/>
+                </a:ln>
+                <a:solidFill>
+                  <a:srgbClr val="000000"/>
+                </a:solidFill>
+                <a:effectLst/>
+                <a:latin typeface="Arial Unicode MS" panose="020B0604020202020204" pitchFamily="50" charset="-127"/>
+                <a:ea typeface="Courier New" panose="02070309020205020404" pitchFamily="49" charset="0"/>
+              </a:rPr>
+              <a:t> ...</a:t>
+            </a:r>
+            <a:r>
+              <a:rPr kumimoji="0" lang="ko-KR" altLang="ko-KR" sz="1400" b="1" i="0" u="none" strike="noStrike" cap="none" normalizeH="0" baseline="0" dirty="0" smtClean="0">
+                <a:ln>
+                  <a:noFill/>
+                </a:ln>
+                <a:solidFill>
+                  <a:srgbClr val="008000"/>
+                </a:solidFill>
+                <a:effectLst/>
+                <a:latin typeface="Arial Unicode MS" panose="020B0604020202020204" pitchFamily="50" charset="-127"/>
+                <a:ea typeface="Courier New" panose="02070309020205020404" pitchFamily="49" charset="0"/>
+              </a:rPr>
+              <a:t>&gt;</a:t>
+            </a:r>
+            <a:r>
+              <a:rPr kumimoji="0" lang="ko-KR" altLang="ko-KR" sz="1400" b="0" i="0" u="none" strike="noStrike" cap="none" normalizeH="0" baseline="0" dirty="0" smtClean="0">
+                <a:ln>
+                  <a:noFill/>
+                </a:ln>
+                <a:solidFill>
+                  <a:srgbClr val="000000"/>
+                </a:solidFill>
+                <a:effectLst/>
+                <a:latin typeface="Arial Unicode MS" panose="020B0604020202020204" pitchFamily="50" charset="-127"/>
+                <a:ea typeface="Courier New" panose="02070309020205020404" pitchFamily="49" charset="0"/>
+              </a:rPr>
+              <a:t> </a:t>
+            </a:r>
+            <a:endParaRPr kumimoji="0" lang="en-US" altLang="ko-KR" sz="1400" b="0" i="0" u="none" strike="noStrike" cap="none" normalizeH="0" baseline="0" dirty="0" smtClean="0">
+              <a:ln>
+                <a:noFill/>
+              </a:ln>
+              <a:solidFill>
+                <a:srgbClr val="000000"/>
+              </a:solidFill>
+              <a:effectLst/>
+              <a:latin typeface="Arial Unicode MS" panose="020B0604020202020204" pitchFamily="50" charset="-127"/>
+              <a:ea typeface="Courier New" panose="02070309020205020404" pitchFamily="49" charset="0"/>
+            </a:endParaRPr>
+          </a:p>
+          <a:p>
+            <a:pPr marL="0" marR="0" lvl="0" indent="0" algn="l" defTabSz="914400" rtl="0" eaLnBrk="0" fontAlgn="base" latinLnBrk="0" hangingPunct="0">
+              <a:lnSpc>
+                <a:spcPct val="100000"/>
+              </a:lnSpc>
+              <a:spcBef>
+                <a:spcPct val="0"/>
+              </a:spcBef>
+              <a:spcAft>
+                <a:spcPct val="0"/>
+              </a:spcAft>
+              <a:buClrTx/>
+              <a:buSzTx/>
+              <a:buFontTx/>
+              <a:buNone/>
+              <a:tabLst/>
+            </a:pPr>
+            <a:r>
+              <a:rPr kumimoji="0" lang="ko-KR" altLang="ko-KR" sz="1400" b="1" i="0" u="none" strike="noStrike" cap="none" normalizeH="0" baseline="0" dirty="0" smtClean="0">
+                <a:ln>
+                  <a:noFill/>
+                </a:ln>
+                <a:solidFill>
+                  <a:srgbClr val="008000"/>
+                </a:solidFill>
+                <a:effectLst/>
+                <a:latin typeface="Arial Unicode MS" panose="020B0604020202020204" pitchFamily="50" charset="-127"/>
+                <a:ea typeface="Courier New" panose="02070309020205020404" pitchFamily="49" charset="0"/>
+              </a:rPr>
+              <a:t>&lt;Prefix</a:t>
+            </a:r>
+            <a:r>
+              <a:rPr kumimoji="0" lang="ko-KR" altLang="ko-KR" sz="1400" b="0" i="0" u="none" strike="noStrike" cap="none" normalizeH="0" baseline="0" dirty="0" smtClean="0">
+                <a:ln>
+                  <a:noFill/>
+                </a:ln>
+                <a:solidFill>
+                  <a:srgbClr val="000000"/>
+                </a:solidFill>
+                <a:effectLst/>
+                <a:latin typeface="Arial Unicode MS" panose="020B0604020202020204" pitchFamily="50" charset="-127"/>
+                <a:ea typeface="Courier New" panose="02070309020205020404" pitchFamily="49" charset="0"/>
+              </a:rPr>
+              <a:t> </a:t>
+            </a:r>
+            <a:r>
+              <a:rPr kumimoji="0" lang="ko-KR" altLang="ko-KR" sz="1400" b="0" i="0" u="none" strike="noStrike" cap="none" normalizeH="0" baseline="0" dirty="0" smtClean="0">
+                <a:ln>
+                  <a:noFill/>
+                </a:ln>
+                <a:solidFill>
+                  <a:srgbClr val="7D9029"/>
+                </a:solidFill>
+                <a:effectLst/>
+                <a:latin typeface="Arial Unicode MS" panose="020B0604020202020204" pitchFamily="50" charset="-127"/>
+                <a:ea typeface="Courier New" panose="02070309020205020404" pitchFamily="49" charset="0"/>
+              </a:rPr>
+              <a:t>name=</a:t>
+            </a:r>
+            <a:r>
+              <a:rPr kumimoji="0" lang="ko-KR" altLang="ko-KR" sz="1400" b="0" i="0" u="none" strike="noStrike" cap="none" normalizeH="0" baseline="0" dirty="0" smtClean="0">
+                <a:ln>
+                  <a:noFill/>
+                </a:ln>
+                <a:solidFill>
+                  <a:srgbClr val="BA2121"/>
+                </a:solidFill>
+                <a:effectLst/>
+                <a:latin typeface="Arial Unicode MS" panose="020B0604020202020204" pitchFamily="50" charset="-127"/>
+                <a:ea typeface="Courier New" panose="02070309020205020404" pitchFamily="49" charset="0"/>
+              </a:rPr>
+              <a:t>"owl"</a:t>
+            </a:r>
+            <a:r>
+              <a:rPr kumimoji="0" lang="ko-KR" altLang="ko-KR" sz="1400" b="0" i="0" u="none" strike="noStrike" cap="none" normalizeH="0" baseline="0" dirty="0" smtClean="0">
+                <a:ln>
+                  <a:noFill/>
+                </a:ln>
+                <a:solidFill>
+                  <a:srgbClr val="000000"/>
+                </a:solidFill>
+                <a:effectLst/>
+                <a:latin typeface="Arial Unicode MS" panose="020B0604020202020204" pitchFamily="50" charset="-127"/>
+                <a:ea typeface="Courier New" panose="02070309020205020404" pitchFamily="49" charset="0"/>
+              </a:rPr>
+              <a:t> </a:t>
+            </a:r>
+            <a:r>
+              <a:rPr kumimoji="0" lang="ko-KR" altLang="ko-KR" sz="1400" b="0" i="0" u="none" strike="noStrike" cap="none" normalizeH="0" baseline="0" dirty="0" smtClean="0">
+                <a:ln>
+                  <a:noFill/>
+                </a:ln>
+                <a:solidFill>
+                  <a:srgbClr val="7D9029"/>
+                </a:solidFill>
+                <a:effectLst/>
+                <a:latin typeface="Arial Unicode MS" panose="020B0604020202020204" pitchFamily="50" charset="-127"/>
+                <a:ea typeface="Courier New" panose="02070309020205020404" pitchFamily="49" charset="0"/>
+              </a:rPr>
+              <a:t>IRI=</a:t>
+            </a:r>
+            <a:r>
+              <a:rPr kumimoji="0" lang="ko-KR" altLang="ko-KR" sz="1400" b="0" i="0" u="none" strike="noStrike" cap="none" normalizeH="0" baseline="0" dirty="0" smtClean="0">
+                <a:ln>
+                  <a:noFill/>
+                </a:ln>
+                <a:solidFill>
+                  <a:srgbClr val="BA2121"/>
+                </a:solidFill>
+                <a:effectLst/>
+                <a:latin typeface="Arial Unicode MS" panose="020B0604020202020204" pitchFamily="50" charset="-127"/>
+                <a:ea typeface="Courier New" panose="02070309020205020404" pitchFamily="49" charset="0"/>
+              </a:rPr>
+              <a:t>"http://www.w3.org/2002/07/owl#"</a:t>
+            </a:r>
+            <a:r>
+              <a:rPr kumimoji="0" lang="ko-KR" altLang="ko-KR" sz="1400" b="1" i="0" u="none" strike="noStrike" cap="none" normalizeH="0" baseline="0" dirty="0" smtClean="0">
+                <a:ln>
+                  <a:noFill/>
+                </a:ln>
+                <a:solidFill>
+                  <a:srgbClr val="008000"/>
+                </a:solidFill>
+                <a:effectLst/>
+                <a:latin typeface="Arial Unicode MS" panose="020B0604020202020204" pitchFamily="50" charset="-127"/>
+                <a:ea typeface="Courier New" panose="02070309020205020404" pitchFamily="49" charset="0"/>
+              </a:rPr>
+              <a:t>/&gt;</a:t>
+            </a:r>
+            <a:r>
+              <a:rPr kumimoji="0" lang="ko-KR" altLang="ko-KR" sz="1400" b="0" i="0" u="none" strike="noStrike" cap="none" normalizeH="0" baseline="0" dirty="0" smtClean="0">
+                <a:ln>
+                  <a:noFill/>
+                </a:ln>
+                <a:solidFill>
+                  <a:srgbClr val="000000"/>
+                </a:solidFill>
+                <a:effectLst/>
+                <a:latin typeface="Arial Unicode MS" panose="020B0604020202020204" pitchFamily="50" charset="-127"/>
+                <a:ea typeface="Courier New" panose="02070309020205020404" pitchFamily="49" charset="0"/>
+              </a:rPr>
+              <a:t> </a:t>
+            </a:r>
+            <a:r>
+              <a:rPr kumimoji="0" lang="ko-KR" altLang="ko-KR" sz="1400" b="1" i="0" u="none" strike="noStrike" cap="none" normalizeH="0" baseline="0" dirty="0" smtClean="0">
+                <a:ln>
+                  <a:noFill/>
+                </a:ln>
+                <a:solidFill>
+                  <a:srgbClr val="008000"/>
+                </a:solidFill>
+                <a:effectLst/>
+                <a:latin typeface="Arial Unicode MS" panose="020B0604020202020204" pitchFamily="50" charset="-127"/>
+                <a:ea typeface="Courier New" panose="02070309020205020404" pitchFamily="49" charset="0"/>
+              </a:rPr>
+              <a:t>&lt;Declaration&gt;</a:t>
+            </a:r>
+            <a:r>
+              <a:rPr kumimoji="0" lang="ko-KR" altLang="ko-KR" sz="1400" b="0" i="0" u="none" strike="noStrike" cap="none" normalizeH="0" baseline="0" dirty="0" smtClean="0">
+                <a:ln>
+                  <a:noFill/>
+                </a:ln>
+                <a:solidFill>
+                  <a:srgbClr val="000000"/>
+                </a:solidFill>
+                <a:effectLst/>
+                <a:latin typeface="Arial Unicode MS" panose="020B0604020202020204" pitchFamily="50" charset="-127"/>
+                <a:ea typeface="Courier New" panose="02070309020205020404" pitchFamily="49" charset="0"/>
+              </a:rPr>
+              <a:t> </a:t>
+            </a:r>
+            <a:r>
+              <a:rPr kumimoji="0" lang="ko-KR" altLang="ko-KR" sz="1400" b="1" i="0" u="none" strike="noStrike" cap="none" normalizeH="0" baseline="0" dirty="0" smtClean="0">
+                <a:ln>
+                  <a:noFill/>
+                </a:ln>
+                <a:solidFill>
+                  <a:srgbClr val="008000"/>
+                </a:solidFill>
+                <a:effectLst/>
+                <a:latin typeface="Arial Unicode MS" panose="020B0604020202020204" pitchFamily="50" charset="-127"/>
+                <a:ea typeface="Courier New" panose="02070309020205020404" pitchFamily="49" charset="0"/>
+              </a:rPr>
+              <a:t>&lt;Class</a:t>
+            </a:r>
+            <a:r>
+              <a:rPr kumimoji="0" lang="ko-KR" altLang="ko-KR" sz="1400" b="0" i="0" u="none" strike="noStrike" cap="none" normalizeH="0" baseline="0" dirty="0" smtClean="0">
+                <a:ln>
+                  <a:noFill/>
+                </a:ln>
+                <a:solidFill>
+                  <a:srgbClr val="000000"/>
+                </a:solidFill>
+                <a:effectLst/>
+                <a:latin typeface="Arial Unicode MS" panose="020B0604020202020204" pitchFamily="50" charset="-127"/>
+                <a:ea typeface="Courier New" panose="02070309020205020404" pitchFamily="49" charset="0"/>
+              </a:rPr>
+              <a:t> </a:t>
+            </a:r>
+            <a:r>
+              <a:rPr kumimoji="0" lang="ko-KR" altLang="ko-KR" sz="1400" b="0" i="0" u="none" strike="noStrike" cap="none" normalizeH="0" baseline="0" dirty="0" smtClean="0">
+                <a:ln>
+                  <a:noFill/>
+                </a:ln>
+                <a:solidFill>
+                  <a:srgbClr val="7D9029"/>
+                </a:solidFill>
+                <a:effectLst/>
+                <a:latin typeface="Arial Unicode MS" panose="020B0604020202020204" pitchFamily="50" charset="-127"/>
+                <a:ea typeface="Courier New" panose="02070309020205020404" pitchFamily="49" charset="0"/>
+              </a:rPr>
+              <a:t>IRI=</a:t>
+            </a:r>
+            <a:r>
+              <a:rPr kumimoji="0" lang="ko-KR" altLang="ko-KR" sz="1400" b="0" i="0" u="none" strike="noStrike" cap="none" normalizeH="0" baseline="0" dirty="0" smtClean="0">
+                <a:ln>
+                  <a:noFill/>
+                </a:ln>
+                <a:solidFill>
+                  <a:srgbClr val="BA2121"/>
+                </a:solidFill>
+                <a:effectLst/>
+                <a:latin typeface="Arial Unicode MS" panose="020B0604020202020204" pitchFamily="50" charset="-127"/>
+                <a:ea typeface="Courier New" panose="02070309020205020404" pitchFamily="49" charset="0"/>
+              </a:rPr>
+              <a:t>"Tea"</a:t>
+            </a:r>
+            <a:r>
+              <a:rPr kumimoji="0" lang="ko-KR" altLang="ko-KR" sz="1400" b="1" i="0" u="none" strike="noStrike" cap="none" normalizeH="0" baseline="0" dirty="0" smtClean="0">
+                <a:ln>
+                  <a:noFill/>
+                </a:ln>
+                <a:solidFill>
+                  <a:srgbClr val="008000"/>
+                </a:solidFill>
+                <a:effectLst/>
+                <a:latin typeface="Arial Unicode MS" panose="020B0604020202020204" pitchFamily="50" charset="-127"/>
+                <a:ea typeface="Courier New" panose="02070309020205020404" pitchFamily="49" charset="0"/>
+              </a:rPr>
+              <a:t>/&gt;</a:t>
+            </a:r>
+            <a:r>
+              <a:rPr kumimoji="0" lang="ko-KR" altLang="ko-KR" sz="1400" b="0" i="0" u="none" strike="noStrike" cap="none" normalizeH="0" baseline="0" dirty="0" smtClean="0">
+                <a:ln>
+                  <a:noFill/>
+                </a:ln>
+                <a:solidFill>
+                  <a:srgbClr val="000000"/>
+                </a:solidFill>
+                <a:effectLst/>
+                <a:latin typeface="Arial Unicode MS" panose="020B0604020202020204" pitchFamily="50" charset="-127"/>
+                <a:ea typeface="Courier New" panose="02070309020205020404" pitchFamily="49" charset="0"/>
+              </a:rPr>
+              <a:t> </a:t>
+            </a:r>
+            <a:r>
+              <a:rPr kumimoji="0" lang="ko-KR" altLang="ko-KR" sz="1400" b="1" i="0" u="none" strike="noStrike" cap="none" normalizeH="0" baseline="0" dirty="0" smtClean="0">
+                <a:ln>
+                  <a:noFill/>
+                </a:ln>
+                <a:solidFill>
+                  <a:srgbClr val="008000"/>
+                </a:solidFill>
+                <a:effectLst/>
+                <a:latin typeface="Arial Unicode MS" panose="020B0604020202020204" pitchFamily="50" charset="-127"/>
+                <a:ea typeface="Courier New" panose="02070309020205020404" pitchFamily="49" charset="0"/>
+              </a:rPr>
+              <a:t>&lt;/Declaration&gt;</a:t>
+            </a:r>
+            <a:r>
+              <a:rPr kumimoji="0" lang="ko-KR" altLang="ko-KR" sz="1400" b="0" i="0" u="none" strike="noStrike" cap="none" normalizeH="0" baseline="0" dirty="0" smtClean="0">
+                <a:ln>
+                  <a:noFill/>
+                </a:ln>
+                <a:solidFill>
+                  <a:srgbClr val="000000"/>
+                </a:solidFill>
+                <a:effectLst/>
+                <a:latin typeface="Arial Unicode MS" panose="020B0604020202020204" pitchFamily="50" charset="-127"/>
+                <a:ea typeface="Courier New" panose="02070309020205020404" pitchFamily="49" charset="0"/>
+              </a:rPr>
+              <a:t> </a:t>
+            </a:r>
+            <a:endParaRPr kumimoji="0" lang="en-US" altLang="ko-KR" sz="1400" b="0" i="0" u="none" strike="noStrike" cap="none" normalizeH="0" baseline="0" dirty="0" smtClean="0">
+              <a:ln>
+                <a:noFill/>
+              </a:ln>
+              <a:solidFill>
+                <a:srgbClr val="000000"/>
+              </a:solidFill>
+              <a:effectLst/>
+              <a:latin typeface="Arial Unicode MS" panose="020B0604020202020204" pitchFamily="50" charset="-127"/>
+              <a:ea typeface="Courier New" panose="02070309020205020404" pitchFamily="49" charset="0"/>
+            </a:endParaRPr>
+          </a:p>
+          <a:p>
+            <a:pPr marL="0" marR="0" lvl="0" indent="0" algn="l" defTabSz="914400" rtl="0" eaLnBrk="0" fontAlgn="base" latinLnBrk="0" hangingPunct="0">
+              <a:lnSpc>
+                <a:spcPct val="100000"/>
+              </a:lnSpc>
+              <a:spcBef>
+                <a:spcPct val="0"/>
+              </a:spcBef>
+              <a:spcAft>
+                <a:spcPct val="0"/>
+              </a:spcAft>
+              <a:buClrTx/>
+              <a:buSzTx/>
+              <a:buFontTx/>
+              <a:buNone/>
+              <a:tabLst/>
+            </a:pPr>
+            <a:r>
+              <a:rPr kumimoji="0" lang="ko-KR" altLang="ko-KR" sz="1400" b="1" i="0" u="none" strike="noStrike" cap="none" normalizeH="0" baseline="0" dirty="0" smtClean="0">
+                <a:ln>
+                  <a:noFill/>
+                </a:ln>
+                <a:solidFill>
+                  <a:srgbClr val="008000"/>
+                </a:solidFill>
+                <a:effectLst/>
+                <a:latin typeface="Arial Unicode MS" panose="020B0604020202020204" pitchFamily="50" charset="-127"/>
+                <a:ea typeface="Courier New" panose="02070309020205020404" pitchFamily="49" charset="0"/>
+              </a:rPr>
+              <a:t>&lt;/Ontology&gt;</a:t>
+            </a:r>
+            <a:r>
+              <a:rPr kumimoji="0" lang="ko-KR" altLang="ko-KR" sz="1100" b="0" i="0" u="none" strike="noStrike" cap="none" normalizeH="0" baseline="0" dirty="0" smtClean="0">
+                <a:ln>
+                  <a:noFill/>
+                </a:ln>
+                <a:solidFill>
+                  <a:schemeClr val="tx1"/>
+                </a:solidFill>
+                <a:effectLst/>
+              </a:rPr>
+              <a:t> </a:t>
+            </a:r>
+            <a:endParaRPr kumimoji="0" lang="ko-KR" altLang="ko-KR" sz="3200" b="0" i="0" u="none" strike="noStrike" cap="none" normalizeH="0" baseline="0" dirty="0" smtClean="0">
+              <a:ln>
+                <a:noFill/>
+              </a:ln>
+              <a:solidFill>
+                <a:schemeClr val="tx1"/>
+              </a:solidFill>
+              <a:effectLst/>
+              <a:latin typeface="Arial" panose="020B0604020202020204" pitchFamily="34" charset="0"/>
+            </a:endParaRPr>
           </a:p>
         </p:txBody>
       </p:sp>

--- a/Review/[3] Literature mining, ontologies and information visualization for drug repurposing/Literature mining, ontologies and information visualization for.pptx
+++ b/Review/[3] Literature mining, ontologies and information visualization for drug repurposing/Literature mining, ontologies and information visualization for.pptx
@@ -5,7 +5,7 @@
     <p:sldMasterId id="2147483648" r:id="rId1"/>
   </p:sldMasterIdLst>
   <p:notesMasterIdLst>
-    <p:notesMasterId r:id="rId15"/>
+    <p:notesMasterId r:id="rId25"/>
   </p:notesMasterIdLst>
   <p:sldIdLst>
     <p:sldId id="256" r:id="rId2"/>
@@ -16,11 +16,21 @@
     <p:sldId id="265" r:id="rId7"/>
     <p:sldId id="266" r:id="rId8"/>
     <p:sldId id="267" r:id="rId9"/>
-    <p:sldId id="268" r:id="rId10"/>
-    <p:sldId id="262" r:id="rId11"/>
-    <p:sldId id="269" r:id="rId12"/>
-    <p:sldId id="270" r:id="rId13"/>
-    <p:sldId id="259" r:id="rId14"/>
+    <p:sldId id="271" r:id="rId10"/>
+    <p:sldId id="272" r:id="rId11"/>
+    <p:sldId id="273" r:id="rId12"/>
+    <p:sldId id="268" r:id="rId13"/>
+    <p:sldId id="262" r:id="rId14"/>
+    <p:sldId id="269" r:id="rId15"/>
+    <p:sldId id="274" r:id="rId16"/>
+    <p:sldId id="275" r:id="rId17"/>
+    <p:sldId id="276" r:id="rId18"/>
+    <p:sldId id="277" r:id="rId19"/>
+    <p:sldId id="278" r:id="rId20"/>
+    <p:sldId id="279" r:id="rId21"/>
+    <p:sldId id="280" r:id="rId22"/>
+    <p:sldId id="259" r:id="rId23"/>
+    <p:sldId id="270" r:id="rId24"/>
   </p:sldIdLst>
   <p:sldSz cx="12192000" cy="6858000"/>
   <p:notesSz cx="6858000" cy="9144000"/>
@@ -121,7 +131,7 @@
   </p:defaultTextStyle>
   <p:extLst>
     <p:ext uri="{EFAFB233-063F-42B5-8137-9DF3F51BA10A}">
-      <p15:sldGuideLst xmlns:p15="http://schemas.microsoft.com/office/powerpoint/2012/main"/>
+      <p15:sldGuideLst xmlns:p15="http://schemas.microsoft.com/office/powerpoint/2012/main" xmlns=""/>
     </p:ext>
   </p:extLst>
 </p:presentation>
@@ -209,7 +219,7 @@
           <a:p>
             <a:fld id="{37EC9CBE-A6DE-449D-9232-68186284CB87}" type="datetimeFigureOut">
               <a:rPr lang="ko-KR" altLang="en-US" smtClean="0"/>
-              <a:t>2016-07-11</a:t>
+              <a:t>2016-07-14</a:t>
             </a:fld>
             <a:endParaRPr lang="ko-KR" altLang="en-US"/>
           </a:p>
@@ -629,289 +639,38 @@
           <a:lstStyle/>
           <a:p>
             <a:r>
-              <a:rPr lang="en-US" altLang="ko-KR" dirty="0" smtClean="0"/>
-              <a:t>*** PubMed</a:t>
-            </a:r>
-            <a:r>
               <a:rPr lang="ko-KR" altLang="en-US" dirty="0" smtClean="0"/>
-              <a:t>엔 </a:t>
-            </a:r>
-            <a:r>
-              <a:rPr lang="en-US" altLang="ko-KR" dirty="0" smtClean="0"/>
-              <a:t>Literature</a:t>
+              <a:t>정보와 자원 사이의 관계</a:t>
+            </a:r>
+            <a:r>
+              <a:rPr lang="en-US" altLang="ko-KR" dirty="0" smtClean="0"/>
+              <a:t>-</a:t>
             </a:r>
             <a:r>
               <a:rPr lang="ko-KR" altLang="en-US" dirty="0" smtClean="0"/>
-              <a:t>가 주이기 때문에</a:t>
-            </a:r>
+              <a:t>의미 정보를 기계가 처리할 수 있는 </a:t>
+            </a:r>
+            <a:r>
+              <a:rPr lang="ko-KR" altLang="en-US" dirty="0" err="1" smtClean="0"/>
+              <a:t>온톨로지</a:t>
+            </a:r>
+            <a:r>
+              <a:rPr lang="ko-KR" altLang="en-US" dirty="0" smtClean="0"/>
+              <a:t> 형태로 처리하는 것</a:t>
+            </a:r>
+            <a:r>
+              <a:rPr lang="en-US" altLang="ko-KR" dirty="0" smtClean="0"/>
+              <a:t>.</a:t>
+            </a:r>
+          </a:p>
+          <a:p>
             <a:endParaRPr lang="en-US" altLang="ko-KR" dirty="0" smtClean="0"/>
           </a:p>
           <a:p>
             <a:r>
               <a:rPr lang="en-US" altLang="ko-KR" dirty="0" smtClean="0"/>
-              <a:t>Literature</a:t>
-            </a:r>
-            <a:r>
-              <a:rPr lang="ko-KR" altLang="en-US" dirty="0" smtClean="0"/>
-              <a:t>와 </a:t>
-            </a:r>
-            <a:r>
-              <a:rPr lang="en-US" altLang="ko-KR" dirty="0" smtClean="0"/>
-              <a:t>Ontology</a:t>
-            </a:r>
-            <a:r>
-              <a:rPr lang="ko-KR" altLang="en-US" dirty="0" smtClean="0"/>
-              <a:t>를 나누어 </a:t>
-            </a:r>
-            <a:r>
-              <a:rPr lang="ko-KR" altLang="en-US" dirty="0" err="1" smtClean="0"/>
-              <a:t>봐야해</a:t>
-            </a:r>
-            <a:endParaRPr lang="en-US" altLang="ko-KR" dirty="0" smtClean="0"/>
-          </a:p>
-          <a:p>
-            <a:endParaRPr lang="en-US" altLang="ko-KR" dirty="0" smtClean="0"/>
-          </a:p>
-          <a:p>
-            <a:endParaRPr lang="en-US" altLang="ko-KR" dirty="0" smtClean="0"/>
-          </a:p>
-          <a:p>
-            <a:endParaRPr lang="en-US" altLang="ko-KR" dirty="0" smtClean="0"/>
-          </a:p>
-          <a:p>
-            <a:r>
-              <a:rPr lang="en-US" altLang="ko-KR" dirty="0" smtClean="0"/>
-              <a:t>co-</a:t>
-            </a:r>
-            <a:r>
-              <a:rPr lang="en-US" altLang="ko-KR" dirty="0" err="1" smtClean="0"/>
-              <a:t>occurence</a:t>
-            </a:r>
-            <a:r>
-              <a:rPr lang="en-US" altLang="ko-KR" dirty="0" smtClean="0"/>
-              <a:t> : </a:t>
-            </a:r>
-            <a:r>
-              <a:rPr lang="ko-KR" altLang="en-US" dirty="0" smtClean="0"/>
-              <a:t>같은 문장 내에서 발생하는 모든 단어를 연관이 있다고 생각하는 것</a:t>
-            </a:r>
-            <a:r>
-              <a:rPr lang="en-US" altLang="ko-KR" dirty="0" smtClean="0"/>
-              <a:t>.</a:t>
-            </a:r>
-          </a:p>
-          <a:p>
-            <a:r>
-              <a:rPr lang="ko-KR" altLang="en-US" dirty="0" smtClean="0"/>
-              <a:t>하지만 이 방법은</a:t>
-            </a:r>
-            <a:r>
-              <a:rPr lang="en-US" altLang="ko-KR" dirty="0" smtClean="0"/>
-              <a:t>, the high rate of false-positive</a:t>
-            </a:r>
-            <a:r>
-              <a:rPr lang="ko-KR" altLang="en-US" dirty="0" smtClean="0"/>
-              <a:t>를 만들어냄</a:t>
-            </a:r>
-            <a:endParaRPr lang="en-US" altLang="ko-KR" dirty="0" smtClean="0"/>
-          </a:p>
-          <a:p>
-            <a:r>
-              <a:rPr lang="ko-KR" altLang="en-US" dirty="0" smtClean="0"/>
-              <a:t>그래서 </a:t>
-            </a:r>
-            <a:r>
-              <a:rPr lang="en-US" altLang="ko-KR" dirty="0" smtClean="0"/>
-              <a:t>NLP</a:t>
-            </a:r>
-            <a:r>
-              <a:rPr lang="ko-KR" altLang="en-US" dirty="0" smtClean="0"/>
-              <a:t>의 개발이 </a:t>
-            </a:r>
-            <a:r>
-              <a:rPr lang="ko-KR" altLang="en-US" dirty="0" err="1" smtClean="0"/>
-              <a:t>활발해지고있음</a:t>
-            </a:r>
-            <a:r>
-              <a:rPr lang="en-US" altLang="ko-KR" dirty="0" smtClean="0"/>
-              <a:t>.</a:t>
-            </a:r>
-          </a:p>
-          <a:p>
-            <a:r>
-              <a:rPr lang="en-US" altLang="ko-KR" dirty="0" smtClean="0"/>
-              <a:t>NLP</a:t>
-            </a:r>
-          </a:p>
-          <a:p>
-            <a:pPr marL="228600" indent="-228600">
-              <a:buAutoNum type="arabicPeriod"/>
-            </a:pPr>
-            <a:r>
-              <a:rPr lang="en-US" altLang="ko-KR" dirty="0" smtClean="0"/>
-              <a:t>Tokenized word</a:t>
-            </a:r>
-          </a:p>
-          <a:p>
-            <a:pPr marL="0" indent="0">
-              <a:buNone/>
-            </a:pPr>
-            <a:r>
-              <a:rPr lang="en-US" altLang="ko-KR" dirty="0" smtClean="0"/>
-              <a:t>2. Expending to sentence</a:t>
-            </a:r>
-          </a:p>
-          <a:p>
-            <a:pPr marL="0" indent="0">
-              <a:buNone/>
-            </a:pPr>
-            <a:r>
-              <a:rPr lang="en-US" altLang="ko-KR" dirty="0" smtClean="0"/>
-              <a:t>3. </a:t>
-            </a:r>
-            <a:r>
-              <a:rPr lang="ko-KR" altLang="en-US" dirty="0" smtClean="0"/>
-              <a:t>나온 </a:t>
-            </a:r>
-            <a:r>
-              <a:rPr lang="en-US" altLang="ko-KR" dirty="0" smtClean="0"/>
-              <a:t>Entity</a:t>
-            </a:r>
-            <a:r>
-              <a:rPr lang="ko-KR" altLang="en-US" dirty="0" smtClean="0"/>
-              <a:t>를 </a:t>
-            </a:r>
-            <a:r>
-              <a:rPr lang="en-US" altLang="ko-KR" dirty="0" smtClean="0"/>
-              <a:t>a biomedical category</a:t>
-            </a:r>
-            <a:r>
-              <a:rPr lang="ko-KR" altLang="en-US" dirty="0" smtClean="0"/>
-              <a:t>로 </a:t>
-            </a:r>
-            <a:r>
-              <a:rPr lang="en-US" altLang="ko-KR" dirty="0" smtClean="0"/>
-              <a:t>Mapping  </a:t>
-            </a:r>
-            <a:r>
-              <a:rPr lang="ko-KR" altLang="en-US" dirty="0" err="1" smtClean="0"/>
-              <a:t>하거나모든</a:t>
-            </a:r>
-            <a:r>
-              <a:rPr lang="ko-KR" altLang="en-US" dirty="0" smtClean="0"/>
-              <a:t> 문장과 구절을 </a:t>
-            </a:r>
-            <a:r>
-              <a:rPr lang="ko-KR" altLang="en-US" dirty="0" err="1" smtClean="0"/>
-              <a:t>트리로</a:t>
-            </a:r>
-            <a:r>
-              <a:rPr lang="ko-KR" altLang="en-US" dirty="0" smtClean="0"/>
-              <a:t> 구성함</a:t>
-            </a:r>
-            <a:r>
-              <a:rPr lang="en-US" altLang="ko-KR" dirty="0" smtClean="0"/>
-              <a:t>.</a:t>
-            </a:r>
-          </a:p>
-          <a:p>
-            <a:pPr marL="0" indent="0">
-              <a:buNone/>
-            </a:pPr>
-            <a:r>
-              <a:rPr lang="ko-KR" altLang="en-US" dirty="0" smtClean="0"/>
-              <a:t>결론</a:t>
-            </a:r>
-            <a:r>
-              <a:rPr lang="en-US" altLang="ko-KR" dirty="0" smtClean="0"/>
-              <a:t>.Co-</a:t>
-            </a:r>
-            <a:r>
-              <a:rPr lang="en-US" altLang="ko-KR" dirty="0" err="1" smtClean="0"/>
-              <a:t>occurence</a:t>
-            </a:r>
-            <a:r>
-              <a:rPr lang="ko-KR" altLang="en-US" dirty="0" smtClean="0"/>
-              <a:t>보다 </a:t>
-            </a:r>
-            <a:r>
-              <a:rPr lang="en-US" altLang="ko-KR" dirty="0" smtClean="0"/>
-              <a:t>NLP</a:t>
-            </a:r>
-            <a:r>
-              <a:rPr lang="ko-KR" altLang="en-US" dirty="0" smtClean="0"/>
-              <a:t>가 </a:t>
-            </a:r>
-            <a:r>
-              <a:rPr lang="en-US" altLang="ko-KR" dirty="0" smtClean="0"/>
-              <a:t>new discovery</a:t>
-            </a:r>
-            <a:r>
-              <a:rPr lang="ko-KR" altLang="en-US" dirty="0" smtClean="0"/>
-              <a:t>에 대한 </a:t>
-            </a:r>
-            <a:r>
-              <a:rPr lang="ko-KR" altLang="en-US" dirty="0" err="1" smtClean="0"/>
-              <a:t>더나은</a:t>
-            </a:r>
-            <a:r>
-              <a:rPr lang="ko-KR" altLang="en-US" dirty="0" smtClean="0"/>
-              <a:t> </a:t>
-            </a:r>
-            <a:r>
-              <a:rPr lang="en-US" altLang="ko-KR" dirty="0" smtClean="0"/>
-              <a:t>guidance</a:t>
-            </a:r>
-            <a:r>
-              <a:rPr lang="ko-KR" altLang="en-US" dirty="0" smtClean="0"/>
-              <a:t>를 제공함</a:t>
-            </a:r>
-            <a:r>
-              <a:rPr lang="en-US" altLang="ko-KR" dirty="0" smtClean="0"/>
-              <a:t>.</a:t>
-            </a:r>
-          </a:p>
-          <a:p>
-            <a:pPr marL="0" indent="0">
-              <a:buNone/>
-            </a:pPr>
-            <a:endParaRPr lang="en-US" altLang="ko-KR" dirty="0" smtClean="0"/>
-          </a:p>
-          <a:p>
-            <a:pPr marL="0" indent="0">
-              <a:buNone/>
-            </a:pPr>
-            <a:r>
-              <a:rPr lang="ko-KR" altLang="en-US" dirty="0" smtClean="0"/>
-              <a:t>근데 이 </a:t>
-            </a:r>
-            <a:r>
-              <a:rPr lang="en-US" altLang="ko-KR" dirty="0" smtClean="0"/>
-              <a:t>Literature</a:t>
-            </a:r>
-            <a:r>
-              <a:rPr lang="en-US" altLang="ko-KR" baseline="0" dirty="0" smtClean="0"/>
-              <a:t> Mining</a:t>
-            </a:r>
-            <a:r>
-              <a:rPr lang="ko-KR" altLang="en-US" baseline="0" dirty="0" smtClean="0"/>
-              <a:t>을 어떤 데이터를 이용해 진행하느냐</a:t>
-            </a:r>
-            <a:endParaRPr lang="en-US" altLang="ko-KR" baseline="0" dirty="0" smtClean="0"/>
-          </a:p>
-          <a:p>
-            <a:pPr marL="0" indent="0">
-              <a:buNone/>
-            </a:pPr>
-            <a:r>
-              <a:rPr lang="en-US" altLang="ko-KR" baseline="0" dirty="0" err="1" smtClean="0"/>
-              <a:t>Pubmed</a:t>
-            </a:r>
-            <a:r>
-              <a:rPr lang="ko-KR" altLang="en-US" baseline="0" dirty="0" smtClean="0"/>
-              <a:t>라는 부분이 나옵니다</a:t>
-            </a:r>
-            <a:endParaRPr lang="en-US" altLang="ko-KR" dirty="0" smtClean="0"/>
+              <a:t>RDF</a:t>
+            </a:r>
           </a:p>
         </p:txBody>
       </p:sp>
@@ -941,7 +700,7 @@
     </p:spTree>
     <p:extLst>
       <p:ext uri="{BB962C8B-B14F-4D97-AF65-F5344CB8AC3E}">
-        <p14:creationId xmlns:p14="http://schemas.microsoft.com/office/powerpoint/2010/main" val="1650387566"/>
+        <p14:creationId xmlns:p14="http://schemas.microsoft.com/office/powerpoint/2010/main" val="1877729706"/>
       </p:ext>
     </p:extLst>
   </p:cSld>
@@ -997,147 +756,146 @@
           <a:p>
             <a:r>
               <a:rPr lang="ko-KR" altLang="en-US" dirty="0" smtClean="0"/>
-              <a:t>더 정확한 증상을 </a:t>
-            </a:r>
-            <a:r>
-              <a:rPr lang="ko-KR" altLang="en-US" dirty="0" err="1" smtClean="0"/>
-              <a:t>근거있게</a:t>
+              <a:t>가장 많이 사용되는 </a:t>
+            </a:r>
+            <a:r>
+              <a:rPr lang="en-US" altLang="ko-KR" dirty="0" err="1" smtClean="0"/>
+              <a:t>ontolgy</a:t>
             </a:r>
             <a:r>
               <a:rPr lang="ko-KR" altLang="en-US" dirty="0" smtClean="0"/>
-              <a:t> 예측할 수 있거나 부작용으로 이끄는 </a:t>
-            </a:r>
-            <a:r>
-              <a:rPr lang="en-US" altLang="ko-KR" dirty="0" smtClean="0"/>
-              <a:t>signaling pathway</a:t>
-            </a:r>
-            <a:r>
-              <a:rPr lang="ko-KR" altLang="en-US" dirty="0" smtClean="0"/>
-              <a:t>를 피할 수 있을 것이다</a:t>
-            </a:r>
-            <a:r>
-              <a:rPr lang="en-US" altLang="ko-KR" dirty="0" smtClean="0"/>
+              <a:t>는</a:t>
+            </a:r>
+            <a:r>
+              <a:rPr lang="ko-KR" altLang="en-US" baseline="0" dirty="0" smtClean="0"/>
+              <a:t> </a:t>
+            </a:r>
+            <a:r>
+              <a:rPr lang="en-US" altLang="ko-KR" baseline="0" dirty="0" smtClean="0"/>
+              <a:t>GO</a:t>
+            </a:r>
+            <a:r>
+              <a:rPr lang="ko-KR" altLang="en-US" baseline="0" dirty="0" smtClean="0"/>
+              <a:t>와 </a:t>
+            </a:r>
+            <a:r>
+              <a:rPr lang="en-US" altLang="ko-KR" baseline="0" dirty="0" smtClean="0"/>
+              <a:t>UMLS</a:t>
+            </a:r>
+            <a:r>
+              <a:rPr lang="ko-KR" altLang="en-US" baseline="0" dirty="0" smtClean="0"/>
+              <a:t>이다</a:t>
+            </a:r>
+            <a:r>
+              <a:rPr lang="en-US" altLang="ko-KR" baseline="0" dirty="0" smtClean="0"/>
               <a:t>.</a:t>
             </a:r>
           </a:p>
           <a:p>
-            <a:endParaRPr lang="en-US" altLang="ko-KR" dirty="0" smtClean="0"/>
-          </a:p>
-          <a:p>
-            <a:r>
-              <a:rPr lang="ko-KR" altLang="en-US" dirty="0" smtClean="0"/>
-              <a:t>그리고 </a:t>
-            </a:r>
-            <a:r>
-              <a:rPr lang="en-US" altLang="ko-KR" dirty="0" smtClean="0"/>
-              <a:t>DR </a:t>
-            </a:r>
-            <a:r>
-              <a:rPr lang="ko-KR" altLang="en-US" dirty="0" smtClean="0"/>
-              <a:t>과정에서 중요한 점은</a:t>
-            </a:r>
-            <a:endParaRPr lang="en-US" altLang="ko-KR" dirty="0" smtClean="0"/>
-          </a:p>
-          <a:p>
-            <a:r>
-              <a:rPr lang="en-US" altLang="ko-KR" dirty="0" smtClean="0"/>
-              <a:t>1. </a:t>
-            </a:r>
-            <a:r>
-              <a:rPr lang="ko-KR" altLang="en-US" dirty="0" smtClean="0"/>
-              <a:t>모든 가설은 전문가에 의해 직접 만들어져야 한다</a:t>
-            </a:r>
-            <a:r>
-              <a:rPr lang="en-US" altLang="ko-KR" dirty="0" smtClean="0"/>
+            <a:endParaRPr lang="en-US" altLang="ko-KR" baseline="0" dirty="0" smtClean="0"/>
+          </a:p>
+          <a:p>
+            <a:r>
+              <a:rPr lang="en-US" altLang="ko-KR" dirty="0" smtClean="0"/>
+              <a:t>Gene</a:t>
+            </a:r>
+            <a:r>
+              <a:rPr lang="en-US" altLang="ko-KR" baseline="0" dirty="0" smtClean="0"/>
+              <a:t> Ontology</a:t>
+            </a:r>
+            <a:r>
+              <a:rPr lang="ko-KR" altLang="en-US" baseline="0" dirty="0" smtClean="0"/>
+              <a:t>는 </a:t>
+            </a:r>
+            <a:r>
+              <a:rPr lang="en-US" altLang="ko-KR" baseline="0" dirty="0" smtClean="0"/>
+              <a:t>Biology model</a:t>
+            </a:r>
+            <a:r>
+              <a:rPr lang="ko-KR" altLang="en-US" baseline="0" dirty="0" smtClean="0"/>
+              <a:t>을 위한 </a:t>
+            </a:r>
+            <a:r>
+              <a:rPr lang="en-US" altLang="ko-KR" baseline="0" dirty="0" smtClean="0"/>
+              <a:t>framework.</a:t>
+            </a:r>
+          </a:p>
+          <a:p>
+            <a:r>
+              <a:rPr lang="en-US" altLang="ko-KR" sz="1200" b="1" i="0" kern="1200" dirty="0" smtClean="0">
+                <a:solidFill>
+                  <a:schemeClr val="tx1"/>
+                </a:solidFill>
+                <a:effectLst/>
+                <a:latin typeface="+mn-lt"/>
+                <a:ea typeface="+mn-ea"/>
+                <a:cs typeface="+mn-cs"/>
+              </a:rPr>
+              <a:t>molecular function</a:t>
+            </a:r>
+          </a:p>
+          <a:p>
+            <a:r>
+              <a:rPr lang="en-US" altLang="ko-KR" sz="1200" b="1" i="0" kern="1200" dirty="0" smtClean="0">
+                <a:solidFill>
+                  <a:schemeClr val="tx1"/>
+                </a:solidFill>
+                <a:effectLst/>
+                <a:latin typeface="+mn-lt"/>
+                <a:ea typeface="+mn-ea"/>
+                <a:cs typeface="+mn-cs"/>
+              </a:rPr>
+              <a:t>cellular component</a:t>
+            </a:r>
+          </a:p>
+          <a:p>
+            <a:r>
+              <a:rPr lang="en-US" altLang="ko-KR" sz="1200" b="1" i="0" kern="1200" dirty="0" smtClean="0">
+                <a:solidFill>
+                  <a:schemeClr val="tx1"/>
+                </a:solidFill>
+                <a:effectLst/>
+                <a:latin typeface="+mn-lt"/>
+                <a:ea typeface="+mn-ea"/>
+                <a:cs typeface="+mn-cs"/>
+              </a:rPr>
+              <a:t>biological process</a:t>
+            </a:r>
+            <a:r>
+              <a:rPr lang="ko-KR" altLang="en-US" sz="1200" b="0" i="0" kern="1200" baseline="0" dirty="0" smtClean="0">
+                <a:solidFill>
+                  <a:schemeClr val="tx1"/>
+                </a:solidFill>
+                <a:effectLst/>
+                <a:latin typeface="+mn-lt"/>
+                <a:ea typeface="+mn-ea"/>
+                <a:cs typeface="+mn-cs"/>
+              </a:rPr>
+              <a:t> 에  대한 정보를 가지고 있다</a:t>
+            </a:r>
+            <a:r>
+              <a:rPr lang="en-US" altLang="ko-KR" sz="1200" b="0" i="0" kern="1200" baseline="0" dirty="0" smtClean="0">
+                <a:solidFill>
+                  <a:schemeClr val="tx1"/>
+                </a:solidFill>
+                <a:effectLst/>
+                <a:latin typeface="+mn-lt"/>
+                <a:ea typeface="+mn-ea"/>
+                <a:cs typeface="+mn-cs"/>
+              </a:rPr>
               <a:t>.</a:t>
             </a:r>
           </a:p>
           <a:p>
-            <a:r>
-              <a:rPr lang="ko-KR" altLang="en-US" dirty="0" smtClean="0"/>
-              <a:t>전문가가 직접 수행함으로써</a:t>
-            </a:r>
-            <a:r>
-              <a:rPr lang="en-US" altLang="ko-KR" dirty="0" smtClean="0"/>
-              <a:t>, </a:t>
-            </a:r>
-            <a:r>
-              <a:rPr lang="ko-KR" altLang="en-US" dirty="0" smtClean="0"/>
-              <a:t>불확실성이 줄어들고</a:t>
-            </a:r>
-            <a:r>
-              <a:rPr lang="en-US" altLang="ko-KR" dirty="0" smtClean="0"/>
-              <a:t>, novel association</a:t>
-            </a:r>
-            <a:r>
-              <a:rPr lang="ko-KR" altLang="en-US" dirty="0" smtClean="0"/>
-              <a:t>과 연관된 다른 </a:t>
-            </a:r>
-            <a:r>
-              <a:rPr lang="en-US" altLang="ko-KR" dirty="0" smtClean="0"/>
-              <a:t>parameters</a:t>
-            </a:r>
-            <a:r>
-              <a:rPr lang="ko-KR" altLang="en-US" dirty="0" smtClean="0"/>
-              <a:t>들을 고려 할 수 있다</a:t>
-            </a:r>
-            <a:r>
-              <a:rPr lang="en-US" altLang="ko-KR" dirty="0" smtClean="0"/>
-              <a:t>.</a:t>
-            </a:r>
-          </a:p>
-          <a:p>
-            <a:r>
-              <a:rPr lang="en-US" altLang="ko-KR" dirty="0" smtClean="0"/>
-              <a:t>2. </a:t>
-            </a:r>
-            <a:r>
-              <a:rPr lang="ko-KR" altLang="en-US" dirty="0" smtClean="0"/>
-              <a:t>유해반응이 발생한다는 가능성이 없다고 가정해선 </a:t>
-            </a:r>
-            <a:r>
-              <a:rPr lang="ko-KR" altLang="en-US" dirty="0" err="1" smtClean="0"/>
-              <a:t>안된다</a:t>
-            </a:r>
-            <a:r>
-              <a:rPr lang="en-US" altLang="ko-KR" dirty="0" smtClean="0"/>
-              <a:t>.</a:t>
-            </a:r>
-          </a:p>
-          <a:p>
-            <a:r>
-              <a:rPr lang="ko-KR" altLang="en-US" dirty="0" smtClean="0"/>
-              <a:t>이미 기존의 있는 </a:t>
-            </a:r>
-            <a:r>
-              <a:rPr lang="en-US" altLang="ko-KR" dirty="0" smtClean="0"/>
-              <a:t>drugs</a:t>
-            </a:r>
-            <a:r>
-              <a:rPr lang="ko-KR" altLang="en-US" dirty="0" smtClean="0"/>
-              <a:t>를 이용해 수행하는 것이기 때문에</a:t>
-            </a:r>
-            <a:r>
-              <a:rPr lang="en-US" altLang="ko-KR" dirty="0" smtClean="0"/>
-              <a:t>, </a:t>
-            </a:r>
-            <a:r>
-              <a:rPr lang="ko-KR" altLang="en-US" dirty="0" smtClean="0"/>
-              <a:t>모든 안전성 검사가 되어있더라도</a:t>
-            </a:r>
-            <a:r>
-              <a:rPr lang="en-US" altLang="ko-KR" dirty="0" smtClean="0"/>
-              <a:t>, </a:t>
-            </a:r>
-            <a:r>
-              <a:rPr lang="ko-KR" altLang="en-US" dirty="0" smtClean="0"/>
-              <a:t>부작용이 발생하지 않는다는 것은 아니다</a:t>
-            </a:r>
-            <a:r>
-              <a:rPr lang="en-US" altLang="ko-KR" dirty="0" smtClean="0"/>
-              <a:t>.</a:t>
-            </a:r>
-            <a:endParaRPr lang="ko-KR" altLang="en-US" dirty="0"/>
+            <a:endParaRPr lang="en-US" altLang="ko-KR" sz="1200" b="1" i="0" kern="1200" dirty="0" smtClean="0">
+              <a:solidFill>
+                <a:schemeClr val="tx1"/>
+              </a:solidFill>
+              <a:effectLst/>
+              <a:latin typeface="+mn-lt"/>
+              <a:ea typeface="+mn-ea"/>
+              <a:cs typeface="+mn-cs"/>
+            </a:endParaRPr>
           </a:p>
         </p:txBody>
       </p:sp>
@@ -1167,7 +925,898 @@
     </p:spTree>
     <p:extLst>
       <p:ext uri="{BB962C8B-B14F-4D97-AF65-F5344CB8AC3E}">
-        <p14:creationId xmlns:p14="http://schemas.microsoft.com/office/powerpoint/2010/main" val="1069543800"/>
+        <p14:creationId xmlns:p14="http://schemas.microsoft.com/office/powerpoint/2010/main" val="2804332657"/>
+      </p:ext>
+    </p:extLst>
+  </p:cSld>
+  <p:clrMapOvr>
+    <a:masterClrMapping/>
+  </p:clrMapOvr>
+</p:notes>
+</file>
+
+<file path=ppt/notesSlides/notesSlide12.xml><?xml version="1.0" encoding="utf-8"?>
+<p:notes xmlns:a="http://schemas.openxmlformats.org/drawingml/2006/main" xmlns:r="http://schemas.openxmlformats.org/officeDocument/2006/relationships" xmlns:p="http://schemas.openxmlformats.org/presentationml/2006/main">
+  <p:cSld>
+    <p:spTree>
+      <p:nvGrpSpPr>
+        <p:cNvPr id="1" name=""/>
+        <p:cNvGrpSpPr/>
+        <p:nvPr/>
+      </p:nvGrpSpPr>
+      <p:grpSpPr>
+        <a:xfrm>
+          <a:off x="0" y="0"/>
+          <a:ext cx="0" cy="0"/>
+          <a:chOff x="0" y="0"/>
+          <a:chExt cx="0" cy="0"/>
+        </a:xfrm>
+      </p:grpSpPr>
+      <p:sp>
+        <p:nvSpPr>
+          <p:cNvPr id="2" name="슬라이드 이미지 개체 틀 1"/>
+          <p:cNvSpPr>
+            <a:spLocks noGrp="1" noRot="1" noChangeAspect="1"/>
+          </p:cNvSpPr>
+          <p:nvPr>
+            <p:ph type="sldImg"/>
+          </p:nvPr>
+        </p:nvSpPr>
+        <p:spPr/>
+      </p:sp>
+      <p:sp>
+        <p:nvSpPr>
+          <p:cNvPr id="3" name="슬라이드 노트 개체 틀 2"/>
+          <p:cNvSpPr>
+            <a:spLocks noGrp="1"/>
+          </p:cNvSpPr>
+          <p:nvPr>
+            <p:ph type="body" idx="1"/>
+          </p:nvPr>
+        </p:nvSpPr>
+        <p:spPr/>
+        <p:txBody>
+          <a:bodyPr/>
+          <a:lstStyle/>
+          <a:p>
+            <a:r>
+              <a:rPr lang="ko-KR" altLang="en-US" dirty="0" smtClean="0"/>
+              <a:t>하지만 한계점도 존재한다</a:t>
+            </a:r>
+            <a:r>
+              <a:rPr lang="en-US" altLang="ko-KR" dirty="0" smtClean="0"/>
+              <a:t>.</a:t>
+            </a:r>
+          </a:p>
+          <a:p>
+            <a:r>
+              <a:rPr lang="ko-KR" altLang="en-US" dirty="0" smtClean="0"/>
+              <a:t>많은 양의 데이터를 시각화 하려고 </a:t>
+            </a:r>
+            <a:r>
+              <a:rPr lang="ko-KR" altLang="en-US" dirty="0" err="1" smtClean="0"/>
+              <a:t>할때</a:t>
+            </a:r>
+            <a:endParaRPr lang="en-US" altLang="ko-KR" dirty="0" smtClean="0"/>
+          </a:p>
+          <a:p>
+            <a:r>
+              <a:rPr lang="en-US" altLang="ko-KR" dirty="0" smtClean="0"/>
+              <a:t>2D</a:t>
+            </a:r>
+            <a:r>
+              <a:rPr lang="ko-KR" altLang="en-US" dirty="0" smtClean="0"/>
+              <a:t>의 </a:t>
+            </a:r>
+            <a:r>
+              <a:rPr lang="ko-KR" altLang="en-US" dirty="0" err="1" smtClean="0"/>
+              <a:t>시각화시</a:t>
+            </a:r>
+            <a:r>
+              <a:rPr lang="ko-KR" altLang="en-US" dirty="0" smtClean="0"/>
+              <a:t> 더 복잡해 질 수 있다</a:t>
+            </a:r>
+            <a:r>
+              <a:rPr lang="en-US" altLang="ko-KR" dirty="0" smtClean="0"/>
+              <a:t>.</a:t>
+            </a:r>
+          </a:p>
+          <a:p>
+            <a:r>
+              <a:rPr lang="ko-KR" altLang="en-US" dirty="0" smtClean="0"/>
+              <a:t>그때는 </a:t>
+            </a:r>
+            <a:r>
+              <a:rPr lang="en-US" altLang="ko-KR" dirty="0" smtClean="0"/>
+              <a:t>3D </a:t>
+            </a:r>
+            <a:r>
+              <a:rPr lang="ko-KR" altLang="en-US" dirty="0" smtClean="0"/>
+              <a:t>시각화가 적절한 방법이다</a:t>
+            </a:r>
+            <a:r>
+              <a:rPr lang="en-US" altLang="ko-KR" dirty="0" smtClean="0"/>
+              <a:t>.</a:t>
+            </a:r>
+            <a:endParaRPr lang="ko-KR" altLang="en-US" dirty="0"/>
+          </a:p>
+        </p:txBody>
+      </p:sp>
+      <p:sp>
+        <p:nvSpPr>
+          <p:cNvPr id="4" name="슬라이드 번호 개체 틀 3"/>
+          <p:cNvSpPr>
+            <a:spLocks noGrp="1"/>
+          </p:cNvSpPr>
+          <p:nvPr>
+            <p:ph type="sldNum" sz="quarter" idx="10"/>
+          </p:nvPr>
+        </p:nvSpPr>
+        <p:spPr/>
+        <p:txBody>
+          <a:bodyPr/>
+          <a:lstStyle/>
+          <a:p>
+            <a:fld id="{DF1C77DD-6346-4C60-9BCD-18E499DAD49C}" type="slidenum">
+              <a:rPr lang="ko-KR" altLang="en-US" smtClean="0"/>
+              <a:t>14</a:t>
+            </a:fld>
+            <a:endParaRPr lang="ko-KR" altLang="en-US"/>
+          </a:p>
+        </p:txBody>
+      </p:sp>
+    </p:spTree>
+    <p:extLst>
+      <p:ext uri="{BB962C8B-B14F-4D97-AF65-F5344CB8AC3E}">
+        <p14:creationId xmlns:p14="http://schemas.microsoft.com/office/powerpoint/2010/main" val="1009059044"/>
+      </p:ext>
+    </p:extLst>
+  </p:cSld>
+  <p:clrMapOvr>
+    <a:masterClrMapping/>
+  </p:clrMapOvr>
+</p:notes>
+</file>
+
+<file path=ppt/notesSlides/notesSlide13.xml><?xml version="1.0" encoding="utf-8"?>
+<p:notes xmlns:a="http://schemas.openxmlformats.org/drawingml/2006/main" xmlns:r="http://schemas.openxmlformats.org/officeDocument/2006/relationships" xmlns:p="http://schemas.openxmlformats.org/presentationml/2006/main">
+  <p:cSld>
+    <p:spTree>
+      <p:nvGrpSpPr>
+        <p:cNvPr id="1" name=""/>
+        <p:cNvGrpSpPr/>
+        <p:nvPr/>
+      </p:nvGrpSpPr>
+      <p:grpSpPr>
+        <a:xfrm>
+          <a:off x="0" y="0"/>
+          <a:ext cx="0" cy="0"/>
+          <a:chOff x="0" y="0"/>
+          <a:chExt cx="0" cy="0"/>
+        </a:xfrm>
+      </p:grpSpPr>
+      <p:sp>
+        <p:nvSpPr>
+          <p:cNvPr id="2" name="슬라이드 이미지 개체 틀 1"/>
+          <p:cNvSpPr>
+            <a:spLocks noGrp="1" noRot="1" noChangeAspect="1"/>
+          </p:cNvSpPr>
+          <p:nvPr>
+            <p:ph type="sldImg"/>
+          </p:nvPr>
+        </p:nvSpPr>
+        <p:spPr/>
+      </p:sp>
+      <p:sp>
+        <p:nvSpPr>
+          <p:cNvPr id="3" name="슬라이드 노트 개체 틀 2"/>
+          <p:cNvSpPr>
+            <a:spLocks noGrp="1"/>
+          </p:cNvSpPr>
+          <p:nvPr>
+            <p:ph type="body" idx="1"/>
+          </p:nvPr>
+        </p:nvSpPr>
+        <p:spPr/>
+        <p:txBody>
+          <a:bodyPr/>
+          <a:lstStyle/>
+          <a:p>
+            <a:pPr lvl="1"/>
+            <a:r>
+              <a:rPr lang="ko-KR" altLang="en-US" dirty="0" err="1" smtClean="0"/>
+              <a:t>텍스트마이닝을</a:t>
+            </a:r>
+            <a:r>
+              <a:rPr lang="ko-KR" altLang="en-US" dirty="0" smtClean="0"/>
+              <a:t> 이용하여 새로운 발견을 찾으려는 시도</a:t>
+            </a:r>
+            <a:r>
+              <a:rPr lang="en-US" altLang="ko-KR" dirty="0" smtClean="0"/>
+              <a:t>.</a:t>
+            </a:r>
+          </a:p>
+          <a:p>
+            <a:pPr lvl="1"/>
+            <a:endParaRPr lang="en-US" altLang="ko-KR" dirty="0" smtClean="0"/>
+          </a:p>
+          <a:p>
+            <a:pPr lvl="1"/>
+            <a:r>
+              <a:rPr lang="en-US" altLang="ko-KR" dirty="0" err="1" smtClean="0"/>
+              <a:t>CoPub</a:t>
+            </a:r>
+            <a:r>
+              <a:rPr lang="en-US" altLang="ko-KR" dirty="0" smtClean="0"/>
+              <a:t> Discovery is based on Swanson’s ABC model.</a:t>
+            </a:r>
+            <a:endParaRPr lang="en-US" altLang="ko-KR" dirty="0" smtClean="0"/>
+          </a:p>
+        </p:txBody>
+      </p:sp>
+      <p:sp>
+        <p:nvSpPr>
+          <p:cNvPr id="4" name="슬라이드 번호 개체 틀 3"/>
+          <p:cNvSpPr>
+            <a:spLocks noGrp="1"/>
+          </p:cNvSpPr>
+          <p:nvPr>
+            <p:ph type="sldNum" sz="quarter" idx="10"/>
+          </p:nvPr>
+        </p:nvSpPr>
+        <p:spPr/>
+        <p:txBody>
+          <a:bodyPr/>
+          <a:lstStyle/>
+          <a:p>
+            <a:fld id="{DF1C77DD-6346-4C60-9BCD-18E499DAD49C}" type="slidenum">
+              <a:rPr lang="ko-KR" altLang="en-US" smtClean="0"/>
+              <a:t>15</a:t>
+            </a:fld>
+            <a:endParaRPr lang="ko-KR" altLang="en-US"/>
+          </a:p>
+        </p:txBody>
+      </p:sp>
+    </p:spTree>
+    <p:extLst>
+      <p:ext uri="{BB962C8B-B14F-4D97-AF65-F5344CB8AC3E}">
+        <p14:creationId xmlns:p14="http://schemas.microsoft.com/office/powerpoint/2010/main" val="392559598"/>
+      </p:ext>
+    </p:extLst>
+  </p:cSld>
+  <p:clrMapOvr>
+    <a:masterClrMapping/>
+  </p:clrMapOvr>
+</p:notes>
+</file>
+
+<file path=ppt/notesSlides/notesSlide14.xml><?xml version="1.0" encoding="utf-8"?>
+<p:notes xmlns:a="http://schemas.openxmlformats.org/drawingml/2006/main" xmlns:r="http://schemas.openxmlformats.org/officeDocument/2006/relationships" xmlns:p="http://schemas.openxmlformats.org/presentationml/2006/main">
+  <p:cSld>
+    <p:spTree>
+      <p:nvGrpSpPr>
+        <p:cNvPr id="1" name=""/>
+        <p:cNvGrpSpPr/>
+        <p:nvPr/>
+      </p:nvGrpSpPr>
+      <p:grpSpPr>
+        <a:xfrm>
+          <a:off x="0" y="0"/>
+          <a:ext cx="0" cy="0"/>
+          <a:chOff x="0" y="0"/>
+          <a:chExt cx="0" cy="0"/>
+        </a:xfrm>
+      </p:grpSpPr>
+      <p:sp>
+        <p:nvSpPr>
+          <p:cNvPr id="2" name="슬라이드 이미지 개체 틀 1"/>
+          <p:cNvSpPr>
+            <a:spLocks noGrp="1" noRot="1" noChangeAspect="1"/>
+          </p:cNvSpPr>
+          <p:nvPr>
+            <p:ph type="sldImg"/>
+          </p:nvPr>
+        </p:nvSpPr>
+        <p:spPr/>
+      </p:sp>
+      <p:sp>
+        <p:nvSpPr>
+          <p:cNvPr id="3" name="슬라이드 노트 개체 틀 2"/>
+          <p:cNvSpPr>
+            <a:spLocks noGrp="1"/>
+          </p:cNvSpPr>
+          <p:nvPr>
+            <p:ph type="body" idx="1"/>
+          </p:nvPr>
+        </p:nvSpPr>
+        <p:spPr/>
+        <p:txBody>
+          <a:bodyPr/>
+          <a:lstStyle/>
+          <a:p>
+            <a:pPr lvl="1"/>
+            <a:r>
+              <a:rPr lang="en-US" altLang="ko-KR" dirty="0" smtClean="0"/>
+              <a:t>semantic queries</a:t>
+            </a:r>
+            <a:endParaRPr lang="en-US" altLang="ko-KR" dirty="0" smtClean="0"/>
+          </a:p>
+        </p:txBody>
+      </p:sp>
+      <p:sp>
+        <p:nvSpPr>
+          <p:cNvPr id="4" name="슬라이드 번호 개체 틀 3"/>
+          <p:cNvSpPr>
+            <a:spLocks noGrp="1"/>
+          </p:cNvSpPr>
+          <p:nvPr>
+            <p:ph type="sldNum" sz="quarter" idx="10"/>
+          </p:nvPr>
+        </p:nvSpPr>
+        <p:spPr/>
+        <p:txBody>
+          <a:bodyPr/>
+          <a:lstStyle/>
+          <a:p>
+            <a:fld id="{DF1C77DD-6346-4C60-9BCD-18E499DAD49C}" type="slidenum">
+              <a:rPr lang="ko-KR" altLang="en-US" smtClean="0"/>
+              <a:t>16</a:t>
+            </a:fld>
+            <a:endParaRPr lang="ko-KR" altLang="en-US"/>
+          </a:p>
+        </p:txBody>
+      </p:sp>
+    </p:spTree>
+    <p:extLst>
+      <p:ext uri="{BB962C8B-B14F-4D97-AF65-F5344CB8AC3E}">
+        <p14:creationId xmlns:p14="http://schemas.microsoft.com/office/powerpoint/2010/main" val="392559598"/>
+      </p:ext>
+    </p:extLst>
+  </p:cSld>
+  <p:clrMapOvr>
+    <a:masterClrMapping/>
+  </p:clrMapOvr>
+</p:notes>
+</file>
+
+<file path=ppt/notesSlides/notesSlide15.xml><?xml version="1.0" encoding="utf-8"?>
+<p:notes xmlns:a="http://schemas.openxmlformats.org/drawingml/2006/main" xmlns:r="http://schemas.openxmlformats.org/officeDocument/2006/relationships" xmlns:p="http://schemas.openxmlformats.org/presentationml/2006/main">
+  <p:cSld>
+    <p:spTree>
+      <p:nvGrpSpPr>
+        <p:cNvPr id="1" name=""/>
+        <p:cNvGrpSpPr/>
+        <p:nvPr/>
+      </p:nvGrpSpPr>
+      <p:grpSpPr>
+        <a:xfrm>
+          <a:off x="0" y="0"/>
+          <a:ext cx="0" cy="0"/>
+          <a:chOff x="0" y="0"/>
+          <a:chExt cx="0" cy="0"/>
+        </a:xfrm>
+      </p:grpSpPr>
+      <p:sp>
+        <p:nvSpPr>
+          <p:cNvPr id="2" name="슬라이드 이미지 개체 틀 1"/>
+          <p:cNvSpPr>
+            <a:spLocks noGrp="1" noRot="1" noChangeAspect="1"/>
+          </p:cNvSpPr>
+          <p:nvPr>
+            <p:ph type="sldImg"/>
+          </p:nvPr>
+        </p:nvSpPr>
+        <p:spPr/>
+      </p:sp>
+      <p:sp>
+        <p:nvSpPr>
+          <p:cNvPr id="3" name="슬라이드 노트 개체 틀 2"/>
+          <p:cNvSpPr>
+            <a:spLocks noGrp="1"/>
+          </p:cNvSpPr>
+          <p:nvPr>
+            <p:ph type="body" idx="1"/>
+          </p:nvPr>
+        </p:nvSpPr>
+        <p:spPr/>
+        <p:txBody>
+          <a:bodyPr/>
+          <a:lstStyle/>
+          <a:p>
+            <a:pPr lvl="1"/>
+            <a:r>
+              <a:rPr lang="en-US" altLang="ko-KR" dirty="0" smtClean="0"/>
+              <a:t>semantic queries</a:t>
+            </a:r>
+            <a:endParaRPr lang="en-US" altLang="ko-KR" dirty="0" smtClean="0"/>
+          </a:p>
+        </p:txBody>
+      </p:sp>
+      <p:sp>
+        <p:nvSpPr>
+          <p:cNvPr id="4" name="슬라이드 번호 개체 틀 3"/>
+          <p:cNvSpPr>
+            <a:spLocks noGrp="1"/>
+          </p:cNvSpPr>
+          <p:nvPr>
+            <p:ph type="sldNum" sz="quarter" idx="10"/>
+          </p:nvPr>
+        </p:nvSpPr>
+        <p:spPr/>
+        <p:txBody>
+          <a:bodyPr/>
+          <a:lstStyle/>
+          <a:p>
+            <a:fld id="{DF1C77DD-6346-4C60-9BCD-18E499DAD49C}" type="slidenum">
+              <a:rPr lang="ko-KR" altLang="en-US" smtClean="0"/>
+              <a:t>17</a:t>
+            </a:fld>
+            <a:endParaRPr lang="ko-KR" altLang="en-US"/>
+          </a:p>
+        </p:txBody>
+      </p:sp>
+    </p:spTree>
+    <p:extLst>
+      <p:ext uri="{BB962C8B-B14F-4D97-AF65-F5344CB8AC3E}">
+        <p14:creationId xmlns:p14="http://schemas.microsoft.com/office/powerpoint/2010/main" val="392559598"/>
+      </p:ext>
+    </p:extLst>
+  </p:cSld>
+  <p:clrMapOvr>
+    <a:masterClrMapping/>
+  </p:clrMapOvr>
+</p:notes>
+</file>
+
+<file path=ppt/notesSlides/notesSlide16.xml><?xml version="1.0" encoding="utf-8"?>
+<p:notes xmlns:a="http://schemas.openxmlformats.org/drawingml/2006/main" xmlns:r="http://schemas.openxmlformats.org/officeDocument/2006/relationships" xmlns:p="http://schemas.openxmlformats.org/presentationml/2006/main">
+  <p:cSld>
+    <p:spTree>
+      <p:nvGrpSpPr>
+        <p:cNvPr id="1" name=""/>
+        <p:cNvGrpSpPr/>
+        <p:nvPr/>
+      </p:nvGrpSpPr>
+      <p:grpSpPr>
+        <a:xfrm>
+          <a:off x="0" y="0"/>
+          <a:ext cx="0" cy="0"/>
+          <a:chOff x="0" y="0"/>
+          <a:chExt cx="0" cy="0"/>
+        </a:xfrm>
+      </p:grpSpPr>
+      <p:sp>
+        <p:nvSpPr>
+          <p:cNvPr id="2" name="슬라이드 이미지 개체 틀 1"/>
+          <p:cNvSpPr>
+            <a:spLocks noGrp="1" noRot="1" noChangeAspect="1"/>
+          </p:cNvSpPr>
+          <p:nvPr>
+            <p:ph type="sldImg"/>
+          </p:nvPr>
+        </p:nvSpPr>
+        <p:spPr/>
+      </p:sp>
+      <p:sp>
+        <p:nvSpPr>
+          <p:cNvPr id="3" name="슬라이드 노트 개체 틀 2"/>
+          <p:cNvSpPr>
+            <a:spLocks noGrp="1"/>
+          </p:cNvSpPr>
+          <p:nvPr>
+            <p:ph type="body" idx="1"/>
+          </p:nvPr>
+        </p:nvSpPr>
+        <p:spPr/>
+        <p:txBody>
+          <a:bodyPr/>
+          <a:lstStyle/>
+          <a:p>
+            <a:pPr lvl="1"/>
+            <a:r>
+              <a:rPr lang="en-US" altLang="ko-KR" dirty="0" smtClean="0"/>
+              <a:t>The</a:t>
+            </a:r>
+            <a:r>
+              <a:rPr lang="en-US" altLang="ko-KR" baseline="0" dirty="0" smtClean="0"/>
+              <a:t> visualization techniques.</a:t>
+            </a:r>
+          </a:p>
+          <a:p>
+            <a:pPr lvl="1"/>
+            <a:r>
+              <a:rPr lang="ko-KR" altLang="en-US" baseline="0" dirty="0" smtClean="0"/>
+              <a:t>그래프 이론 분석에 의해 새 관계를 발견하는 예들</a:t>
+            </a:r>
+            <a:endParaRPr lang="en-US" altLang="ko-KR" baseline="0" dirty="0" smtClean="0"/>
+          </a:p>
+          <a:p>
+            <a:pPr lvl="1"/>
+            <a:endParaRPr lang="en-US" altLang="ko-KR" dirty="0" smtClean="0"/>
+          </a:p>
+        </p:txBody>
+      </p:sp>
+      <p:sp>
+        <p:nvSpPr>
+          <p:cNvPr id="4" name="슬라이드 번호 개체 틀 3"/>
+          <p:cNvSpPr>
+            <a:spLocks noGrp="1"/>
+          </p:cNvSpPr>
+          <p:nvPr>
+            <p:ph type="sldNum" sz="quarter" idx="10"/>
+          </p:nvPr>
+        </p:nvSpPr>
+        <p:spPr/>
+        <p:txBody>
+          <a:bodyPr/>
+          <a:lstStyle/>
+          <a:p>
+            <a:fld id="{DF1C77DD-6346-4C60-9BCD-18E499DAD49C}" type="slidenum">
+              <a:rPr lang="ko-KR" altLang="en-US" smtClean="0"/>
+              <a:t>18</a:t>
+            </a:fld>
+            <a:endParaRPr lang="ko-KR" altLang="en-US"/>
+          </a:p>
+        </p:txBody>
+      </p:sp>
+    </p:spTree>
+    <p:extLst>
+      <p:ext uri="{BB962C8B-B14F-4D97-AF65-F5344CB8AC3E}">
+        <p14:creationId xmlns:p14="http://schemas.microsoft.com/office/powerpoint/2010/main" val="392559598"/>
+      </p:ext>
+    </p:extLst>
+  </p:cSld>
+  <p:clrMapOvr>
+    <a:masterClrMapping/>
+  </p:clrMapOvr>
+</p:notes>
+</file>
+
+<file path=ppt/notesSlides/notesSlide17.xml><?xml version="1.0" encoding="utf-8"?>
+<p:notes xmlns:a="http://schemas.openxmlformats.org/drawingml/2006/main" xmlns:r="http://schemas.openxmlformats.org/officeDocument/2006/relationships" xmlns:p="http://schemas.openxmlformats.org/presentationml/2006/main">
+  <p:cSld>
+    <p:spTree>
+      <p:nvGrpSpPr>
+        <p:cNvPr id="1" name=""/>
+        <p:cNvGrpSpPr/>
+        <p:nvPr/>
+      </p:nvGrpSpPr>
+      <p:grpSpPr>
+        <a:xfrm>
+          <a:off x="0" y="0"/>
+          <a:ext cx="0" cy="0"/>
+          <a:chOff x="0" y="0"/>
+          <a:chExt cx="0" cy="0"/>
+        </a:xfrm>
+      </p:grpSpPr>
+      <p:sp>
+        <p:nvSpPr>
+          <p:cNvPr id="2" name="슬라이드 이미지 개체 틀 1"/>
+          <p:cNvSpPr>
+            <a:spLocks noGrp="1" noRot="1" noChangeAspect="1"/>
+          </p:cNvSpPr>
+          <p:nvPr>
+            <p:ph type="sldImg"/>
+          </p:nvPr>
+        </p:nvSpPr>
+        <p:spPr/>
+      </p:sp>
+      <p:sp>
+        <p:nvSpPr>
+          <p:cNvPr id="3" name="슬라이드 노트 개체 틀 2"/>
+          <p:cNvSpPr>
+            <a:spLocks noGrp="1"/>
+          </p:cNvSpPr>
+          <p:nvPr>
+            <p:ph type="body" idx="1"/>
+          </p:nvPr>
+        </p:nvSpPr>
+        <p:spPr/>
+        <p:txBody>
+          <a:bodyPr/>
+          <a:lstStyle/>
+          <a:p>
+            <a:pPr lvl="1"/>
+            <a:r>
+              <a:rPr lang="en-US" altLang="ko-KR" dirty="0" smtClean="0"/>
+              <a:t>The</a:t>
+            </a:r>
+            <a:r>
+              <a:rPr lang="en-US" altLang="ko-KR" baseline="0" dirty="0" smtClean="0"/>
+              <a:t> visualization techniques.</a:t>
+            </a:r>
+          </a:p>
+          <a:p>
+            <a:pPr lvl="1"/>
+            <a:r>
+              <a:rPr lang="ko-KR" altLang="en-US" baseline="0" dirty="0" smtClean="0"/>
+              <a:t>그래프 이론 분석에 의해 새 관계를 발견하는 예들</a:t>
+            </a:r>
+            <a:endParaRPr lang="en-US" altLang="ko-KR" baseline="0" smtClean="0"/>
+          </a:p>
+          <a:p>
+            <a:pPr lvl="1"/>
+            <a:endParaRPr lang="en-US" altLang="ko-KR" dirty="0" smtClean="0"/>
+          </a:p>
+        </p:txBody>
+      </p:sp>
+      <p:sp>
+        <p:nvSpPr>
+          <p:cNvPr id="4" name="슬라이드 번호 개체 틀 3"/>
+          <p:cNvSpPr>
+            <a:spLocks noGrp="1"/>
+          </p:cNvSpPr>
+          <p:nvPr>
+            <p:ph type="sldNum" sz="quarter" idx="10"/>
+          </p:nvPr>
+        </p:nvSpPr>
+        <p:spPr/>
+        <p:txBody>
+          <a:bodyPr/>
+          <a:lstStyle/>
+          <a:p>
+            <a:fld id="{DF1C77DD-6346-4C60-9BCD-18E499DAD49C}" type="slidenum">
+              <a:rPr lang="ko-KR" altLang="en-US" smtClean="0"/>
+              <a:t>19</a:t>
+            </a:fld>
+            <a:endParaRPr lang="ko-KR" altLang="en-US"/>
+          </a:p>
+        </p:txBody>
+      </p:sp>
+    </p:spTree>
+    <p:extLst>
+      <p:ext uri="{BB962C8B-B14F-4D97-AF65-F5344CB8AC3E}">
+        <p14:creationId xmlns:p14="http://schemas.microsoft.com/office/powerpoint/2010/main" val="392559598"/>
+      </p:ext>
+    </p:extLst>
+  </p:cSld>
+  <p:clrMapOvr>
+    <a:masterClrMapping/>
+  </p:clrMapOvr>
+</p:notes>
+</file>
+
+<file path=ppt/notesSlides/notesSlide18.xml><?xml version="1.0" encoding="utf-8"?>
+<p:notes xmlns:a="http://schemas.openxmlformats.org/drawingml/2006/main" xmlns:r="http://schemas.openxmlformats.org/officeDocument/2006/relationships" xmlns:p="http://schemas.openxmlformats.org/presentationml/2006/main">
+  <p:cSld>
+    <p:spTree>
+      <p:nvGrpSpPr>
+        <p:cNvPr id="1" name=""/>
+        <p:cNvGrpSpPr/>
+        <p:nvPr/>
+      </p:nvGrpSpPr>
+      <p:grpSpPr>
+        <a:xfrm>
+          <a:off x="0" y="0"/>
+          <a:ext cx="0" cy="0"/>
+          <a:chOff x="0" y="0"/>
+          <a:chExt cx="0" cy="0"/>
+        </a:xfrm>
+      </p:grpSpPr>
+      <p:sp>
+        <p:nvSpPr>
+          <p:cNvPr id="2" name="슬라이드 이미지 개체 틀 1"/>
+          <p:cNvSpPr>
+            <a:spLocks noGrp="1" noRot="1" noChangeAspect="1"/>
+          </p:cNvSpPr>
+          <p:nvPr>
+            <p:ph type="sldImg"/>
+          </p:nvPr>
+        </p:nvSpPr>
+        <p:spPr/>
+      </p:sp>
+      <p:sp>
+        <p:nvSpPr>
+          <p:cNvPr id="3" name="슬라이드 노트 개체 틀 2"/>
+          <p:cNvSpPr>
+            <a:spLocks noGrp="1"/>
+          </p:cNvSpPr>
+          <p:nvPr>
+            <p:ph type="body" idx="1"/>
+          </p:nvPr>
+        </p:nvSpPr>
+        <p:spPr/>
+        <p:txBody>
+          <a:bodyPr/>
+          <a:lstStyle/>
+          <a:p>
+            <a:pPr lvl="1"/>
+            <a:r>
+              <a:rPr lang="en-US" altLang="ko-KR" dirty="0" smtClean="0"/>
+              <a:t>Literature mining </a:t>
+            </a:r>
+            <a:r>
+              <a:rPr lang="ko-KR" altLang="en-US" dirty="0" smtClean="0"/>
+              <a:t>분야에서 소프트웨어와 서비스를 제공하는 많은 회사들은 그들이 </a:t>
+            </a:r>
+            <a:r>
+              <a:rPr lang="ko-KR" altLang="en-US" dirty="0" err="1" smtClean="0"/>
+              <a:t>가지고있는</a:t>
+            </a:r>
+            <a:r>
+              <a:rPr lang="ko-KR" altLang="en-US" dirty="0" smtClean="0"/>
+              <a:t> </a:t>
+            </a:r>
+            <a:r>
+              <a:rPr lang="en-US" altLang="ko-KR" dirty="0" smtClean="0"/>
+              <a:t>discovery </a:t>
+            </a:r>
+            <a:r>
+              <a:rPr lang="en-US" altLang="ko-KR" dirty="0" err="1" smtClean="0"/>
+              <a:t>piplines</a:t>
+            </a:r>
+            <a:r>
+              <a:rPr lang="ko-KR" altLang="en-US" dirty="0" err="1" smtClean="0"/>
+              <a:t>ㅡㄹ</a:t>
+            </a:r>
+            <a:r>
+              <a:rPr lang="ko-KR" altLang="en-US" dirty="0" smtClean="0"/>
+              <a:t> 추구하는 그들의 기술을 하용하고 서비스를 제공하는 것을 </a:t>
+            </a:r>
+            <a:r>
+              <a:rPr lang="ko-KR" altLang="en-US" dirty="0" err="1" smtClean="0"/>
+              <a:t>수행하고있었다</a:t>
+            </a:r>
+            <a:r>
+              <a:rPr lang="en-US" altLang="ko-KR" dirty="0" smtClean="0"/>
+              <a:t>.</a:t>
+            </a:r>
+            <a:endParaRPr lang="en-US" altLang="ko-KR" dirty="0" smtClean="0"/>
+          </a:p>
+        </p:txBody>
+      </p:sp>
+      <p:sp>
+        <p:nvSpPr>
+          <p:cNvPr id="4" name="슬라이드 번호 개체 틀 3"/>
+          <p:cNvSpPr>
+            <a:spLocks noGrp="1"/>
+          </p:cNvSpPr>
+          <p:nvPr>
+            <p:ph type="sldNum" sz="quarter" idx="10"/>
+          </p:nvPr>
+        </p:nvSpPr>
+        <p:spPr/>
+        <p:txBody>
+          <a:bodyPr/>
+          <a:lstStyle/>
+          <a:p>
+            <a:fld id="{DF1C77DD-6346-4C60-9BCD-18E499DAD49C}" type="slidenum">
+              <a:rPr lang="ko-KR" altLang="en-US" smtClean="0"/>
+              <a:t>20</a:t>
+            </a:fld>
+            <a:endParaRPr lang="ko-KR" altLang="en-US"/>
+          </a:p>
+        </p:txBody>
+      </p:sp>
+    </p:spTree>
+    <p:extLst>
+      <p:ext uri="{BB962C8B-B14F-4D97-AF65-F5344CB8AC3E}">
+        <p14:creationId xmlns:p14="http://schemas.microsoft.com/office/powerpoint/2010/main" val="392559598"/>
+      </p:ext>
+    </p:extLst>
+  </p:cSld>
+  <p:clrMapOvr>
+    <a:masterClrMapping/>
+  </p:clrMapOvr>
+</p:notes>
+</file>
+
+<file path=ppt/notesSlides/notesSlide19.xml><?xml version="1.0" encoding="utf-8"?>
+<p:notes xmlns:a="http://schemas.openxmlformats.org/drawingml/2006/main" xmlns:r="http://schemas.openxmlformats.org/officeDocument/2006/relationships" xmlns:p="http://schemas.openxmlformats.org/presentationml/2006/main">
+  <p:cSld>
+    <p:spTree>
+      <p:nvGrpSpPr>
+        <p:cNvPr id="1" name=""/>
+        <p:cNvGrpSpPr/>
+        <p:nvPr/>
+      </p:nvGrpSpPr>
+      <p:grpSpPr>
+        <a:xfrm>
+          <a:off x="0" y="0"/>
+          <a:ext cx="0" cy="0"/>
+          <a:chOff x="0" y="0"/>
+          <a:chExt cx="0" cy="0"/>
+        </a:xfrm>
+      </p:grpSpPr>
+      <p:sp>
+        <p:nvSpPr>
+          <p:cNvPr id="2" name="슬라이드 이미지 개체 틀 1"/>
+          <p:cNvSpPr>
+            <a:spLocks noGrp="1" noRot="1" noChangeAspect="1"/>
+          </p:cNvSpPr>
+          <p:nvPr>
+            <p:ph type="sldImg"/>
+          </p:nvPr>
+        </p:nvSpPr>
+        <p:spPr/>
+      </p:sp>
+      <p:sp>
+        <p:nvSpPr>
+          <p:cNvPr id="3" name="슬라이드 노트 개체 틀 2"/>
+          <p:cNvSpPr>
+            <a:spLocks noGrp="1"/>
+          </p:cNvSpPr>
+          <p:nvPr>
+            <p:ph type="body" idx="1"/>
+          </p:nvPr>
+        </p:nvSpPr>
+        <p:spPr/>
+        <p:txBody>
+          <a:bodyPr/>
+          <a:lstStyle/>
+          <a:p>
+            <a:pPr lvl="1"/>
+            <a:r>
+              <a:rPr lang="en-US" altLang="ko-KR" dirty="0" smtClean="0"/>
+              <a:t>Literature mining </a:t>
+            </a:r>
+            <a:r>
+              <a:rPr lang="ko-KR" altLang="en-US" dirty="0" smtClean="0"/>
+              <a:t>분야에서 소프트웨어와 서비스를 제공하는 많은 회사들은 그들이 </a:t>
+            </a:r>
+            <a:r>
+              <a:rPr lang="ko-KR" altLang="en-US" dirty="0" err="1" smtClean="0"/>
+              <a:t>가지고있는</a:t>
+            </a:r>
+            <a:r>
+              <a:rPr lang="ko-KR" altLang="en-US" dirty="0" smtClean="0"/>
+              <a:t> </a:t>
+            </a:r>
+            <a:r>
+              <a:rPr lang="en-US" altLang="ko-KR" dirty="0" smtClean="0"/>
+              <a:t>discovery </a:t>
+            </a:r>
+            <a:r>
+              <a:rPr lang="en-US" altLang="ko-KR" dirty="0" err="1" smtClean="0"/>
+              <a:t>piplines</a:t>
+            </a:r>
+            <a:r>
+              <a:rPr lang="ko-KR" altLang="en-US" dirty="0" err="1" smtClean="0"/>
+              <a:t>ㅡㄹ</a:t>
+            </a:r>
+            <a:r>
+              <a:rPr lang="ko-KR" altLang="en-US" dirty="0" smtClean="0"/>
+              <a:t> 추구하는 그들의 기술을 하용하고 서비스를 제공하는 것을 </a:t>
+            </a:r>
+            <a:r>
+              <a:rPr lang="ko-KR" altLang="en-US" dirty="0" err="1" smtClean="0"/>
+              <a:t>수행하고있었다</a:t>
+            </a:r>
+            <a:r>
+              <a:rPr lang="en-US" altLang="ko-KR" dirty="0" smtClean="0"/>
+              <a:t>.</a:t>
+            </a:r>
+            <a:endParaRPr lang="en-US" altLang="ko-KR" dirty="0" smtClean="0"/>
+          </a:p>
+        </p:txBody>
+      </p:sp>
+      <p:sp>
+        <p:nvSpPr>
+          <p:cNvPr id="4" name="슬라이드 번호 개체 틀 3"/>
+          <p:cNvSpPr>
+            <a:spLocks noGrp="1"/>
+          </p:cNvSpPr>
+          <p:nvPr>
+            <p:ph type="sldNum" sz="quarter" idx="10"/>
+          </p:nvPr>
+        </p:nvSpPr>
+        <p:spPr/>
+        <p:txBody>
+          <a:bodyPr/>
+          <a:lstStyle/>
+          <a:p>
+            <a:fld id="{DF1C77DD-6346-4C60-9BCD-18E499DAD49C}" type="slidenum">
+              <a:rPr lang="ko-KR" altLang="en-US" smtClean="0"/>
+              <a:t>21</a:t>
+            </a:fld>
+            <a:endParaRPr lang="ko-KR" altLang="en-US"/>
+          </a:p>
+        </p:txBody>
+      </p:sp>
+    </p:spTree>
+    <p:extLst>
+      <p:ext uri="{BB962C8B-B14F-4D97-AF65-F5344CB8AC3E}">
+        <p14:creationId xmlns:p14="http://schemas.microsoft.com/office/powerpoint/2010/main" val="392559598"/>
       </p:ext>
     </p:extLst>
   </p:cSld>
@@ -1252,6 +1901,611 @@
     <p:extLst>
       <p:ext uri="{BB962C8B-B14F-4D97-AF65-F5344CB8AC3E}">
         <p14:creationId xmlns:p14="http://schemas.microsoft.com/office/powerpoint/2010/main" val="3598019533"/>
+      </p:ext>
+    </p:extLst>
+  </p:cSld>
+  <p:clrMapOvr>
+    <a:masterClrMapping/>
+  </p:clrMapOvr>
+</p:notes>
+</file>
+
+<file path=ppt/notesSlides/notesSlide20.xml><?xml version="1.0" encoding="utf-8"?>
+<p:notes xmlns:a="http://schemas.openxmlformats.org/drawingml/2006/main" xmlns:r="http://schemas.openxmlformats.org/officeDocument/2006/relationships" xmlns:p="http://schemas.openxmlformats.org/presentationml/2006/main">
+  <p:cSld>
+    <p:spTree>
+      <p:nvGrpSpPr>
+        <p:cNvPr id="1" name=""/>
+        <p:cNvGrpSpPr/>
+        <p:nvPr/>
+      </p:nvGrpSpPr>
+      <p:grpSpPr>
+        <a:xfrm>
+          <a:off x="0" y="0"/>
+          <a:ext cx="0" cy="0"/>
+          <a:chOff x="0" y="0"/>
+          <a:chExt cx="0" cy="0"/>
+        </a:xfrm>
+      </p:grpSpPr>
+      <p:sp>
+        <p:nvSpPr>
+          <p:cNvPr id="2" name="슬라이드 이미지 개체 틀 1"/>
+          <p:cNvSpPr>
+            <a:spLocks noGrp="1" noRot="1" noChangeAspect="1"/>
+          </p:cNvSpPr>
+          <p:nvPr>
+            <p:ph type="sldImg"/>
+          </p:nvPr>
+        </p:nvSpPr>
+        <p:spPr/>
+      </p:sp>
+      <p:sp>
+        <p:nvSpPr>
+          <p:cNvPr id="3" name="슬라이드 노트 개체 틀 2"/>
+          <p:cNvSpPr>
+            <a:spLocks noGrp="1"/>
+          </p:cNvSpPr>
+          <p:nvPr>
+            <p:ph type="body" idx="1"/>
+          </p:nvPr>
+        </p:nvSpPr>
+        <p:spPr/>
+        <p:txBody>
+          <a:bodyPr/>
+          <a:lstStyle/>
+          <a:p>
+            <a:r>
+              <a:rPr lang="ko-KR" altLang="en-US" dirty="0" smtClean="0"/>
+              <a:t>더 정확한 증상을 </a:t>
+            </a:r>
+            <a:r>
+              <a:rPr lang="ko-KR" altLang="en-US" dirty="0" err="1" smtClean="0"/>
+              <a:t>근거있게</a:t>
+            </a:r>
+            <a:r>
+              <a:rPr lang="ko-KR" altLang="en-US" dirty="0" smtClean="0"/>
+              <a:t> 예측할 수 있거나 부작용으로 이끄는 </a:t>
+            </a:r>
+            <a:r>
+              <a:rPr lang="en-US" altLang="ko-KR" dirty="0" smtClean="0"/>
+              <a:t>signaling pathway</a:t>
+            </a:r>
+            <a:r>
+              <a:rPr lang="ko-KR" altLang="en-US" dirty="0" smtClean="0"/>
+              <a:t>를 피할 수 있을 것이다</a:t>
+            </a:r>
+            <a:r>
+              <a:rPr lang="en-US" altLang="ko-KR" dirty="0" smtClean="0"/>
+              <a:t>.</a:t>
+            </a:r>
+          </a:p>
+          <a:p>
+            <a:endParaRPr lang="en-US" altLang="ko-KR" dirty="0" smtClean="0"/>
+          </a:p>
+          <a:p>
+            <a:r>
+              <a:rPr lang="ko-KR" altLang="en-US" dirty="0" smtClean="0"/>
+              <a:t>그리고 </a:t>
+            </a:r>
+            <a:r>
+              <a:rPr lang="en-US" altLang="ko-KR" dirty="0" smtClean="0"/>
+              <a:t>DR </a:t>
+            </a:r>
+            <a:r>
+              <a:rPr lang="ko-KR" altLang="en-US" dirty="0" smtClean="0"/>
+              <a:t>과정에서 중요한 점은</a:t>
+            </a:r>
+            <a:endParaRPr lang="en-US" altLang="ko-KR" dirty="0" smtClean="0"/>
+          </a:p>
+          <a:p>
+            <a:r>
+              <a:rPr lang="en-US" altLang="ko-KR" dirty="0" smtClean="0"/>
+              <a:t>1. </a:t>
+            </a:r>
+            <a:r>
+              <a:rPr lang="ko-KR" altLang="en-US" dirty="0" smtClean="0"/>
+              <a:t>모든 가설은 전문가에 의해 직접 만들어져야 한다</a:t>
+            </a:r>
+            <a:r>
+              <a:rPr lang="en-US" altLang="ko-KR" dirty="0" smtClean="0"/>
+              <a:t>.</a:t>
+            </a:r>
+          </a:p>
+          <a:p>
+            <a:r>
+              <a:rPr lang="ko-KR" altLang="en-US" dirty="0" smtClean="0"/>
+              <a:t>전문가가 직접 수행함으로써</a:t>
+            </a:r>
+            <a:r>
+              <a:rPr lang="en-US" altLang="ko-KR" dirty="0" smtClean="0"/>
+              <a:t>, </a:t>
+            </a:r>
+            <a:r>
+              <a:rPr lang="ko-KR" altLang="en-US" dirty="0" smtClean="0"/>
+              <a:t>불확실성이 줄어들고</a:t>
+            </a:r>
+            <a:r>
+              <a:rPr lang="en-US" altLang="ko-KR" dirty="0" smtClean="0"/>
+              <a:t>, novel association</a:t>
+            </a:r>
+            <a:r>
+              <a:rPr lang="ko-KR" altLang="en-US" dirty="0" smtClean="0"/>
+              <a:t>과 연관된 다른 </a:t>
+            </a:r>
+            <a:r>
+              <a:rPr lang="en-US" altLang="ko-KR" dirty="0" smtClean="0"/>
+              <a:t>parameters</a:t>
+            </a:r>
+            <a:r>
+              <a:rPr lang="ko-KR" altLang="en-US" dirty="0" smtClean="0"/>
+              <a:t>들을 고려 할 수 있다</a:t>
+            </a:r>
+            <a:r>
+              <a:rPr lang="en-US" altLang="ko-KR" dirty="0" smtClean="0"/>
+              <a:t>.</a:t>
+            </a:r>
+          </a:p>
+          <a:p>
+            <a:r>
+              <a:rPr lang="en-US" altLang="ko-KR" dirty="0" smtClean="0"/>
+              <a:t>2. </a:t>
+            </a:r>
+            <a:r>
+              <a:rPr lang="ko-KR" altLang="en-US" dirty="0" smtClean="0"/>
+              <a:t>유해반응이 발생한다는 가능성이 없다고 가정해선 </a:t>
+            </a:r>
+            <a:r>
+              <a:rPr lang="ko-KR" altLang="en-US" dirty="0" err="1" smtClean="0"/>
+              <a:t>안된다</a:t>
+            </a:r>
+            <a:r>
+              <a:rPr lang="en-US" altLang="ko-KR" dirty="0" smtClean="0"/>
+              <a:t>.</a:t>
+            </a:r>
+          </a:p>
+          <a:p>
+            <a:r>
+              <a:rPr lang="ko-KR" altLang="en-US" dirty="0" smtClean="0"/>
+              <a:t>이미 기존의 있는 </a:t>
+            </a:r>
+            <a:r>
+              <a:rPr lang="en-US" altLang="ko-KR" dirty="0" smtClean="0"/>
+              <a:t>drugs</a:t>
+            </a:r>
+            <a:r>
+              <a:rPr lang="ko-KR" altLang="en-US" dirty="0" smtClean="0"/>
+              <a:t>를 이용해 수행하는 것이기 때문에</a:t>
+            </a:r>
+            <a:r>
+              <a:rPr lang="en-US" altLang="ko-KR" dirty="0" smtClean="0"/>
+              <a:t>, </a:t>
+            </a:r>
+            <a:r>
+              <a:rPr lang="ko-KR" altLang="en-US" dirty="0" smtClean="0"/>
+              <a:t>모든 안전성 검사가 되어있더라도</a:t>
+            </a:r>
+            <a:r>
+              <a:rPr lang="en-US" altLang="ko-KR" dirty="0" smtClean="0"/>
+              <a:t>, </a:t>
+            </a:r>
+            <a:r>
+              <a:rPr lang="ko-KR" altLang="en-US" dirty="0" smtClean="0"/>
+              <a:t>부작용이 발생하지 않는다는 것은 아니다</a:t>
+            </a:r>
+            <a:r>
+              <a:rPr lang="en-US" altLang="ko-KR" dirty="0" smtClean="0"/>
+              <a:t>.</a:t>
+            </a:r>
+            <a:endParaRPr lang="ko-KR" altLang="en-US" dirty="0"/>
+          </a:p>
+        </p:txBody>
+      </p:sp>
+      <p:sp>
+        <p:nvSpPr>
+          <p:cNvPr id="4" name="슬라이드 번호 개체 틀 3"/>
+          <p:cNvSpPr>
+            <a:spLocks noGrp="1"/>
+          </p:cNvSpPr>
+          <p:nvPr>
+            <p:ph type="sldNum" sz="quarter" idx="10"/>
+          </p:nvPr>
+        </p:nvSpPr>
+        <p:spPr/>
+        <p:txBody>
+          <a:bodyPr/>
+          <a:lstStyle/>
+          <a:p>
+            <a:fld id="{DF1C77DD-6346-4C60-9BCD-18E499DAD49C}" type="slidenum">
+              <a:rPr lang="ko-KR" altLang="en-US" smtClean="0"/>
+              <a:t>22</a:t>
+            </a:fld>
+            <a:endParaRPr lang="ko-KR" altLang="en-US"/>
+          </a:p>
+        </p:txBody>
+      </p:sp>
+    </p:spTree>
+    <p:extLst>
+      <p:ext uri="{BB962C8B-B14F-4D97-AF65-F5344CB8AC3E}">
+        <p14:creationId xmlns:p14="http://schemas.microsoft.com/office/powerpoint/2010/main" val="1069543800"/>
+      </p:ext>
+    </p:extLst>
+  </p:cSld>
+  <p:clrMapOvr>
+    <a:masterClrMapping/>
+  </p:clrMapOvr>
+</p:notes>
+</file>
+
+<file path=ppt/notesSlides/notesSlide21.xml><?xml version="1.0" encoding="utf-8"?>
+<p:notes xmlns:a="http://schemas.openxmlformats.org/drawingml/2006/main" xmlns:r="http://schemas.openxmlformats.org/officeDocument/2006/relationships" xmlns:p="http://schemas.openxmlformats.org/presentationml/2006/main">
+  <p:cSld>
+    <p:spTree>
+      <p:nvGrpSpPr>
+        <p:cNvPr id="1" name=""/>
+        <p:cNvGrpSpPr/>
+        <p:nvPr/>
+      </p:nvGrpSpPr>
+      <p:grpSpPr>
+        <a:xfrm>
+          <a:off x="0" y="0"/>
+          <a:ext cx="0" cy="0"/>
+          <a:chOff x="0" y="0"/>
+          <a:chExt cx="0" cy="0"/>
+        </a:xfrm>
+      </p:grpSpPr>
+      <p:sp>
+        <p:nvSpPr>
+          <p:cNvPr id="2" name="슬라이드 이미지 개체 틀 1"/>
+          <p:cNvSpPr>
+            <a:spLocks noGrp="1" noRot="1" noChangeAspect="1"/>
+          </p:cNvSpPr>
+          <p:nvPr>
+            <p:ph type="sldImg"/>
+          </p:nvPr>
+        </p:nvSpPr>
+        <p:spPr/>
+      </p:sp>
+      <p:sp>
+        <p:nvSpPr>
+          <p:cNvPr id="3" name="슬라이드 노트 개체 틀 2"/>
+          <p:cNvSpPr>
+            <a:spLocks noGrp="1"/>
+          </p:cNvSpPr>
+          <p:nvPr>
+            <p:ph type="body" idx="1"/>
+          </p:nvPr>
+        </p:nvSpPr>
+        <p:spPr/>
+        <p:txBody>
+          <a:bodyPr/>
+          <a:lstStyle/>
+          <a:p>
+            <a:r>
+              <a:rPr lang="en-US" altLang="ko-KR" dirty="0" smtClean="0"/>
+              <a:t>*** PubMed</a:t>
+            </a:r>
+            <a:r>
+              <a:rPr lang="ko-KR" altLang="en-US" dirty="0" smtClean="0"/>
+              <a:t>엔 </a:t>
+            </a:r>
+            <a:r>
+              <a:rPr lang="en-US" altLang="ko-KR" dirty="0" smtClean="0"/>
+              <a:t>Literature</a:t>
+            </a:r>
+            <a:r>
+              <a:rPr lang="ko-KR" altLang="en-US" dirty="0" smtClean="0"/>
+              <a:t>가 주이기 때문에</a:t>
+            </a:r>
+            <a:endParaRPr lang="en-US" altLang="ko-KR" dirty="0" smtClean="0"/>
+          </a:p>
+          <a:p>
+            <a:r>
+              <a:rPr lang="en-US" altLang="ko-KR" dirty="0" smtClean="0"/>
+              <a:t>Literature</a:t>
+            </a:r>
+            <a:r>
+              <a:rPr lang="ko-KR" altLang="en-US" dirty="0" smtClean="0"/>
+              <a:t>와 </a:t>
+            </a:r>
+            <a:r>
+              <a:rPr lang="en-US" altLang="ko-KR" dirty="0" smtClean="0"/>
+              <a:t>Ontology</a:t>
+            </a:r>
+            <a:r>
+              <a:rPr lang="ko-KR" altLang="en-US" dirty="0" smtClean="0"/>
+              <a:t>를 나누어 </a:t>
+            </a:r>
+            <a:r>
+              <a:rPr lang="ko-KR" altLang="en-US" dirty="0" err="1" smtClean="0"/>
+              <a:t>봐야해</a:t>
+            </a:r>
+            <a:endParaRPr lang="en-US" altLang="ko-KR" dirty="0" smtClean="0"/>
+          </a:p>
+          <a:p>
+            <a:endParaRPr lang="en-US" altLang="ko-KR" dirty="0" smtClean="0"/>
+          </a:p>
+          <a:p>
+            <a:r>
+              <a:rPr lang="ko-KR" altLang="en-US" dirty="0" smtClean="0"/>
+              <a:t>여기 </a:t>
+            </a:r>
+            <a:r>
+              <a:rPr lang="ko-KR" altLang="en-US" dirty="0" err="1" smtClean="0"/>
+              <a:t>수정할것</a:t>
+            </a:r>
+            <a:r>
+              <a:rPr lang="en-US" altLang="ko-KR" dirty="0" smtClean="0"/>
+              <a:t>!!!!</a:t>
+            </a:r>
+            <a:endParaRPr lang="en-US" altLang="ko-KR" dirty="0" smtClean="0"/>
+          </a:p>
+          <a:p>
+            <a:endParaRPr lang="en-US" altLang="ko-KR" dirty="0" smtClean="0"/>
+          </a:p>
+          <a:p>
+            <a:r>
+              <a:rPr lang="en-US" altLang="ko-KR" dirty="0" smtClean="0"/>
+              <a:t>co-</a:t>
+            </a:r>
+            <a:r>
+              <a:rPr lang="en-US" altLang="ko-KR" dirty="0" err="1" smtClean="0"/>
+              <a:t>occurence</a:t>
+            </a:r>
+            <a:r>
+              <a:rPr lang="en-US" altLang="ko-KR" dirty="0" smtClean="0"/>
+              <a:t> : </a:t>
+            </a:r>
+            <a:r>
+              <a:rPr lang="ko-KR" altLang="en-US" dirty="0" smtClean="0"/>
+              <a:t>같은 문장 내에서 발생하는 모든 단어를 연관이 있다고 생각하는 것</a:t>
+            </a:r>
+            <a:r>
+              <a:rPr lang="en-US" altLang="ko-KR" dirty="0" smtClean="0"/>
+              <a:t>.</a:t>
+            </a:r>
+          </a:p>
+          <a:p>
+            <a:r>
+              <a:rPr lang="ko-KR" altLang="en-US" dirty="0" smtClean="0"/>
+              <a:t>하지만 이 방법은</a:t>
+            </a:r>
+            <a:r>
+              <a:rPr lang="en-US" altLang="ko-KR" dirty="0" smtClean="0"/>
+              <a:t>, the high rate of false-positive</a:t>
+            </a:r>
+            <a:r>
+              <a:rPr lang="ko-KR" altLang="en-US" dirty="0" smtClean="0"/>
+              <a:t>를 만들어냄</a:t>
+            </a:r>
+            <a:endParaRPr lang="en-US" altLang="ko-KR" dirty="0" smtClean="0"/>
+          </a:p>
+          <a:p>
+            <a:r>
+              <a:rPr lang="ko-KR" altLang="en-US" dirty="0" smtClean="0"/>
+              <a:t>그래서 </a:t>
+            </a:r>
+            <a:r>
+              <a:rPr lang="en-US" altLang="ko-KR" dirty="0" smtClean="0"/>
+              <a:t>NLP</a:t>
+            </a:r>
+            <a:r>
+              <a:rPr lang="ko-KR" altLang="en-US" dirty="0" smtClean="0"/>
+              <a:t>의 개발이 </a:t>
+            </a:r>
+            <a:r>
+              <a:rPr lang="ko-KR" altLang="en-US" dirty="0" err="1" smtClean="0"/>
+              <a:t>활발해지고있음</a:t>
+            </a:r>
+            <a:r>
+              <a:rPr lang="en-US" altLang="ko-KR" dirty="0" smtClean="0"/>
+              <a:t>.</a:t>
+            </a:r>
+          </a:p>
+          <a:p>
+            <a:r>
+              <a:rPr lang="en-US" altLang="ko-KR" dirty="0" smtClean="0"/>
+              <a:t>NLP</a:t>
+            </a:r>
+          </a:p>
+          <a:p>
+            <a:pPr marL="228600" indent="-228600">
+              <a:buAutoNum type="arabicPeriod"/>
+            </a:pPr>
+            <a:r>
+              <a:rPr lang="en-US" altLang="ko-KR" dirty="0" smtClean="0"/>
+              <a:t>Tokenized word</a:t>
+            </a:r>
+          </a:p>
+          <a:p>
+            <a:pPr marL="0" indent="0">
+              <a:buNone/>
+            </a:pPr>
+            <a:r>
+              <a:rPr lang="en-US" altLang="ko-KR" dirty="0" smtClean="0"/>
+              <a:t>2. Expending to sentence</a:t>
+            </a:r>
+          </a:p>
+          <a:p>
+            <a:pPr marL="0" indent="0">
+              <a:buNone/>
+            </a:pPr>
+            <a:r>
+              <a:rPr lang="en-US" altLang="ko-KR" dirty="0" smtClean="0"/>
+              <a:t>3. </a:t>
+            </a:r>
+            <a:r>
+              <a:rPr lang="ko-KR" altLang="en-US" dirty="0" smtClean="0"/>
+              <a:t>나온 </a:t>
+            </a:r>
+            <a:r>
+              <a:rPr lang="en-US" altLang="ko-KR" dirty="0" smtClean="0"/>
+              <a:t>Entity</a:t>
+            </a:r>
+            <a:r>
+              <a:rPr lang="ko-KR" altLang="en-US" dirty="0" smtClean="0"/>
+              <a:t>를 </a:t>
+            </a:r>
+            <a:r>
+              <a:rPr lang="en-US" altLang="ko-KR" dirty="0" smtClean="0"/>
+              <a:t>a biomedical category</a:t>
+            </a:r>
+            <a:r>
+              <a:rPr lang="ko-KR" altLang="en-US" dirty="0" smtClean="0"/>
+              <a:t>로 </a:t>
+            </a:r>
+            <a:r>
+              <a:rPr lang="en-US" altLang="ko-KR" dirty="0" smtClean="0"/>
+              <a:t>Mapping  </a:t>
+            </a:r>
+            <a:r>
+              <a:rPr lang="ko-KR" altLang="en-US" dirty="0" err="1" smtClean="0"/>
+              <a:t>하거나모든</a:t>
+            </a:r>
+            <a:r>
+              <a:rPr lang="ko-KR" altLang="en-US" dirty="0" smtClean="0"/>
+              <a:t> 문장과 구절을 </a:t>
+            </a:r>
+            <a:r>
+              <a:rPr lang="ko-KR" altLang="en-US" dirty="0" err="1" smtClean="0"/>
+              <a:t>트리로</a:t>
+            </a:r>
+            <a:r>
+              <a:rPr lang="ko-KR" altLang="en-US" dirty="0" smtClean="0"/>
+              <a:t> 구성함</a:t>
+            </a:r>
+            <a:r>
+              <a:rPr lang="en-US" altLang="ko-KR" dirty="0" smtClean="0"/>
+              <a:t>.</a:t>
+            </a:r>
+          </a:p>
+          <a:p>
+            <a:pPr marL="0" indent="0">
+              <a:buNone/>
+            </a:pPr>
+            <a:r>
+              <a:rPr lang="ko-KR" altLang="en-US" dirty="0" smtClean="0"/>
+              <a:t>결론</a:t>
+            </a:r>
+            <a:r>
+              <a:rPr lang="en-US" altLang="ko-KR" dirty="0" smtClean="0"/>
+              <a:t>.Co-</a:t>
+            </a:r>
+            <a:r>
+              <a:rPr lang="en-US" altLang="ko-KR" dirty="0" err="1" smtClean="0"/>
+              <a:t>occurence</a:t>
+            </a:r>
+            <a:r>
+              <a:rPr lang="ko-KR" altLang="en-US" dirty="0" smtClean="0"/>
+              <a:t>보다 </a:t>
+            </a:r>
+            <a:r>
+              <a:rPr lang="en-US" altLang="ko-KR" dirty="0" smtClean="0"/>
+              <a:t>NLP</a:t>
+            </a:r>
+            <a:r>
+              <a:rPr lang="ko-KR" altLang="en-US" dirty="0" smtClean="0"/>
+              <a:t>가 </a:t>
+            </a:r>
+            <a:r>
+              <a:rPr lang="en-US" altLang="ko-KR" dirty="0" smtClean="0"/>
+              <a:t>new discovery</a:t>
+            </a:r>
+            <a:r>
+              <a:rPr lang="ko-KR" altLang="en-US" dirty="0" smtClean="0"/>
+              <a:t>에 대한 </a:t>
+            </a:r>
+            <a:r>
+              <a:rPr lang="ko-KR" altLang="en-US" dirty="0" err="1" smtClean="0"/>
+              <a:t>더나은</a:t>
+            </a:r>
+            <a:r>
+              <a:rPr lang="ko-KR" altLang="en-US" dirty="0" smtClean="0"/>
+              <a:t> </a:t>
+            </a:r>
+            <a:r>
+              <a:rPr lang="en-US" altLang="ko-KR" dirty="0" smtClean="0"/>
+              <a:t>guidance</a:t>
+            </a:r>
+            <a:r>
+              <a:rPr lang="ko-KR" altLang="en-US" dirty="0" smtClean="0"/>
+              <a:t>를 제공함</a:t>
+            </a:r>
+            <a:r>
+              <a:rPr lang="en-US" altLang="ko-KR" dirty="0" smtClean="0"/>
+              <a:t>.</a:t>
+            </a:r>
+          </a:p>
+          <a:p>
+            <a:pPr marL="0" indent="0">
+              <a:buNone/>
+            </a:pPr>
+            <a:endParaRPr lang="en-US" altLang="ko-KR" dirty="0" smtClean="0"/>
+          </a:p>
+          <a:p>
+            <a:pPr marL="0" indent="0">
+              <a:buNone/>
+            </a:pPr>
+            <a:r>
+              <a:rPr lang="ko-KR" altLang="en-US" dirty="0" smtClean="0"/>
+              <a:t>근데 이 </a:t>
+            </a:r>
+            <a:r>
+              <a:rPr lang="en-US" altLang="ko-KR" dirty="0" smtClean="0"/>
+              <a:t>Literature</a:t>
+            </a:r>
+            <a:r>
+              <a:rPr lang="en-US" altLang="ko-KR" baseline="0" dirty="0" smtClean="0"/>
+              <a:t> Mining</a:t>
+            </a:r>
+            <a:r>
+              <a:rPr lang="ko-KR" altLang="en-US" baseline="0" dirty="0" smtClean="0"/>
+              <a:t>을 어떤 데이터를 이용해 진행하느냐</a:t>
+            </a:r>
+            <a:endParaRPr lang="en-US" altLang="ko-KR" baseline="0" dirty="0" smtClean="0"/>
+          </a:p>
+          <a:p>
+            <a:pPr marL="0" indent="0">
+              <a:buNone/>
+            </a:pPr>
+            <a:r>
+              <a:rPr lang="en-US" altLang="ko-KR" baseline="0" dirty="0" err="1" smtClean="0"/>
+              <a:t>Pubmed</a:t>
+            </a:r>
+            <a:r>
+              <a:rPr lang="ko-KR" altLang="en-US" baseline="0" dirty="0" smtClean="0"/>
+              <a:t>라는 부분이 나옵니다</a:t>
+            </a:r>
+            <a:endParaRPr lang="en-US" altLang="ko-KR" dirty="0" smtClean="0"/>
+          </a:p>
+        </p:txBody>
+      </p:sp>
+      <p:sp>
+        <p:nvSpPr>
+          <p:cNvPr id="4" name="슬라이드 번호 개체 틀 3"/>
+          <p:cNvSpPr>
+            <a:spLocks noGrp="1"/>
+          </p:cNvSpPr>
+          <p:nvPr>
+            <p:ph type="sldNum" sz="quarter" idx="10"/>
+          </p:nvPr>
+        </p:nvSpPr>
+        <p:spPr/>
+        <p:txBody>
+          <a:bodyPr/>
+          <a:lstStyle/>
+          <a:p>
+            <a:fld id="{DF1C77DD-6346-4C60-9BCD-18E499DAD49C}" type="slidenum">
+              <a:rPr lang="ko-KR" altLang="en-US" smtClean="0"/>
+              <a:t>23</a:t>
+            </a:fld>
+            <a:endParaRPr lang="ko-KR" altLang="en-US"/>
+          </a:p>
+        </p:txBody>
+      </p:sp>
+    </p:spTree>
+    <p:extLst>
+      <p:ext uri="{BB962C8B-B14F-4D97-AF65-F5344CB8AC3E}">
+        <p14:creationId xmlns:p14="http://schemas.microsoft.com/office/powerpoint/2010/main" val="1650387566"/>
       </p:ext>
     </p:extLst>
   </p:cSld>
@@ -2238,39 +3492,7 @@
           <a:bodyPr/>
           <a:lstStyle/>
           <a:p>
-            <a:r>
-              <a:rPr lang="ko-KR" altLang="en-US" dirty="0" smtClean="0"/>
-              <a:t>정보와 자원 사이의 관계</a:t>
-            </a:r>
-            <a:r>
-              <a:rPr lang="en-US" altLang="ko-KR" dirty="0" smtClean="0"/>
-              <a:t>-</a:t>
-            </a:r>
-            <a:r>
-              <a:rPr lang="ko-KR" altLang="en-US" dirty="0" smtClean="0"/>
-              <a:t>의미 정보를 기계가 처리할 수 있는 </a:t>
-            </a:r>
-            <a:r>
-              <a:rPr lang="ko-KR" altLang="en-US" dirty="0" err="1" smtClean="0"/>
-              <a:t>온톨로지</a:t>
-            </a:r>
-            <a:r>
-              <a:rPr lang="ko-KR" altLang="en-US" dirty="0" smtClean="0"/>
-              <a:t> 형태로 처리하는 것</a:t>
-            </a:r>
-            <a:r>
-              <a:rPr lang="en-US" altLang="ko-KR" dirty="0" smtClean="0"/>
-              <a:t>.</a:t>
-            </a:r>
-          </a:p>
-          <a:p>
             <a:endParaRPr lang="en-US" altLang="ko-KR" dirty="0" smtClean="0"/>
-          </a:p>
-          <a:p>
-            <a:r>
-              <a:rPr lang="en-US" altLang="ko-KR" dirty="0" smtClean="0"/>
-              <a:t>RDF</a:t>
-            </a:r>
           </a:p>
         </p:txBody>
       </p:sp>
@@ -2300,7 +3522,7 @@
     </p:spTree>
     <p:extLst>
       <p:ext uri="{BB962C8B-B14F-4D97-AF65-F5344CB8AC3E}">
-        <p14:creationId xmlns:p14="http://schemas.microsoft.com/office/powerpoint/2010/main" val="1877729706"/>
+        <p14:creationId xmlns:p14="http://schemas.microsoft.com/office/powerpoint/2010/main" val="2468206147"/>
       </p:ext>
     </p:extLst>
   </p:cSld>
@@ -2354,148 +3576,7 @@
           <a:bodyPr/>
           <a:lstStyle/>
           <a:p>
-            <a:r>
-              <a:rPr lang="ko-KR" altLang="en-US" dirty="0" smtClean="0"/>
-              <a:t>가장 많이 사용되는 </a:t>
-            </a:r>
-            <a:r>
-              <a:rPr lang="en-US" altLang="ko-KR" dirty="0" err="1" smtClean="0"/>
-              <a:t>ontolgy</a:t>
-            </a:r>
-            <a:r>
-              <a:rPr lang="ko-KR" altLang="en-US" dirty="0" smtClean="0"/>
-              <a:t>는</a:t>
-            </a:r>
-            <a:r>
-              <a:rPr lang="ko-KR" altLang="en-US" baseline="0" dirty="0" smtClean="0"/>
-              <a:t> </a:t>
-            </a:r>
-            <a:r>
-              <a:rPr lang="en-US" altLang="ko-KR" baseline="0" dirty="0" smtClean="0"/>
-              <a:t>GO</a:t>
-            </a:r>
-            <a:r>
-              <a:rPr lang="ko-KR" altLang="en-US" baseline="0" dirty="0" smtClean="0"/>
-              <a:t>와 </a:t>
-            </a:r>
-            <a:r>
-              <a:rPr lang="en-US" altLang="ko-KR" baseline="0" dirty="0" smtClean="0"/>
-              <a:t>UMLS</a:t>
-            </a:r>
-            <a:r>
-              <a:rPr lang="ko-KR" altLang="en-US" baseline="0" dirty="0" smtClean="0"/>
-              <a:t>이다</a:t>
-            </a:r>
-            <a:r>
-              <a:rPr lang="en-US" altLang="ko-KR" baseline="0" dirty="0" smtClean="0"/>
-              <a:t>.</a:t>
-            </a:r>
-          </a:p>
-          <a:p>
-            <a:endParaRPr lang="en-US" altLang="ko-KR" baseline="0" dirty="0" smtClean="0"/>
-          </a:p>
-          <a:p>
-            <a:r>
-              <a:rPr lang="en-US" altLang="ko-KR" dirty="0" smtClean="0"/>
-              <a:t>Gene</a:t>
-            </a:r>
-            <a:r>
-              <a:rPr lang="en-US" altLang="ko-KR" baseline="0" dirty="0" smtClean="0"/>
-              <a:t> Ontology</a:t>
-            </a:r>
-            <a:r>
-              <a:rPr lang="ko-KR" altLang="en-US" baseline="0" dirty="0" smtClean="0"/>
-              <a:t>는 </a:t>
-            </a:r>
-            <a:r>
-              <a:rPr lang="en-US" altLang="ko-KR" baseline="0" dirty="0" smtClean="0"/>
-              <a:t>Biology model</a:t>
-            </a:r>
-            <a:r>
-              <a:rPr lang="ko-KR" altLang="en-US" baseline="0" dirty="0" smtClean="0"/>
-              <a:t>을 위한 </a:t>
-            </a:r>
-            <a:r>
-              <a:rPr lang="en-US" altLang="ko-KR" baseline="0" dirty="0" smtClean="0"/>
-              <a:t>framework.</a:t>
-            </a:r>
-          </a:p>
-          <a:p>
-            <a:r>
-              <a:rPr lang="en-US" altLang="ko-KR" sz="1200" b="1" i="0" kern="1200" dirty="0" smtClean="0">
-                <a:solidFill>
-                  <a:schemeClr val="tx1"/>
-                </a:solidFill>
-                <a:effectLst/>
-                <a:latin typeface="+mn-lt"/>
-                <a:ea typeface="+mn-ea"/>
-                <a:cs typeface="+mn-cs"/>
-              </a:rPr>
-              <a:t>molecular function</a:t>
-            </a:r>
-          </a:p>
-          <a:p>
-            <a:r>
-              <a:rPr lang="en-US" altLang="ko-KR" sz="1200" b="1" i="0" kern="1200" dirty="0" smtClean="0">
-                <a:solidFill>
-                  <a:schemeClr val="tx1"/>
-                </a:solidFill>
-                <a:effectLst/>
-                <a:latin typeface="+mn-lt"/>
-                <a:ea typeface="+mn-ea"/>
-                <a:cs typeface="+mn-cs"/>
-              </a:rPr>
-              <a:t>cellular component</a:t>
-            </a:r>
-          </a:p>
-          <a:p>
-            <a:r>
-              <a:rPr lang="en-US" altLang="ko-KR" sz="1200" b="1" i="0" kern="1200" dirty="0" smtClean="0">
-                <a:solidFill>
-                  <a:schemeClr val="tx1"/>
-                </a:solidFill>
-                <a:effectLst/>
-                <a:latin typeface="+mn-lt"/>
-                <a:ea typeface="+mn-ea"/>
-                <a:cs typeface="+mn-cs"/>
-              </a:rPr>
-              <a:t>biological process</a:t>
-            </a:r>
-            <a:r>
-              <a:rPr lang="ko-KR" altLang="en-US" sz="1200" b="0" i="0" kern="1200" baseline="0" dirty="0" smtClean="0">
-                <a:solidFill>
-                  <a:schemeClr val="tx1"/>
-                </a:solidFill>
-                <a:effectLst/>
-                <a:latin typeface="+mn-lt"/>
-                <a:ea typeface="+mn-ea"/>
-                <a:cs typeface="+mn-cs"/>
-              </a:rPr>
-              <a:t> 에  대한 정보를 가지고 있다</a:t>
-            </a:r>
-            <a:r>
-              <a:rPr lang="en-US" altLang="ko-KR" sz="1200" b="0" i="0" kern="1200" baseline="0" dirty="0" smtClean="0">
-                <a:solidFill>
-                  <a:schemeClr val="tx1"/>
-                </a:solidFill>
-                <a:effectLst/>
-                <a:latin typeface="+mn-lt"/>
-                <a:ea typeface="+mn-ea"/>
-                <a:cs typeface="+mn-cs"/>
-              </a:rPr>
-              <a:t>.</a:t>
-            </a:r>
-          </a:p>
-          <a:p>
-            <a:endParaRPr lang="en-US" altLang="ko-KR" sz="1200" b="1" i="0" kern="1200" dirty="0" smtClean="0">
-              <a:solidFill>
-                <a:schemeClr val="tx1"/>
-              </a:solidFill>
-              <a:effectLst/>
-              <a:latin typeface="+mn-lt"/>
-              <a:ea typeface="+mn-ea"/>
-              <a:cs typeface="+mn-cs"/>
-            </a:endParaRPr>
+            <a:endParaRPr lang="en-US" altLang="ko-KR" dirty="0" smtClean="0"/>
           </a:p>
         </p:txBody>
       </p:sp>
@@ -2525,7 +3606,7 @@
     </p:spTree>
     <p:extLst>
       <p:ext uri="{BB962C8B-B14F-4D97-AF65-F5344CB8AC3E}">
-        <p14:creationId xmlns:p14="http://schemas.microsoft.com/office/powerpoint/2010/main" val="2804332657"/>
+        <p14:creationId xmlns:p14="http://schemas.microsoft.com/office/powerpoint/2010/main" val="2468206147"/>
       </p:ext>
     </p:extLst>
   </p:cSld>
@@ -2579,66 +3660,7 @@
           <a:bodyPr/>
           <a:lstStyle/>
           <a:p>
-            <a:r>
-              <a:rPr lang="ko-KR" altLang="en-US" dirty="0" smtClean="0"/>
-              <a:t>하지만 한계점도 존재한다</a:t>
-            </a:r>
-            <a:r>
-              <a:rPr lang="en-US" altLang="ko-KR" dirty="0" smtClean="0"/>
-              <a:t>.</a:t>
-            </a:r>
-          </a:p>
-          <a:p>
-            <a:r>
-              <a:rPr lang="ko-KR" altLang="en-US" dirty="0" smtClean="0"/>
-              <a:t>많은 양의 데이터를 시각화 하려고 </a:t>
-            </a:r>
-            <a:r>
-              <a:rPr lang="ko-KR" altLang="en-US" dirty="0" err="1" smtClean="0"/>
-              <a:t>할때</a:t>
-            </a:r>
             <a:endParaRPr lang="en-US" altLang="ko-KR" dirty="0" smtClean="0"/>
-          </a:p>
-          <a:p>
-            <a:r>
-              <a:rPr lang="en-US" altLang="ko-KR" dirty="0" smtClean="0"/>
-              <a:t>2D</a:t>
-            </a:r>
-            <a:r>
-              <a:rPr lang="ko-KR" altLang="en-US" dirty="0" smtClean="0"/>
-              <a:t>의 </a:t>
-            </a:r>
-            <a:r>
-              <a:rPr lang="ko-KR" altLang="en-US" dirty="0" err="1" smtClean="0"/>
-              <a:t>시각화시</a:t>
-            </a:r>
-            <a:r>
-              <a:rPr lang="ko-KR" altLang="en-US" dirty="0" smtClean="0"/>
-              <a:t> 더 복잡해 질 수 있다</a:t>
-            </a:r>
-            <a:r>
-              <a:rPr lang="en-US" altLang="ko-KR" dirty="0" smtClean="0"/>
-              <a:t>.</a:t>
-            </a:r>
-          </a:p>
-          <a:p>
-            <a:r>
-              <a:rPr lang="ko-KR" altLang="en-US" dirty="0" smtClean="0"/>
-              <a:t>그때는 </a:t>
-            </a:r>
-            <a:r>
-              <a:rPr lang="en-US" altLang="ko-KR" dirty="0" smtClean="0"/>
-              <a:t>3D </a:t>
-            </a:r>
-            <a:r>
-              <a:rPr lang="ko-KR" altLang="en-US" dirty="0" smtClean="0"/>
-              <a:t>시각화가 적절한 방법이다</a:t>
-            </a:r>
-            <a:r>
-              <a:rPr lang="en-US" altLang="ko-KR" dirty="0" smtClean="0"/>
-              <a:t>.</a:t>
-            </a:r>
-            <a:endParaRPr lang="ko-KR" altLang="en-US" dirty="0"/>
           </a:p>
         </p:txBody>
       </p:sp>
@@ -2668,7 +3690,7 @@
     </p:spTree>
     <p:extLst>
       <p:ext uri="{BB962C8B-B14F-4D97-AF65-F5344CB8AC3E}">
-        <p14:creationId xmlns:p14="http://schemas.microsoft.com/office/powerpoint/2010/main" val="1009059044"/>
+        <p14:creationId xmlns:p14="http://schemas.microsoft.com/office/powerpoint/2010/main" val="2468206147"/>
       </p:ext>
     </p:extLst>
   </p:cSld>
@@ -2809,7 +3831,7 @@
           <a:p>
             <a:fld id="{665D5909-CA93-41BC-B759-71CDEB203D1A}" type="datetimeFigureOut">
               <a:rPr lang="ko-KR" altLang="en-US" smtClean="0"/>
-              <a:t>2016-07-08</a:t>
+              <a:t>2016-07-14</a:t>
             </a:fld>
             <a:endParaRPr lang="ko-KR" altLang="en-US"/>
           </a:p>
@@ -2979,7 +4001,7 @@
           <a:p>
             <a:fld id="{665D5909-CA93-41BC-B759-71CDEB203D1A}" type="datetimeFigureOut">
               <a:rPr lang="ko-KR" altLang="en-US" smtClean="0"/>
-              <a:t>2016-07-08</a:t>
+              <a:t>2016-07-14</a:t>
             </a:fld>
             <a:endParaRPr lang="ko-KR" altLang="en-US"/>
           </a:p>
@@ -3159,7 +4181,7 @@
           <a:p>
             <a:fld id="{665D5909-CA93-41BC-B759-71CDEB203D1A}" type="datetimeFigureOut">
               <a:rPr lang="ko-KR" altLang="en-US" smtClean="0"/>
-              <a:t>2016-07-08</a:t>
+              <a:t>2016-07-14</a:t>
             </a:fld>
             <a:endParaRPr lang="ko-KR" altLang="en-US"/>
           </a:p>
@@ -3329,7 +4351,7 @@
           <a:p>
             <a:fld id="{665D5909-CA93-41BC-B759-71CDEB203D1A}" type="datetimeFigureOut">
               <a:rPr lang="ko-KR" altLang="en-US" smtClean="0"/>
-              <a:t>2016-07-08</a:t>
+              <a:t>2016-07-14</a:t>
             </a:fld>
             <a:endParaRPr lang="ko-KR" altLang="en-US"/>
           </a:p>
@@ -3575,7 +4597,7 @@
           <a:p>
             <a:fld id="{665D5909-CA93-41BC-B759-71CDEB203D1A}" type="datetimeFigureOut">
               <a:rPr lang="ko-KR" altLang="en-US" smtClean="0"/>
-              <a:t>2016-07-08</a:t>
+              <a:t>2016-07-14</a:t>
             </a:fld>
             <a:endParaRPr lang="ko-KR" altLang="en-US"/>
           </a:p>
@@ -3807,7 +4829,7 @@
           <a:p>
             <a:fld id="{665D5909-CA93-41BC-B759-71CDEB203D1A}" type="datetimeFigureOut">
               <a:rPr lang="ko-KR" altLang="en-US" smtClean="0"/>
-              <a:t>2016-07-08</a:t>
+              <a:t>2016-07-14</a:t>
             </a:fld>
             <a:endParaRPr lang="ko-KR" altLang="en-US"/>
           </a:p>
@@ -4174,7 +5196,7 @@
           <a:p>
             <a:fld id="{665D5909-CA93-41BC-B759-71CDEB203D1A}" type="datetimeFigureOut">
               <a:rPr lang="ko-KR" altLang="en-US" smtClean="0"/>
-              <a:t>2016-07-08</a:t>
+              <a:t>2016-07-14</a:t>
             </a:fld>
             <a:endParaRPr lang="ko-KR" altLang="en-US"/>
           </a:p>
@@ -4292,7 +5314,7 @@
           <a:p>
             <a:fld id="{665D5909-CA93-41BC-B759-71CDEB203D1A}" type="datetimeFigureOut">
               <a:rPr lang="ko-KR" altLang="en-US" smtClean="0"/>
-              <a:t>2016-07-08</a:t>
+              <a:t>2016-07-14</a:t>
             </a:fld>
             <a:endParaRPr lang="ko-KR" altLang="en-US"/>
           </a:p>
@@ -4387,7 +5409,7 @@
           <a:p>
             <a:fld id="{665D5909-CA93-41BC-B759-71CDEB203D1A}" type="datetimeFigureOut">
               <a:rPr lang="ko-KR" altLang="en-US" smtClean="0"/>
-              <a:t>2016-07-08</a:t>
+              <a:t>2016-07-14</a:t>
             </a:fld>
             <a:endParaRPr lang="ko-KR" altLang="en-US"/>
           </a:p>
@@ -4664,7 +5686,7 @@
           <a:p>
             <a:fld id="{665D5909-CA93-41BC-B759-71CDEB203D1A}" type="datetimeFigureOut">
               <a:rPr lang="ko-KR" altLang="en-US" smtClean="0"/>
-              <a:t>2016-07-08</a:t>
+              <a:t>2016-07-14</a:t>
             </a:fld>
             <a:endParaRPr lang="ko-KR" altLang="en-US"/>
           </a:p>
@@ -4917,7 +5939,7 @@
           <a:p>
             <a:fld id="{665D5909-CA93-41BC-B759-71CDEB203D1A}" type="datetimeFigureOut">
               <a:rPr lang="ko-KR" altLang="en-US" smtClean="0"/>
-              <a:t>2016-07-08</a:t>
+              <a:t>2016-07-14</a:t>
             </a:fld>
             <a:endParaRPr lang="ko-KR" altLang="en-US"/>
           </a:p>
@@ -5130,7 +6152,7 @@
           <a:p>
             <a:fld id="{665D5909-CA93-41BC-B759-71CDEB203D1A}" type="datetimeFigureOut">
               <a:rPr lang="ko-KR" altLang="en-US" smtClean="0"/>
-              <a:t>2016-07-08</a:t>
+              <a:t>2016-07-14</a:t>
             </a:fld>
             <a:endParaRPr lang="ko-KR" altLang="en-US"/>
           </a:p>
@@ -5655,11 +6677,7 @@
             </a:r>
             <a:r>
               <a:rPr lang="en-US" altLang="ko-KR" sz="1800" dirty="0" smtClean="0"/>
-              <a:t> November </a:t>
-            </a:r>
-            <a:r>
-              <a:rPr lang="en-US" altLang="ko-KR" sz="1800" dirty="0" smtClean="0"/>
-              <a:t>2010 | </a:t>
+              <a:t> November 2010 | </a:t>
             </a:r>
             <a:r>
               <a:rPr lang="en-US" altLang="ko-KR" sz="1800" dirty="0"/>
@@ -5733,6 +6751,1509 @@
         </p:nvSpPr>
         <p:spPr/>
         <p:txBody>
+          <a:bodyPr/>
+          <a:lstStyle/>
+          <a:p>
+            <a:r>
+              <a:rPr lang="en-US" altLang="ko-KR" dirty="0"/>
+              <a:t>Literature </a:t>
+            </a:r>
+            <a:r>
+              <a:rPr lang="en-US" altLang="ko-KR" dirty="0" smtClean="0"/>
+              <a:t>Mining</a:t>
+            </a:r>
+            <a:endParaRPr lang="en-US" altLang="ko-KR" dirty="0"/>
+          </a:p>
+        </p:txBody>
+      </p:sp>
+      <p:sp>
+        <p:nvSpPr>
+          <p:cNvPr id="6" name="직사각형 5"/>
+          <p:cNvSpPr/>
+          <p:nvPr/>
+        </p:nvSpPr>
+        <p:spPr>
+          <a:xfrm>
+            <a:off x="838200" y="1412103"/>
+            <a:ext cx="10269682" cy="584775"/>
+          </a:xfrm>
+          <a:prstGeom prst="rect">
+            <a:avLst/>
+          </a:prstGeom>
+        </p:spPr>
+        <p:txBody>
+          <a:bodyPr wrap="square">
+            <a:spAutoFit/>
+          </a:bodyPr>
+          <a:lstStyle/>
+          <a:p>
+            <a:r>
+              <a:rPr lang="en-US" altLang="ko-KR" sz="3200" dirty="0" smtClean="0"/>
+              <a:t>Information Extraction : Co-occurrence, NLP</a:t>
+            </a:r>
+            <a:endParaRPr lang="ko-KR" altLang="en-US" sz="3200" dirty="0"/>
+          </a:p>
+        </p:txBody>
+      </p:sp>
+      <p:sp>
+        <p:nvSpPr>
+          <p:cNvPr id="5" name="내용 개체 틀 2"/>
+          <p:cNvSpPr txBox="1">
+            <a:spLocks/>
+          </p:cNvSpPr>
+          <p:nvPr/>
+        </p:nvSpPr>
+        <p:spPr>
+          <a:xfrm>
+            <a:off x="994955" y="2233749"/>
+            <a:ext cx="10239102" cy="3877900"/>
+          </a:xfrm>
+          <a:prstGeom prst="rect">
+            <a:avLst/>
+          </a:prstGeom>
+        </p:spPr>
+        <p:txBody>
+          <a:bodyPr vert="horz" lIns="91440" tIns="45720" rIns="91440" bIns="45720" rtlCol="0">
+            <a:normAutofit/>
+          </a:bodyPr>
+          <a:lstStyle>
+            <a:lvl1pPr marL="228600" indent="-228600" algn="l" defTabSz="914400" rtl="0" eaLnBrk="1" latinLnBrk="1" hangingPunct="1">
+              <a:lnSpc>
+                <a:spcPct val="90000"/>
+              </a:lnSpc>
+              <a:spcBef>
+                <a:spcPts val="1000"/>
+              </a:spcBef>
+              <a:buFont typeface="Arial" panose="020B0604020202020204" pitchFamily="34" charset="0"/>
+              <a:buChar char="•"/>
+              <a:defRPr sz="2800" kern="1200">
+                <a:solidFill>
+                  <a:schemeClr val="tx1"/>
+                </a:solidFill>
+                <a:latin typeface="+mn-lt"/>
+                <a:ea typeface="+mn-ea"/>
+                <a:cs typeface="+mn-cs"/>
+              </a:defRPr>
+            </a:lvl1pPr>
+            <a:lvl2pPr marL="685800" indent="-228600" algn="l" defTabSz="914400" rtl="0" eaLnBrk="1" latinLnBrk="1" hangingPunct="1">
+              <a:lnSpc>
+                <a:spcPct val="90000"/>
+              </a:lnSpc>
+              <a:spcBef>
+                <a:spcPts val="500"/>
+              </a:spcBef>
+              <a:buFont typeface="Arial" panose="020B0604020202020204" pitchFamily="34" charset="0"/>
+              <a:buChar char="•"/>
+              <a:defRPr sz="2400" kern="1200">
+                <a:solidFill>
+                  <a:schemeClr val="tx1"/>
+                </a:solidFill>
+                <a:latin typeface="+mn-lt"/>
+                <a:ea typeface="+mn-ea"/>
+                <a:cs typeface="+mn-cs"/>
+              </a:defRPr>
+            </a:lvl2pPr>
+            <a:lvl3pPr marL="1143000" indent="-228600" algn="l" defTabSz="914400" rtl="0" eaLnBrk="1" latinLnBrk="1" hangingPunct="1">
+              <a:lnSpc>
+                <a:spcPct val="90000"/>
+              </a:lnSpc>
+              <a:spcBef>
+                <a:spcPts val="500"/>
+              </a:spcBef>
+              <a:buFont typeface="Arial" panose="020B0604020202020204" pitchFamily="34" charset="0"/>
+              <a:buChar char="•"/>
+              <a:defRPr sz="2000" kern="1200">
+                <a:solidFill>
+                  <a:schemeClr val="tx1"/>
+                </a:solidFill>
+                <a:latin typeface="+mn-lt"/>
+                <a:ea typeface="+mn-ea"/>
+                <a:cs typeface="+mn-cs"/>
+              </a:defRPr>
+            </a:lvl3pPr>
+            <a:lvl4pPr marL="1600200" indent="-228600" algn="l" defTabSz="914400" rtl="0" eaLnBrk="1" latinLnBrk="1" hangingPunct="1">
+              <a:lnSpc>
+                <a:spcPct val="90000"/>
+              </a:lnSpc>
+              <a:spcBef>
+                <a:spcPts val="500"/>
+              </a:spcBef>
+              <a:buFont typeface="Arial" panose="020B0604020202020204" pitchFamily="34" charset="0"/>
+              <a:buChar char="•"/>
+              <a:defRPr sz="1800" kern="1200">
+                <a:solidFill>
+                  <a:schemeClr val="tx1"/>
+                </a:solidFill>
+                <a:latin typeface="+mn-lt"/>
+                <a:ea typeface="+mn-ea"/>
+                <a:cs typeface="+mn-cs"/>
+              </a:defRPr>
+            </a:lvl4pPr>
+            <a:lvl5pPr marL="2057400" indent="-228600" algn="l" defTabSz="914400" rtl="0" eaLnBrk="1" latinLnBrk="1" hangingPunct="1">
+              <a:lnSpc>
+                <a:spcPct val="90000"/>
+              </a:lnSpc>
+              <a:spcBef>
+                <a:spcPts val="500"/>
+              </a:spcBef>
+              <a:buFont typeface="Arial" panose="020B0604020202020204" pitchFamily="34" charset="0"/>
+              <a:buChar char="•"/>
+              <a:defRPr sz="1800" kern="1200">
+                <a:solidFill>
+                  <a:schemeClr val="tx1"/>
+                </a:solidFill>
+                <a:latin typeface="+mn-lt"/>
+                <a:ea typeface="+mn-ea"/>
+                <a:cs typeface="+mn-cs"/>
+              </a:defRPr>
+            </a:lvl5pPr>
+            <a:lvl6pPr marL="2514600" indent="-228600" algn="l" defTabSz="914400" rtl="0" eaLnBrk="1" latinLnBrk="1" hangingPunct="1">
+              <a:lnSpc>
+                <a:spcPct val="90000"/>
+              </a:lnSpc>
+              <a:spcBef>
+                <a:spcPts val="500"/>
+              </a:spcBef>
+              <a:buFont typeface="Arial" panose="020B0604020202020204" pitchFamily="34" charset="0"/>
+              <a:buChar char="•"/>
+              <a:defRPr sz="1800" kern="1200">
+                <a:solidFill>
+                  <a:schemeClr val="tx1"/>
+                </a:solidFill>
+                <a:latin typeface="+mn-lt"/>
+                <a:ea typeface="+mn-ea"/>
+                <a:cs typeface="+mn-cs"/>
+              </a:defRPr>
+            </a:lvl6pPr>
+            <a:lvl7pPr marL="2971800" indent="-228600" algn="l" defTabSz="914400" rtl="0" eaLnBrk="1" latinLnBrk="1" hangingPunct="1">
+              <a:lnSpc>
+                <a:spcPct val="90000"/>
+              </a:lnSpc>
+              <a:spcBef>
+                <a:spcPts val="500"/>
+              </a:spcBef>
+              <a:buFont typeface="Arial" panose="020B0604020202020204" pitchFamily="34" charset="0"/>
+              <a:buChar char="•"/>
+              <a:defRPr sz="1800" kern="1200">
+                <a:solidFill>
+                  <a:schemeClr val="tx1"/>
+                </a:solidFill>
+                <a:latin typeface="+mn-lt"/>
+                <a:ea typeface="+mn-ea"/>
+                <a:cs typeface="+mn-cs"/>
+              </a:defRPr>
+            </a:lvl7pPr>
+            <a:lvl8pPr marL="3429000" indent="-228600" algn="l" defTabSz="914400" rtl="0" eaLnBrk="1" latinLnBrk="1" hangingPunct="1">
+              <a:lnSpc>
+                <a:spcPct val="90000"/>
+              </a:lnSpc>
+              <a:spcBef>
+                <a:spcPts val="500"/>
+              </a:spcBef>
+              <a:buFont typeface="Arial" panose="020B0604020202020204" pitchFamily="34" charset="0"/>
+              <a:buChar char="•"/>
+              <a:defRPr sz="1800" kern="1200">
+                <a:solidFill>
+                  <a:schemeClr val="tx1"/>
+                </a:solidFill>
+                <a:latin typeface="+mn-lt"/>
+                <a:ea typeface="+mn-ea"/>
+                <a:cs typeface="+mn-cs"/>
+              </a:defRPr>
+            </a:lvl8pPr>
+            <a:lvl9pPr marL="3886200" indent="-228600" algn="l" defTabSz="914400" rtl="0" eaLnBrk="1" latinLnBrk="1" hangingPunct="1">
+              <a:lnSpc>
+                <a:spcPct val="90000"/>
+              </a:lnSpc>
+              <a:spcBef>
+                <a:spcPts val="500"/>
+              </a:spcBef>
+              <a:buFont typeface="Arial" panose="020B0604020202020204" pitchFamily="34" charset="0"/>
+              <a:buChar char="•"/>
+              <a:defRPr sz="1800" kern="1200">
+                <a:solidFill>
+                  <a:schemeClr val="tx1"/>
+                </a:solidFill>
+                <a:latin typeface="+mn-lt"/>
+                <a:ea typeface="+mn-ea"/>
+                <a:cs typeface="+mn-cs"/>
+              </a:defRPr>
+            </a:lvl9pPr>
+          </a:lstStyle>
+          <a:p>
+            <a:r>
+              <a:rPr lang="en-US" altLang="ko-KR" dirty="0" smtClean="0"/>
+              <a:t>Van der </a:t>
+            </a:r>
+            <a:r>
+              <a:rPr lang="en-US" altLang="ko-KR" dirty="0" err="1" smtClean="0"/>
+              <a:t>Eijk</a:t>
+            </a:r>
+            <a:r>
+              <a:rPr lang="en-US" altLang="ko-KR" dirty="0" smtClean="0"/>
+              <a:t> </a:t>
+            </a:r>
+            <a:r>
+              <a:rPr lang="en-US" altLang="ko-KR" dirty="0"/>
+              <a:t>et al</a:t>
+            </a:r>
+            <a:endParaRPr lang="en-US" altLang="ko-KR" dirty="0" smtClean="0"/>
+          </a:p>
+          <a:p>
+            <a:pPr lvl="1"/>
+            <a:r>
+              <a:rPr lang="en-US" altLang="ko-KR" dirty="0" smtClean="0"/>
+              <a:t>Extracted information from abstracts and then built a co-occurrence based ACS algorithm to place all concepts in an n-dimensional space.</a:t>
+            </a:r>
+          </a:p>
+          <a:p>
+            <a:pPr lvl="1"/>
+            <a:r>
+              <a:rPr lang="en-US" altLang="ko-KR" dirty="0" smtClean="0"/>
+              <a:t>They found a potentially novel relationship using close proximity</a:t>
+            </a:r>
+          </a:p>
+          <a:p>
+            <a:r>
+              <a:rPr lang="en-US" altLang="ko-KR" dirty="0" err="1" smtClean="0"/>
+              <a:t>Narayanasamy</a:t>
+            </a:r>
+            <a:r>
+              <a:rPr lang="en-US" altLang="ko-KR" dirty="0" smtClean="0"/>
+              <a:t> et al</a:t>
+            </a:r>
+          </a:p>
+          <a:p>
+            <a:pPr lvl="1"/>
+            <a:r>
+              <a:rPr lang="en-US" altLang="ko-KR" dirty="0" smtClean="0"/>
+              <a:t>Created an association graph from MEDLINE for biomedical concepts and then used this network to find transitive associations in a tool </a:t>
+            </a:r>
+            <a:r>
+              <a:rPr lang="en-US" altLang="ko-KR" dirty="0" err="1" smtClean="0"/>
+              <a:t>TransMiner</a:t>
+            </a:r>
+            <a:r>
+              <a:rPr lang="en-US" altLang="ko-KR" dirty="0"/>
+              <a:t>.</a:t>
+            </a:r>
+            <a:endParaRPr lang="en-US" altLang="ko-KR" dirty="0" smtClean="0"/>
+          </a:p>
+        </p:txBody>
+      </p:sp>
+    </p:spTree>
+    <p:extLst>
+      <p:ext uri="{BB962C8B-B14F-4D97-AF65-F5344CB8AC3E}">
+        <p14:creationId xmlns:p14="http://schemas.microsoft.com/office/powerpoint/2010/main" val="2470082719"/>
+      </p:ext>
+    </p:extLst>
+  </p:cSld>
+  <p:clrMapOvr>
+    <a:masterClrMapping/>
+  </p:clrMapOvr>
+  <p:timing>
+    <p:tnLst>
+      <p:par>
+        <p:cTn id="1" dur="indefinite" restart="never" nodeType="tmRoot"/>
+      </p:par>
+    </p:tnLst>
+  </p:timing>
+</p:sld>
+</file>
+
+<file path=ppt/slides/slide11.xml><?xml version="1.0" encoding="utf-8"?>
+<p:sld xmlns:a="http://schemas.openxmlformats.org/drawingml/2006/main" xmlns:r="http://schemas.openxmlformats.org/officeDocument/2006/relationships" xmlns:p="http://schemas.openxmlformats.org/presentationml/2006/main">
+  <p:cSld>
+    <p:spTree>
+      <p:nvGrpSpPr>
+        <p:cNvPr id="1" name=""/>
+        <p:cNvGrpSpPr/>
+        <p:nvPr/>
+      </p:nvGrpSpPr>
+      <p:grpSpPr>
+        <a:xfrm>
+          <a:off x="0" y="0"/>
+          <a:ext cx="0" cy="0"/>
+          <a:chOff x="0" y="0"/>
+          <a:chExt cx="0" cy="0"/>
+        </a:xfrm>
+      </p:grpSpPr>
+      <p:sp>
+        <p:nvSpPr>
+          <p:cNvPr id="2" name="제목 1"/>
+          <p:cNvSpPr>
+            <a:spLocks noGrp="1"/>
+          </p:cNvSpPr>
+          <p:nvPr>
+            <p:ph type="title"/>
+          </p:nvPr>
+        </p:nvSpPr>
+        <p:spPr/>
+        <p:txBody>
+          <a:bodyPr/>
+          <a:lstStyle/>
+          <a:p>
+            <a:r>
+              <a:rPr lang="en-US" altLang="ko-KR" dirty="0"/>
+              <a:t>Literature </a:t>
+            </a:r>
+            <a:r>
+              <a:rPr lang="en-US" altLang="ko-KR" dirty="0" smtClean="0"/>
+              <a:t>Mining</a:t>
+            </a:r>
+            <a:endParaRPr lang="en-US" altLang="ko-KR" dirty="0"/>
+          </a:p>
+        </p:txBody>
+      </p:sp>
+      <p:sp>
+        <p:nvSpPr>
+          <p:cNvPr id="6" name="직사각형 5"/>
+          <p:cNvSpPr/>
+          <p:nvPr/>
+        </p:nvSpPr>
+        <p:spPr>
+          <a:xfrm>
+            <a:off x="838200" y="1412103"/>
+            <a:ext cx="10269682" cy="584775"/>
+          </a:xfrm>
+          <a:prstGeom prst="rect">
+            <a:avLst/>
+          </a:prstGeom>
+        </p:spPr>
+        <p:txBody>
+          <a:bodyPr wrap="square">
+            <a:spAutoFit/>
+          </a:bodyPr>
+          <a:lstStyle/>
+          <a:p>
+            <a:r>
+              <a:rPr lang="en-US" altLang="ko-KR" sz="3200" dirty="0" smtClean="0"/>
+              <a:t>Information Extraction : Co-occurrence, NLP</a:t>
+            </a:r>
+            <a:endParaRPr lang="ko-KR" altLang="en-US" sz="3200" dirty="0"/>
+          </a:p>
+        </p:txBody>
+      </p:sp>
+      <p:sp>
+        <p:nvSpPr>
+          <p:cNvPr id="5" name="내용 개체 틀 2"/>
+          <p:cNvSpPr txBox="1">
+            <a:spLocks/>
+          </p:cNvSpPr>
+          <p:nvPr/>
+        </p:nvSpPr>
+        <p:spPr>
+          <a:xfrm>
+            <a:off x="994955" y="2233749"/>
+            <a:ext cx="10239102" cy="3877900"/>
+          </a:xfrm>
+          <a:prstGeom prst="rect">
+            <a:avLst/>
+          </a:prstGeom>
+        </p:spPr>
+        <p:txBody>
+          <a:bodyPr vert="horz" lIns="91440" tIns="45720" rIns="91440" bIns="45720" rtlCol="0">
+            <a:normAutofit/>
+          </a:bodyPr>
+          <a:lstStyle>
+            <a:lvl1pPr marL="228600" indent="-228600" algn="l" defTabSz="914400" rtl="0" eaLnBrk="1" latinLnBrk="1" hangingPunct="1">
+              <a:lnSpc>
+                <a:spcPct val="90000"/>
+              </a:lnSpc>
+              <a:spcBef>
+                <a:spcPts val="1000"/>
+              </a:spcBef>
+              <a:buFont typeface="Arial" panose="020B0604020202020204" pitchFamily="34" charset="0"/>
+              <a:buChar char="•"/>
+              <a:defRPr sz="2800" kern="1200">
+                <a:solidFill>
+                  <a:schemeClr val="tx1"/>
+                </a:solidFill>
+                <a:latin typeface="+mn-lt"/>
+                <a:ea typeface="+mn-ea"/>
+                <a:cs typeface="+mn-cs"/>
+              </a:defRPr>
+            </a:lvl1pPr>
+            <a:lvl2pPr marL="685800" indent="-228600" algn="l" defTabSz="914400" rtl="0" eaLnBrk="1" latinLnBrk="1" hangingPunct="1">
+              <a:lnSpc>
+                <a:spcPct val="90000"/>
+              </a:lnSpc>
+              <a:spcBef>
+                <a:spcPts val="500"/>
+              </a:spcBef>
+              <a:buFont typeface="Arial" panose="020B0604020202020204" pitchFamily="34" charset="0"/>
+              <a:buChar char="•"/>
+              <a:defRPr sz="2400" kern="1200">
+                <a:solidFill>
+                  <a:schemeClr val="tx1"/>
+                </a:solidFill>
+                <a:latin typeface="+mn-lt"/>
+                <a:ea typeface="+mn-ea"/>
+                <a:cs typeface="+mn-cs"/>
+              </a:defRPr>
+            </a:lvl2pPr>
+            <a:lvl3pPr marL="1143000" indent="-228600" algn="l" defTabSz="914400" rtl="0" eaLnBrk="1" latinLnBrk="1" hangingPunct="1">
+              <a:lnSpc>
+                <a:spcPct val="90000"/>
+              </a:lnSpc>
+              <a:spcBef>
+                <a:spcPts val="500"/>
+              </a:spcBef>
+              <a:buFont typeface="Arial" panose="020B0604020202020204" pitchFamily="34" charset="0"/>
+              <a:buChar char="•"/>
+              <a:defRPr sz="2000" kern="1200">
+                <a:solidFill>
+                  <a:schemeClr val="tx1"/>
+                </a:solidFill>
+                <a:latin typeface="+mn-lt"/>
+                <a:ea typeface="+mn-ea"/>
+                <a:cs typeface="+mn-cs"/>
+              </a:defRPr>
+            </a:lvl3pPr>
+            <a:lvl4pPr marL="1600200" indent="-228600" algn="l" defTabSz="914400" rtl="0" eaLnBrk="1" latinLnBrk="1" hangingPunct="1">
+              <a:lnSpc>
+                <a:spcPct val="90000"/>
+              </a:lnSpc>
+              <a:spcBef>
+                <a:spcPts val="500"/>
+              </a:spcBef>
+              <a:buFont typeface="Arial" panose="020B0604020202020204" pitchFamily="34" charset="0"/>
+              <a:buChar char="•"/>
+              <a:defRPr sz="1800" kern="1200">
+                <a:solidFill>
+                  <a:schemeClr val="tx1"/>
+                </a:solidFill>
+                <a:latin typeface="+mn-lt"/>
+                <a:ea typeface="+mn-ea"/>
+                <a:cs typeface="+mn-cs"/>
+              </a:defRPr>
+            </a:lvl4pPr>
+            <a:lvl5pPr marL="2057400" indent="-228600" algn="l" defTabSz="914400" rtl="0" eaLnBrk="1" latinLnBrk="1" hangingPunct="1">
+              <a:lnSpc>
+                <a:spcPct val="90000"/>
+              </a:lnSpc>
+              <a:spcBef>
+                <a:spcPts val="500"/>
+              </a:spcBef>
+              <a:buFont typeface="Arial" panose="020B0604020202020204" pitchFamily="34" charset="0"/>
+              <a:buChar char="•"/>
+              <a:defRPr sz="1800" kern="1200">
+                <a:solidFill>
+                  <a:schemeClr val="tx1"/>
+                </a:solidFill>
+                <a:latin typeface="+mn-lt"/>
+                <a:ea typeface="+mn-ea"/>
+                <a:cs typeface="+mn-cs"/>
+              </a:defRPr>
+            </a:lvl5pPr>
+            <a:lvl6pPr marL="2514600" indent="-228600" algn="l" defTabSz="914400" rtl="0" eaLnBrk="1" latinLnBrk="1" hangingPunct="1">
+              <a:lnSpc>
+                <a:spcPct val="90000"/>
+              </a:lnSpc>
+              <a:spcBef>
+                <a:spcPts val="500"/>
+              </a:spcBef>
+              <a:buFont typeface="Arial" panose="020B0604020202020204" pitchFamily="34" charset="0"/>
+              <a:buChar char="•"/>
+              <a:defRPr sz="1800" kern="1200">
+                <a:solidFill>
+                  <a:schemeClr val="tx1"/>
+                </a:solidFill>
+                <a:latin typeface="+mn-lt"/>
+                <a:ea typeface="+mn-ea"/>
+                <a:cs typeface="+mn-cs"/>
+              </a:defRPr>
+            </a:lvl6pPr>
+            <a:lvl7pPr marL="2971800" indent="-228600" algn="l" defTabSz="914400" rtl="0" eaLnBrk="1" latinLnBrk="1" hangingPunct="1">
+              <a:lnSpc>
+                <a:spcPct val="90000"/>
+              </a:lnSpc>
+              <a:spcBef>
+                <a:spcPts val="500"/>
+              </a:spcBef>
+              <a:buFont typeface="Arial" panose="020B0604020202020204" pitchFamily="34" charset="0"/>
+              <a:buChar char="•"/>
+              <a:defRPr sz="1800" kern="1200">
+                <a:solidFill>
+                  <a:schemeClr val="tx1"/>
+                </a:solidFill>
+                <a:latin typeface="+mn-lt"/>
+                <a:ea typeface="+mn-ea"/>
+                <a:cs typeface="+mn-cs"/>
+              </a:defRPr>
+            </a:lvl7pPr>
+            <a:lvl8pPr marL="3429000" indent="-228600" algn="l" defTabSz="914400" rtl="0" eaLnBrk="1" latinLnBrk="1" hangingPunct="1">
+              <a:lnSpc>
+                <a:spcPct val="90000"/>
+              </a:lnSpc>
+              <a:spcBef>
+                <a:spcPts val="500"/>
+              </a:spcBef>
+              <a:buFont typeface="Arial" panose="020B0604020202020204" pitchFamily="34" charset="0"/>
+              <a:buChar char="•"/>
+              <a:defRPr sz="1800" kern="1200">
+                <a:solidFill>
+                  <a:schemeClr val="tx1"/>
+                </a:solidFill>
+                <a:latin typeface="+mn-lt"/>
+                <a:ea typeface="+mn-ea"/>
+                <a:cs typeface="+mn-cs"/>
+              </a:defRPr>
+            </a:lvl8pPr>
+            <a:lvl9pPr marL="3886200" indent="-228600" algn="l" defTabSz="914400" rtl="0" eaLnBrk="1" latinLnBrk="1" hangingPunct="1">
+              <a:lnSpc>
+                <a:spcPct val="90000"/>
+              </a:lnSpc>
+              <a:spcBef>
+                <a:spcPts val="500"/>
+              </a:spcBef>
+              <a:buFont typeface="Arial" panose="020B0604020202020204" pitchFamily="34" charset="0"/>
+              <a:buChar char="•"/>
+              <a:defRPr sz="1800" kern="1200">
+                <a:solidFill>
+                  <a:schemeClr val="tx1"/>
+                </a:solidFill>
+                <a:latin typeface="+mn-lt"/>
+                <a:ea typeface="+mn-ea"/>
+                <a:cs typeface="+mn-cs"/>
+              </a:defRPr>
+            </a:lvl9pPr>
+          </a:lstStyle>
+          <a:p>
+            <a:r>
+              <a:rPr lang="en-US" altLang="ko-KR" dirty="0" err="1" smtClean="0"/>
+              <a:t>Ahlers</a:t>
+            </a:r>
+            <a:r>
+              <a:rPr lang="en-US" altLang="ko-KR" dirty="0"/>
+              <a:t> </a:t>
+            </a:r>
+            <a:r>
+              <a:rPr lang="en-US" altLang="ko-KR" dirty="0" smtClean="0"/>
+              <a:t>et al</a:t>
+            </a:r>
+          </a:p>
+          <a:p>
+            <a:pPr lvl="1"/>
+            <a:r>
+              <a:rPr lang="en-US" altLang="ko-KR" dirty="0" smtClean="0"/>
+              <a:t>Extracted semantic predications from MEDLINE and then used this information to identify proteins that potentially provide a link between cancer and anti-psychotic agent.</a:t>
+            </a:r>
+          </a:p>
+          <a:p>
+            <a:r>
+              <a:rPr lang="en-US" altLang="ko-KR" dirty="0" smtClean="0"/>
+              <a:t>Baker et al</a:t>
+            </a:r>
+          </a:p>
+          <a:p>
+            <a:pPr lvl="1"/>
+            <a:r>
+              <a:rPr lang="en-US" altLang="ko-KR" dirty="0" smtClean="0"/>
+              <a:t>Used </a:t>
+            </a:r>
+            <a:r>
+              <a:rPr lang="en-US" altLang="ko-KR" dirty="0" err="1" smtClean="0"/>
+              <a:t>MeSH</a:t>
+            </a:r>
+            <a:r>
+              <a:rPr lang="en-US" altLang="ko-KR" dirty="0" smtClean="0"/>
+              <a:t> terms to find drugs and their effects in MEDLINE abstracts and connected those to diseases using proteins as the intermediary B concepts</a:t>
+            </a:r>
+            <a:endParaRPr lang="en-US" altLang="ko-KR" dirty="0" smtClean="0"/>
+          </a:p>
+        </p:txBody>
+      </p:sp>
+    </p:spTree>
+    <p:extLst>
+      <p:ext uri="{BB962C8B-B14F-4D97-AF65-F5344CB8AC3E}">
+        <p14:creationId xmlns:p14="http://schemas.microsoft.com/office/powerpoint/2010/main" val="403458290"/>
+      </p:ext>
+    </p:extLst>
+  </p:cSld>
+  <p:clrMapOvr>
+    <a:masterClrMapping/>
+  </p:clrMapOvr>
+  <p:timing>
+    <p:tnLst>
+      <p:par>
+        <p:cTn id="1" dur="indefinite" restart="never" nodeType="tmRoot"/>
+      </p:par>
+    </p:tnLst>
+  </p:timing>
+</p:sld>
+</file>
+
+<file path=ppt/slides/slide12.xml><?xml version="1.0" encoding="utf-8"?>
+<p:sld xmlns:a="http://schemas.openxmlformats.org/drawingml/2006/main" xmlns:r="http://schemas.openxmlformats.org/officeDocument/2006/relationships" xmlns:p="http://schemas.openxmlformats.org/presentationml/2006/main">
+  <p:cSld>
+    <p:spTree>
+      <p:nvGrpSpPr>
+        <p:cNvPr id="1" name=""/>
+        <p:cNvGrpSpPr/>
+        <p:nvPr/>
+      </p:nvGrpSpPr>
+      <p:grpSpPr>
+        <a:xfrm>
+          <a:off x="0" y="0"/>
+          <a:ext cx="0" cy="0"/>
+          <a:chOff x="0" y="0"/>
+          <a:chExt cx="0" cy="0"/>
+        </a:xfrm>
+      </p:grpSpPr>
+      <p:sp>
+        <p:nvSpPr>
+          <p:cNvPr id="2" name="제목 1"/>
+          <p:cNvSpPr>
+            <a:spLocks noGrp="1"/>
+          </p:cNvSpPr>
+          <p:nvPr>
+            <p:ph type="title"/>
+          </p:nvPr>
+        </p:nvSpPr>
+        <p:spPr/>
+        <p:txBody>
+          <a:bodyPr/>
+          <a:lstStyle/>
+          <a:p>
+            <a:r>
+              <a:rPr lang="en-US" altLang="ko-KR" dirty="0"/>
+              <a:t>Semantic web technologies and ontologies</a:t>
+            </a:r>
+          </a:p>
+        </p:txBody>
+      </p:sp>
+      <p:sp>
+        <p:nvSpPr>
+          <p:cNvPr id="9" name="내용 개체 틀 2"/>
+          <p:cNvSpPr txBox="1">
+            <a:spLocks/>
+          </p:cNvSpPr>
+          <p:nvPr/>
+        </p:nvSpPr>
+        <p:spPr>
+          <a:xfrm>
+            <a:off x="994955" y="1972492"/>
+            <a:ext cx="10239102" cy="4139158"/>
+          </a:xfrm>
+          <a:prstGeom prst="rect">
+            <a:avLst/>
+          </a:prstGeom>
+        </p:spPr>
+        <p:txBody>
+          <a:bodyPr vert="horz" lIns="91440" tIns="45720" rIns="91440" bIns="45720" rtlCol="0">
+            <a:normAutofit lnSpcReduction="10000"/>
+          </a:bodyPr>
+          <a:lstStyle>
+            <a:lvl1pPr marL="228600" indent="-228600" algn="l" defTabSz="914400" rtl="0" eaLnBrk="1" latinLnBrk="1" hangingPunct="1">
+              <a:lnSpc>
+                <a:spcPct val="90000"/>
+              </a:lnSpc>
+              <a:spcBef>
+                <a:spcPts val="1000"/>
+              </a:spcBef>
+              <a:buFont typeface="Arial" panose="020B0604020202020204" pitchFamily="34" charset="0"/>
+              <a:buChar char="•"/>
+              <a:defRPr sz="2800" kern="1200">
+                <a:solidFill>
+                  <a:schemeClr val="tx1"/>
+                </a:solidFill>
+                <a:latin typeface="+mn-lt"/>
+                <a:ea typeface="+mn-ea"/>
+                <a:cs typeface="+mn-cs"/>
+              </a:defRPr>
+            </a:lvl1pPr>
+            <a:lvl2pPr marL="685800" indent="-228600" algn="l" defTabSz="914400" rtl="0" eaLnBrk="1" latinLnBrk="1" hangingPunct="1">
+              <a:lnSpc>
+                <a:spcPct val="90000"/>
+              </a:lnSpc>
+              <a:spcBef>
+                <a:spcPts val="500"/>
+              </a:spcBef>
+              <a:buFont typeface="Arial" panose="020B0604020202020204" pitchFamily="34" charset="0"/>
+              <a:buChar char="•"/>
+              <a:defRPr sz="2400" kern="1200">
+                <a:solidFill>
+                  <a:schemeClr val="tx1"/>
+                </a:solidFill>
+                <a:latin typeface="+mn-lt"/>
+                <a:ea typeface="+mn-ea"/>
+                <a:cs typeface="+mn-cs"/>
+              </a:defRPr>
+            </a:lvl2pPr>
+            <a:lvl3pPr marL="1143000" indent="-228600" algn="l" defTabSz="914400" rtl="0" eaLnBrk="1" latinLnBrk="1" hangingPunct="1">
+              <a:lnSpc>
+                <a:spcPct val="90000"/>
+              </a:lnSpc>
+              <a:spcBef>
+                <a:spcPts val="500"/>
+              </a:spcBef>
+              <a:buFont typeface="Arial" panose="020B0604020202020204" pitchFamily="34" charset="0"/>
+              <a:buChar char="•"/>
+              <a:defRPr sz="2000" kern="1200">
+                <a:solidFill>
+                  <a:schemeClr val="tx1"/>
+                </a:solidFill>
+                <a:latin typeface="+mn-lt"/>
+                <a:ea typeface="+mn-ea"/>
+                <a:cs typeface="+mn-cs"/>
+              </a:defRPr>
+            </a:lvl3pPr>
+            <a:lvl4pPr marL="1600200" indent="-228600" algn="l" defTabSz="914400" rtl="0" eaLnBrk="1" latinLnBrk="1" hangingPunct="1">
+              <a:lnSpc>
+                <a:spcPct val="90000"/>
+              </a:lnSpc>
+              <a:spcBef>
+                <a:spcPts val="500"/>
+              </a:spcBef>
+              <a:buFont typeface="Arial" panose="020B0604020202020204" pitchFamily="34" charset="0"/>
+              <a:buChar char="•"/>
+              <a:defRPr sz="1800" kern="1200">
+                <a:solidFill>
+                  <a:schemeClr val="tx1"/>
+                </a:solidFill>
+                <a:latin typeface="+mn-lt"/>
+                <a:ea typeface="+mn-ea"/>
+                <a:cs typeface="+mn-cs"/>
+              </a:defRPr>
+            </a:lvl4pPr>
+            <a:lvl5pPr marL="2057400" indent="-228600" algn="l" defTabSz="914400" rtl="0" eaLnBrk="1" latinLnBrk="1" hangingPunct="1">
+              <a:lnSpc>
+                <a:spcPct val="90000"/>
+              </a:lnSpc>
+              <a:spcBef>
+                <a:spcPts val="500"/>
+              </a:spcBef>
+              <a:buFont typeface="Arial" panose="020B0604020202020204" pitchFamily="34" charset="0"/>
+              <a:buChar char="•"/>
+              <a:defRPr sz="1800" kern="1200">
+                <a:solidFill>
+                  <a:schemeClr val="tx1"/>
+                </a:solidFill>
+                <a:latin typeface="+mn-lt"/>
+                <a:ea typeface="+mn-ea"/>
+                <a:cs typeface="+mn-cs"/>
+              </a:defRPr>
+            </a:lvl5pPr>
+            <a:lvl6pPr marL="2514600" indent="-228600" algn="l" defTabSz="914400" rtl="0" eaLnBrk="1" latinLnBrk="1" hangingPunct="1">
+              <a:lnSpc>
+                <a:spcPct val="90000"/>
+              </a:lnSpc>
+              <a:spcBef>
+                <a:spcPts val="500"/>
+              </a:spcBef>
+              <a:buFont typeface="Arial" panose="020B0604020202020204" pitchFamily="34" charset="0"/>
+              <a:buChar char="•"/>
+              <a:defRPr sz="1800" kern="1200">
+                <a:solidFill>
+                  <a:schemeClr val="tx1"/>
+                </a:solidFill>
+                <a:latin typeface="+mn-lt"/>
+                <a:ea typeface="+mn-ea"/>
+                <a:cs typeface="+mn-cs"/>
+              </a:defRPr>
+            </a:lvl6pPr>
+            <a:lvl7pPr marL="2971800" indent="-228600" algn="l" defTabSz="914400" rtl="0" eaLnBrk="1" latinLnBrk="1" hangingPunct="1">
+              <a:lnSpc>
+                <a:spcPct val="90000"/>
+              </a:lnSpc>
+              <a:spcBef>
+                <a:spcPts val="500"/>
+              </a:spcBef>
+              <a:buFont typeface="Arial" panose="020B0604020202020204" pitchFamily="34" charset="0"/>
+              <a:buChar char="•"/>
+              <a:defRPr sz="1800" kern="1200">
+                <a:solidFill>
+                  <a:schemeClr val="tx1"/>
+                </a:solidFill>
+                <a:latin typeface="+mn-lt"/>
+                <a:ea typeface="+mn-ea"/>
+                <a:cs typeface="+mn-cs"/>
+              </a:defRPr>
+            </a:lvl7pPr>
+            <a:lvl8pPr marL="3429000" indent="-228600" algn="l" defTabSz="914400" rtl="0" eaLnBrk="1" latinLnBrk="1" hangingPunct="1">
+              <a:lnSpc>
+                <a:spcPct val="90000"/>
+              </a:lnSpc>
+              <a:spcBef>
+                <a:spcPts val="500"/>
+              </a:spcBef>
+              <a:buFont typeface="Arial" panose="020B0604020202020204" pitchFamily="34" charset="0"/>
+              <a:buChar char="•"/>
+              <a:defRPr sz="1800" kern="1200">
+                <a:solidFill>
+                  <a:schemeClr val="tx1"/>
+                </a:solidFill>
+                <a:latin typeface="+mn-lt"/>
+                <a:ea typeface="+mn-ea"/>
+                <a:cs typeface="+mn-cs"/>
+              </a:defRPr>
+            </a:lvl8pPr>
+            <a:lvl9pPr marL="3886200" indent="-228600" algn="l" defTabSz="914400" rtl="0" eaLnBrk="1" latinLnBrk="1" hangingPunct="1">
+              <a:lnSpc>
+                <a:spcPct val="90000"/>
+              </a:lnSpc>
+              <a:spcBef>
+                <a:spcPts val="500"/>
+              </a:spcBef>
+              <a:buFont typeface="Arial" panose="020B0604020202020204" pitchFamily="34" charset="0"/>
+              <a:buChar char="•"/>
+              <a:defRPr sz="1800" kern="1200">
+                <a:solidFill>
+                  <a:schemeClr val="tx1"/>
+                </a:solidFill>
+                <a:latin typeface="+mn-lt"/>
+                <a:ea typeface="+mn-ea"/>
+                <a:cs typeface="+mn-cs"/>
+              </a:defRPr>
+            </a:lvl9pPr>
+          </a:lstStyle>
+          <a:p>
+            <a:endParaRPr lang="en-US" altLang="ko-KR" dirty="0"/>
+          </a:p>
+          <a:p>
+            <a:pPr marL="0" indent="0">
+              <a:buNone/>
+            </a:pPr>
+            <a:r>
+              <a:rPr lang="en-US" altLang="ko-KR" dirty="0" smtClean="0"/>
+              <a:t>Semantic web technologies, like OWL, RDF, are used as a means for formal description of concepts and relationships.</a:t>
+            </a:r>
+          </a:p>
+          <a:p>
+            <a:pPr marL="0" indent="0">
+              <a:buNone/>
+            </a:pPr>
+            <a:endParaRPr lang="en-US" altLang="ko-KR" dirty="0"/>
+          </a:p>
+          <a:p>
+            <a:pPr marL="0" indent="0">
+              <a:buNone/>
+            </a:pPr>
+            <a:r>
+              <a:rPr lang="en-US" altLang="ko-KR" dirty="0" smtClean="0"/>
+              <a:t>OWL : Ontology Web Language</a:t>
+            </a:r>
+          </a:p>
+          <a:p>
+            <a:pPr marL="0" indent="0">
+              <a:buNone/>
+            </a:pPr>
+            <a:r>
+              <a:rPr lang="en-US" altLang="ko-KR" dirty="0" smtClean="0"/>
+              <a:t>	</a:t>
+            </a:r>
+          </a:p>
+          <a:p>
+            <a:pPr marL="0" indent="0">
+              <a:buNone/>
+            </a:pPr>
+            <a:endParaRPr lang="en-US" altLang="ko-KR" dirty="0" smtClean="0"/>
+          </a:p>
+          <a:p>
+            <a:pPr marL="0" indent="0">
+              <a:buNone/>
+            </a:pPr>
+            <a:r>
+              <a:rPr lang="en-US" altLang="ko-KR" dirty="0" smtClean="0"/>
+              <a:t>RDF : Resource Description Framework</a:t>
+            </a:r>
+          </a:p>
+          <a:p>
+            <a:pPr marL="0" indent="0">
+              <a:buNone/>
+            </a:pPr>
+            <a:r>
+              <a:rPr lang="en-US" altLang="ko-KR" dirty="0"/>
+              <a:t>	</a:t>
+            </a:r>
+            <a:r>
+              <a:rPr lang="en-US" altLang="ko-KR" sz="1800" dirty="0" smtClean="0"/>
+              <a:t>&lt;Subject, Predicate, Object&gt;</a:t>
+            </a:r>
+          </a:p>
+        </p:txBody>
+      </p:sp>
+      <p:sp>
+        <p:nvSpPr>
+          <p:cNvPr id="3" name="Rectangle 1"/>
+          <p:cNvSpPr>
+            <a:spLocks noChangeArrowheads="1"/>
+          </p:cNvSpPr>
+          <p:nvPr/>
+        </p:nvSpPr>
+        <p:spPr bwMode="auto">
+          <a:xfrm>
+            <a:off x="1166107" y="4251160"/>
+            <a:ext cx="9859785" cy="738664"/>
+          </a:xfrm>
+          <a:prstGeom prst="rect">
+            <a:avLst/>
+          </a:prstGeom>
+          <a:solidFill>
+            <a:srgbClr val="F9F9F9"/>
+          </a:solidFill>
+          <a:ln>
+            <a:noFill/>
+          </a:ln>
+          <a:effectLst/>
+          <a:extLst>
+            <a:ext uri="{91240B29-F687-4F45-9708-019B960494DF}">
+              <a14:hiddenLine xmlns:a14="http://schemas.microsoft.com/office/drawing/2010/main" w="9525">
+                <a:solidFill>
+                  <a:schemeClr val="tx1"/>
+                </a:solidFill>
+                <a:miter lim="800000"/>
+                <a:headEnd/>
+                <a:tailEnd/>
+              </a14:hiddenLine>
+            </a:ext>
+            <a:ext uri="{AF507438-7753-43E0-B8FC-AC1667EBCBE1}">
+              <a14:hiddenEffects xmlns:a14="http://schemas.microsoft.com/office/drawing/2010/main">
+                <a:effectLst>
+                  <a:outerShdw dist="35921" dir="2700000" algn="ctr" rotWithShape="0">
+                    <a:schemeClr val="bg2"/>
+                  </a:outerShdw>
+                </a:effectLst>
+              </a14:hiddenEffects>
+            </a:ext>
+          </a:extLst>
+        </p:spPr>
+        <p:txBody>
+          <a:bodyPr vert="horz" wrap="square" lIns="91440" tIns="45720" rIns="91440" bIns="45720" numCol="1" anchor="ctr" anchorCtr="0" compatLnSpc="1">
+            <a:prstTxWarp prst="textNoShape">
+              <a:avLst/>
+            </a:prstTxWarp>
+            <a:spAutoFit/>
+          </a:bodyPr>
+          <a:lstStyle/>
+          <a:p>
+            <a:pPr marL="0" marR="0" lvl="0" indent="0" algn="l" defTabSz="914400" rtl="0" eaLnBrk="0" fontAlgn="base" latinLnBrk="0" hangingPunct="0">
+              <a:lnSpc>
+                <a:spcPct val="100000"/>
+              </a:lnSpc>
+              <a:spcBef>
+                <a:spcPct val="0"/>
+              </a:spcBef>
+              <a:spcAft>
+                <a:spcPct val="0"/>
+              </a:spcAft>
+              <a:buClrTx/>
+              <a:buSzTx/>
+              <a:buFontTx/>
+              <a:buNone/>
+              <a:tabLst/>
+            </a:pPr>
+            <a:r>
+              <a:rPr kumimoji="0" lang="ko-KR" altLang="ko-KR" sz="1400" b="1" i="0" u="none" strike="noStrike" cap="none" normalizeH="0" baseline="0" dirty="0" smtClean="0">
+                <a:ln>
+                  <a:noFill/>
+                </a:ln>
+                <a:solidFill>
+                  <a:srgbClr val="008000"/>
+                </a:solidFill>
+                <a:effectLst/>
+                <a:latin typeface="Arial Unicode MS" panose="020B0604020202020204" pitchFamily="50" charset="-127"/>
+                <a:ea typeface="Courier New" panose="02070309020205020404" pitchFamily="49" charset="0"/>
+              </a:rPr>
+              <a:t>&lt;Ontology</a:t>
+            </a:r>
+            <a:r>
+              <a:rPr kumimoji="0" lang="ko-KR" altLang="ko-KR" sz="1400" b="0" i="0" u="none" strike="noStrike" cap="none" normalizeH="0" baseline="0" dirty="0" smtClean="0">
+                <a:ln>
+                  <a:noFill/>
+                </a:ln>
+                <a:solidFill>
+                  <a:srgbClr val="000000"/>
+                </a:solidFill>
+                <a:effectLst/>
+                <a:latin typeface="Arial Unicode MS" panose="020B0604020202020204" pitchFamily="50" charset="-127"/>
+                <a:ea typeface="Courier New" panose="02070309020205020404" pitchFamily="49" charset="0"/>
+              </a:rPr>
+              <a:t> </a:t>
+            </a:r>
+            <a:r>
+              <a:rPr kumimoji="0" lang="ko-KR" altLang="ko-KR" sz="1400" b="0" i="0" u="none" strike="noStrike" cap="none" normalizeH="0" baseline="0" dirty="0" smtClean="0">
+                <a:ln>
+                  <a:noFill/>
+                </a:ln>
+                <a:solidFill>
+                  <a:srgbClr val="7D9029"/>
+                </a:solidFill>
+                <a:effectLst/>
+                <a:latin typeface="Arial Unicode MS" panose="020B0604020202020204" pitchFamily="50" charset="-127"/>
+                <a:ea typeface="Courier New" panose="02070309020205020404" pitchFamily="49" charset="0"/>
+              </a:rPr>
+              <a:t>ontologyIRI=</a:t>
+            </a:r>
+            <a:r>
+              <a:rPr kumimoji="0" lang="ko-KR" altLang="ko-KR" sz="1400" b="0" i="0" u="none" strike="noStrike" cap="none" normalizeH="0" baseline="0" dirty="0" smtClean="0">
+                <a:ln>
+                  <a:noFill/>
+                </a:ln>
+                <a:solidFill>
+                  <a:srgbClr val="BA2121"/>
+                </a:solidFill>
+                <a:effectLst/>
+                <a:latin typeface="Arial Unicode MS" panose="020B0604020202020204" pitchFamily="50" charset="-127"/>
+                <a:ea typeface="Courier New" panose="02070309020205020404" pitchFamily="49" charset="0"/>
+              </a:rPr>
+              <a:t>"http://example.com/tea.owl"</a:t>
+            </a:r>
+            <a:r>
+              <a:rPr kumimoji="0" lang="ko-KR" altLang="ko-KR" sz="1400" b="0" i="0" u="none" strike="noStrike" cap="none" normalizeH="0" baseline="0" dirty="0" smtClean="0">
+                <a:ln>
+                  <a:noFill/>
+                </a:ln>
+                <a:solidFill>
+                  <a:srgbClr val="000000"/>
+                </a:solidFill>
+                <a:effectLst/>
+                <a:latin typeface="Arial Unicode MS" panose="020B0604020202020204" pitchFamily="50" charset="-127"/>
+                <a:ea typeface="Courier New" panose="02070309020205020404" pitchFamily="49" charset="0"/>
+              </a:rPr>
+              <a:t> ...</a:t>
+            </a:r>
+            <a:r>
+              <a:rPr kumimoji="0" lang="ko-KR" altLang="ko-KR" sz="1400" b="1" i="0" u="none" strike="noStrike" cap="none" normalizeH="0" baseline="0" dirty="0" smtClean="0">
+                <a:ln>
+                  <a:noFill/>
+                </a:ln>
+                <a:solidFill>
+                  <a:srgbClr val="008000"/>
+                </a:solidFill>
+                <a:effectLst/>
+                <a:latin typeface="Arial Unicode MS" panose="020B0604020202020204" pitchFamily="50" charset="-127"/>
+                <a:ea typeface="Courier New" panose="02070309020205020404" pitchFamily="49" charset="0"/>
+              </a:rPr>
+              <a:t>&gt;</a:t>
+            </a:r>
+            <a:r>
+              <a:rPr kumimoji="0" lang="ko-KR" altLang="ko-KR" sz="1400" b="0" i="0" u="none" strike="noStrike" cap="none" normalizeH="0" baseline="0" dirty="0" smtClean="0">
+                <a:ln>
+                  <a:noFill/>
+                </a:ln>
+                <a:solidFill>
+                  <a:srgbClr val="000000"/>
+                </a:solidFill>
+                <a:effectLst/>
+                <a:latin typeface="Arial Unicode MS" panose="020B0604020202020204" pitchFamily="50" charset="-127"/>
+                <a:ea typeface="Courier New" panose="02070309020205020404" pitchFamily="49" charset="0"/>
+              </a:rPr>
+              <a:t> </a:t>
+            </a:r>
+            <a:endParaRPr kumimoji="0" lang="en-US" altLang="ko-KR" sz="1400" b="0" i="0" u="none" strike="noStrike" cap="none" normalizeH="0" baseline="0" dirty="0" smtClean="0">
+              <a:ln>
+                <a:noFill/>
+              </a:ln>
+              <a:solidFill>
+                <a:srgbClr val="000000"/>
+              </a:solidFill>
+              <a:effectLst/>
+              <a:latin typeface="Arial Unicode MS" panose="020B0604020202020204" pitchFamily="50" charset="-127"/>
+              <a:ea typeface="Courier New" panose="02070309020205020404" pitchFamily="49" charset="0"/>
+            </a:endParaRPr>
+          </a:p>
+          <a:p>
+            <a:pPr marL="0" marR="0" lvl="0" indent="0" algn="l" defTabSz="914400" rtl="0" eaLnBrk="0" fontAlgn="base" latinLnBrk="0" hangingPunct="0">
+              <a:lnSpc>
+                <a:spcPct val="100000"/>
+              </a:lnSpc>
+              <a:spcBef>
+                <a:spcPct val="0"/>
+              </a:spcBef>
+              <a:spcAft>
+                <a:spcPct val="0"/>
+              </a:spcAft>
+              <a:buClrTx/>
+              <a:buSzTx/>
+              <a:buFontTx/>
+              <a:buNone/>
+              <a:tabLst/>
+            </a:pPr>
+            <a:r>
+              <a:rPr kumimoji="0" lang="ko-KR" altLang="ko-KR" sz="1400" b="1" i="0" u="none" strike="noStrike" cap="none" normalizeH="0" baseline="0" dirty="0" smtClean="0">
+                <a:ln>
+                  <a:noFill/>
+                </a:ln>
+                <a:solidFill>
+                  <a:srgbClr val="008000"/>
+                </a:solidFill>
+                <a:effectLst/>
+                <a:latin typeface="Arial Unicode MS" panose="020B0604020202020204" pitchFamily="50" charset="-127"/>
+                <a:ea typeface="Courier New" panose="02070309020205020404" pitchFamily="49" charset="0"/>
+              </a:rPr>
+              <a:t>&lt;Prefix</a:t>
+            </a:r>
+            <a:r>
+              <a:rPr kumimoji="0" lang="ko-KR" altLang="ko-KR" sz="1400" b="0" i="0" u="none" strike="noStrike" cap="none" normalizeH="0" baseline="0" dirty="0" smtClean="0">
+                <a:ln>
+                  <a:noFill/>
+                </a:ln>
+                <a:solidFill>
+                  <a:srgbClr val="000000"/>
+                </a:solidFill>
+                <a:effectLst/>
+                <a:latin typeface="Arial Unicode MS" panose="020B0604020202020204" pitchFamily="50" charset="-127"/>
+                <a:ea typeface="Courier New" panose="02070309020205020404" pitchFamily="49" charset="0"/>
+              </a:rPr>
+              <a:t> </a:t>
+            </a:r>
+            <a:r>
+              <a:rPr kumimoji="0" lang="ko-KR" altLang="ko-KR" sz="1400" b="0" i="0" u="none" strike="noStrike" cap="none" normalizeH="0" baseline="0" dirty="0" smtClean="0">
+                <a:ln>
+                  <a:noFill/>
+                </a:ln>
+                <a:solidFill>
+                  <a:srgbClr val="7D9029"/>
+                </a:solidFill>
+                <a:effectLst/>
+                <a:latin typeface="Arial Unicode MS" panose="020B0604020202020204" pitchFamily="50" charset="-127"/>
+                <a:ea typeface="Courier New" panose="02070309020205020404" pitchFamily="49" charset="0"/>
+              </a:rPr>
+              <a:t>name=</a:t>
+            </a:r>
+            <a:r>
+              <a:rPr kumimoji="0" lang="ko-KR" altLang="ko-KR" sz="1400" b="0" i="0" u="none" strike="noStrike" cap="none" normalizeH="0" baseline="0" dirty="0" smtClean="0">
+                <a:ln>
+                  <a:noFill/>
+                </a:ln>
+                <a:solidFill>
+                  <a:srgbClr val="BA2121"/>
+                </a:solidFill>
+                <a:effectLst/>
+                <a:latin typeface="Arial Unicode MS" panose="020B0604020202020204" pitchFamily="50" charset="-127"/>
+                <a:ea typeface="Courier New" panose="02070309020205020404" pitchFamily="49" charset="0"/>
+              </a:rPr>
+              <a:t>"owl"</a:t>
+            </a:r>
+            <a:r>
+              <a:rPr kumimoji="0" lang="ko-KR" altLang="ko-KR" sz="1400" b="0" i="0" u="none" strike="noStrike" cap="none" normalizeH="0" baseline="0" dirty="0" smtClean="0">
+                <a:ln>
+                  <a:noFill/>
+                </a:ln>
+                <a:solidFill>
+                  <a:srgbClr val="000000"/>
+                </a:solidFill>
+                <a:effectLst/>
+                <a:latin typeface="Arial Unicode MS" panose="020B0604020202020204" pitchFamily="50" charset="-127"/>
+                <a:ea typeface="Courier New" panose="02070309020205020404" pitchFamily="49" charset="0"/>
+              </a:rPr>
+              <a:t> </a:t>
+            </a:r>
+            <a:r>
+              <a:rPr kumimoji="0" lang="ko-KR" altLang="ko-KR" sz="1400" b="0" i="0" u="none" strike="noStrike" cap="none" normalizeH="0" baseline="0" dirty="0" smtClean="0">
+                <a:ln>
+                  <a:noFill/>
+                </a:ln>
+                <a:solidFill>
+                  <a:srgbClr val="7D9029"/>
+                </a:solidFill>
+                <a:effectLst/>
+                <a:latin typeface="Arial Unicode MS" panose="020B0604020202020204" pitchFamily="50" charset="-127"/>
+                <a:ea typeface="Courier New" panose="02070309020205020404" pitchFamily="49" charset="0"/>
+              </a:rPr>
+              <a:t>IRI=</a:t>
+            </a:r>
+            <a:r>
+              <a:rPr kumimoji="0" lang="ko-KR" altLang="ko-KR" sz="1400" b="0" i="0" u="none" strike="noStrike" cap="none" normalizeH="0" baseline="0" dirty="0" smtClean="0">
+                <a:ln>
+                  <a:noFill/>
+                </a:ln>
+                <a:solidFill>
+                  <a:srgbClr val="BA2121"/>
+                </a:solidFill>
+                <a:effectLst/>
+                <a:latin typeface="Arial Unicode MS" panose="020B0604020202020204" pitchFamily="50" charset="-127"/>
+                <a:ea typeface="Courier New" panose="02070309020205020404" pitchFamily="49" charset="0"/>
+              </a:rPr>
+              <a:t>"http://www.w3.org/2002/07/owl#"</a:t>
+            </a:r>
+            <a:r>
+              <a:rPr kumimoji="0" lang="ko-KR" altLang="ko-KR" sz="1400" b="1" i="0" u="none" strike="noStrike" cap="none" normalizeH="0" baseline="0" dirty="0" smtClean="0">
+                <a:ln>
+                  <a:noFill/>
+                </a:ln>
+                <a:solidFill>
+                  <a:srgbClr val="008000"/>
+                </a:solidFill>
+                <a:effectLst/>
+                <a:latin typeface="Arial Unicode MS" panose="020B0604020202020204" pitchFamily="50" charset="-127"/>
+                <a:ea typeface="Courier New" panose="02070309020205020404" pitchFamily="49" charset="0"/>
+              </a:rPr>
+              <a:t>/&gt;</a:t>
+            </a:r>
+            <a:r>
+              <a:rPr kumimoji="0" lang="ko-KR" altLang="ko-KR" sz="1400" b="0" i="0" u="none" strike="noStrike" cap="none" normalizeH="0" baseline="0" dirty="0" smtClean="0">
+                <a:ln>
+                  <a:noFill/>
+                </a:ln>
+                <a:solidFill>
+                  <a:srgbClr val="000000"/>
+                </a:solidFill>
+                <a:effectLst/>
+                <a:latin typeface="Arial Unicode MS" panose="020B0604020202020204" pitchFamily="50" charset="-127"/>
+                <a:ea typeface="Courier New" panose="02070309020205020404" pitchFamily="49" charset="0"/>
+              </a:rPr>
+              <a:t> </a:t>
+            </a:r>
+            <a:r>
+              <a:rPr kumimoji="0" lang="ko-KR" altLang="ko-KR" sz="1400" b="1" i="0" u="none" strike="noStrike" cap="none" normalizeH="0" baseline="0" dirty="0" smtClean="0">
+                <a:ln>
+                  <a:noFill/>
+                </a:ln>
+                <a:solidFill>
+                  <a:srgbClr val="008000"/>
+                </a:solidFill>
+                <a:effectLst/>
+                <a:latin typeface="Arial Unicode MS" panose="020B0604020202020204" pitchFamily="50" charset="-127"/>
+                <a:ea typeface="Courier New" panose="02070309020205020404" pitchFamily="49" charset="0"/>
+              </a:rPr>
+              <a:t>&lt;Declaration&gt;</a:t>
+            </a:r>
+            <a:r>
+              <a:rPr kumimoji="0" lang="ko-KR" altLang="ko-KR" sz="1400" b="0" i="0" u="none" strike="noStrike" cap="none" normalizeH="0" baseline="0" dirty="0" smtClean="0">
+                <a:ln>
+                  <a:noFill/>
+                </a:ln>
+                <a:solidFill>
+                  <a:srgbClr val="000000"/>
+                </a:solidFill>
+                <a:effectLst/>
+                <a:latin typeface="Arial Unicode MS" panose="020B0604020202020204" pitchFamily="50" charset="-127"/>
+                <a:ea typeface="Courier New" panose="02070309020205020404" pitchFamily="49" charset="0"/>
+              </a:rPr>
+              <a:t> </a:t>
+            </a:r>
+            <a:r>
+              <a:rPr kumimoji="0" lang="ko-KR" altLang="ko-KR" sz="1400" b="1" i="0" u="none" strike="noStrike" cap="none" normalizeH="0" baseline="0" dirty="0" smtClean="0">
+                <a:ln>
+                  <a:noFill/>
+                </a:ln>
+                <a:solidFill>
+                  <a:srgbClr val="008000"/>
+                </a:solidFill>
+                <a:effectLst/>
+                <a:latin typeface="Arial Unicode MS" panose="020B0604020202020204" pitchFamily="50" charset="-127"/>
+                <a:ea typeface="Courier New" panose="02070309020205020404" pitchFamily="49" charset="0"/>
+              </a:rPr>
+              <a:t>&lt;Class</a:t>
+            </a:r>
+            <a:r>
+              <a:rPr kumimoji="0" lang="ko-KR" altLang="ko-KR" sz="1400" b="0" i="0" u="none" strike="noStrike" cap="none" normalizeH="0" baseline="0" dirty="0" smtClean="0">
+                <a:ln>
+                  <a:noFill/>
+                </a:ln>
+                <a:solidFill>
+                  <a:srgbClr val="000000"/>
+                </a:solidFill>
+                <a:effectLst/>
+                <a:latin typeface="Arial Unicode MS" panose="020B0604020202020204" pitchFamily="50" charset="-127"/>
+                <a:ea typeface="Courier New" panose="02070309020205020404" pitchFamily="49" charset="0"/>
+              </a:rPr>
+              <a:t> </a:t>
+            </a:r>
+            <a:r>
+              <a:rPr kumimoji="0" lang="ko-KR" altLang="ko-KR" sz="1400" b="0" i="0" u="none" strike="noStrike" cap="none" normalizeH="0" baseline="0" dirty="0" smtClean="0">
+                <a:ln>
+                  <a:noFill/>
+                </a:ln>
+                <a:solidFill>
+                  <a:srgbClr val="7D9029"/>
+                </a:solidFill>
+                <a:effectLst/>
+                <a:latin typeface="Arial Unicode MS" panose="020B0604020202020204" pitchFamily="50" charset="-127"/>
+                <a:ea typeface="Courier New" panose="02070309020205020404" pitchFamily="49" charset="0"/>
+              </a:rPr>
+              <a:t>IRI=</a:t>
+            </a:r>
+            <a:r>
+              <a:rPr kumimoji="0" lang="ko-KR" altLang="ko-KR" sz="1400" b="0" i="0" u="none" strike="noStrike" cap="none" normalizeH="0" baseline="0" dirty="0" smtClean="0">
+                <a:ln>
+                  <a:noFill/>
+                </a:ln>
+                <a:solidFill>
+                  <a:srgbClr val="BA2121"/>
+                </a:solidFill>
+                <a:effectLst/>
+                <a:latin typeface="Arial Unicode MS" panose="020B0604020202020204" pitchFamily="50" charset="-127"/>
+                <a:ea typeface="Courier New" panose="02070309020205020404" pitchFamily="49" charset="0"/>
+              </a:rPr>
+              <a:t>"Tea"</a:t>
+            </a:r>
+            <a:r>
+              <a:rPr kumimoji="0" lang="ko-KR" altLang="ko-KR" sz="1400" b="1" i="0" u="none" strike="noStrike" cap="none" normalizeH="0" baseline="0" dirty="0" smtClean="0">
+                <a:ln>
+                  <a:noFill/>
+                </a:ln>
+                <a:solidFill>
+                  <a:srgbClr val="008000"/>
+                </a:solidFill>
+                <a:effectLst/>
+                <a:latin typeface="Arial Unicode MS" panose="020B0604020202020204" pitchFamily="50" charset="-127"/>
+                <a:ea typeface="Courier New" panose="02070309020205020404" pitchFamily="49" charset="0"/>
+              </a:rPr>
+              <a:t>/&gt;</a:t>
+            </a:r>
+            <a:r>
+              <a:rPr kumimoji="0" lang="ko-KR" altLang="ko-KR" sz="1400" b="0" i="0" u="none" strike="noStrike" cap="none" normalizeH="0" baseline="0" dirty="0" smtClean="0">
+                <a:ln>
+                  <a:noFill/>
+                </a:ln>
+                <a:solidFill>
+                  <a:srgbClr val="000000"/>
+                </a:solidFill>
+                <a:effectLst/>
+                <a:latin typeface="Arial Unicode MS" panose="020B0604020202020204" pitchFamily="50" charset="-127"/>
+                <a:ea typeface="Courier New" panose="02070309020205020404" pitchFamily="49" charset="0"/>
+              </a:rPr>
+              <a:t> </a:t>
+            </a:r>
+            <a:r>
+              <a:rPr kumimoji="0" lang="ko-KR" altLang="ko-KR" sz="1400" b="1" i="0" u="none" strike="noStrike" cap="none" normalizeH="0" baseline="0" dirty="0" smtClean="0">
+                <a:ln>
+                  <a:noFill/>
+                </a:ln>
+                <a:solidFill>
+                  <a:srgbClr val="008000"/>
+                </a:solidFill>
+                <a:effectLst/>
+                <a:latin typeface="Arial Unicode MS" panose="020B0604020202020204" pitchFamily="50" charset="-127"/>
+                <a:ea typeface="Courier New" panose="02070309020205020404" pitchFamily="49" charset="0"/>
+              </a:rPr>
+              <a:t>&lt;/Declaration&gt;</a:t>
+            </a:r>
+            <a:r>
+              <a:rPr kumimoji="0" lang="ko-KR" altLang="ko-KR" sz="1400" b="0" i="0" u="none" strike="noStrike" cap="none" normalizeH="0" baseline="0" dirty="0" smtClean="0">
+                <a:ln>
+                  <a:noFill/>
+                </a:ln>
+                <a:solidFill>
+                  <a:srgbClr val="000000"/>
+                </a:solidFill>
+                <a:effectLst/>
+                <a:latin typeface="Arial Unicode MS" panose="020B0604020202020204" pitchFamily="50" charset="-127"/>
+                <a:ea typeface="Courier New" panose="02070309020205020404" pitchFamily="49" charset="0"/>
+              </a:rPr>
+              <a:t> </a:t>
+            </a:r>
+            <a:endParaRPr kumimoji="0" lang="en-US" altLang="ko-KR" sz="1400" b="0" i="0" u="none" strike="noStrike" cap="none" normalizeH="0" baseline="0" dirty="0" smtClean="0">
+              <a:ln>
+                <a:noFill/>
+              </a:ln>
+              <a:solidFill>
+                <a:srgbClr val="000000"/>
+              </a:solidFill>
+              <a:effectLst/>
+              <a:latin typeface="Arial Unicode MS" panose="020B0604020202020204" pitchFamily="50" charset="-127"/>
+              <a:ea typeface="Courier New" panose="02070309020205020404" pitchFamily="49" charset="0"/>
+            </a:endParaRPr>
+          </a:p>
+          <a:p>
+            <a:pPr marL="0" marR="0" lvl="0" indent="0" algn="l" defTabSz="914400" rtl="0" eaLnBrk="0" fontAlgn="base" latinLnBrk="0" hangingPunct="0">
+              <a:lnSpc>
+                <a:spcPct val="100000"/>
+              </a:lnSpc>
+              <a:spcBef>
+                <a:spcPct val="0"/>
+              </a:spcBef>
+              <a:spcAft>
+                <a:spcPct val="0"/>
+              </a:spcAft>
+              <a:buClrTx/>
+              <a:buSzTx/>
+              <a:buFontTx/>
+              <a:buNone/>
+              <a:tabLst/>
+            </a:pPr>
+            <a:r>
+              <a:rPr kumimoji="0" lang="ko-KR" altLang="ko-KR" sz="1400" b="1" i="0" u="none" strike="noStrike" cap="none" normalizeH="0" baseline="0" dirty="0" smtClean="0">
+                <a:ln>
+                  <a:noFill/>
+                </a:ln>
+                <a:solidFill>
+                  <a:srgbClr val="008000"/>
+                </a:solidFill>
+                <a:effectLst/>
+                <a:latin typeface="Arial Unicode MS" panose="020B0604020202020204" pitchFamily="50" charset="-127"/>
+                <a:ea typeface="Courier New" panose="02070309020205020404" pitchFamily="49" charset="0"/>
+              </a:rPr>
+              <a:t>&lt;/Ontology&gt;</a:t>
+            </a:r>
+            <a:r>
+              <a:rPr kumimoji="0" lang="ko-KR" altLang="ko-KR" sz="1100" b="0" i="0" u="none" strike="noStrike" cap="none" normalizeH="0" baseline="0" dirty="0" smtClean="0">
+                <a:ln>
+                  <a:noFill/>
+                </a:ln>
+                <a:solidFill>
+                  <a:schemeClr val="tx1"/>
+                </a:solidFill>
+                <a:effectLst/>
+              </a:rPr>
+              <a:t> </a:t>
+            </a:r>
+            <a:endParaRPr kumimoji="0" lang="ko-KR" altLang="ko-KR" sz="3200" b="0" i="0" u="none" strike="noStrike" cap="none" normalizeH="0" baseline="0" dirty="0" smtClean="0">
+              <a:ln>
+                <a:noFill/>
+              </a:ln>
+              <a:solidFill>
+                <a:schemeClr val="tx1"/>
+              </a:solidFill>
+              <a:effectLst/>
+              <a:latin typeface="Arial" panose="020B0604020202020204" pitchFamily="34" charset="0"/>
+            </a:endParaRPr>
+          </a:p>
+        </p:txBody>
+      </p:sp>
+    </p:spTree>
+    <p:extLst>
+      <p:ext uri="{BB962C8B-B14F-4D97-AF65-F5344CB8AC3E}">
+        <p14:creationId xmlns:p14="http://schemas.microsoft.com/office/powerpoint/2010/main" val="677162255"/>
+      </p:ext>
+    </p:extLst>
+  </p:cSld>
+  <p:clrMapOvr>
+    <a:masterClrMapping/>
+  </p:clrMapOvr>
+  <p:timing>
+    <p:tnLst>
+      <p:par>
+        <p:cTn id="1" dur="indefinite" restart="never" nodeType="tmRoot"/>
+      </p:par>
+    </p:tnLst>
+  </p:timing>
+</p:sld>
+</file>
+
+<file path=ppt/slides/slide13.xml><?xml version="1.0" encoding="utf-8"?>
+<p:sld xmlns:a="http://schemas.openxmlformats.org/drawingml/2006/main" xmlns:r="http://schemas.openxmlformats.org/officeDocument/2006/relationships" xmlns:p="http://schemas.openxmlformats.org/presentationml/2006/main">
+  <p:cSld>
+    <p:spTree>
+      <p:nvGrpSpPr>
+        <p:cNvPr id="1" name=""/>
+        <p:cNvGrpSpPr/>
+        <p:nvPr/>
+      </p:nvGrpSpPr>
+      <p:grpSpPr>
+        <a:xfrm>
+          <a:off x="0" y="0"/>
+          <a:ext cx="0" cy="0"/>
+          <a:chOff x="0" y="0"/>
+          <a:chExt cx="0" cy="0"/>
+        </a:xfrm>
+      </p:grpSpPr>
+      <p:sp>
+        <p:nvSpPr>
+          <p:cNvPr id="2" name="제목 1"/>
+          <p:cNvSpPr>
+            <a:spLocks noGrp="1"/>
+          </p:cNvSpPr>
+          <p:nvPr>
+            <p:ph type="title"/>
+          </p:nvPr>
+        </p:nvSpPr>
+        <p:spPr/>
+        <p:txBody>
           <a:bodyPr>
             <a:normAutofit/>
           </a:bodyPr>
@@ -5931,7 +8452,7 @@
 </p:sld>
 </file>
 
-<file path=ppt/slides/slide11.xml><?xml version="1.0" encoding="utf-8"?>
+<file path=ppt/slides/slide14.xml><?xml version="1.0" encoding="utf-8"?>
 <p:sld xmlns:a="http://schemas.openxmlformats.org/drawingml/2006/main" xmlns:r="http://schemas.openxmlformats.org/officeDocument/2006/relationships" xmlns:p="http://schemas.openxmlformats.org/presentationml/2006/main">
   <p:cSld>
     <p:spTree>
@@ -6217,7 +8738,2364 @@
 </p:sld>
 </file>
 
-<file path=ppt/slides/slide12.xml><?xml version="1.0" encoding="utf-8"?>
+<file path=ppt/slides/slide15.xml><?xml version="1.0" encoding="utf-8"?>
+<p:sld xmlns:a="http://schemas.openxmlformats.org/drawingml/2006/main" xmlns:r="http://schemas.openxmlformats.org/officeDocument/2006/relationships" xmlns:p="http://schemas.openxmlformats.org/presentationml/2006/main">
+  <p:cSld>
+    <p:spTree>
+      <p:nvGrpSpPr>
+        <p:cNvPr id="1" name=""/>
+        <p:cNvGrpSpPr/>
+        <p:nvPr/>
+      </p:nvGrpSpPr>
+      <p:grpSpPr>
+        <a:xfrm>
+          <a:off x="0" y="0"/>
+          <a:ext cx="0" cy="0"/>
+          <a:chOff x="0" y="0"/>
+          <a:chExt cx="0" cy="0"/>
+        </a:xfrm>
+      </p:grpSpPr>
+      <p:sp>
+        <p:nvSpPr>
+          <p:cNvPr id="2" name="제목 1"/>
+          <p:cNvSpPr>
+            <a:spLocks noGrp="1"/>
+          </p:cNvSpPr>
+          <p:nvPr>
+            <p:ph type="title"/>
+          </p:nvPr>
+        </p:nvSpPr>
+        <p:spPr/>
+        <p:txBody>
+          <a:bodyPr/>
+          <a:lstStyle/>
+          <a:p>
+            <a:r>
+              <a:rPr lang="en-US" altLang="ko-KR" dirty="0" smtClean="0"/>
+              <a:t>Drug Repurposing Applications</a:t>
+            </a:r>
+            <a:endParaRPr lang="en-US" altLang="ko-KR" dirty="0"/>
+          </a:p>
+        </p:txBody>
+      </p:sp>
+      <p:sp>
+        <p:nvSpPr>
+          <p:cNvPr id="9" name="내용 개체 틀 2"/>
+          <p:cNvSpPr txBox="1">
+            <a:spLocks/>
+          </p:cNvSpPr>
+          <p:nvPr/>
+        </p:nvSpPr>
+        <p:spPr>
+          <a:xfrm>
+            <a:off x="994955" y="2233749"/>
+            <a:ext cx="10239102" cy="3877900"/>
+          </a:xfrm>
+          <a:prstGeom prst="rect">
+            <a:avLst/>
+          </a:prstGeom>
+        </p:spPr>
+        <p:txBody>
+          <a:bodyPr vert="horz" lIns="91440" tIns="45720" rIns="91440" bIns="45720" rtlCol="0">
+            <a:normAutofit/>
+          </a:bodyPr>
+          <a:lstStyle>
+            <a:lvl1pPr marL="228600" indent="-228600" algn="l" defTabSz="914400" rtl="0" eaLnBrk="1" latinLnBrk="1" hangingPunct="1">
+              <a:lnSpc>
+                <a:spcPct val="90000"/>
+              </a:lnSpc>
+              <a:spcBef>
+                <a:spcPts val="1000"/>
+              </a:spcBef>
+              <a:buFont typeface="Arial" panose="020B0604020202020204" pitchFamily="34" charset="0"/>
+              <a:buChar char="•"/>
+              <a:defRPr sz="2800" kern="1200">
+                <a:solidFill>
+                  <a:schemeClr val="tx1"/>
+                </a:solidFill>
+                <a:latin typeface="+mn-lt"/>
+                <a:ea typeface="+mn-ea"/>
+                <a:cs typeface="+mn-cs"/>
+              </a:defRPr>
+            </a:lvl1pPr>
+            <a:lvl2pPr marL="685800" indent="-228600" algn="l" defTabSz="914400" rtl="0" eaLnBrk="1" latinLnBrk="1" hangingPunct="1">
+              <a:lnSpc>
+                <a:spcPct val="90000"/>
+              </a:lnSpc>
+              <a:spcBef>
+                <a:spcPts val="500"/>
+              </a:spcBef>
+              <a:buFont typeface="Arial" panose="020B0604020202020204" pitchFamily="34" charset="0"/>
+              <a:buChar char="•"/>
+              <a:defRPr sz="2400" kern="1200">
+                <a:solidFill>
+                  <a:schemeClr val="tx1"/>
+                </a:solidFill>
+                <a:latin typeface="+mn-lt"/>
+                <a:ea typeface="+mn-ea"/>
+                <a:cs typeface="+mn-cs"/>
+              </a:defRPr>
+            </a:lvl2pPr>
+            <a:lvl3pPr marL="1143000" indent="-228600" algn="l" defTabSz="914400" rtl="0" eaLnBrk="1" latinLnBrk="1" hangingPunct="1">
+              <a:lnSpc>
+                <a:spcPct val="90000"/>
+              </a:lnSpc>
+              <a:spcBef>
+                <a:spcPts val="500"/>
+              </a:spcBef>
+              <a:buFont typeface="Arial" panose="020B0604020202020204" pitchFamily="34" charset="0"/>
+              <a:buChar char="•"/>
+              <a:defRPr sz="2000" kern="1200">
+                <a:solidFill>
+                  <a:schemeClr val="tx1"/>
+                </a:solidFill>
+                <a:latin typeface="+mn-lt"/>
+                <a:ea typeface="+mn-ea"/>
+                <a:cs typeface="+mn-cs"/>
+              </a:defRPr>
+            </a:lvl3pPr>
+            <a:lvl4pPr marL="1600200" indent="-228600" algn="l" defTabSz="914400" rtl="0" eaLnBrk="1" latinLnBrk="1" hangingPunct="1">
+              <a:lnSpc>
+                <a:spcPct val="90000"/>
+              </a:lnSpc>
+              <a:spcBef>
+                <a:spcPts val="500"/>
+              </a:spcBef>
+              <a:buFont typeface="Arial" panose="020B0604020202020204" pitchFamily="34" charset="0"/>
+              <a:buChar char="•"/>
+              <a:defRPr sz="1800" kern="1200">
+                <a:solidFill>
+                  <a:schemeClr val="tx1"/>
+                </a:solidFill>
+                <a:latin typeface="+mn-lt"/>
+                <a:ea typeface="+mn-ea"/>
+                <a:cs typeface="+mn-cs"/>
+              </a:defRPr>
+            </a:lvl4pPr>
+            <a:lvl5pPr marL="2057400" indent="-228600" algn="l" defTabSz="914400" rtl="0" eaLnBrk="1" latinLnBrk="1" hangingPunct="1">
+              <a:lnSpc>
+                <a:spcPct val="90000"/>
+              </a:lnSpc>
+              <a:spcBef>
+                <a:spcPts val="500"/>
+              </a:spcBef>
+              <a:buFont typeface="Arial" panose="020B0604020202020204" pitchFamily="34" charset="0"/>
+              <a:buChar char="•"/>
+              <a:defRPr sz="1800" kern="1200">
+                <a:solidFill>
+                  <a:schemeClr val="tx1"/>
+                </a:solidFill>
+                <a:latin typeface="+mn-lt"/>
+                <a:ea typeface="+mn-ea"/>
+                <a:cs typeface="+mn-cs"/>
+              </a:defRPr>
+            </a:lvl5pPr>
+            <a:lvl6pPr marL="2514600" indent="-228600" algn="l" defTabSz="914400" rtl="0" eaLnBrk="1" latinLnBrk="1" hangingPunct="1">
+              <a:lnSpc>
+                <a:spcPct val="90000"/>
+              </a:lnSpc>
+              <a:spcBef>
+                <a:spcPts val="500"/>
+              </a:spcBef>
+              <a:buFont typeface="Arial" panose="020B0604020202020204" pitchFamily="34" charset="0"/>
+              <a:buChar char="•"/>
+              <a:defRPr sz="1800" kern="1200">
+                <a:solidFill>
+                  <a:schemeClr val="tx1"/>
+                </a:solidFill>
+                <a:latin typeface="+mn-lt"/>
+                <a:ea typeface="+mn-ea"/>
+                <a:cs typeface="+mn-cs"/>
+              </a:defRPr>
+            </a:lvl6pPr>
+            <a:lvl7pPr marL="2971800" indent="-228600" algn="l" defTabSz="914400" rtl="0" eaLnBrk="1" latinLnBrk="1" hangingPunct="1">
+              <a:lnSpc>
+                <a:spcPct val="90000"/>
+              </a:lnSpc>
+              <a:spcBef>
+                <a:spcPts val="500"/>
+              </a:spcBef>
+              <a:buFont typeface="Arial" panose="020B0604020202020204" pitchFamily="34" charset="0"/>
+              <a:buChar char="•"/>
+              <a:defRPr sz="1800" kern="1200">
+                <a:solidFill>
+                  <a:schemeClr val="tx1"/>
+                </a:solidFill>
+                <a:latin typeface="+mn-lt"/>
+                <a:ea typeface="+mn-ea"/>
+                <a:cs typeface="+mn-cs"/>
+              </a:defRPr>
+            </a:lvl7pPr>
+            <a:lvl8pPr marL="3429000" indent="-228600" algn="l" defTabSz="914400" rtl="0" eaLnBrk="1" latinLnBrk="1" hangingPunct="1">
+              <a:lnSpc>
+                <a:spcPct val="90000"/>
+              </a:lnSpc>
+              <a:spcBef>
+                <a:spcPts val="500"/>
+              </a:spcBef>
+              <a:buFont typeface="Arial" panose="020B0604020202020204" pitchFamily="34" charset="0"/>
+              <a:buChar char="•"/>
+              <a:defRPr sz="1800" kern="1200">
+                <a:solidFill>
+                  <a:schemeClr val="tx1"/>
+                </a:solidFill>
+                <a:latin typeface="+mn-lt"/>
+                <a:ea typeface="+mn-ea"/>
+                <a:cs typeface="+mn-cs"/>
+              </a:defRPr>
+            </a:lvl8pPr>
+            <a:lvl9pPr marL="3886200" indent="-228600" algn="l" defTabSz="914400" rtl="0" eaLnBrk="1" latinLnBrk="1" hangingPunct="1">
+              <a:lnSpc>
+                <a:spcPct val="90000"/>
+              </a:lnSpc>
+              <a:spcBef>
+                <a:spcPts val="500"/>
+              </a:spcBef>
+              <a:buFont typeface="Arial" panose="020B0604020202020204" pitchFamily="34" charset="0"/>
+              <a:buChar char="•"/>
+              <a:defRPr sz="1800" kern="1200">
+                <a:solidFill>
+                  <a:schemeClr val="tx1"/>
+                </a:solidFill>
+                <a:latin typeface="+mn-lt"/>
+                <a:ea typeface="+mn-ea"/>
+                <a:cs typeface="+mn-cs"/>
+              </a:defRPr>
+            </a:lvl9pPr>
+          </a:lstStyle>
+          <a:p>
+            <a:r>
+              <a:rPr lang="en-US" altLang="ko-KR" dirty="0" err="1" smtClean="0"/>
+              <a:t>Frijters</a:t>
+            </a:r>
+            <a:r>
+              <a:rPr lang="en-US" altLang="ko-KR" dirty="0"/>
+              <a:t> </a:t>
+            </a:r>
+            <a:r>
+              <a:rPr lang="en-US" altLang="ko-KR" dirty="0" smtClean="0"/>
+              <a:t>et al</a:t>
+            </a:r>
+          </a:p>
+          <a:p>
+            <a:pPr lvl="1"/>
+            <a:r>
+              <a:rPr lang="en-US" altLang="ko-KR" dirty="0" smtClean="0"/>
+              <a:t>Constructed a literature mining tool ‘</a:t>
+            </a:r>
+            <a:r>
+              <a:rPr lang="en-US" altLang="ko-KR" dirty="0" err="1" smtClean="0"/>
+              <a:t>CoPub</a:t>
+            </a:r>
+            <a:r>
+              <a:rPr lang="en-US" altLang="ko-KR" dirty="0" smtClean="0"/>
+              <a:t> Discovery’ with the purpose of finding novel connections between drugs, genes and diseases.</a:t>
+            </a:r>
+          </a:p>
+          <a:p>
+            <a:pPr lvl="1"/>
+            <a:r>
+              <a:rPr lang="en-US" altLang="ko-KR" dirty="0" smtClean="0"/>
+              <a:t>From MEDLINE abstracts, Gene </a:t>
+            </a:r>
+            <a:r>
+              <a:rPr lang="en-US" altLang="ko-KR" dirty="0" smtClean="0"/>
+              <a:t>names and other biomedical concepts were extracted and related to each other using co-occurrence.</a:t>
+            </a:r>
+          </a:p>
+          <a:p>
+            <a:pPr lvl="1"/>
+            <a:r>
+              <a:rPr lang="en-US" altLang="ko-KR" dirty="0" smtClean="0"/>
+              <a:t>Using the Strength of co-citations, They presented a series of case studies with novel open and closed model discoveries.</a:t>
+            </a:r>
+          </a:p>
+          <a:p>
+            <a:pPr marL="0" indent="0">
+              <a:buNone/>
+            </a:pPr>
+            <a:r>
+              <a:rPr lang="en-US" altLang="ko-KR" sz="2000" dirty="0" smtClean="0"/>
+              <a:t>	Ex</a:t>
+            </a:r>
+            <a:r>
+              <a:rPr lang="en-US" altLang="ko-KR" sz="2000" dirty="0"/>
+              <a:t>) </a:t>
+            </a:r>
+            <a:r>
+              <a:rPr lang="en-US" altLang="ko-KR" sz="2000" dirty="0" smtClean="0"/>
+              <a:t>Cell proliferation experiments.</a:t>
+            </a:r>
+            <a:endParaRPr lang="en-US" altLang="ko-KR" sz="2000" dirty="0"/>
+          </a:p>
+          <a:p>
+            <a:pPr marL="0" indent="0">
+              <a:buNone/>
+            </a:pPr>
+            <a:endParaRPr lang="en-US" altLang="ko-KR" dirty="0"/>
+          </a:p>
+          <a:p>
+            <a:pPr lvl="1"/>
+            <a:endParaRPr lang="en-US" altLang="ko-KR" dirty="0" smtClean="0"/>
+          </a:p>
+        </p:txBody>
+      </p:sp>
+    </p:spTree>
+    <p:extLst>
+      <p:ext uri="{BB962C8B-B14F-4D97-AF65-F5344CB8AC3E}">
+        <p14:creationId xmlns:p14="http://schemas.microsoft.com/office/powerpoint/2010/main" val="2371488722"/>
+      </p:ext>
+    </p:extLst>
+  </p:cSld>
+  <p:clrMapOvr>
+    <a:masterClrMapping/>
+  </p:clrMapOvr>
+  <p:timing>
+    <p:tnLst>
+      <p:par>
+        <p:cTn id="1" dur="indefinite" restart="never" nodeType="tmRoot"/>
+      </p:par>
+    </p:tnLst>
+  </p:timing>
+</p:sld>
+</file>
+
+<file path=ppt/slides/slide16.xml><?xml version="1.0" encoding="utf-8"?>
+<p:sld xmlns:a="http://schemas.openxmlformats.org/drawingml/2006/main" xmlns:r="http://schemas.openxmlformats.org/officeDocument/2006/relationships" xmlns:p="http://schemas.openxmlformats.org/presentationml/2006/main">
+  <p:cSld>
+    <p:spTree>
+      <p:nvGrpSpPr>
+        <p:cNvPr id="1" name=""/>
+        <p:cNvGrpSpPr/>
+        <p:nvPr/>
+      </p:nvGrpSpPr>
+      <p:grpSpPr>
+        <a:xfrm>
+          <a:off x="0" y="0"/>
+          <a:ext cx="0" cy="0"/>
+          <a:chOff x="0" y="0"/>
+          <a:chExt cx="0" cy="0"/>
+        </a:xfrm>
+      </p:grpSpPr>
+      <p:sp>
+        <p:nvSpPr>
+          <p:cNvPr id="2" name="제목 1"/>
+          <p:cNvSpPr>
+            <a:spLocks noGrp="1"/>
+          </p:cNvSpPr>
+          <p:nvPr>
+            <p:ph type="title"/>
+          </p:nvPr>
+        </p:nvSpPr>
+        <p:spPr/>
+        <p:txBody>
+          <a:bodyPr/>
+          <a:lstStyle/>
+          <a:p>
+            <a:r>
+              <a:rPr lang="en-US" altLang="ko-KR" dirty="0" smtClean="0"/>
+              <a:t>Drug Repurposing Applications</a:t>
+            </a:r>
+            <a:endParaRPr lang="en-US" altLang="ko-KR" dirty="0"/>
+          </a:p>
+        </p:txBody>
+      </p:sp>
+      <p:sp>
+        <p:nvSpPr>
+          <p:cNvPr id="9" name="내용 개체 틀 2"/>
+          <p:cNvSpPr txBox="1">
+            <a:spLocks/>
+          </p:cNvSpPr>
+          <p:nvPr/>
+        </p:nvSpPr>
+        <p:spPr>
+          <a:xfrm>
+            <a:off x="994955" y="2233749"/>
+            <a:ext cx="10239102" cy="3877900"/>
+          </a:xfrm>
+          <a:prstGeom prst="rect">
+            <a:avLst/>
+          </a:prstGeom>
+        </p:spPr>
+        <p:txBody>
+          <a:bodyPr vert="horz" lIns="91440" tIns="45720" rIns="91440" bIns="45720" rtlCol="0">
+            <a:normAutofit/>
+          </a:bodyPr>
+          <a:lstStyle>
+            <a:lvl1pPr marL="228600" indent="-228600" algn="l" defTabSz="914400" rtl="0" eaLnBrk="1" latinLnBrk="1" hangingPunct="1">
+              <a:lnSpc>
+                <a:spcPct val="90000"/>
+              </a:lnSpc>
+              <a:spcBef>
+                <a:spcPts val="1000"/>
+              </a:spcBef>
+              <a:buFont typeface="Arial" panose="020B0604020202020204" pitchFamily="34" charset="0"/>
+              <a:buChar char="•"/>
+              <a:defRPr sz="2800" kern="1200">
+                <a:solidFill>
+                  <a:schemeClr val="tx1"/>
+                </a:solidFill>
+                <a:latin typeface="+mn-lt"/>
+                <a:ea typeface="+mn-ea"/>
+                <a:cs typeface="+mn-cs"/>
+              </a:defRPr>
+            </a:lvl1pPr>
+            <a:lvl2pPr marL="685800" indent="-228600" algn="l" defTabSz="914400" rtl="0" eaLnBrk="1" latinLnBrk="1" hangingPunct="1">
+              <a:lnSpc>
+                <a:spcPct val="90000"/>
+              </a:lnSpc>
+              <a:spcBef>
+                <a:spcPts val="500"/>
+              </a:spcBef>
+              <a:buFont typeface="Arial" panose="020B0604020202020204" pitchFamily="34" charset="0"/>
+              <a:buChar char="•"/>
+              <a:defRPr sz="2400" kern="1200">
+                <a:solidFill>
+                  <a:schemeClr val="tx1"/>
+                </a:solidFill>
+                <a:latin typeface="+mn-lt"/>
+                <a:ea typeface="+mn-ea"/>
+                <a:cs typeface="+mn-cs"/>
+              </a:defRPr>
+            </a:lvl2pPr>
+            <a:lvl3pPr marL="1143000" indent="-228600" algn="l" defTabSz="914400" rtl="0" eaLnBrk="1" latinLnBrk="1" hangingPunct="1">
+              <a:lnSpc>
+                <a:spcPct val="90000"/>
+              </a:lnSpc>
+              <a:spcBef>
+                <a:spcPts val="500"/>
+              </a:spcBef>
+              <a:buFont typeface="Arial" panose="020B0604020202020204" pitchFamily="34" charset="0"/>
+              <a:buChar char="•"/>
+              <a:defRPr sz="2000" kern="1200">
+                <a:solidFill>
+                  <a:schemeClr val="tx1"/>
+                </a:solidFill>
+                <a:latin typeface="+mn-lt"/>
+                <a:ea typeface="+mn-ea"/>
+                <a:cs typeface="+mn-cs"/>
+              </a:defRPr>
+            </a:lvl3pPr>
+            <a:lvl4pPr marL="1600200" indent="-228600" algn="l" defTabSz="914400" rtl="0" eaLnBrk="1" latinLnBrk="1" hangingPunct="1">
+              <a:lnSpc>
+                <a:spcPct val="90000"/>
+              </a:lnSpc>
+              <a:spcBef>
+                <a:spcPts val="500"/>
+              </a:spcBef>
+              <a:buFont typeface="Arial" panose="020B0604020202020204" pitchFamily="34" charset="0"/>
+              <a:buChar char="•"/>
+              <a:defRPr sz="1800" kern="1200">
+                <a:solidFill>
+                  <a:schemeClr val="tx1"/>
+                </a:solidFill>
+                <a:latin typeface="+mn-lt"/>
+                <a:ea typeface="+mn-ea"/>
+                <a:cs typeface="+mn-cs"/>
+              </a:defRPr>
+            </a:lvl4pPr>
+            <a:lvl5pPr marL="2057400" indent="-228600" algn="l" defTabSz="914400" rtl="0" eaLnBrk="1" latinLnBrk="1" hangingPunct="1">
+              <a:lnSpc>
+                <a:spcPct val="90000"/>
+              </a:lnSpc>
+              <a:spcBef>
+                <a:spcPts val="500"/>
+              </a:spcBef>
+              <a:buFont typeface="Arial" panose="020B0604020202020204" pitchFamily="34" charset="0"/>
+              <a:buChar char="•"/>
+              <a:defRPr sz="1800" kern="1200">
+                <a:solidFill>
+                  <a:schemeClr val="tx1"/>
+                </a:solidFill>
+                <a:latin typeface="+mn-lt"/>
+                <a:ea typeface="+mn-ea"/>
+                <a:cs typeface="+mn-cs"/>
+              </a:defRPr>
+            </a:lvl5pPr>
+            <a:lvl6pPr marL="2514600" indent="-228600" algn="l" defTabSz="914400" rtl="0" eaLnBrk="1" latinLnBrk="1" hangingPunct="1">
+              <a:lnSpc>
+                <a:spcPct val="90000"/>
+              </a:lnSpc>
+              <a:spcBef>
+                <a:spcPts val="500"/>
+              </a:spcBef>
+              <a:buFont typeface="Arial" panose="020B0604020202020204" pitchFamily="34" charset="0"/>
+              <a:buChar char="•"/>
+              <a:defRPr sz="1800" kern="1200">
+                <a:solidFill>
+                  <a:schemeClr val="tx1"/>
+                </a:solidFill>
+                <a:latin typeface="+mn-lt"/>
+                <a:ea typeface="+mn-ea"/>
+                <a:cs typeface="+mn-cs"/>
+              </a:defRPr>
+            </a:lvl6pPr>
+            <a:lvl7pPr marL="2971800" indent="-228600" algn="l" defTabSz="914400" rtl="0" eaLnBrk="1" latinLnBrk="1" hangingPunct="1">
+              <a:lnSpc>
+                <a:spcPct val="90000"/>
+              </a:lnSpc>
+              <a:spcBef>
+                <a:spcPts val="500"/>
+              </a:spcBef>
+              <a:buFont typeface="Arial" panose="020B0604020202020204" pitchFamily="34" charset="0"/>
+              <a:buChar char="•"/>
+              <a:defRPr sz="1800" kern="1200">
+                <a:solidFill>
+                  <a:schemeClr val="tx1"/>
+                </a:solidFill>
+                <a:latin typeface="+mn-lt"/>
+                <a:ea typeface="+mn-ea"/>
+                <a:cs typeface="+mn-cs"/>
+              </a:defRPr>
+            </a:lvl7pPr>
+            <a:lvl8pPr marL="3429000" indent="-228600" algn="l" defTabSz="914400" rtl="0" eaLnBrk="1" latinLnBrk="1" hangingPunct="1">
+              <a:lnSpc>
+                <a:spcPct val="90000"/>
+              </a:lnSpc>
+              <a:spcBef>
+                <a:spcPts val="500"/>
+              </a:spcBef>
+              <a:buFont typeface="Arial" panose="020B0604020202020204" pitchFamily="34" charset="0"/>
+              <a:buChar char="•"/>
+              <a:defRPr sz="1800" kern="1200">
+                <a:solidFill>
+                  <a:schemeClr val="tx1"/>
+                </a:solidFill>
+                <a:latin typeface="+mn-lt"/>
+                <a:ea typeface="+mn-ea"/>
+                <a:cs typeface="+mn-cs"/>
+              </a:defRPr>
+            </a:lvl8pPr>
+            <a:lvl9pPr marL="3886200" indent="-228600" algn="l" defTabSz="914400" rtl="0" eaLnBrk="1" latinLnBrk="1" hangingPunct="1">
+              <a:lnSpc>
+                <a:spcPct val="90000"/>
+              </a:lnSpc>
+              <a:spcBef>
+                <a:spcPts val="500"/>
+              </a:spcBef>
+              <a:buFont typeface="Arial" panose="020B0604020202020204" pitchFamily="34" charset="0"/>
+              <a:buChar char="•"/>
+              <a:defRPr sz="1800" kern="1200">
+                <a:solidFill>
+                  <a:schemeClr val="tx1"/>
+                </a:solidFill>
+                <a:latin typeface="+mn-lt"/>
+                <a:ea typeface="+mn-ea"/>
+                <a:cs typeface="+mn-cs"/>
+              </a:defRPr>
+            </a:lvl9pPr>
+          </a:lstStyle>
+          <a:p>
+            <a:r>
+              <a:rPr lang="en-US" altLang="ko-KR" dirty="0" err="1" smtClean="0"/>
+              <a:t>Qu</a:t>
+            </a:r>
+            <a:r>
+              <a:rPr lang="en-US" altLang="ko-KR" dirty="0" smtClean="0"/>
+              <a:t> et al</a:t>
+            </a:r>
+          </a:p>
+          <a:p>
+            <a:pPr lvl="1"/>
+            <a:r>
+              <a:rPr lang="en-US" altLang="ko-KR" dirty="0" smtClean="0"/>
+              <a:t>Constructed DDCO ( the Disease drug correlation ontology ) by combining ontologies from </a:t>
+            </a:r>
+            <a:r>
+              <a:rPr lang="en-US" altLang="ko-KR" dirty="0" err="1" smtClean="0"/>
+              <a:t>DrugBank</a:t>
+            </a:r>
+            <a:r>
+              <a:rPr lang="en-US" altLang="ko-KR" dirty="0" smtClean="0"/>
+              <a:t>, </a:t>
+            </a:r>
+            <a:r>
+              <a:rPr lang="en-US" altLang="ko-KR" dirty="0" err="1" smtClean="0"/>
+              <a:t>Entrez</a:t>
+            </a:r>
+            <a:r>
+              <a:rPr lang="en-US" altLang="ko-KR" dirty="0" smtClean="0"/>
+              <a:t> Gene, GO, OMIM, KEGG, </a:t>
+            </a:r>
+            <a:r>
+              <a:rPr lang="en-US" altLang="ko-KR" dirty="0" err="1" smtClean="0"/>
+              <a:t>BioCarta</a:t>
+            </a:r>
+            <a:r>
+              <a:rPr lang="en-US" altLang="ko-KR" dirty="0" smtClean="0"/>
+              <a:t>, </a:t>
+            </a:r>
+            <a:r>
+              <a:rPr lang="en-US" altLang="ko-KR" dirty="0" err="1" smtClean="0"/>
+              <a:t>Reactome</a:t>
+            </a:r>
+            <a:r>
+              <a:rPr lang="en-US" altLang="ko-KR" dirty="0" smtClean="0"/>
+              <a:t>, UMLS and GEO.</a:t>
+            </a:r>
+          </a:p>
+          <a:p>
+            <a:pPr lvl="1"/>
+            <a:r>
+              <a:rPr lang="en-US" altLang="ko-KR" dirty="0" smtClean="0"/>
+              <a:t>Using information from the semantic web and SPARQL ( the query language from ontologies), They built a association network.</a:t>
+            </a:r>
+          </a:p>
+          <a:p>
+            <a:pPr lvl="1"/>
+            <a:r>
+              <a:rPr lang="en-US" altLang="ko-KR" dirty="0" smtClean="0"/>
+              <a:t>Used the network to deduce drug-disease association.</a:t>
+            </a:r>
+            <a:endParaRPr lang="en-US" altLang="ko-KR" dirty="0"/>
+          </a:p>
+          <a:p>
+            <a:pPr marL="0" indent="0">
+              <a:buNone/>
+            </a:pPr>
+            <a:endParaRPr lang="en-US" altLang="ko-KR" dirty="0"/>
+          </a:p>
+          <a:p>
+            <a:pPr lvl="1"/>
+            <a:endParaRPr lang="en-US" altLang="ko-KR" dirty="0" smtClean="0"/>
+          </a:p>
+        </p:txBody>
+      </p:sp>
+    </p:spTree>
+    <p:extLst>
+      <p:ext uri="{BB962C8B-B14F-4D97-AF65-F5344CB8AC3E}">
+        <p14:creationId xmlns:p14="http://schemas.microsoft.com/office/powerpoint/2010/main" val="311403746"/>
+      </p:ext>
+    </p:extLst>
+  </p:cSld>
+  <p:clrMapOvr>
+    <a:masterClrMapping/>
+  </p:clrMapOvr>
+  <p:timing>
+    <p:tnLst>
+      <p:par>
+        <p:cTn id="1" dur="indefinite" restart="never" nodeType="tmRoot"/>
+      </p:par>
+    </p:tnLst>
+  </p:timing>
+</p:sld>
+</file>
+
+<file path=ppt/slides/slide17.xml><?xml version="1.0" encoding="utf-8"?>
+<p:sld xmlns:a="http://schemas.openxmlformats.org/drawingml/2006/main" xmlns:r="http://schemas.openxmlformats.org/officeDocument/2006/relationships" xmlns:p="http://schemas.openxmlformats.org/presentationml/2006/main">
+  <p:cSld>
+    <p:spTree>
+      <p:nvGrpSpPr>
+        <p:cNvPr id="1" name=""/>
+        <p:cNvGrpSpPr/>
+        <p:nvPr/>
+      </p:nvGrpSpPr>
+      <p:grpSpPr>
+        <a:xfrm>
+          <a:off x="0" y="0"/>
+          <a:ext cx="0" cy="0"/>
+          <a:chOff x="0" y="0"/>
+          <a:chExt cx="0" cy="0"/>
+        </a:xfrm>
+      </p:grpSpPr>
+      <p:sp>
+        <p:nvSpPr>
+          <p:cNvPr id="2" name="제목 1"/>
+          <p:cNvSpPr>
+            <a:spLocks noGrp="1"/>
+          </p:cNvSpPr>
+          <p:nvPr>
+            <p:ph type="title"/>
+          </p:nvPr>
+        </p:nvSpPr>
+        <p:spPr/>
+        <p:txBody>
+          <a:bodyPr/>
+          <a:lstStyle/>
+          <a:p>
+            <a:r>
+              <a:rPr lang="en-US" altLang="ko-KR" dirty="0" smtClean="0"/>
+              <a:t>Drug Repurposing Applications</a:t>
+            </a:r>
+            <a:endParaRPr lang="en-US" altLang="ko-KR" dirty="0"/>
+          </a:p>
+        </p:txBody>
+      </p:sp>
+      <p:sp>
+        <p:nvSpPr>
+          <p:cNvPr id="9" name="내용 개체 틀 2"/>
+          <p:cNvSpPr txBox="1">
+            <a:spLocks/>
+          </p:cNvSpPr>
+          <p:nvPr/>
+        </p:nvSpPr>
+        <p:spPr>
+          <a:xfrm>
+            <a:off x="994955" y="2233749"/>
+            <a:ext cx="10239102" cy="3877900"/>
+          </a:xfrm>
+          <a:prstGeom prst="rect">
+            <a:avLst/>
+          </a:prstGeom>
+        </p:spPr>
+        <p:txBody>
+          <a:bodyPr vert="horz" lIns="91440" tIns="45720" rIns="91440" bIns="45720" rtlCol="0">
+            <a:normAutofit/>
+          </a:bodyPr>
+          <a:lstStyle>
+            <a:lvl1pPr marL="228600" indent="-228600" algn="l" defTabSz="914400" rtl="0" eaLnBrk="1" latinLnBrk="1" hangingPunct="1">
+              <a:lnSpc>
+                <a:spcPct val="90000"/>
+              </a:lnSpc>
+              <a:spcBef>
+                <a:spcPts val="1000"/>
+              </a:spcBef>
+              <a:buFont typeface="Arial" panose="020B0604020202020204" pitchFamily="34" charset="0"/>
+              <a:buChar char="•"/>
+              <a:defRPr sz="2800" kern="1200">
+                <a:solidFill>
+                  <a:schemeClr val="tx1"/>
+                </a:solidFill>
+                <a:latin typeface="+mn-lt"/>
+                <a:ea typeface="+mn-ea"/>
+                <a:cs typeface="+mn-cs"/>
+              </a:defRPr>
+            </a:lvl1pPr>
+            <a:lvl2pPr marL="685800" indent="-228600" algn="l" defTabSz="914400" rtl="0" eaLnBrk="1" latinLnBrk="1" hangingPunct="1">
+              <a:lnSpc>
+                <a:spcPct val="90000"/>
+              </a:lnSpc>
+              <a:spcBef>
+                <a:spcPts val="500"/>
+              </a:spcBef>
+              <a:buFont typeface="Arial" panose="020B0604020202020204" pitchFamily="34" charset="0"/>
+              <a:buChar char="•"/>
+              <a:defRPr sz="2400" kern="1200">
+                <a:solidFill>
+                  <a:schemeClr val="tx1"/>
+                </a:solidFill>
+                <a:latin typeface="+mn-lt"/>
+                <a:ea typeface="+mn-ea"/>
+                <a:cs typeface="+mn-cs"/>
+              </a:defRPr>
+            </a:lvl2pPr>
+            <a:lvl3pPr marL="1143000" indent="-228600" algn="l" defTabSz="914400" rtl="0" eaLnBrk="1" latinLnBrk="1" hangingPunct="1">
+              <a:lnSpc>
+                <a:spcPct val="90000"/>
+              </a:lnSpc>
+              <a:spcBef>
+                <a:spcPts val="500"/>
+              </a:spcBef>
+              <a:buFont typeface="Arial" panose="020B0604020202020204" pitchFamily="34" charset="0"/>
+              <a:buChar char="•"/>
+              <a:defRPr sz="2000" kern="1200">
+                <a:solidFill>
+                  <a:schemeClr val="tx1"/>
+                </a:solidFill>
+                <a:latin typeface="+mn-lt"/>
+                <a:ea typeface="+mn-ea"/>
+                <a:cs typeface="+mn-cs"/>
+              </a:defRPr>
+            </a:lvl3pPr>
+            <a:lvl4pPr marL="1600200" indent="-228600" algn="l" defTabSz="914400" rtl="0" eaLnBrk="1" latinLnBrk="1" hangingPunct="1">
+              <a:lnSpc>
+                <a:spcPct val="90000"/>
+              </a:lnSpc>
+              <a:spcBef>
+                <a:spcPts val="500"/>
+              </a:spcBef>
+              <a:buFont typeface="Arial" panose="020B0604020202020204" pitchFamily="34" charset="0"/>
+              <a:buChar char="•"/>
+              <a:defRPr sz="1800" kern="1200">
+                <a:solidFill>
+                  <a:schemeClr val="tx1"/>
+                </a:solidFill>
+                <a:latin typeface="+mn-lt"/>
+                <a:ea typeface="+mn-ea"/>
+                <a:cs typeface="+mn-cs"/>
+              </a:defRPr>
+            </a:lvl4pPr>
+            <a:lvl5pPr marL="2057400" indent="-228600" algn="l" defTabSz="914400" rtl="0" eaLnBrk="1" latinLnBrk="1" hangingPunct="1">
+              <a:lnSpc>
+                <a:spcPct val="90000"/>
+              </a:lnSpc>
+              <a:spcBef>
+                <a:spcPts val="500"/>
+              </a:spcBef>
+              <a:buFont typeface="Arial" panose="020B0604020202020204" pitchFamily="34" charset="0"/>
+              <a:buChar char="•"/>
+              <a:defRPr sz="1800" kern="1200">
+                <a:solidFill>
+                  <a:schemeClr val="tx1"/>
+                </a:solidFill>
+                <a:latin typeface="+mn-lt"/>
+                <a:ea typeface="+mn-ea"/>
+                <a:cs typeface="+mn-cs"/>
+              </a:defRPr>
+            </a:lvl5pPr>
+            <a:lvl6pPr marL="2514600" indent="-228600" algn="l" defTabSz="914400" rtl="0" eaLnBrk="1" latinLnBrk="1" hangingPunct="1">
+              <a:lnSpc>
+                <a:spcPct val="90000"/>
+              </a:lnSpc>
+              <a:spcBef>
+                <a:spcPts val="500"/>
+              </a:spcBef>
+              <a:buFont typeface="Arial" panose="020B0604020202020204" pitchFamily="34" charset="0"/>
+              <a:buChar char="•"/>
+              <a:defRPr sz="1800" kern="1200">
+                <a:solidFill>
+                  <a:schemeClr val="tx1"/>
+                </a:solidFill>
+                <a:latin typeface="+mn-lt"/>
+                <a:ea typeface="+mn-ea"/>
+                <a:cs typeface="+mn-cs"/>
+              </a:defRPr>
+            </a:lvl6pPr>
+            <a:lvl7pPr marL="2971800" indent="-228600" algn="l" defTabSz="914400" rtl="0" eaLnBrk="1" latinLnBrk="1" hangingPunct="1">
+              <a:lnSpc>
+                <a:spcPct val="90000"/>
+              </a:lnSpc>
+              <a:spcBef>
+                <a:spcPts val="500"/>
+              </a:spcBef>
+              <a:buFont typeface="Arial" panose="020B0604020202020204" pitchFamily="34" charset="0"/>
+              <a:buChar char="•"/>
+              <a:defRPr sz="1800" kern="1200">
+                <a:solidFill>
+                  <a:schemeClr val="tx1"/>
+                </a:solidFill>
+                <a:latin typeface="+mn-lt"/>
+                <a:ea typeface="+mn-ea"/>
+                <a:cs typeface="+mn-cs"/>
+              </a:defRPr>
+            </a:lvl7pPr>
+            <a:lvl8pPr marL="3429000" indent="-228600" algn="l" defTabSz="914400" rtl="0" eaLnBrk="1" latinLnBrk="1" hangingPunct="1">
+              <a:lnSpc>
+                <a:spcPct val="90000"/>
+              </a:lnSpc>
+              <a:spcBef>
+                <a:spcPts val="500"/>
+              </a:spcBef>
+              <a:buFont typeface="Arial" panose="020B0604020202020204" pitchFamily="34" charset="0"/>
+              <a:buChar char="•"/>
+              <a:defRPr sz="1800" kern="1200">
+                <a:solidFill>
+                  <a:schemeClr val="tx1"/>
+                </a:solidFill>
+                <a:latin typeface="+mn-lt"/>
+                <a:ea typeface="+mn-ea"/>
+                <a:cs typeface="+mn-cs"/>
+              </a:defRPr>
+            </a:lvl8pPr>
+            <a:lvl9pPr marL="3886200" indent="-228600" algn="l" defTabSz="914400" rtl="0" eaLnBrk="1" latinLnBrk="1" hangingPunct="1">
+              <a:lnSpc>
+                <a:spcPct val="90000"/>
+              </a:lnSpc>
+              <a:spcBef>
+                <a:spcPts val="500"/>
+              </a:spcBef>
+              <a:buFont typeface="Arial" panose="020B0604020202020204" pitchFamily="34" charset="0"/>
+              <a:buChar char="•"/>
+              <a:defRPr sz="1800" kern="1200">
+                <a:solidFill>
+                  <a:schemeClr val="tx1"/>
+                </a:solidFill>
+                <a:latin typeface="+mn-lt"/>
+                <a:ea typeface="+mn-ea"/>
+                <a:cs typeface="+mn-cs"/>
+              </a:defRPr>
+            </a:lvl9pPr>
+          </a:lstStyle>
+          <a:p>
+            <a:r>
+              <a:rPr lang="en-US" altLang="ko-KR" dirty="0"/>
+              <a:t>Cure and </a:t>
+            </a:r>
+            <a:r>
+              <a:rPr lang="en-US" altLang="ko-KR" dirty="0" err="1" smtClean="0"/>
+              <a:t>Giroud</a:t>
+            </a:r>
+            <a:r>
+              <a:rPr lang="en-US" altLang="ko-KR" dirty="0" smtClean="0"/>
+              <a:t> et </a:t>
+            </a:r>
+            <a:r>
+              <a:rPr lang="en-US" altLang="ko-KR" dirty="0" smtClean="0"/>
+              <a:t>al</a:t>
+            </a:r>
+          </a:p>
+          <a:p>
+            <a:pPr lvl="1"/>
+            <a:r>
+              <a:rPr lang="en-US" altLang="ko-KR" dirty="0" smtClean="0"/>
+              <a:t>Presented a workflow for improving the quality of data stored in drug databases.</a:t>
+            </a:r>
+          </a:p>
+          <a:p>
+            <a:pPr lvl="1"/>
+            <a:r>
+              <a:rPr lang="en-US" altLang="ko-KR" dirty="0" smtClean="0"/>
+              <a:t>Through the conversion of existing terminologies into semantic web compatible format, concepts and associations were refined.</a:t>
+            </a:r>
+          </a:p>
+          <a:p>
+            <a:pPr lvl="1"/>
+            <a:r>
+              <a:rPr lang="en-US" altLang="ko-KR" dirty="0" smtClean="0"/>
+              <a:t>New concepts are associated with the ontologies by applying inductive reasoning to the drug DB.</a:t>
+            </a:r>
+          </a:p>
+          <a:p>
+            <a:pPr lvl="1"/>
+            <a:r>
+              <a:rPr lang="en-US" altLang="ko-KR" dirty="0" smtClean="0"/>
+              <a:t>The ontologies can then be used to find and repair data quality violations in drug DB. </a:t>
+            </a:r>
+            <a:endParaRPr lang="en-US" altLang="ko-KR" dirty="0"/>
+          </a:p>
+          <a:p>
+            <a:pPr lvl="1"/>
+            <a:endParaRPr lang="en-US" altLang="ko-KR" dirty="0" smtClean="0"/>
+          </a:p>
+        </p:txBody>
+      </p:sp>
+    </p:spTree>
+    <p:extLst>
+      <p:ext uri="{BB962C8B-B14F-4D97-AF65-F5344CB8AC3E}">
+        <p14:creationId xmlns:p14="http://schemas.microsoft.com/office/powerpoint/2010/main" val="1044439417"/>
+      </p:ext>
+    </p:extLst>
+  </p:cSld>
+  <p:clrMapOvr>
+    <a:masterClrMapping/>
+  </p:clrMapOvr>
+  <p:timing>
+    <p:tnLst>
+      <p:par>
+        <p:cTn id="1" dur="indefinite" restart="never" nodeType="tmRoot"/>
+      </p:par>
+    </p:tnLst>
+  </p:timing>
+</p:sld>
+</file>
+
+<file path=ppt/slides/slide18.xml><?xml version="1.0" encoding="utf-8"?>
+<p:sld xmlns:a="http://schemas.openxmlformats.org/drawingml/2006/main" xmlns:r="http://schemas.openxmlformats.org/officeDocument/2006/relationships" xmlns:p="http://schemas.openxmlformats.org/presentationml/2006/main">
+  <p:cSld>
+    <p:spTree>
+      <p:nvGrpSpPr>
+        <p:cNvPr id="1" name=""/>
+        <p:cNvGrpSpPr/>
+        <p:nvPr/>
+      </p:nvGrpSpPr>
+      <p:grpSpPr>
+        <a:xfrm>
+          <a:off x="0" y="0"/>
+          <a:ext cx="0" cy="0"/>
+          <a:chOff x="0" y="0"/>
+          <a:chExt cx="0" cy="0"/>
+        </a:xfrm>
+      </p:grpSpPr>
+      <p:sp>
+        <p:nvSpPr>
+          <p:cNvPr id="2" name="제목 1"/>
+          <p:cNvSpPr>
+            <a:spLocks noGrp="1"/>
+          </p:cNvSpPr>
+          <p:nvPr>
+            <p:ph type="title"/>
+          </p:nvPr>
+        </p:nvSpPr>
+        <p:spPr/>
+        <p:txBody>
+          <a:bodyPr/>
+          <a:lstStyle/>
+          <a:p>
+            <a:r>
+              <a:rPr lang="en-US" altLang="ko-KR" dirty="0" smtClean="0"/>
+              <a:t>Drug Repurposing Applications</a:t>
+            </a:r>
+            <a:endParaRPr lang="en-US" altLang="ko-KR" dirty="0"/>
+          </a:p>
+        </p:txBody>
+      </p:sp>
+      <p:sp>
+        <p:nvSpPr>
+          <p:cNvPr id="9" name="내용 개체 틀 2"/>
+          <p:cNvSpPr txBox="1">
+            <a:spLocks/>
+          </p:cNvSpPr>
+          <p:nvPr/>
+        </p:nvSpPr>
+        <p:spPr>
+          <a:xfrm>
+            <a:off x="994955" y="2233749"/>
+            <a:ext cx="10239102" cy="3877900"/>
+          </a:xfrm>
+          <a:prstGeom prst="rect">
+            <a:avLst/>
+          </a:prstGeom>
+        </p:spPr>
+        <p:txBody>
+          <a:bodyPr vert="horz" lIns="91440" tIns="45720" rIns="91440" bIns="45720" rtlCol="0">
+            <a:normAutofit/>
+          </a:bodyPr>
+          <a:lstStyle>
+            <a:lvl1pPr marL="228600" indent="-228600" algn="l" defTabSz="914400" rtl="0" eaLnBrk="1" latinLnBrk="1" hangingPunct="1">
+              <a:lnSpc>
+                <a:spcPct val="90000"/>
+              </a:lnSpc>
+              <a:spcBef>
+                <a:spcPts val="1000"/>
+              </a:spcBef>
+              <a:buFont typeface="Arial" panose="020B0604020202020204" pitchFamily="34" charset="0"/>
+              <a:buChar char="•"/>
+              <a:defRPr sz="2800" kern="1200">
+                <a:solidFill>
+                  <a:schemeClr val="tx1"/>
+                </a:solidFill>
+                <a:latin typeface="+mn-lt"/>
+                <a:ea typeface="+mn-ea"/>
+                <a:cs typeface="+mn-cs"/>
+              </a:defRPr>
+            </a:lvl1pPr>
+            <a:lvl2pPr marL="685800" indent="-228600" algn="l" defTabSz="914400" rtl="0" eaLnBrk="1" latinLnBrk="1" hangingPunct="1">
+              <a:lnSpc>
+                <a:spcPct val="90000"/>
+              </a:lnSpc>
+              <a:spcBef>
+                <a:spcPts val="500"/>
+              </a:spcBef>
+              <a:buFont typeface="Arial" panose="020B0604020202020204" pitchFamily="34" charset="0"/>
+              <a:buChar char="•"/>
+              <a:defRPr sz="2400" kern="1200">
+                <a:solidFill>
+                  <a:schemeClr val="tx1"/>
+                </a:solidFill>
+                <a:latin typeface="+mn-lt"/>
+                <a:ea typeface="+mn-ea"/>
+                <a:cs typeface="+mn-cs"/>
+              </a:defRPr>
+            </a:lvl2pPr>
+            <a:lvl3pPr marL="1143000" indent="-228600" algn="l" defTabSz="914400" rtl="0" eaLnBrk="1" latinLnBrk="1" hangingPunct="1">
+              <a:lnSpc>
+                <a:spcPct val="90000"/>
+              </a:lnSpc>
+              <a:spcBef>
+                <a:spcPts val="500"/>
+              </a:spcBef>
+              <a:buFont typeface="Arial" panose="020B0604020202020204" pitchFamily="34" charset="0"/>
+              <a:buChar char="•"/>
+              <a:defRPr sz="2000" kern="1200">
+                <a:solidFill>
+                  <a:schemeClr val="tx1"/>
+                </a:solidFill>
+                <a:latin typeface="+mn-lt"/>
+                <a:ea typeface="+mn-ea"/>
+                <a:cs typeface="+mn-cs"/>
+              </a:defRPr>
+            </a:lvl3pPr>
+            <a:lvl4pPr marL="1600200" indent="-228600" algn="l" defTabSz="914400" rtl="0" eaLnBrk="1" latinLnBrk="1" hangingPunct="1">
+              <a:lnSpc>
+                <a:spcPct val="90000"/>
+              </a:lnSpc>
+              <a:spcBef>
+                <a:spcPts val="500"/>
+              </a:spcBef>
+              <a:buFont typeface="Arial" panose="020B0604020202020204" pitchFamily="34" charset="0"/>
+              <a:buChar char="•"/>
+              <a:defRPr sz="1800" kern="1200">
+                <a:solidFill>
+                  <a:schemeClr val="tx1"/>
+                </a:solidFill>
+                <a:latin typeface="+mn-lt"/>
+                <a:ea typeface="+mn-ea"/>
+                <a:cs typeface="+mn-cs"/>
+              </a:defRPr>
+            </a:lvl4pPr>
+            <a:lvl5pPr marL="2057400" indent="-228600" algn="l" defTabSz="914400" rtl="0" eaLnBrk="1" latinLnBrk="1" hangingPunct="1">
+              <a:lnSpc>
+                <a:spcPct val="90000"/>
+              </a:lnSpc>
+              <a:spcBef>
+                <a:spcPts val="500"/>
+              </a:spcBef>
+              <a:buFont typeface="Arial" panose="020B0604020202020204" pitchFamily="34" charset="0"/>
+              <a:buChar char="•"/>
+              <a:defRPr sz="1800" kern="1200">
+                <a:solidFill>
+                  <a:schemeClr val="tx1"/>
+                </a:solidFill>
+                <a:latin typeface="+mn-lt"/>
+                <a:ea typeface="+mn-ea"/>
+                <a:cs typeface="+mn-cs"/>
+              </a:defRPr>
+            </a:lvl5pPr>
+            <a:lvl6pPr marL="2514600" indent="-228600" algn="l" defTabSz="914400" rtl="0" eaLnBrk="1" latinLnBrk="1" hangingPunct="1">
+              <a:lnSpc>
+                <a:spcPct val="90000"/>
+              </a:lnSpc>
+              <a:spcBef>
+                <a:spcPts val="500"/>
+              </a:spcBef>
+              <a:buFont typeface="Arial" panose="020B0604020202020204" pitchFamily="34" charset="0"/>
+              <a:buChar char="•"/>
+              <a:defRPr sz="1800" kern="1200">
+                <a:solidFill>
+                  <a:schemeClr val="tx1"/>
+                </a:solidFill>
+                <a:latin typeface="+mn-lt"/>
+                <a:ea typeface="+mn-ea"/>
+                <a:cs typeface="+mn-cs"/>
+              </a:defRPr>
+            </a:lvl6pPr>
+            <a:lvl7pPr marL="2971800" indent="-228600" algn="l" defTabSz="914400" rtl="0" eaLnBrk="1" latinLnBrk="1" hangingPunct="1">
+              <a:lnSpc>
+                <a:spcPct val="90000"/>
+              </a:lnSpc>
+              <a:spcBef>
+                <a:spcPts val="500"/>
+              </a:spcBef>
+              <a:buFont typeface="Arial" panose="020B0604020202020204" pitchFamily="34" charset="0"/>
+              <a:buChar char="•"/>
+              <a:defRPr sz="1800" kern="1200">
+                <a:solidFill>
+                  <a:schemeClr val="tx1"/>
+                </a:solidFill>
+                <a:latin typeface="+mn-lt"/>
+                <a:ea typeface="+mn-ea"/>
+                <a:cs typeface="+mn-cs"/>
+              </a:defRPr>
+            </a:lvl7pPr>
+            <a:lvl8pPr marL="3429000" indent="-228600" algn="l" defTabSz="914400" rtl="0" eaLnBrk="1" latinLnBrk="1" hangingPunct="1">
+              <a:lnSpc>
+                <a:spcPct val="90000"/>
+              </a:lnSpc>
+              <a:spcBef>
+                <a:spcPts val="500"/>
+              </a:spcBef>
+              <a:buFont typeface="Arial" panose="020B0604020202020204" pitchFamily="34" charset="0"/>
+              <a:buChar char="•"/>
+              <a:defRPr sz="1800" kern="1200">
+                <a:solidFill>
+                  <a:schemeClr val="tx1"/>
+                </a:solidFill>
+                <a:latin typeface="+mn-lt"/>
+                <a:ea typeface="+mn-ea"/>
+                <a:cs typeface="+mn-cs"/>
+              </a:defRPr>
+            </a:lvl8pPr>
+            <a:lvl9pPr marL="3886200" indent="-228600" algn="l" defTabSz="914400" rtl="0" eaLnBrk="1" latinLnBrk="1" hangingPunct="1">
+              <a:lnSpc>
+                <a:spcPct val="90000"/>
+              </a:lnSpc>
+              <a:spcBef>
+                <a:spcPts val="500"/>
+              </a:spcBef>
+              <a:buFont typeface="Arial" panose="020B0604020202020204" pitchFamily="34" charset="0"/>
+              <a:buChar char="•"/>
+              <a:defRPr sz="1800" kern="1200">
+                <a:solidFill>
+                  <a:schemeClr val="tx1"/>
+                </a:solidFill>
+                <a:latin typeface="+mn-lt"/>
+                <a:ea typeface="+mn-ea"/>
+                <a:cs typeface="+mn-cs"/>
+              </a:defRPr>
+            </a:lvl9pPr>
+          </a:lstStyle>
+          <a:p>
+            <a:r>
+              <a:rPr lang="en-US" altLang="ko-KR" dirty="0" err="1" smtClean="0"/>
+              <a:t>Cerami</a:t>
+            </a:r>
+            <a:r>
+              <a:rPr lang="en-US" altLang="ko-KR" dirty="0" smtClean="0"/>
+              <a:t> et </a:t>
+            </a:r>
+            <a:r>
+              <a:rPr lang="en-US" altLang="ko-KR" dirty="0" smtClean="0"/>
+              <a:t>al</a:t>
+            </a:r>
+          </a:p>
+          <a:p>
+            <a:pPr marL="685800" lvl="2">
+              <a:spcBef>
+                <a:spcPts val="1000"/>
+              </a:spcBef>
+            </a:pPr>
+            <a:r>
+              <a:rPr lang="en-US" altLang="ko-KR" dirty="0"/>
+              <a:t>Used the Newman-Girvan module detection algorithm to find candidate ‘drivers’ </a:t>
+            </a:r>
+            <a:r>
+              <a:rPr lang="en-US" altLang="ko-KR" dirty="0" smtClean="0"/>
+              <a:t>i.e</a:t>
+            </a:r>
+            <a:r>
+              <a:rPr lang="en-US" altLang="ko-KR" dirty="0"/>
+              <a:t>. Genes responsible for </a:t>
+            </a:r>
+            <a:r>
+              <a:rPr lang="en-US" altLang="ko-KR" dirty="0" err="1"/>
+              <a:t>Glioblastoma</a:t>
+            </a:r>
+            <a:r>
+              <a:rPr lang="en-US" altLang="ko-KR" dirty="0"/>
+              <a:t>.</a:t>
+            </a:r>
+          </a:p>
+          <a:p>
+            <a:endParaRPr lang="en-US" altLang="ko-KR" dirty="0" smtClean="0"/>
+          </a:p>
+          <a:p>
+            <a:r>
+              <a:rPr lang="en-US" altLang="ko-KR" dirty="0" smtClean="0"/>
+              <a:t>Keiser </a:t>
+            </a:r>
+            <a:r>
+              <a:rPr lang="en-US" altLang="ko-KR" dirty="0"/>
+              <a:t>et </a:t>
+            </a:r>
+            <a:r>
+              <a:rPr lang="en-US" altLang="ko-KR" dirty="0" smtClean="0"/>
+              <a:t>al</a:t>
+            </a:r>
+            <a:endParaRPr lang="en-US" altLang="ko-KR" dirty="0" smtClean="0"/>
+          </a:p>
+          <a:p>
+            <a:pPr lvl="1"/>
+            <a:r>
+              <a:rPr lang="en-US" altLang="ko-KR" dirty="0" smtClean="0"/>
+              <a:t>Demonstrated the ability to predict new targets for existing drugs by comparing the similarity of the ligands binding to these targets.</a:t>
+            </a:r>
+          </a:p>
+          <a:p>
+            <a:pPr lvl="1"/>
+            <a:endParaRPr lang="en-US" altLang="ko-KR" dirty="0" smtClean="0"/>
+          </a:p>
+        </p:txBody>
+      </p:sp>
+    </p:spTree>
+    <p:extLst>
+      <p:ext uri="{BB962C8B-B14F-4D97-AF65-F5344CB8AC3E}">
+        <p14:creationId xmlns:p14="http://schemas.microsoft.com/office/powerpoint/2010/main" val="2191810184"/>
+      </p:ext>
+    </p:extLst>
+  </p:cSld>
+  <p:clrMapOvr>
+    <a:masterClrMapping/>
+  </p:clrMapOvr>
+  <p:timing>
+    <p:tnLst>
+      <p:par>
+        <p:cTn id="1" dur="indefinite" restart="never" nodeType="tmRoot"/>
+      </p:par>
+    </p:tnLst>
+  </p:timing>
+</p:sld>
+</file>
+
+<file path=ppt/slides/slide19.xml><?xml version="1.0" encoding="utf-8"?>
+<p:sld xmlns:a="http://schemas.openxmlformats.org/drawingml/2006/main" xmlns:r="http://schemas.openxmlformats.org/officeDocument/2006/relationships" xmlns:p="http://schemas.openxmlformats.org/presentationml/2006/main">
+  <p:cSld>
+    <p:spTree>
+      <p:nvGrpSpPr>
+        <p:cNvPr id="1" name=""/>
+        <p:cNvGrpSpPr/>
+        <p:nvPr/>
+      </p:nvGrpSpPr>
+      <p:grpSpPr>
+        <a:xfrm>
+          <a:off x="0" y="0"/>
+          <a:ext cx="0" cy="0"/>
+          <a:chOff x="0" y="0"/>
+          <a:chExt cx="0" cy="0"/>
+        </a:xfrm>
+      </p:grpSpPr>
+      <p:sp>
+        <p:nvSpPr>
+          <p:cNvPr id="2" name="제목 1"/>
+          <p:cNvSpPr>
+            <a:spLocks noGrp="1"/>
+          </p:cNvSpPr>
+          <p:nvPr>
+            <p:ph type="title"/>
+          </p:nvPr>
+        </p:nvSpPr>
+        <p:spPr/>
+        <p:txBody>
+          <a:bodyPr/>
+          <a:lstStyle/>
+          <a:p>
+            <a:r>
+              <a:rPr lang="en-US" altLang="ko-KR" dirty="0" smtClean="0"/>
+              <a:t>Drug Repurposing Applications</a:t>
+            </a:r>
+            <a:endParaRPr lang="en-US" altLang="ko-KR" dirty="0"/>
+          </a:p>
+        </p:txBody>
+      </p:sp>
+      <p:sp>
+        <p:nvSpPr>
+          <p:cNvPr id="9" name="내용 개체 틀 2"/>
+          <p:cNvSpPr txBox="1">
+            <a:spLocks/>
+          </p:cNvSpPr>
+          <p:nvPr/>
+        </p:nvSpPr>
+        <p:spPr>
+          <a:xfrm>
+            <a:off x="994955" y="2233749"/>
+            <a:ext cx="10239102" cy="3877900"/>
+          </a:xfrm>
+          <a:prstGeom prst="rect">
+            <a:avLst/>
+          </a:prstGeom>
+        </p:spPr>
+        <p:txBody>
+          <a:bodyPr vert="horz" lIns="91440" tIns="45720" rIns="91440" bIns="45720" rtlCol="0">
+            <a:normAutofit/>
+          </a:bodyPr>
+          <a:lstStyle>
+            <a:lvl1pPr marL="228600" indent="-228600" algn="l" defTabSz="914400" rtl="0" eaLnBrk="1" latinLnBrk="1" hangingPunct="1">
+              <a:lnSpc>
+                <a:spcPct val="90000"/>
+              </a:lnSpc>
+              <a:spcBef>
+                <a:spcPts val="1000"/>
+              </a:spcBef>
+              <a:buFont typeface="Arial" panose="020B0604020202020204" pitchFamily="34" charset="0"/>
+              <a:buChar char="•"/>
+              <a:defRPr sz="2800" kern="1200">
+                <a:solidFill>
+                  <a:schemeClr val="tx1"/>
+                </a:solidFill>
+                <a:latin typeface="+mn-lt"/>
+                <a:ea typeface="+mn-ea"/>
+                <a:cs typeface="+mn-cs"/>
+              </a:defRPr>
+            </a:lvl1pPr>
+            <a:lvl2pPr marL="685800" indent="-228600" algn="l" defTabSz="914400" rtl="0" eaLnBrk="1" latinLnBrk="1" hangingPunct="1">
+              <a:lnSpc>
+                <a:spcPct val="90000"/>
+              </a:lnSpc>
+              <a:spcBef>
+                <a:spcPts val="500"/>
+              </a:spcBef>
+              <a:buFont typeface="Arial" panose="020B0604020202020204" pitchFamily="34" charset="0"/>
+              <a:buChar char="•"/>
+              <a:defRPr sz="2400" kern="1200">
+                <a:solidFill>
+                  <a:schemeClr val="tx1"/>
+                </a:solidFill>
+                <a:latin typeface="+mn-lt"/>
+                <a:ea typeface="+mn-ea"/>
+                <a:cs typeface="+mn-cs"/>
+              </a:defRPr>
+            </a:lvl2pPr>
+            <a:lvl3pPr marL="1143000" indent="-228600" algn="l" defTabSz="914400" rtl="0" eaLnBrk="1" latinLnBrk="1" hangingPunct="1">
+              <a:lnSpc>
+                <a:spcPct val="90000"/>
+              </a:lnSpc>
+              <a:spcBef>
+                <a:spcPts val="500"/>
+              </a:spcBef>
+              <a:buFont typeface="Arial" panose="020B0604020202020204" pitchFamily="34" charset="0"/>
+              <a:buChar char="•"/>
+              <a:defRPr sz="2000" kern="1200">
+                <a:solidFill>
+                  <a:schemeClr val="tx1"/>
+                </a:solidFill>
+                <a:latin typeface="+mn-lt"/>
+                <a:ea typeface="+mn-ea"/>
+                <a:cs typeface="+mn-cs"/>
+              </a:defRPr>
+            </a:lvl3pPr>
+            <a:lvl4pPr marL="1600200" indent="-228600" algn="l" defTabSz="914400" rtl="0" eaLnBrk="1" latinLnBrk="1" hangingPunct="1">
+              <a:lnSpc>
+                <a:spcPct val="90000"/>
+              </a:lnSpc>
+              <a:spcBef>
+                <a:spcPts val="500"/>
+              </a:spcBef>
+              <a:buFont typeface="Arial" panose="020B0604020202020204" pitchFamily="34" charset="0"/>
+              <a:buChar char="•"/>
+              <a:defRPr sz="1800" kern="1200">
+                <a:solidFill>
+                  <a:schemeClr val="tx1"/>
+                </a:solidFill>
+                <a:latin typeface="+mn-lt"/>
+                <a:ea typeface="+mn-ea"/>
+                <a:cs typeface="+mn-cs"/>
+              </a:defRPr>
+            </a:lvl4pPr>
+            <a:lvl5pPr marL="2057400" indent="-228600" algn="l" defTabSz="914400" rtl="0" eaLnBrk="1" latinLnBrk="1" hangingPunct="1">
+              <a:lnSpc>
+                <a:spcPct val="90000"/>
+              </a:lnSpc>
+              <a:spcBef>
+                <a:spcPts val="500"/>
+              </a:spcBef>
+              <a:buFont typeface="Arial" panose="020B0604020202020204" pitchFamily="34" charset="0"/>
+              <a:buChar char="•"/>
+              <a:defRPr sz="1800" kern="1200">
+                <a:solidFill>
+                  <a:schemeClr val="tx1"/>
+                </a:solidFill>
+                <a:latin typeface="+mn-lt"/>
+                <a:ea typeface="+mn-ea"/>
+                <a:cs typeface="+mn-cs"/>
+              </a:defRPr>
+            </a:lvl5pPr>
+            <a:lvl6pPr marL="2514600" indent="-228600" algn="l" defTabSz="914400" rtl="0" eaLnBrk="1" latinLnBrk="1" hangingPunct="1">
+              <a:lnSpc>
+                <a:spcPct val="90000"/>
+              </a:lnSpc>
+              <a:spcBef>
+                <a:spcPts val="500"/>
+              </a:spcBef>
+              <a:buFont typeface="Arial" panose="020B0604020202020204" pitchFamily="34" charset="0"/>
+              <a:buChar char="•"/>
+              <a:defRPr sz="1800" kern="1200">
+                <a:solidFill>
+                  <a:schemeClr val="tx1"/>
+                </a:solidFill>
+                <a:latin typeface="+mn-lt"/>
+                <a:ea typeface="+mn-ea"/>
+                <a:cs typeface="+mn-cs"/>
+              </a:defRPr>
+            </a:lvl6pPr>
+            <a:lvl7pPr marL="2971800" indent="-228600" algn="l" defTabSz="914400" rtl="0" eaLnBrk="1" latinLnBrk="1" hangingPunct="1">
+              <a:lnSpc>
+                <a:spcPct val="90000"/>
+              </a:lnSpc>
+              <a:spcBef>
+                <a:spcPts val="500"/>
+              </a:spcBef>
+              <a:buFont typeface="Arial" panose="020B0604020202020204" pitchFamily="34" charset="0"/>
+              <a:buChar char="•"/>
+              <a:defRPr sz="1800" kern="1200">
+                <a:solidFill>
+                  <a:schemeClr val="tx1"/>
+                </a:solidFill>
+                <a:latin typeface="+mn-lt"/>
+                <a:ea typeface="+mn-ea"/>
+                <a:cs typeface="+mn-cs"/>
+              </a:defRPr>
+            </a:lvl7pPr>
+            <a:lvl8pPr marL="3429000" indent="-228600" algn="l" defTabSz="914400" rtl="0" eaLnBrk="1" latinLnBrk="1" hangingPunct="1">
+              <a:lnSpc>
+                <a:spcPct val="90000"/>
+              </a:lnSpc>
+              <a:spcBef>
+                <a:spcPts val="500"/>
+              </a:spcBef>
+              <a:buFont typeface="Arial" panose="020B0604020202020204" pitchFamily="34" charset="0"/>
+              <a:buChar char="•"/>
+              <a:defRPr sz="1800" kern="1200">
+                <a:solidFill>
+                  <a:schemeClr val="tx1"/>
+                </a:solidFill>
+                <a:latin typeface="+mn-lt"/>
+                <a:ea typeface="+mn-ea"/>
+                <a:cs typeface="+mn-cs"/>
+              </a:defRPr>
+            </a:lvl8pPr>
+            <a:lvl9pPr marL="3886200" indent="-228600" algn="l" defTabSz="914400" rtl="0" eaLnBrk="1" latinLnBrk="1" hangingPunct="1">
+              <a:lnSpc>
+                <a:spcPct val="90000"/>
+              </a:lnSpc>
+              <a:spcBef>
+                <a:spcPts val="500"/>
+              </a:spcBef>
+              <a:buFont typeface="Arial" panose="020B0604020202020204" pitchFamily="34" charset="0"/>
+              <a:buChar char="•"/>
+              <a:defRPr sz="1800" kern="1200">
+                <a:solidFill>
+                  <a:schemeClr val="tx1"/>
+                </a:solidFill>
+                <a:latin typeface="+mn-lt"/>
+                <a:ea typeface="+mn-ea"/>
+                <a:cs typeface="+mn-cs"/>
+              </a:defRPr>
+            </a:lvl9pPr>
+          </a:lstStyle>
+          <a:p>
+            <a:r>
+              <a:rPr lang="en-US" altLang="ko-KR" dirty="0" smtClean="0"/>
+              <a:t>Li et </a:t>
+            </a:r>
+            <a:r>
+              <a:rPr lang="en-US" altLang="ko-KR" dirty="0" smtClean="0"/>
+              <a:t>al</a:t>
+            </a:r>
+          </a:p>
+          <a:p>
+            <a:pPr marL="685800" lvl="2">
+              <a:spcBef>
+                <a:spcPts val="1000"/>
+              </a:spcBef>
+            </a:pPr>
+            <a:r>
+              <a:rPr lang="en-US" altLang="ko-KR" dirty="0" smtClean="0"/>
+              <a:t>Used a heat map to compare similarity of protein-compound association profiles, as extracted from the literature, in combination with hierarchical clustering.</a:t>
+            </a:r>
+            <a:endParaRPr lang="en-US" altLang="ko-KR" dirty="0"/>
+          </a:p>
+        </p:txBody>
+      </p:sp>
+    </p:spTree>
+    <p:extLst>
+      <p:ext uri="{BB962C8B-B14F-4D97-AF65-F5344CB8AC3E}">
+        <p14:creationId xmlns:p14="http://schemas.microsoft.com/office/powerpoint/2010/main" val="861947987"/>
+      </p:ext>
+    </p:extLst>
+  </p:cSld>
+  <p:clrMapOvr>
+    <a:masterClrMapping/>
+  </p:clrMapOvr>
+  <p:timing>
+    <p:tnLst>
+      <p:par>
+        <p:cTn id="1" dur="indefinite" restart="never" nodeType="tmRoot"/>
+      </p:par>
+    </p:tnLst>
+  </p:timing>
+</p:sld>
+</file>
+
+<file path=ppt/slides/slide2.xml><?xml version="1.0" encoding="utf-8"?>
+<p:sld xmlns:a="http://schemas.openxmlformats.org/drawingml/2006/main" xmlns:r="http://schemas.openxmlformats.org/officeDocument/2006/relationships" xmlns:p="http://schemas.openxmlformats.org/presentationml/2006/main">
+  <p:cSld>
+    <p:spTree>
+      <p:nvGrpSpPr>
+        <p:cNvPr id="1" name=""/>
+        <p:cNvGrpSpPr/>
+        <p:nvPr/>
+      </p:nvGrpSpPr>
+      <p:grpSpPr>
+        <a:xfrm>
+          <a:off x="0" y="0"/>
+          <a:ext cx="0" cy="0"/>
+          <a:chOff x="0" y="0"/>
+          <a:chExt cx="0" cy="0"/>
+        </a:xfrm>
+      </p:grpSpPr>
+      <p:sp>
+        <p:nvSpPr>
+          <p:cNvPr id="2" name="제목 1"/>
+          <p:cNvSpPr>
+            <a:spLocks noGrp="1"/>
+          </p:cNvSpPr>
+          <p:nvPr>
+            <p:ph type="title"/>
+          </p:nvPr>
+        </p:nvSpPr>
+        <p:spPr/>
+        <p:txBody>
+          <a:bodyPr/>
+          <a:lstStyle/>
+          <a:p>
+            <a:r>
+              <a:rPr lang="en-US" altLang="ko-KR" dirty="0" smtClean="0"/>
+              <a:t>TECHNOLOGICAL OVERVIEW</a:t>
+            </a:r>
+            <a:endParaRPr lang="ko-KR" altLang="en-US" dirty="0"/>
+          </a:p>
+        </p:txBody>
+      </p:sp>
+      <p:sp>
+        <p:nvSpPr>
+          <p:cNvPr id="3" name="내용 개체 틀 2"/>
+          <p:cNvSpPr>
+            <a:spLocks noGrp="1"/>
+          </p:cNvSpPr>
+          <p:nvPr>
+            <p:ph idx="1"/>
+          </p:nvPr>
+        </p:nvSpPr>
+        <p:spPr/>
+        <p:txBody>
+          <a:bodyPr/>
+          <a:lstStyle/>
+          <a:p>
+            <a:r>
+              <a:rPr lang="en-US" altLang="ko-KR" dirty="0" smtClean="0"/>
+              <a:t>Literature mining</a:t>
+            </a:r>
+          </a:p>
+          <a:p>
+            <a:r>
+              <a:rPr lang="en-US" altLang="ko-KR" dirty="0" smtClean="0"/>
+              <a:t>Information Extraction (IE)</a:t>
+            </a:r>
+          </a:p>
+          <a:p>
+            <a:r>
+              <a:rPr lang="en-US" altLang="ko-KR" dirty="0" smtClean="0"/>
+              <a:t>Semantic web technologies and ontologies</a:t>
+            </a:r>
+          </a:p>
+          <a:p>
+            <a:r>
+              <a:rPr lang="en-US" altLang="ko-KR" dirty="0" smtClean="0"/>
+              <a:t>Finding inferences through visualization techniques</a:t>
+            </a:r>
+          </a:p>
+          <a:p>
+            <a:pPr marL="0" indent="0">
+              <a:buNone/>
+            </a:pPr>
+            <a:endParaRPr lang="ko-KR" altLang="en-US" dirty="0"/>
+          </a:p>
+        </p:txBody>
+      </p:sp>
+    </p:spTree>
+    <p:extLst>
+      <p:ext uri="{BB962C8B-B14F-4D97-AF65-F5344CB8AC3E}">
+        <p14:creationId xmlns:p14="http://schemas.microsoft.com/office/powerpoint/2010/main" val="935157238"/>
+      </p:ext>
+    </p:extLst>
+  </p:cSld>
+  <p:clrMapOvr>
+    <a:masterClrMapping/>
+  </p:clrMapOvr>
+  <p:timing>
+    <p:tnLst>
+      <p:par>
+        <p:cTn id="1" dur="indefinite" restart="never" nodeType="tmRoot"/>
+      </p:par>
+    </p:tnLst>
+  </p:timing>
+</p:sld>
+</file>
+
+<file path=ppt/slides/slide20.xml><?xml version="1.0" encoding="utf-8"?>
+<p:sld xmlns:a="http://schemas.openxmlformats.org/drawingml/2006/main" xmlns:r="http://schemas.openxmlformats.org/officeDocument/2006/relationships" xmlns:p="http://schemas.openxmlformats.org/presentationml/2006/main">
+  <p:cSld>
+    <p:spTree>
+      <p:nvGrpSpPr>
+        <p:cNvPr id="1" name=""/>
+        <p:cNvGrpSpPr/>
+        <p:nvPr/>
+      </p:nvGrpSpPr>
+      <p:grpSpPr>
+        <a:xfrm>
+          <a:off x="0" y="0"/>
+          <a:ext cx="0" cy="0"/>
+          <a:chOff x="0" y="0"/>
+          <a:chExt cx="0" cy="0"/>
+        </a:xfrm>
+      </p:grpSpPr>
+      <p:sp>
+        <p:nvSpPr>
+          <p:cNvPr id="2" name="제목 1"/>
+          <p:cNvSpPr>
+            <a:spLocks noGrp="1"/>
+          </p:cNvSpPr>
+          <p:nvPr>
+            <p:ph type="title"/>
+          </p:nvPr>
+        </p:nvSpPr>
+        <p:spPr/>
+        <p:txBody>
+          <a:bodyPr/>
+          <a:lstStyle/>
+          <a:p>
+            <a:r>
+              <a:rPr lang="en-US" altLang="ko-KR" dirty="0" smtClean="0"/>
+              <a:t>Drug Repurposing Applications</a:t>
+            </a:r>
+            <a:endParaRPr lang="en-US" altLang="ko-KR" dirty="0"/>
+          </a:p>
+        </p:txBody>
+      </p:sp>
+      <p:sp>
+        <p:nvSpPr>
+          <p:cNvPr id="9" name="내용 개체 틀 2"/>
+          <p:cNvSpPr txBox="1">
+            <a:spLocks/>
+          </p:cNvSpPr>
+          <p:nvPr/>
+        </p:nvSpPr>
+        <p:spPr>
+          <a:xfrm>
+            <a:off x="994955" y="2233749"/>
+            <a:ext cx="10239102" cy="3877900"/>
+          </a:xfrm>
+          <a:prstGeom prst="rect">
+            <a:avLst/>
+          </a:prstGeom>
+        </p:spPr>
+        <p:txBody>
+          <a:bodyPr vert="horz" lIns="91440" tIns="45720" rIns="91440" bIns="45720" rtlCol="0">
+            <a:normAutofit/>
+          </a:bodyPr>
+          <a:lstStyle>
+            <a:lvl1pPr marL="228600" indent="-228600" algn="l" defTabSz="914400" rtl="0" eaLnBrk="1" latinLnBrk="1" hangingPunct="1">
+              <a:lnSpc>
+                <a:spcPct val="90000"/>
+              </a:lnSpc>
+              <a:spcBef>
+                <a:spcPts val="1000"/>
+              </a:spcBef>
+              <a:buFont typeface="Arial" panose="020B0604020202020204" pitchFamily="34" charset="0"/>
+              <a:buChar char="•"/>
+              <a:defRPr sz="2800" kern="1200">
+                <a:solidFill>
+                  <a:schemeClr val="tx1"/>
+                </a:solidFill>
+                <a:latin typeface="+mn-lt"/>
+                <a:ea typeface="+mn-ea"/>
+                <a:cs typeface="+mn-cs"/>
+              </a:defRPr>
+            </a:lvl1pPr>
+            <a:lvl2pPr marL="685800" indent="-228600" algn="l" defTabSz="914400" rtl="0" eaLnBrk="1" latinLnBrk="1" hangingPunct="1">
+              <a:lnSpc>
+                <a:spcPct val="90000"/>
+              </a:lnSpc>
+              <a:spcBef>
+                <a:spcPts val="500"/>
+              </a:spcBef>
+              <a:buFont typeface="Arial" panose="020B0604020202020204" pitchFamily="34" charset="0"/>
+              <a:buChar char="•"/>
+              <a:defRPr sz="2400" kern="1200">
+                <a:solidFill>
+                  <a:schemeClr val="tx1"/>
+                </a:solidFill>
+                <a:latin typeface="+mn-lt"/>
+                <a:ea typeface="+mn-ea"/>
+                <a:cs typeface="+mn-cs"/>
+              </a:defRPr>
+            </a:lvl2pPr>
+            <a:lvl3pPr marL="1143000" indent="-228600" algn="l" defTabSz="914400" rtl="0" eaLnBrk="1" latinLnBrk="1" hangingPunct="1">
+              <a:lnSpc>
+                <a:spcPct val="90000"/>
+              </a:lnSpc>
+              <a:spcBef>
+                <a:spcPts val="500"/>
+              </a:spcBef>
+              <a:buFont typeface="Arial" panose="020B0604020202020204" pitchFamily="34" charset="0"/>
+              <a:buChar char="•"/>
+              <a:defRPr sz="2000" kern="1200">
+                <a:solidFill>
+                  <a:schemeClr val="tx1"/>
+                </a:solidFill>
+                <a:latin typeface="+mn-lt"/>
+                <a:ea typeface="+mn-ea"/>
+                <a:cs typeface="+mn-cs"/>
+              </a:defRPr>
+            </a:lvl3pPr>
+            <a:lvl4pPr marL="1600200" indent="-228600" algn="l" defTabSz="914400" rtl="0" eaLnBrk="1" latinLnBrk="1" hangingPunct="1">
+              <a:lnSpc>
+                <a:spcPct val="90000"/>
+              </a:lnSpc>
+              <a:spcBef>
+                <a:spcPts val="500"/>
+              </a:spcBef>
+              <a:buFont typeface="Arial" panose="020B0604020202020204" pitchFamily="34" charset="0"/>
+              <a:buChar char="•"/>
+              <a:defRPr sz="1800" kern="1200">
+                <a:solidFill>
+                  <a:schemeClr val="tx1"/>
+                </a:solidFill>
+                <a:latin typeface="+mn-lt"/>
+                <a:ea typeface="+mn-ea"/>
+                <a:cs typeface="+mn-cs"/>
+              </a:defRPr>
+            </a:lvl4pPr>
+            <a:lvl5pPr marL="2057400" indent="-228600" algn="l" defTabSz="914400" rtl="0" eaLnBrk="1" latinLnBrk="1" hangingPunct="1">
+              <a:lnSpc>
+                <a:spcPct val="90000"/>
+              </a:lnSpc>
+              <a:spcBef>
+                <a:spcPts val="500"/>
+              </a:spcBef>
+              <a:buFont typeface="Arial" panose="020B0604020202020204" pitchFamily="34" charset="0"/>
+              <a:buChar char="•"/>
+              <a:defRPr sz="1800" kern="1200">
+                <a:solidFill>
+                  <a:schemeClr val="tx1"/>
+                </a:solidFill>
+                <a:latin typeface="+mn-lt"/>
+                <a:ea typeface="+mn-ea"/>
+                <a:cs typeface="+mn-cs"/>
+              </a:defRPr>
+            </a:lvl5pPr>
+            <a:lvl6pPr marL="2514600" indent="-228600" algn="l" defTabSz="914400" rtl="0" eaLnBrk="1" latinLnBrk="1" hangingPunct="1">
+              <a:lnSpc>
+                <a:spcPct val="90000"/>
+              </a:lnSpc>
+              <a:spcBef>
+                <a:spcPts val="500"/>
+              </a:spcBef>
+              <a:buFont typeface="Arial" panose="020B0604020202020204" pitchFamily="34" charset="0"/>
+              <a:buChar char="•"/>
+              <a:defRPr sz="1800" kern="1200">
+                <a:solidFill>
+                  <a:schemeClr val="tx1"/>
+                </a:solidFill>
+                <a:latin typeface="+mn-lt"/>
+                <a:ea typeface="+mn-ea"/>
+                <a:cs typeface="+mn-cs"/>
+              </a:defRPr>
+            </a:lvl6pPr>
+            <a:lvl7pPr marL="2971800" indent="-228600" algn="l" defTabSz="914400" rtl="0" eaLnBrk="1" latinLnBrk="1" hangingPunct="1">
+              <a:lnSpc>
+                <a:spcPct val="90000"/>
+              </a:lnSpc>
+              <a:spcBef>
+                <a:spcPts val="500"/>
+              </a:spcBef>
+              <a:buFont typeface="Arial" panose="020B0604020202020204" pitchFamily="34" charset="0"/>
+              <a:buChar char="•"/>
+              <a:defRPr sz="1800" kern="1200">
+                <a:solidFill>
+                  <a:schemeClr val="tx1"/>
+                </a:solidFill>
+                <a:latin typeface="+mn-lt"/>
+                <a:ea typeface="+mn-ea"/>
+                <a:cs typeface="+mn-cs"/>
+              </a:defRPr>
+            </a:lvl7pPr>
+            <a:lvl8pPr marL="3429000" indent="-228600" algn="l" defTabSz="914400" rtl="0" eaLnBrk="1" latinLnBrk="1" hangingPunct="1">
+              <a:lnSpc>
+                <a:spcPct val="90000"/>
+              </a:lnSpc>
+              <a:spcBef>
+                <a:spcPts val="500"/>
+              </a:spcBef>
+              <a:buFont typeface="Arial" panose="020B0604020202020204" pitchFamily="34" charset="0"/>
+              <a:buChar char="•"/>
+              <a:defRPr sz="1800" kern="1200">
+                <a:solidFill>
+                  <a:schemeClr val="tx1"/>
+                </a:solidFill>
+                <a:latin typeface="+mn-lt"/>
+                <a:ea typeface="+mn-ea"/>
+                <a:cs typeface="+mn-cs"/>
+              </a:defRPr>
+            </a:lvl8pPr>
+            <a:lvl9pPr marL="3886200" indent="-228600" algn="l" defTabSz="914400" rtl="0" eaLnBrk="1" latinLnBrk="1" hangingPunct="1">
+              <a:lnSpc>
+                <a:spcPct val="90000"/>
+              </a:lnSpc>
+              <a:spcBef>
+                <a:spcPts val="500"/>
+              </a:spcBef>
+              <a:buFont typeface="Arial" panose="020B0604020202020204" pitchFamily="34" charset="0"/>
+              <a:buChar char="•"/>
+              <a:defRPr sz="1800" kern="1200">
+                <a:solidFill>
+                  <a:schemeClr val="tx1"/>
+                </a:solidFill>
+                <a:latin typeface="+mn-lt"/>
+                <a:ea typeface="+mn-ea"/>
+                <a:cs typeface="+mn-cs"/>
+              </a:defRPr>
+            </a:lvl9pPr>
+          </a:lstStyle>
+          <a:p>
+            <a:r>
+              <a:rPr lang="en-US" altLang="ko-KR" dirty="0" smtClean="0"/>
+              <a:t>Ariadne Genomics</a:t>
+            </a:r>
+          </a:p>
+          <a:p>
+            <a:pPr lvl="1"/>
+            <a:r>
+              <a:rPr lang="en-US" altLang="ko-KR" dirty="0" smtClean="0"/>
+              <a:t>Published the repurposing of </a:t>
+            </a:r>
+            <a:r>
+              <a:rPr lang="en-US" altLang="ko-KR" dirty="0" err="1" smtClean="0"/>
+              <a:t>Fulvestrant</a:t>
+            </a:r>
+            <a:r>
+              <a:rPr lang="en-US" altLang="ko-KR" dirty="0"/>
+              <a:t> </a:t>
+            </a:r>
+            <a:r>
+              <a:rPr lang="en-US" altLang="ko-KR" dirty="0" smtClean="0"/>
+              <a:t>to </a:t>
+            </a:r>
+            <a:r>
+              <a:rPr lang="en-US" altLang="ko-KR" dirty="0" err="1" smtClean="0"/>
+              <a:t>glioblastoma</a:t>
+            </a:r>
+            <a:r>
+              <a:rPr lang="en-US" altLang="ko-KR" dirty="0" smtClean="0"/>
+              <a:t> using publicly available microarray data.</a:t>
+            </a:r>
+          </a:p>
+          <a:p>
+            <a:pPr lvl="1"/>
+            <a:endParaRPr lang="en-US" altLang="ko-KR" dirty="0" smtClean="0"/>
+          </a:p>
+          <a:p>
+            <a:r>
+              <a:rPr lang="en-US" altLang="ko-KR" dirty="0" err="1" smtClean="0"/>
+              <a:t>GeneGo</a:t>
+            </a:r>
+            <a:endParaRPr lang="en-US" altLang="ko-KR" dirty="0" smtClean="0"/>
+          </a:p>
+          <a:p>
+            <a:pPr lvl="1"/>
+            <a:r>
+              <a:rPr lang="en-US" altLang="ko-KR" dirty="0" smtClean="0"/>
+              <a:t>Combines chemical structural analysis tools with molecular interaction and pathway analysis data to produce a new indications.</a:t>
+            </a:r>
+          </a:p>
+        </p:txBody>
+      </p:sp>
+    </p:spTree>
+    <p:extLst>
+      <p:ext uri="{BB962C8B-B14F-4D97-AF65-F5344CB8AC3E}">
+        <p14:creationId xmlns:p14="http://schemas.microsoft.com/office/powerpoint/2010/main" val="3166162089"/>
+      </p:ext>
+    </p:extLst>
+  </p:cSld>
+  <p:clrMapOvr>
+    <a:masterClrMapping/>
+  </p:clrMapOvr>
+  <p:timing>
+    <p:tnLst>
+      <p:par>
+        <p:cTn id="1" dur="indefinite" restart="never" nodeType="tmRoot"/>
+      </p:par>
+    </p:tnLst>
+  </p:timing>
+</p:sld>
+</file>
+
+<file path=ppt/slides/slide21.xml><?xml version="1.0" encoding="utf-8"?>
+<p:sld xmlns:a="http://schemas.openxmlformats.org/drawingml/2006/main" xmlns:r="http://schemas.openxmlformats.org/officeDocument/2006/relationships" xmlns:p="http://schemas.openxmlformats.org/presentationml/2006/main">
+  <p:cSld>
+    <p:spTree>
+      <p:nvGrpSpPr>
+        <p:cNvPr id="1" name=""/>
+        <p:cNvGrpSpPr/>
+        <p:nvPr/>
+      </p:nvGrpSpPr>
+      <p:grpSpPr>
+        <a:xfrm>
+          <a:off x="0" y="0"/>
+          <a:ext cx="0" cy="0"/>
+          <a:chOff x="0" y="0"/>
+          <a:chExt cx="0" cy="0"/>
+        </a:xfrm>
+      </p:grpSpPr>
+      <p:sp>
+        <p:nvSpPr>
+          <p:cNvPr id="2" name="제목 1"/>
+          <p:cNvSpPr>
+            <a:spLocks noGrp="1"/>
+          </p:cNvSpPr>
+          <p:nvPr>
+            <p:ph type="title"/>
+          </p:nvPr>
+        </p:nvSpPr>
+        <p:spPr/>
+        <p:txBody>
+          <a:bodyPr/>
+          <a:lstStyle/>
+          <a:p>
+            <a:r>
+              <a:rPr lang="en-US" altLang="ko-KR" dirty="0" smtClean="0"/>
+              <a:t>Drug Repurposing Applications</a:t>
+            </a:r>
+            <a:endParaRPr lang="en-US" altLang="ko-KR" dirty="0"/>
+          </a:p>
+        </p:txBody>
+      </p:sp>
+      <p:sp>
+        <p:nvSpPr>
+          <p:cNvPr id="9" name="내용 개체 틀 2"/>
+          <p:cNvSpPr txBox="1">
+            <a:spLocks/>
+          </p:cNvSpPr>
+          <p:nvPr/>
+        </p:nvSpPr>
+        <p:spPr>
+          <a:xfrm>
+            <a:off x="994955" y="2233749"/>
+            <a:ext cx="10239102" cy="3877900"/>
+          </a:xfrm>
+          <a:prstGeom prst="rect">
+            <a:avLst/>
+          </a:prstGeom>
+        </p:spPr>
+        <p:txBody>
+          <a:bodyPr vert="horz" lIns="91440" tIns="45720" rIns="91440" bIns="45720" rtlCol="0">
+            <a:normAutofit lnSpcReduction="10000"/>
+          </a:bodyPr>
+          <a:lstStyle>
+            <a:lvl1pPr marL="228600" indent="-228600" algn="l" defTabSz="914400" rtl="0" eaLnBrk="1" latinLnBrk="1" hangingPunct="1">
+              <a:lnSpc>
+                <a:spcPct val="90000"/>
+              </a:lnSpc>
+              <a:spcBef>
+                <a:spcPts val="1000"/>
+              </a:spcBef>
+              <a:buFont typeface="Arial" panose="020B0604020202020204" pitchFamily="34" charset="0"/>
+              <a:buChar char="•"/>
+              <a:defRPr sz="2800" kern="1200">
+                <a:solidFill>
+                  <a:schemeClr val="tx1"/>
+                </a:solidFill>
+                <a:latin typeface="+mn-lt"/>
+                <a:ea typeface="+mn-ea"/>
+                <a:cs typeface="+mn-cs"/>
+              </a:defRPr>
+            </a:lvl1pPr>
+            <a:lvl2pPr marL="685800" indent="-228600" algn="l" defTabSz="914400" rtl="0" eaLnBrk="1" latinLnBrk="1" hangingPunct="1">
+              <a:lnSpc>
+                <a:spcPct val="90000"/>
+              </a:lnSpc>
+              <a:spcBef>
+                <a:spcPts val="500"/>
+              </a:spcBef>
+              <a:buFont typeface="Arial" panose="020B0604020202020204" pitchFamily="34" charset="0"/>
+              <a:buChar char="•"/>
+              <a:defRPr sz="2400" kern="1200">
+                <a:solidFill>
+                  <a:schemeClr val="tx1"/>
+                </a:solidFill>
+                <a:latin typeface="+mn-lt"/>
+                <a:ea typeface="+mn-ea"/>
+                <a:cs typeface="+mn-cs"/>
+              </a:defRPr>
+            </a:lvl2pPr>
+            <a:lvl3pPr marL="1143000" indent="-228600" algn="l" defTabSz="914400" rtl="0" eaLnBrk="1" latinLnBrk="1" hangingPunct="1">
+              <a:lnSpc>
+                <a:spcPct val="90000"/>
+              </a:lnSpc>
+              <a:spcBef>
+                <a:spcPts val="500"/>
+              </a:spcBef>
+              <a:buFont typeface="Arial" panose="020B0604020202020204" pitchFamily="34" charset="0"/>
+              <a:buChar char="•"/>
+              <a:defRPr sz="2000" kern="1200">
+                <a:solidFill>
+                  <a:schemeClr val="tx1"/>
+                </a:solidFill>
+                <a:latin typeface="+mn-lt"/>
+                <a:ea typeface="+mn-ea"/>
+                <a:cs typeface="+mn-cs"/>
+              </a:defRPr>
+            </a:lvl3pPr>
+            <a:lvl4pPr marL="1600200" indent="-228600" algn="l" defTabSz="914400" rtl="0" eaLnBrk="1" latinLnBrk="1" hangingPunct="1">
+              <a:lnSpc>
+                <a:spcPct val="90000"/>
+              </a:lnSpc>
+              <a:spcBef>
+                <a:spcPts val="500"/>
+              </a:spcBef>
+              <a:buFont typeface="Arial" panose="020B0604020202020204" pitchFamily="34" charset="0"/>
+              <a:buChar char="•"/>
+              <a:defRPr sz="1800" kern="1200">
+                <a:solidFill>
+                  <a:schemeClr val="tx1"/>
+                </a:solidFill>
+                <a:latin typeface="+mn-lt"/>
+                <a:ea typeface="+mn-ea"/>
+                <a:cs typeface="+mn-cs"/>
+              </a:defRPr>
+            </a:lvl4pPr>
+            <a:lvl5pPr marL="2057400" indent="-228600" algn="l" defTabSz="914400" rtl="0" eaLnBrk="1" latinLnBrk="1" hangingPunct="1">
+              <a:lnSpc>
+                <a:spcPct val="90000"/>
+              </a:lnSpc>
+              <a:spcBef>
+                <a:spcPts val="500"/>
+              </a:spcBef>
+              <a:buFont typeface="Arial" panose="020B0604020202020204" pitchFamily="34" charset="0"/>
+              <a:buChar char="•"/>
+              <a:defRPr sz="1800" kern="1200">
+                <a:solidFill>
+                  <a:schemeClr val="tx1"/>
+                </a:solidFill>
+                <a:latin typeface="+mn-lt"/>
+                <a:ea typeface="+mn-ea"/>
+                <a:cs typeface="+mn-cs"/>
+              </a:defRPr>
+            </a:lvl5pPr>
+            <a:lvl6pPr marL="2514600" indent="-228600" algn="l" defTabSz="914400" rtl="0" eaLnBrk="1" latinLnBrk="1" hangingPunct="1">
+              <a:lnSpc>
+                <a:spcPct val="90000"/>
+              </a:lnSpc>
+              <a:spcBef>
+                <a:spcPts val="500"/>
+              </a:spcBef>
+              <a:buFont typeface="Arial" panose="020B0604020202020204" pitchFamily="34" charset="0"/>
+              <a:buChar char="•"/>
+              <a:defRPr sz="1800" kern="1200">
+                <a:solidFill>
+                  <a:schemeClr val="tx1"/>
+                </a:solidFill>
+                <a:latin typeface="+mn-lt"/>
+                <a:ea typeface="+mn-ea"/>
+                <a:cs typeface="+mn-cs"/>
+              </a:defRPr>
+            </a:lvl6pPr>
+            <a:lvl7pPr marL="2971800" indent="-228600" algn="l" defTabSz="914400" rtl="0" eaLnBrk="1" latinLnBrk="1" hangingPunct="1">
+              <a:lnSpc>
+                <a:spcPct val="90000"/>
+              </a:lnSpc>
+              <a:spcBef>
+                <a:spcPts val="500"/>
+              </a:spcBef>
+              <a:buFont typeface="Arial" panose="020B0604020202020204" pitchFamily="34" charset="0"/>
+              <a:buChar char="•"/>
+              <a:defRPr sz="1800" kern="1200">
+                <a:solidFill>
+                  <a:schemeClr val="tx1"/>
+                </a:solidFill>
+                <a:latin typeface="+mn-lt"/>
+                <a:ea typeface="+mn-ea"/>
+                <a:cs typeface="+mn-cs"/>
+              </a:defRPr>
+            </a:lvl7pPr>
+            <a:lvl8pPr marL="3429000" indent="-228600" algn="l" defTabSz="914400" rtl="0" eaLnBrk="1" latinLnBrk="1" hangingPunct="1">
+              <a:lnSpc>
+                <a:spcPct val="90000"/>
+              </a:lnSpc>
+              <a:spcBef>
+                <a:spcPts val="500"/>
+              </a:spcBef>
+              <a:buFont typeface="Arial" panose="020B0604020202020204" pitchFamily="34" charset="0"/>
+              <a:buChar char="•"/>
+              <a:defRPr sz="1800" kern="1200">
+                <a:solidFill>
+                  <a:schemeClr val="tx1"/>
+                </a:solidFill>
+                <a:latin typeface="+mn-lt"/>
+                <a:ea typeface="+mn-ea"/>
+                <a:cs typeface="+mn-cs"/>
+              </a:defRPr>
+            </a:lvl8pPr>
+            <a:lvl9pPr marL="3886200" indent="-228600" algn="l" defTabSz="914400" rtl="0" eaLnBrk="1" latinLnBrk="1" hangingPunct="1">
+              <a:lnSpc>
+                <a:spcPct val="90000"/>
+              </a:lnSpc>
+              <a:spcBef>
+                <a:spcPts val="500"/>
+              </a:spcBef>
+              <a:buFont typeface="Arial" panose="020B0604020202020204" pitchFamily="34" charset="0"/>
+              <a:buChar char="•"/>
+              <a:defRPr sz="1800" kern="1200">
+                <a:solidFill>
+                  <a:schemeClr val="tx1"/>
+                </a:solidFill>
+                <a:latin typeface="+mn-lt"/>
+                <a:ea typeface="+mn-ea"/>
+                <a:cs typeface="+mn-cs"/>
+              </a:defRPr>
+            </a:lvl9pPr>
+          </a:lstStyle>
+          <a:p>
+            <a:r>
+              <a:rPr lang="en-US" altLang="ko-KR" dirty="0" err="1" smtClean="0"/>
+              <a:t>Biovista</a:t>
+            </a:r>
+            <a:endParaRPr lang="en-US" altLang="ko-KR" dirty="0" smtClean="0"/>
+          </a:p>
+          <a:p>
+            <a:pPr lvl="1"/>
+            <a:r>
+              <a:rPr lang="en-US" altLang="ko-KR" dirty="0" smtClean="0"/>
+              <a:t>COSS (Clinical Outcome Search Space) Platform</a:t>
+            </a:r>
+            <a:r>
+              <a:rPr lang="en-US" altLang="ko-KR" dirty="0" smtClean="0"/>
+              <a:t>.</a:t>
+            </a:r>
+          </a:p>
+          <a:p>
+            <a:pPr lvl="1"/>
+            <a:endParaRPr lang="en-US" altLang="ko-KR" dirty="0" smtClean="0"/>
+          </a:p>
+          <a:p>
+            <a:pPr lvl="1"/>
+            <a:r>
+              <a:rPr lang="en-US" altLang="ko-KR" dirty="0" smtClean="0"/>
+              <a:t>COSS is combined IE tools, a DB of relations among biomedical entities and inferential algorithms to arrive at previously unknown relationships between drugs, gene, diseases and adverse drug reactions.</a:t>
+            </a:r>
+          </a:p>
+          <a:p>
+            <a:pPr lvl="1"/>
+            <a:endParaRPr lang="en-US" altLang="ko-KR" dirty="0" smtClean="0"/>
+          </a:p>
+          <a:p>
+            <a:pPr lvl="1"/>
+            <a:r>
+              <a:rPr lang="en-US" altLang="ko-KR" dirty="0" smtClean="0"/>
+              <a:t>Repurposed </a:t>
+            </a:r>
+            <a:r>
+              <a:rPr lang="en-US" altLang="ko-KR" dirty="0" err="1" smtClean="0"/>
+              <a:t>Dimebon</a:t>
+            </a:r>
+            <a:r>
+              <a:rPr lang="en-US" altLang="ko-KR" dirty="0" smtClean="0"/>
+              <a:t>, </a:t>
+            </a:r>
+            <a:r>
+              <a:rPr lang="en-US" altLang="ko-KR" dirty="0" err="1" smtClean="0"/>
+              <a:t>Pirlindol</a:t>
+            </a:r>
+            <a:r>
+              <a:rPr lang="en-US" altLang="ko-KR" dirty="0" smtClean="0"/>
+              <a:t>.</a:t>
+            </a:r>
+          </a:p>
+          <a:p>
+            <a:pPr lvl="1"/>
+            <a:endParaRPr lang="en-US" altLang="ko-KR" dirty="0" smtClean="0"/>
+          </a:p>
+          <a:p>
+            <a:pPr lvl="1"/>
+            <a:r>
+              <a:rPr lang="en-US" altLang="ko-KR" dirty="0" smtClean="0"/>
+              <a:t>Used By The FDA’s Office of Clinical Pharmacology.</a:t>
+            </a:r>
+          </a:p>
+        </p:txBody>
+      </p:sp>
+    </p:spTree>
+    <p:extLst>
+      <p:ext uri="{BB962C8B-B14F-4D97-AF65-F5344CB8AC3E}">
+        <p14:creationId xmlns:p14="http://schemas.microsoft.com/office/powerpoint/2010/main" val="1099099416"/>
+      </p:ext>
+    </p:extLst>
+  </p:cSld>
+  <p:clrMapOvr>
+    <a:masterClrMapping/>
+  </p:clrMapOvr>
+  <p:timing>
+    <p:tnLst>
+      <p:par>
+        <p:cTn id="1" dur="indefinite" restart="never" nodeType="tmRoot"/>
+      </p:par>
+    </p:tnLst>
+  </p:timing>
+</p:sld>
+</file>
+
+<file path=ppt/slides/slide22.xml><?xml version="1.0" encoding="utf-8"?>
+<p:sld xmlns:a="http://schemas.openxmlformats.org/drawingml/2006/main" xmlns:r="http://schemas.openxmlformats.org/officeDocument/2006/relationships" xmlns:p="http://schemas.openxmlformats.org/presentationml/2006/main">
+  <p:cSld>
+    <p:spTree>
+      <p:nvGrpSpPr>
+        <p:cNvPr id="1" name=""/>
+        <p:cNvGrpSpPr/>
+        <p:nvPr/>
+      </p:nvGrpSpPr>
+      <p:grpSpPr>
+        <a:xfrm>
+          <a:off x="0" y="0"/>
+          <a:ext cx="0" cy="0"/>
+          <a:chOff x="0" y="0"/>
+          <a:chExt cx="0" cy="0"/>
+        </a:xfrm>
+      </p:grpSpPr>
+      <p:sp>
+        <p:nvSpPr>
+          <p:cNvPr id="2" name="제목 1"/>
+          <p:cNvSpPr>
+            <a:spLocks noGrp="1"/>
+          </p:cNvSpPr>
+          <p:nvPr>
+            <p:ph type="title"/>
+          </p:nvPr>
+        </p:nvSpPr>
+        <p:spPr/>
+        <p:txBody>
+          <a:bodyPr/>
+          <a:lstStyle/>
+          <a:p>
+            <a:r>
+              <a:rPr lang="en-US" altLang="ko-KR" dirty="0" smtClean="0"/>
+              <a:t>CONCLUDING REMARKS</a:t>
+            </a:r>
+            <a:endParaRPr lang="ko-KR" altLang="en-US" dirty="0"/>
+          </a:p>
+        </p:txBody>
+      </p:sp>
+      <p:sp>
+        <p:nvSpPr>
+          <p:cNvPr id="3" name="내용 개체 틀 2"/>
+          <p:cNvSpPr>
+            <a:spLocks noGrp="1"/>
+          </p:cNvSpPr>
+          <p:nvPr>
+            <p:ph idx="1"/>
+          </p:nvPr>
+        </p:nvSpPr>
+        <p:spPr/>
+        <p:txBody>
+          <a:bodyPr/>
+          <a:lstStyle/>
+          <a:p>
+            <a:pPr marL="514350" indent="-514350">
+              <a:buAutoNum type="arabicPeriod"/>
+            </a:pPr>
+            <a:r>
+              <a:rPr lang="en-US" altLang="ko-KR" dirty="0" smtClean="0"/>
+              <a:t>The more one knows about disease and drug, the more ‘educated’ a guess will be concerning selection of the right indication.</a:t>
+            </a:r>
+          </a:p>
+          <a:p>
+            <a:pPr marL="514350" indent="-514350">
+              <a:buAutoNum type="arabicPeriod" startAt="2"/>
+            </a:pPr>
+            <a:r>
+              <a:rPr lang="en-US" altLang="ko-KR" dirty="0" smtClean="0"/>
+              <a:t>Visualization techniques may provide additional guidance to DR exercises.</a:t>
+            </a:r>
+          </a:p>
+          <a:p>
+            <a:pPr marL="514350" indent="-514350">
+              <a:buAutoNum type="arabicPeriod" startAt="2"/>
+            </a:pPr>
+            <a:r>
+              <a:rPr lang="en-US" altLang="ko-KR" dirty="0" smtClean="0"/>
+              <a:t>All hypotheses should always be followed by manual creation by experts.</a:t>
+            </a:r>
+          </a:p>
+          <a:p>
+            <a:pPr marL="514350" indent="-514350">
+              <a:buAutoNum type="arabicPeriod" startAt="2"/>
+            </a:pPr>
+            <a:r>
+              <a:rPr lang="en-US" altLang="ko-KR" dirty="0" smtClean="0"/>
+              <a:t>The potential of a drug to generate an adverse reaction should not be assumed non-existent.</a:t>
+            </a:r>
+          </a:p>
+        </p:txBody>
+      </p:sp>
+    </p:spTree>
+    <p:extLst>
+      <p:ext uri="{BB962C8B-B14F-4D97-AF65-F5344CB8AC3E}">
+        <p14:creationId xmlns:p14="http://schemas.microsoft.com/office/powerpoint/2010/main" val="2723385735"/>
+      </p:ext>
+    </p:extLst>
+  </p:cSld>
+  <p:clrMapOvr>
+    <a:masterClrMapping/>
+  </p:clrMapOvr>
+  <p:timing>
+    <p:tnLst>
+      <p:par>
+        <p:cTn id="1" dur="indefinite" restart="never" nodeType="tmRoot"/>
+      </p:par>
+    </p:tnLst>
+  </p:timing>
+</p:sld>
+</file>
+
+<file path=ppt/slides/slide23.xml><?xml version="1.0" encoding="utf-8"?>
 <p:sld xmlns:a="http://schemas.openxmlformats.org/drawingml/2006/main" xmlns:r="http://schemas.openxmlformats.org/officeDocument/2006/relationships" xmlns:p="http://schemas.openxmlformats.org/presentationml/2006/main">
   <p:cSld>
     <p:spTree>
@@ -6951,229 +11829,6 @@
 </p:sld>
 </file>
 
-<file path=ppt/slides/slide13.xml><?xml version="1.0" encoding="utf-8"?>
-<p:sld xmlns:a="http://schemas.openxmlformats.org/drawingml/2006/main" xmlns:r="http://schemas.openxmlformats.org/officeDocument/2006/relationships" xmlns:p="http://schemas.openxmlformats.org/presentationml/2006/main">
-  <p:cSld>
-    <p:spTree>
-      <p:nvGrpSpPr>
-        <p:cNvPr id="1" name=""/>
-        <p:cNvGrpSpPr/>
-        <p:nvPr/>
-      </p:nvGrpSpPr>
-      <p:grpSpPr>
-        <a:xfrm>
-          <a:off x="0" y="0"/>
-          <a:ext cx="0" cy="0"/>
-          <a:chOff x="0" y="0"/>
-          <a:chExt cx="0" cy="0"/>
-        </a:xfrm>
-      </p:grpSpPr>
-      <p:sp>
-        <p:nvSpPr>
-          <p:cNvPr id="2" name="제목 1"/>
-          <p:cNvSpPr>
-            <a:spLocks noGrp="1"/>
-          </p:cNvSpPr>
-          <p:nvPr>
-            <p:ph type="title"/>
-          </p:nvPr>
-        </p:nvSpPr>
-        <p:spPr/>
-        <p:txBody>
-          <a:bodyPr/>
-          <a:lstStyle/>
-          <a:p>
-            <a:r>
-              <a:rPr lang="en-US" altLang="ko-KR" dirty="0" smtClean="0"/>
-              <a:t>CONCLUDING REMARKS</a:t>
-            </a:r>
-            <a:endParaRPr lang="ko-KR" altLang="en-US" dirty="0"/>
-          </a:p>
-        </p:txBody>
-      </p:sp>
-      <p:sp>
-        <p:nvSpPr>
-          <p:cNvPr id="3" name="내용 개체 틀 2"/>
-          <p:cNvSpPr>
-            <a:spLocks noGrp="1"/>
-          </p:cNvSpPr>
-          <p:nvPr>
-            <p:ph idx="1"/>
-          </p:nvPr>
-        </p:nvSpPr>
-        <p:spPr/>
-        <p:txBody>
-          <a:bodyPr/>
-          <a:lstStyle/>
-          <a:p>
-            <a:pPr marL="514350" indent="-514350">
-              <a:buAutoNum type="arabicPeriod"/>
-            </a:pPr>
-            <a:r>
-              <a:rPr lang="en-US" altLang="ko-KR" dirty="0" smtClean="0"/>
-              <a:t>The more one knows about disease and drug, </a:t>
-            </a:r>
-            <a:r>
-              <a:rPr lang="en-US" altLang="ko-KR" dirty="0" smtClean="0"/>
-              <a:t>the more ‘educated’ a guess will be concerning selection of the right indication.</a:t>
-            </a:r>
-          </a:p>
-          <a:p>
-            <a:pPr marL="514350" indent="-514350">
-              <a:buAutoNum type="arabicPeriod" startAt="2"/>
-            </a:pPr>
-            <a:r>
-              <a:rPr lang="en-US" altLang="ko-KR" dirty="0" smtClean="0"/>
-              <a:t>Visualization techniques may provide additional guidance to DR exercises.</a:t>
-            </a:r>
-          </a:p>
-          <a:p>
-            <a:pPr marL="514350" indent="-514350">
-              <a:buAutoNum type="arabicPeriod" startAt="2"/>
-            </a:pPr>
-            <a:r>
-              <a:rPr lang="en-US" altLang="ko-KR" dirty="0" smtClean="0"/>
-              <a:t>All hypotheses should always be followed by manual creation by experts.</a:t>
-            </a:r>
-            <a:endParaRPr lang="en-US" altLang="ko-KR" dirty="0" smtClean="0"/>
-          </a:p>
-          <a:p>
-            <a:pPr marL="514350" indent="-514350">
-              <a:buAutoNum type="arabicPeriod" startAt="2"/>
-            </a:pPr>
-            <a:r>
-              <a:rPr lang="en-US" altLang="ko-KR" dirty="0" smtClean="0"/>
-              <a:t>The potential of a drug to generate an adverse reaction should not be assumed non-existent.</a:t>
-            </a:r>
-          </a:p>
-        </p:txBody>
-      </p:sp>
-    </p:spTree>
-    <p:extLst>
-      <p:ext uri="{BB962C8B-B14F-4D97-AF65-F5344CB8AC3E}">
-        <p14:creationId xmlns:p14="http://schemas.microsoft.com/office/powerpoint/2010/main" val="2723385735"/>
-      </p:ext>
-    </p:extLst>
-  </p:cSld>
-  <p:clrMapOvr>
-    <a:masterClrMapping/>
-  </p:clrMapOvr>
-  <p:timing>
-    <p:tnLst>
-      <p:par>
-        <p:cTn id="1" dur="indefinite" restart="never" nodeType="tmRoot"/>
-      </p:par>
-    </p:tnLst>
-  </p:timing>
-</p:sld>
-</file>
-
-<file path=ppt/slides/slide2.xml><?xml version="1.0" encoding="utf-8"?>
-<p:sld xmlns:a="http://schemas.openxmlformats.org/drawingml/2006/main" xmlns:r="http://schemas.openxmlformats.org/officeDocument/2006/relationships" xmlns:p="http://schemas.openxmlformats.org/presentationml/2006/main">
-  <p:cSld>
-    <p:spTree>
-      <p:nvGrpSpPr>
-        <p:cNvPr id="1" name=""/>
-        <p:cNvGrpSpPr/>
-        <p:nvPr/>
-      </p:nvGrpSpPr>
-      <p:grpSpPr>
-        <a:xfrm>
-          <a:off x="0" y="0"/>
-          <a:ext cx="0" cy="0"/>
-          <a:chOff x="0" y="0"/>
-          <a:chExt cx="0" cy="0"/>
-        </a:xfrm>
-      </p:grpSpPr>
-      <p:sp>
-        <p:nvSpPr>
-          <p:cNvPr id="2" name="제목 1"/>
-          <p:cNvSpPr>
-            <a:spLocks noGrp="1"/>
-          </p:cNvSpPr>
-          <p:nvPr>
-            <p:ph type="title"/>
-          </p:nvPr>
-        </p:nvSpPr>
-        <p:spPr/>
-        <p:txBody>
-          <a:bodyPr/>
-          <a:lstStyle/>
-          <a:p>
-            <a:r>
-              <a:rPr lang="en-US" altLang="ko-KR" dirty="0" smtClean="0"/>
-              <a:t>TECHNOLOGICAL OVERVIEW</a:t>
-            </a:r>
-            <a:endParaRPr lang="ko-KR" altLang="en-US" dirty="0"/>
-          </a:p>
-        </p:txBody>
-      </p:sp>
-      <p:sp>
-        <p:nvSpPr>
-          <p:cNvPr id="3" name="내용 개체 틀 2"/>
-          <p:cNvSpPr>
-            <a:spLocks noGrp="1"/>
-          </p:cNvSpPr>
-          <p:nvPr>
-            <p:ph idx="1"/>
-          </p:nvPr>
-        </p:nvSpPr>
-        <p:spPr/>
-        <p:txBody>
-          <a:bodyPr/>
-          <a:lstStyle/>
-          <a:p>
-            <a:r>
-              <a:rPr lang="en-US" altLang="ko-KR" dirty="0" smtClean="0"/>
-              <a:t>Literature mining</a:t>
-            </a:r>
-          </a:p>
-          <a:p>
-            <a:r>
-              <a:rPr lang="en-US" altLang="ko-KR" dirty="0" smtClean="0"/>
-              <a:t>Information Extraction (IE)</a:t>
-            </a:r>
-          </a:p>
-          <a:p>
-            <a:r>
-              <a:rPr lang="en-US" altLang="ko-KR" dirty="0" smtClean="0"/>
-              <a:t>Semantic web technologies and ontologies</a:t>
-            </a:r>
-          </a:p>
-          <a:p>
-            <a:r>
-              <a:rPr lang="en-US" altLang="ko-KR" dirty="0" smtClean="0"/>
-              <a:t>Finding inferences through visualization techniques</a:t>
-            </a:r>
-          </a:p>
-          <a:p>
-            <a:pPr marL="0" indent="0">
-              <a:buNone/>
-            </a:pPr>
-            <a:endParaRPr lang="ko-KR" altLang="en-US" dirty="0"/>
-          </a:p>
-        </p:txBody>
-      </p:sp>
-    </p:spTree>
-    <p:extLst>
-      <p:ext uri="{BB962C8B-B14F-4D97-AF65-F5344CB8AC3E}">
-        <p14:creationId xmlns:p14="http://schemas.microsoft.com/office/powerpoint/2010/main" val="935157238"/>
-      </p:ext>
-    </p:extLst>
-  </p:cSld>
-  <p:clrMapOvr>
-    <a:masterClrMapping/>
-  </p:clrMapOvr>
-  <p:timing>
-    <p:tnLst>
-      <p:par>
-        <p:cTn id="1" dur="indefinite" restart="never" nodeType="tmRoot"/>
-      </p:par>
-    </p:tnLst>
-  </p:timing>
-</p:sld>
-</file>
-
 <file path=ppt/slides/slide3.xml><?xml version="1.0" encoding="utf-8"?>
 <p:sld xmlns:a="http://schemas.openxmlformats.org/drawingml/2006/main" xmlns:r="http://schemas.openxmlformats.org/officeDocument/2006/relationships" xmlns:p="http://schemas.openxmlformats.org/presentationml/2006/main">
   <p:cSld>
@@ -8815,31 +13470,65 @@
           <a:p>
             <a:r>
               <a:rPr lang="en-US" altLang="ko-KR" dirty="0"/>
-              <a:t>Semantic web technologies and ontologies</a:t>
-            </a:r>
-          </a:p>
-        </p:txBody>
-      </p:sp>
-      <p:sp>
-        <p:nvSpPr>
-          <p:cNvPr id="9" name="내용 개체 틀 2"/>
-          <p:cNvSpPr txBox="1">
-            <a:spLocks/>
-          </p:cNvSpPr>
+              <a:t>Literature </a:t>
+            </a:r>
+            <a:r>
+              <a:rPr lang="en-US" altLang="ko-KR" dirty="0" smtClean="0"/>
+              <a:t>Mining</a:t>
+            </a:r>
+            <a:endParaRPr lang="en-US" altLang="ko-KR" dirty="0"/>
+          </a:p>
+        </p:txBody>
+      </p:sp>
+      <p:sp>
+        <p:nvSpPr>
+          <p:cNvPr id="6" name="직사각형 5"/>
+          <p:cNvSpPr/>
           <p:nvPr/>
         </p:nvSpPr>
         <p:spPr>
           <a:xfrm>
-            <a:off x="994955" y="1972492"/>
-            <a:ext cx="10239102" cy="4139158"/>
+            <a:off x="838200" y="1412103"/>
+            <a:ext cx="10269682" cy="584775"/>
           </a:xfrm>
           <a:prstGeom prst="rect">
             <a:avLst/>
           </a:prstGeom>
         </p:spPr>
         <p:txBody>
+          <a:bodyPr wrap="square">
+            <a:spAutoFit/>
+          </a:bodyPr>
+          <a:lstStyle/>
+          <a:p>
+            <a:r>
+              <a:rPr lang="en-US" altLang="ko-KR" sz="3200" dirty="0" smtClean="0"/>
+              <a:t>Information Extraction : Co-occurrence, NLP</a:t>
+            </a:r>
+            <a:endParaRPr lang="ko-KR" altLang="en-US" sz="3200" dirty="0"/>
+          </a:p>
+        </p:txBody>
+      </p:sp>
+      <p:sp>
+        <p:nvSpPr>
+          <p:cNvPr id="5" name="내용 개체 틀 2"/>
+          <p:cNvSpPr txBox="1">
+            <a:spLocks/>
+          </p:cNvSpPr>
+          <p:nvPr/>
+        </p:nvSpPr>
+        <p:spPr>
+          <a:xfrm>
+            <a:off x="994955" y="2233749"/>
+            <a:ext cx="10239102" cy="3877900"/>
+          </a:xfrm>
+          <a:prstGeom prst="rect">
+            <a:avLst/>
+          </a:prstGeom>
+        </p:spPr>
+        <p:txBody>
           <a:bodyPr vert="horz" lIns="91440" tIns="45720" rIns="91440" bIns="45720" rtlCol="0">
-            <a:normAutofit lnSpcReduction="10000"/>
+            <a:normAutofit/>
           </a:bodyPr>
           <a:lstStyle>
             <a:lvl1pPr marL="228600" indent="-228600" algn="l" defTabSz="914400" rtl="0" eaLnBrk="1" latinLnBrk="1" hangingPunct="1">
@@ -9006,606 +13695,82 @@
             </a:lvl9pPr>
           </a:lstStyle>
           <a:p>
-            <a:endParaRPr lang="en-US" altLang="ko-KR" dirty="0"/>
-          </a:p>
-          <a:p>
-            <a:pPr marL="0" indent="0">
-              <a:buNone/>
-            </a:pPr>
-            <a:r>
-              <a:rPr lang="en-US" altLang="ko-KR" dirty="0" smtClean="0"/>
-              <a:t>Semantic web technologies, like OWL, RDF, are used as a means for formal description of concepts and relationships.</a:t>
-            </a:r>
-          </a:p>
-          <a:p>
-            <a:pPr marL="0" indent="0">
-              <a:buNone/>
-            </a:pPr>
-            <a:endParaRPr lang="en-US" altLang="ko-KR" dirty="0"/>
-          </a:p>
-          <a:p>
-            <a:pPr marL="0" indent="0">
-              <a:buNone/>
-            </a:pPr>
-            <a:r>
-              <a:rPr lang="en-US" altLang="ko-KR" dirty="0" smtClean="0"/>
-              <a:t>OWL : Ontology Web Language</a:t>
-            </a:r>
-          </a:p>
-          <a:p>
-            <a:pPr marL="0" indent="0">
-              <a:buNone/>
-            </a:pPr>
-            <a:r>
-              <a:rPr lang="en-US" altLang="ko-KR" dirty="0" smtClean="0"/>
-              <a:t>	</a:t>
-            </a:r>
-          </a:p>
-          <a:p>
-            <a:pPr marL="0" indent="0">
-              <a:buNone/>
-            </a:pPr>
+            <a:r>
+              <a:rPr lang="en-US" altLang="ko-KR" dirty="0" err="1" smtClean="0"/>
+              <a:t>Smalheiser</a:t>
+            </a:r>
+            <a:r>
+              <a:rPr lang="en-US" altLang="ko-KR" dirty="0" smtClean="0"/>
+              <a:t> and Swanson </a:t>
+            </a:r>
+            <a:r>
+              <a:rPr lang="en-US" altLang="ko-KR" dirty="0"/>
+              <a:t>et al</a:t>
+            </a:r>
             <a:endParaRPr lang="en-US" altLang="ko-KR" dirty="0" smtClean="0"/>
           </a:p>
           <a:p>
-            <a:pPr marL="0" indent="0">
-              <a:buNone/>
-            </a:pPr>
-            <a:r>
-              <a:rPr lang="en-US" altLang="ko-KR" dirty="0" smtClean="0"/>
-              <a:t>RDF : Resource Description Framework</a:t>
-            </a:r>
-          </a:p>
-          <a:p>
-            <a:pPr marL="0" indent="0">
-              <a:buNone/>
-            </a:pPr>
+            <a:pPr lvl="1"/>
+            <a:r>
+              <a:rPr lang="en-US" altLang="ko-KR" dirty="0" smtClean="0"/>
+              <a:t>The creation of </a:t>
+            </a:r>
+            <a:r>
+              <a:rPr lang="en-US" altLang="ko-KR" dirty="0" err="1" smtClean="0"/>
+              <a:t>Arrowsmith</a:t>
+            </a:r>
+            <a:r>
+              <a:rPr lang="en-US" altLang="ko-KR" dirty="0" smtClean="0"/>
+              <a:t>, which builds on the closed discovery mode of the original ABC model.</a:t>
+            </a:r>
+          </a:p>
+          <a:p>
+            <a:r>
+              <a:rPr lang="en-US" altLang="ko-KR" dirty="0" smtClean="0"/>
+              <a:t>Gordon </a:t>
+            </a:r>
             <a:r>
               <a:rPr lang="en-US" altLang="ko-KR" dirty="0"/>
-              <a:t>	</a:t>
-            </a:r>
-            <a:r>
-              <a:rPr lang="en-US" altLang="ko-KR" sz="1800" dirty="0" smtClean="0"/>
-              <a:t>&lt;Subject, Predicate, Object&gt;</a:t>
-            </a:r>
-          </a:p>
-        </p:txBody>
-      </p:sp>
-      <p:sp>
-        <p:nvSpPr>
-          <p:cNvPr id="3" name="Rectangle 1"/>
-          <p:cNvSpPr>
-            <a:spLocks noChangeArrowheads="1"/>
-          </p:cNvSpPr>
-          <p:nvPr/>
-        </p:nvSpPr>
-        <p:spPr bwMode="auto">
-          <a:xfrm>
-            <a:off x="1166107" y="4251160"/>
-            <a:ext cx="9859785" cy="738664"/>
-          </a:xfrm>
-          <a:prstGeom prst="rect">
-            <a:avLst/>
-          </a:prstGeom>
-          <a:solidFill>
-            <a:srgbClr val="F9F9F9"/>
-          </a:solidFill>
-          <a:ln>
-            <a:noFill/>
-          </a:ln>
-          <a:effectLst/>
-          <a:extLst>
-            <a:ext uri="{91240B29-F687-4F45-9708-019B960494DF}">
-              <a14:hiddenLine xmlns:a14="http://schemas.microsoft.com/office/drawing/2010/main" w="9525">
-                <a:solidFill>
-                  <a:schemeClr val="tx1"/>
-                </a:solidFill>
-                <a:miter lim="800000"/>
-                <a:headEnd/>
-                <a:tailEnd/>
-              </a14:hiddenLine>
-            </a:ext>
-            <a:ext uri="{AF507438-7753-43E0-B8FC-AC1667EBCBE1}">
-              <a14:hiddenEffects xmlns:a14="http://schemas.microsoft.com/office/drawing/2010/main">
-                <a:effectLst>
-                  <a:outerShdw dist="35921" dir="2700000" algn="ctr" rotWithShape="0">
-                    <a:schemeClr val="bg2"/>
-                  </a:outerShdw>
-                </a:effectLst>
-              </a14:hiddenEffects>
-            </a:ext>
-          </a:extLst>
-        </p:spPr>
-        <p:txBody>
-          <a:bodyPr vert="horz" wrap="square" lIns="91440" tIns="45720" rIns="91440" bIns="45720" numCol="1" anchor="ctr" anchorCtr="0" compatLnSpc="1">
-            <a:prstTxWarp prst="textNoShape">
-              <a:avLst/>
-            </a:prstTxWarp>
-            <a:spAutoFit/>
-          </a:bodyPr>
-          <a:lstStyle/>
-          <a:p>
-            <a:pPr marL="0" marR="0" lvl="0" indent="0" algn="l" defTabSz="914400" rtl="0" eaLnBrk="0" fontAlgn="base" latinLnBrk="0" hangingPunct="0">
-              <a:lnSpc>
-                <a:spcPct val="100000"/>
-              </a:lnSpc>
-              <a:spcBef>
-                <a:spcPct val="0"/>
-              </a:spcBef>
-              <a:spcAft>
-                <a:spcPct val="0"/>
-              </a:spcAft>
-              <a:buClrTx/>
-              <a:buSzTx/>
-              <a:buFontTx/>
-              <a:buNone/>
-              <a:tabLst/>
-            </a:pPr>
-            <a:r>
-              <a:rPr kumimoji="0" lang="ko-KR" altLang="ko-KR" sz="1400" b="1" i="0" u="none" strike="noStrike" cap="none" normalizeH="0" baseline="0" dirty="0" smtClean="0">
-                <a:ln>
-                  <a:noFill/>
-                </a:ln>
-                <a:solidFill>
-                  <a:srgbClr val="008000"/>
-                </a:solidFill>
-                <a:effectLst/>
-                <a:latin typeface="Arial Unicode MS" panose="020B0604020202020204" pitchFamily="50" charset="-127"/>
-                <a:ea typeface="Courier New" panose="02070309020205020404" pitchFamily="49" charset="0"/>
-              </a:rPr>
-              <a:t>&lt;Ontology</a:t>
-            </a:r>
-            <a:r>
-              <a:rPr kumimoji="0" lang="ko-KR" altLang="ko-KR" sz="1400" b="0" i="0" u="none" strike="noStrike" cap="none" normalizeH="0" baseline="0" dirty="0" smtClean="0">
-                <a:ln>
-                  <a:noFill/>
-                </a:ln>
-                <a:solidFill>
-                  <a:srgbClr val="000000"/>
-                </a:solidFill>
-                <a:effectLst/>
-                <a:latin typeface="Arial Unicode MS" panose="020B0604020202020204" pitchFamily="50" charset="-127"/>
-                <a:ea typeface="Courier New" panose="02070309020205020404" pitchFamily="49" charset="0"/>
-              </a:rPr>
+              <a:t>and Lindsay et al</a:t>
+            </a:r>
+            <a:endParaRPr lang="en-US" altLang="ko-KR" dirty="0" smtClean="0"/>
+          </a:p>
+          <a:p>
+            <a:pPr lvl="1"/>
+            <a:r>
+              <a:rPr lang="en-US" altLang="ko-KR" dirty="0" smtClean="0"/>
+              <a:t>Used the open discovery mode and lexical statistics over titles and abstracts.</a:t>
+            </a:r>
+          </a:p>
+          <a:p>
+            <a:r>
+              <a:rPr lang="en-US" altLang="ko-KR" dirty="0" err="1" smtClean="0"/>
+              <a:t>Weeber</a:t>
+            </a:r>
+            <a:r>
+              <a:rPr lang="en-US" altLang="ko-KR" dirty="0" smtClean="0"/>
               <a:t> </a:t>
             </a:r>
             <a:r>
-              <a:rPr kumimoji="0" lang="ko-KR" altLang="ko-KR" sz="1400" b="0" i="0" u="none" strike="noStrike" cap="none" normalizeH="0" baseline="0" dirty="0" smtClean="0">
-                <a:ln>
-                  <a:noFill/>
-                </a:ln>
-                <a:solidFill>
-                  <a:srgbClr val="7D9029"/>
-                </a:solidFill>
-                <a:effectLst/>
-                <a:latin typeface="Arial Unicode MS" panose="020B0604020202020204" pitchFamily="50" charset="-127"/>
-                <a:ea typeface="Courier New" panose="02070309020205020404" pitchFamily="49" charset="0"/>
-              </a:rPr>
-              <a:t>ontologyIRI=</a:t>
-            </a:r>
-            <a:r>
-              <a:rPr kumimoji="0" lang="ko-KR" altLang="ko-KR" sz="1400" b="0" i="0" u="none" strike="noStrike" cap="none" normalizeH="0" baseline="0" dirty="0" smtClean="0">
-                <a:ln>
-                  <a:noFill/>
-                </a:ln>
-                <a:solidFill>
-                  <a:srgbClr val="BA2121"/>
-                </a:solidFill>
-                <a:effectLst/>
-                <a:latin typeface="Arial Unicode MS" panose="020B0604020202020204" pitchFamily="50" charset="-127"/>
-                <a:ea typeface="Courier New" panose="02070309020205020404" pitchFamily="49" charset="0"/>
-              </a:rPr>
-              <a:t>"http://example.com/tea.owl"</a:t>
-            </a:r>
-            <a:r>
-              <a:rPr kumimoji="0" lang="ko-KR" altLang="ko-KR" sz="1400" b="0" i="0" u="none" strike="noStrike" cap="none" normalizeH="0" baseline="0" dirty="0" smtClean="0">
-                <a:ln>
-                  <a:noFill/>
-                </a:ln>
-                <a:solidFill>
-                  <a:srgbClr val="000000"/>
-                </a:solidFill>
-                <a:effectLst/>
-                <a:latin typeface="Arial Unicode MS" panose="020B0604020202020204" pitchFamily="50" charset="-127"/>
-                <a:ea typeface="Courier New" panose="02070309020205020404" pitchFamily="49" charset="0"/>
-              </a:rPr>
-              <a:t> ...</a:t>
-            </a:r>
-            <a:r>
-              <a:rPr kumimoji="0" lang="ko-KR" altLang="ko-KR" sz="1400" b="1" i="0" u="none" strike="noStrike" cap="none" normalizeH="0" baseline="0" dirty="0" smtClean="0">
-                <a:ln>
-                  <a:noFill/>
-                </a:ln>
-                <a:solidFill>
-                  <a:srgbClr val="008000"/>
-                </a:solidFill>
-                <a:effectLst/>
-                <a:latin typeface="Arial Unicode MS" panose="020B0604020202020204" pitchFamily="50" charset="-127"/>
-                <a:ea typeface="Courier New" panose="02070309020205020404" pitchFamily="49" charset="0"/>
-              </a:rPr>
-              <a:t>&gt;</a:t>
-            </a:r>
-            <a:r>
-              <a:rPr kumimoji="0" lang="ko-KR" altLang="ko-KR" sz="1400" b="0" i="0" u="none" strike="noStrike" cap="none" normalizeH="0" baseline="0" dirty="0" smtClean="0">
-                <a:ln>
-                  <a:noFill/>
-                </a:ln>
-                <a:solidFill>
-                  <a:srgbClr val="000000"/>
-                </a:solidFill>
-                <a:effectLst/>
-                <a:latin typeface="Arial Unicode MS" panose="020B0604020202020204" pitchFamily="50" charset="-127"/>
-                <a:ea typeface="Courier New" panose="02070309020205020404" pitchFamily="49" charset="0"/>
-              </a:rPr>
-              <a:t> </a:t>
-            </a:r>
-            <a:endParaRPr kumimoji="0" lang="en-US" altLang="ko-KR" sz="1400" b="0" i="0" u="none" strike="noStrike" cap="none" normalizeH="0" baseline="0" dirty="0" smtClean="0">
-              <a:ln>
-                <a:noFill/>
-              </a:ln>
-              <a:solidFill>
-                <a:srgbClr val="000000"/>
-              </a:solidFill>
-              <a:effectLst/>
-              <a:latin typeface="Arial Unicode MS" panose="020B0604020202020204" pitchFamily="50" charset="-127"/>
-              <a:ea typeface="Courier New" panose="02070309020205020404" pitchFamily="49" charset="0"/>
-            </a:endParaRPr>
-          </a:p>
-          <a:p>
-            <a:pPr marL="0" marR="0" lvl="0" indent="0" algn="l" defTabSz="914400" rtl="0" eaLnBrk="0" fontAlgn="base" latinLnBrk="0" hangingPunct="0">
-              <a:lnSpc>
-                <a:spcPct val="100000"/>
-              </a:lnSpc>
-              <a:spcBef>
-                <a:spcPct val="0"/>
-              </a:spcBef>
-              <a:spcAft>
-                <a:spcPct val="0"/>
-              </a:spcAft>
-              <a:buClrTx/>
-              <a:buSzTx/>
-              <a:buFontTx/>
-              <a:buNone/>
-              <a:tabLst/>
-            </a:pPr>
-            <a:r>
-              <a:rPr kumimoji="0" lang="ko-KR" altLang="ko-KR" sz="1400" b="1" i="0" u="none" strike="noStrike" cap="none" normalizeH="0" baseline="0" dirty="0" smtClean="0">
-                <a:ln>
-                  <a:noFill/>
-                </a:ln>
-                <a:solidFill>
-                  <a:srgbClr val="008000"/>
-                </a:solidFill>
-                <a:effectLst/>
-                <a:latin typeface="Arial Unicode MS" panose="020B0604020202020204" pitchFamily="50" charset="-127"/>
-                <a:ea typeface="Courier New" panose="02070309020205020404" pitchFamily="49" charset="0"/>
-              </a:rPr>
-              <a:t>&lt;Prefix</a:t>
-            </a:r>
-            <a:r>
-              <a:rPr kumimoji="0" lang="ko-KR" altLang="ko-KR" sz="1400" b="0" i="0" u="none" strike="noStrike" cap="none" normalizeH="0" baseline="0" dirty="0" smtClean="0">
-                <a:ln>
-                  <a:noFill/>
-                </a:ln>
-                <a:solidFill>
-                  <a:srgbClr val="000000"/>
-                </a:solidFill>
-                <a:effectLst/>
-                <a:latin typeface="Arial Unicode MS" panose="020B0604020202020204" pitchFamily="50" charset="-127"/>
-                <a:ea typeface="Courier New" panose="02070309020205020404" pitchFamily="49" charset="0"/>
-              </a:rPr>
-              <a:t> </a:t>
-            </a:r>
-            <a:r>
-              <a:rPr kumimoji="0" lang="ko-KR" altLang="ko-KR" sz="1400" b="0" i="0" u="none" strike="noStrike" cap="none" normalizeH="0" baseline="0" dirty="0" smtClean="0">
-                <a:ln>
-                  <a:noFill/>
-                </a:ln>
-                <a:solidFill>
-                  <a:srgbClr val="7D9029"/>
-                </a:solidFill>
-                <a:effectLst/>
-                <a:latin typeface="Arial Unicode MS" panose="020B0604020202020204" pitchFamily="50" charset="-127"/>
-                <a:ea typeface="Courier New" panose="02070309020205020404" pitchFamily="49" charset="0"/>
-              </a:rPr>
-              <a:t>name=</a:t>
-            </a:r>
-            <a:r>
-              <a:rPr kumimoji="0" lang="ko-KR" altLang="ko-KR" sz="1400" b="0" i="0" u="none" strike="noStrike" cap="none" normalizeH="0" baseline="0" dirty="0" smtClean="0">
-                <a:ln>
-                  <a:noFill/>
-                </a:ln>
-                <a:solidFill>
-                  <a:srgbClr val="BA2121"/>
-                </a:solidFill>
-                <a:effectLst/>
-                <a:latin typeface="Arial Unicode MS" panose="020B0604020202020204" pitchFamily="50" charset="-127"/>
-                <a:ea typeface="Courier New" panose="02070309020205020404" pitchFamily="49" charset="0"/>
-              </a:rPr>
-              <a:t>"owl"</a:t>
-            </a:r>
-            <a:r>
-              <a:rPr kumimoji="0" lang="ko-KR" altLang="ko-KR" sz="1400" b="0" i="0" u="none" strike="noStrike" cap="none" normalizeH="0" baseline="0" dirty="0" smtClean="0">
-                <a:ln>
-                  <a:noFill/>
-                </a:ln>
-                <a:solidFill>
-                  <a:srgbClr val="000000"/>
-                </a:solidFill>
-                <a:effectLst/>
-                <a:latin typeface="Arial Unicode MS" panose="020B0604020202020204" pitchFamily="50" charset="-127"/>
-                <a:ea typeface="Courier New" panose="02070309020205020404" pitchFamily="49" charset="0"/>
-              </a:rPr>
-              <a:t> </a:t>
-            </a:r>
-            <a:r>
-              <a:rPr kumimoji="0" lang="ko-KR" altLang="ko-KR" sz="1400" b="0" i="0" u="none" strike="noStrike" cap="none" normalizeH="0" baseline="0" dirty="0" smtClean="0">
-                <a:ln>
-                  <a:noFill/>
-                </a:ln>
-                <a:solidFill>
-                  <a:srgbClr val="7D9029"/>
-                </a:solidFill>
-                <a:effectLst/>
-                <a:latin typeface="Arial Unicode MS" panose="020B0604020202020204" pitchFamily="50" charset="-127"/>
-                <a:ea typeface="Courier New" panose="02070309020205020404" pitchFamily="49" charset="0"/>
-              </a:rPr>
-              <a:t>IRI=</a:t>
-            </a:r>
-            <a:r>
-              <a:rPr kumimoji="0" lang="ko-KR" altLang="ko-KR" sz="1400" b="0" i="0" u="none" strike="noStrike" cap="none" normalizeH="0" baseline="0" dirty="0" smtClean="0">
-                <a:ln>
-                  <a:noFill/>
-                </a:ln>
-                <a:solidFill>
-                  <a:srgbClr val="BA2121"/>
-                </a:solidFill>
-                <a:effectLst/>
-                <a:latin typeface="Arial Unicode MS" panose="020B0604020202020204" pitchFamily="50" charset="-127"/>
-                <a:ea typeface="Courier New" panose="02070309020205020404" pitchFamily="49" charset="0"/>
-              </a:rPr>
-              <a:t>"http://www.w3.org/2002/07/owl#"</a:t>
-            </a:r>
-            <a:r>
-              <a:rPr kumimoji="0" lang="ko-KR" altLang="ko-KR" sz="1400" b="1" i="0" u="none" strike="noStrike" cap="none" normalizeH="0" baseline="0" dirty="0" smtClean="0">
-                <a:ln>
-                  <a:noFill/>
-                </a:ln>
-                <a:solidFill>
-                  <a:srgbClr val="008000"/>
-                </a:solidFill>
-                <a:effectLst/>
-                <a:latin typeface="Arial Unicode MS" panose="020B0604020202020204" pitchFamily="50" charset="-127"/>
-                <a:ea typeface="Courier New" panose="02070309020205020404" pitchFamily="49" charset="0"/>
-              </a:rPr>
-              <a:t>/&gt;</a:t>
-            </a:r>
-            <a:r>
-              <a:rPr kumimoji="0" lang="ko-KR" altLang="ko-KR" sz="1400" b="0" i="0" u="none" strike="noStrike" cap="none" normalizeH="0" baseline="0" dirty="0" smtClean="0">
-                <a:ln>
-                  <a:noFill/>
-                </a:ln>
-                <a:solidFill>
-                  <a:srgbClr val="000000"/>
-                </a:solidFill>
-                <a:effectLst/>
-                <a:latin typeface="Arial Unicode MS" panose="020B0604020202020204" pitchFamily="50" charset="-127"/>
-                <a:ea typeface="Courier New" panose="02070309020205020404" pitchFamily="49" charset="0"/>
-              </a:rPr>
-              <a:t> </a:t>
-            </a:r>
-            <a:r>
-              <a:rPr kumimoji="0" lang="ko-KR" altLang="ko-KR" sz="1400" b="1" i="0" u="none" strike="noStrike" cap="none" normalizeH="0" baseline="0" dirty="0" smtClean="0">
-                <a:ln>
-                  <a:noFill/>
-                </a:ln>
-                <a:solidFill>
-                  <a:srgbClr val="008000"/>
-                </a:solidFill>
-                <a:effectLst/>
-                <a:latin typeface="Arial Unicode MS" panose="020B0604020202020204" pitchFamily="50" charset="-127"/>
-                <a:ea typeface="Courier New" panose="02070309020205020404" pitchFamily="49" charset="0"/>
-              </a:rPr>
-              <a:t>&lt;Declaration&gt;</a:t>
-            </a:r>
-            <a:r>
-              <a:rPr kumimoji="0" lang="ko-KR" altLang="ko-KR" sz="1400" b="0" i="0" u="none" strike="noStrike" cap="none" normalizeH="0" baseline="0" dirty="0" smtClean="0">
-                <a:ln>
-                  <a:noFill/>
-                </a:ln>
-                <a:solidFill>
-                  <a:srgbClr val="000000"/>
-                </a:solidFill>
-                <a:effectLst/>
-                <a:latin typeface="Arial Unicode MS" panose="020B0604020202020204" pitchFamily="50" charset="-127"/>
-                <a:ea typeface="Courier New" panose="02070309020205020404" pitchFamily="49" charset="0"/>
-              </a:rPr>
-              <a:t> </a:t>
-            </a:r>
-            <a:r>
-              <a:rPr kumimoji="0" lang="ko-KR" altLang="ko-KR" sz="1400" b="1" i="0" u="none" strike="noStrike" cap="none" normalizeH="0" baseline="0" dirty="0" smtClean="0">
-                <a:ln>
-                  <a:noFill/>
-                </a:ln>
-                <a:solidFill>
-                  <a:srgbClr val="008000"/>
-                </a:solidFill>
-                <a:effectLst/>
-                <a:latin typeface="Arial Unicode MS" panose="020B0604020202020204" pitchFamily="50" charset="-127"/>
-                <a:ea typeface="Courier New" panose="02070309020205020404" pitchFamily="49" charset="0"/>
-              </a:rPr>
-              <a:t>&lt;Class</a:t>
-            </a:r>
-            <a:r>
-              <a:rPr kumimoji="0" lang="ko-KR" altLang="ko-KR" sz="1400" b="0" i="0" u="none" strike="noStrike" cap="none" normalizeH="0" baseline="0" dirty="0" smtClean="0">
-                <a:ln>
-                  <a:noFill/>
-                </a:ln>
-                <a:solidFill>
-                  <a:srgbClr val="000000"/>
-                </a:solidFill>
-                <a:effectLst/>
-                <a:latin typeface="Arial Unicode MS" panose="020B0604020202020204" pitchFamily="50" charset="-127"/>
-                <a:ea typeface="Courier New" panose="02070309020205020404" pitchFamily="49" charset="0"/>
-              </a:rPr>
-              <a:t> </a:t>
-            </a:r>
-            <a:r>
-              <a:rPr kumimoji="0" lang="ko-KR" altLang="ko-KR" sz="1400" b="0" i="0" u="none" strike="noStrike" cap="none" normalizeH="0" baseline="0" dirty="0" smtClean="0">
-                <a:ln>
-                  <a:noFill/>
-                </a:ln>
-                <a:solidFill>
-                  <a:srgbClr val="7D9029"/>
-                </a:solidFill>
-                <a:effectLst/>
-                <a:latin typeface="Arial Unicode MS" panose="020B0604020202020204" pitchFamily="50" charset="-127"/>
-                <a:ea typeface="Courier New" panose="02070309020205020404" pitchFamily="49" charset="0"/>
-              </a:rPr>
-              <a:t>IRI=</a:t>
-            </a:r>
-            <a:r>
-              <a:rPr kumimoji="0" lang="ko-KR" altLang="ko-KR" sz="1400" b="0" i="0" u="none" strike="noStrike" cap="none" normalizeH="0" baseline="0" dirty="0" smtClean="0">
-                <a:ln>
-                  <a:noFill/>
-                </a:ln>
-                <a:solidFill>
-                  <a:srgbClr val="BA2121"/>
-                </a:solidFill>
-                <a:effectLst/>
-                <a:latin typeface="Arial Unicode MS" panose="020B0604020202020204" pitchFamily="50" charset="-127"/>
-                <a:ea typeface="Courier New" panose="02070309020205020404" pitchFamily="49" charset="0"/>
-              </a:rPr>
-              <a:t>"Tea"</a:t>
-            </a:r>
-            <a:r>
-              <a:rPr kumimoji="0" lang="ko-KR" altLang="ko-KR" sz="1400" b="1" i="0" u="none" strike="noStrike" cap="none" normalizeH="0" baseline="0" dirty="0" smtClean="0">
-                <a:ln>
-                  <a:noFill/>
-                </a:ln>
-                <a:solidFill>
-                  <a:srgbClr val="008000"/>
-                </a:solidFill>
-                <a:effectLst/>
-                <a:latin typeface="Arial Unicode MS" panose="020B0604020202020204" pitchFamily="50" charset="-127"/>
-                <a:ea typeface="Courier New" panose="02070309020205020404" pitchFamily="49" charset="0"/>
-              </a:rPr>
-              <a:t>/&gt;</a:t>
-            </a:r>
-            <a:r>
-              <a:rPr kumimoji="0" lang="ko-KR" altLang="ko-KR" sz="1400" b="0" i="0" u="none" strike="noStrike" cap="none" normalizeH="0" baseline="0" dirty="0" smtClean="0">
-                <a:ln>
-                  <a:noFill/>
-                </a:ln>
-                <a:solidFill>
-                  <a:srgbClr val="000000"/>
-                </a:solidFill>
-                <a:effectLst/>
-                <a:latin typeface="Arial Unicode MS" panose="020B0604020202020204" pitchFamily="50" charset="-127"/>
-                <a:ea typeface="Courier New" panose="02070309020205020404" pitchFamily="49" charset="0"/>
-              </a:rPr>
-              <a:t> </a:t>
-            </a:r>
-            <a:r>
-              <a:rPr kumimoji="0" lang="ko-KR" altLang="ko-KR" sz="1400" b="1" i="0" u="none" strike="noStrike" cap="none" normalizeH="0" baseline="0" dirty="0" smtClean="0">
-                <a:ln>
-                  <a:noFill/>
-                </a:ln>
-                <a:solidFill>
-                  <a:srgbClr val="008000"/>
-                </a:solidFill>
-                <a:effectLst/>
-                <a:latin typeface="Arial Unicode MS" panose="020B0604020202020204" pitchFamily="50" charset="-127"/>
-                <a:ea typeface="Courier New" panose="02070309020205020404" pitchFamily="49" charset="0"/>
-              </a:rPr>
-              <a:t>&lt;/Declaration&gt;</a:t>
-            </a:r>
-            <a:r>
-              <a:rPr kumimoji="0" lang="ko-KR" altLang="ko-KR" sz="1400" b="0" i="0" u="none" strike="noStrike" cap="none" normalizeH="0" baseline="0" dirty="0" smtClean="0">
-                <a:ln>
-                  <a:noFill/>
-                </a:ln>
-                <a:solidFill>
-                  <a:srgbClr val="000000"/>
-                </a:solidFill>
-                <a:effectLst/>
-                <a:latin typeface="Arial Unicode MS" panose="020B0604020202020204" pitchFamily="50" charset="-127"/>
-                <a:ea typeface="Courier New" panose="02070309020205020404" pitchFamily="49" charset="0"/>
-              </a:rPr>
-              <a:t> </a:t>
-            </a:r>
-            <a:endParaRPr kumimoji="0" lang="en-US" altLang="ko-KR" sz="1400" b="0" i="0" u="none" strike="noStrike" cap="none" normalizeH="0" baseline="0" dirty="0" smtClean="0">
-              <a:ln>
-                <a:noFill/>
-              </a:ln>
-              <a:solidFill>
-                <a:srgbClr val="000000"/>
-              </a:solidFill>
-              <a:effectLst/>
-              <a:latin typeface="Arial Unicode MS" panose="020B0604020202020204" pitchFamily="50" charset="-127"/>
-              <a:ea typeface="Courier New" panose="02070309020205020404" pitchFamily="49" charset="0"/>
-            </a:endParaRPr>
-          </a:p>
-          <a:p>
-            <a:pPr marL="0" marR="0" lvl="0" indent="0" algn="l" defTabSz="914400" rtl="0" eaLnBrk="0" fontAlgn="base" latinLnBrk="0" hangingPunct="0">
-              <a:lnSpc>
-                <a:spcPct val="100000"/>
-              </a:lnSpc>
-              <a:spcBef>
-                <a:spcPct val="0"/>
-              </a:spcBef>
-              <a:spcAft>
-                <a:spcPct val="0"/>
-              </a:spcAft>
-              <a:buClrTx/>
-              <a:buSzTx/>
-              <a:buFontTx/>
-              <a:buNone/>
-              <a:tabLst/>
-            </a:pPr>
-            <a:r>
-              <a:rPr kumimoji="0" lang="ko-KR" altLang="ko-KR" sz="1400" b="1" i="0" u="none" strike="noStrike" cap="none" normalizeH="0" baseline="0" dirty="0" smtClean="0">
-                <a:ln>
-                  <a:noFill/>
-                </a:ln>
-                <a:solidFill>
-                  <a:srgbClr val="008000"/>
-                </a:solidFill>
-                <a:effectLst/>
-                <a:latin typeface="Arial Unicode MS" panose="020B0604020202020204" pitchFamily="50" charset="-127"/>
-                <a:ea typeface="Courier New" panose="02070309020205020404" pitchFamily="49" charset="0"/>
-              </a:rPr>
-              <a:t>&lt;/Ontology&gt;</a:t>
-            </a:r>
-            <a:r>
-              <a:rPr kumimoji="0" lang="ko-KR" altLang="ko-KR" sz="1100" b="0" i="0" u="none" strike="noStrike" cap="none" normalizeH="0" baseline="0" dirty="0" smtClean="0">
-                <a:ln>
-                  <a:noFill/>
-                </a:ln>
-                <a:solidFill>
-                  <a:schemeClr val="tx1"/>
-                </a:solidFill>
-                <a:effectLst/>
-              </a:rPr>
-              <a:t> </a:t>
-            </a:r>
-            <a:endParaRPr kumimoji="0" lang="ko-KR" altLang="ko-KR" sz="3200" b="0" i="0" u="none" strike="noStrike" cap="none" normalizeH="0" baseline="0" dirty="0" smtClean="0">
-              <a:ln>
-                <a:noFill/>
-              </a:ln>
-              <a:solidFill>
-                <a:schemeClr val="tx1"/>
-              </a:solidFill>
-              <a:effectLst/>
-              <a:latin typeface="Arial" panose="020B0604020202020204" pitchFamily="34" charset="0"/>
-            </a:endParaRPr>
+              <a:rPr lang="en-US" altLang="ko-KR" dirty="0"/>
+              <a:t>et al</a:t>
+            </a:r>
+            <a:endParaRPr lang="en-US" altLang="ko-KR" dirty="0" smtClean="0"/>
+          </a:p>
+          <a:p>
+            <a:pPr lvl="1"/>
+            <a:r>
+              <a:rPr lang="en-US" altLang="ko-KR" dirty="0" smtClean="0"/>
+              <a:t>Used UMLS and lexical tool “DAD” to map natural language text to UMLS concepts.</a:t>
+            </a:r>
+            <a:endParaRPr lang="en-US" altLang="ko-KR" dirty="0" smtClean="0"/>
           </a:p>
         </p:txBody>
       </p:sp>
     </p:spTree>
     <p:extLst>
       <p:ext uri="{BB962C8B-B14F-4D97-AF65-F5344CB8AC3E}">
-        <p14:creationId xmlns:p14="http://schemas.microsoft.com/office/powerpoint/2010/main" val="677162255"/>
+        <p14:creationId xmlns:p14="http://schemas.microsoft.com/office/powerpoint/2010/main" val="1794000565"/>
       </p:ext>
     </p:extLst>
   </p:cSld>
@@ -9665,7 +13830,7 @@
     </a:clrScheme>
     <a:fontScheme name="Office">
       <a:majorFont>
-        <a:latin typeface="맑은 고딕" panose="020F0302020204030204"/>
+        <a:latin typeface="맑은 고딕"/>
         <a:ea typeface=""/>
         <a:cs typeface=""/>
         <a:font script="Jpan" typeface="ＭＳ Ｐゴシック"/>
@@ -9700,7 +13865,7 @@
         <a:font script="Geor" typeface="Sylfaen"/>
       </a:majorFont>
       <a:minorFont>
-        <a:latin typeface="맑은 고딕" panose="020F0502020204030204"/>
+        <a:latin typeface="맑은 고딕"/>
         <a:ea typeface=""/>
         <a:cs typeface=""/>
         <a:font script="Jpan" typeface="ＭＳ Ｐゴシック"/>
@@ -9877,7 +14042,7 @@
   <a:extraClrSchemeLst/>
   <a:extLst>
     <a:ext uri="{05A4C25C-085E-4340-85A3-A5531E510DB2}">
-      <thm15:themeFamily xmlns:thm15="http://schemas.microsoft.com/office/thememl/2012/main" name="Office Theme" id="{62F939B6-93AF-4DB8-9C6B-D6C7DFDC589F}" vid="{4A3C46E8-61CC-4603-A589-7422A47A8E4A}"/>
+      <thm15:themeFamily xmlns:thm15="http://schemas.microsoft.com/office/thememl/2012/main" xmlns="" name="Office Theme" id="{62F939B6-93AF-4DB8-9C6B-D6C7DFDC589F}" vid="{4A3C46E8-61CC-4603-A589-7422A47A8E4A}"/>
     </a:ext>
   </a:extLst>
 </a:theme>
@@ -9926,7 +14091,7 @@
     </a:clrScheme>
     <a:fontScheme name="Office">
       <a:majorFont>
-        <a:latin typeface="맑은 고딕" panose="020F0302020204030204"/>
+        <a:latin typeface="맑은 고딕"/>
         <a:ea typeface=""/>
         <a:cs typeface=""/>
         <a:font script="Jpan" typeface="ＭＳ Ｐゴシック"/>
@@ -9961,7 +14126,7 @@
         <a:font script="Geor" typeface="Sylfaen"/>
       </a:majorFont>
       <a:minorFont>
-        <a:latin typeface="맑은 고딕" panose="020F0502020204030204"/>
+        <a:latin typeface="맑은 고딕"/>
         <a:ea typeface=""/>
         <a:cs typeface=""/>
         <a:font script="Jpan" typeface="ＭＳ Ｐゴシック"/>
@@ -10138,7 +14303,7 @@
   <a:extraClrSchemeLst/>
   <a:extLst>
     <a:ext uri="{05A4C25C-085E-4340-85A3-A5531E510DB2}">
-      <thm15:themeFamily xmlns:thm15="http://schemas.microsoft.com/office/thememl/2012/main" name="Office Theme" id="{62F939B6-93AF-4DB8-9C6B-D6C7DFDC589F}" vid="{4A3C46E8-61CC-4603-A589-7422A47A8E4A}"/>
+      <thm15:themeFamily xmlns:thm15="http://schemas.microsoft.com/office/thememl/2012/main" xmlns="" name="Office Theme" id="{62F939B6-93AF-4DB8-9C6B-D6C7DFDC589F}" vid="{4A3C46E8-61CC-4603-A589-7422A47A8E4A}"/>
     </a:ext>
   </a:extLst>
 </a:theme>
